--- a/初级/04 实训教学PPT/00 项目介绍.pptx
+++ b/初级/04 实训教学PPT/00 项目介绍.pptx
@@ -2463,7 +2463,7 @@
           <p:cNvPr id="2" name="标题 1">
             <a:extLst>
               <a:ext uri="{FF2B5EF4-FFF2-40B4-BE49-F238E27FC236}">
-                <a16:creationId xmlns:a16="http://schemas.microsoft.com/office/drawing/2014/main" xmlns="" id="{58AD82F2-39C5-4632-863B-86E917E772B4}"/>
+                <a16:creationId xmlns="" xmlns:a16="http://schemas.microsoft.com/office/drawing/2014/main" id="{58AD82F2-39C5-4632-863B-86E917E772B4}"/>
               </a:ext>
             </a:extLst>
           </p:cNvPr>
@@ -2500,7 +2500,7 @@
           <p:cNvPr id="3" name="副标题 2">
             <a:extLst>
               <a:ext uri="{FF2B5EF4-FFF2-40B4-BE49-F238E27FC236}">
-                <a16:creationId xmlns:a16="http://schemas.microsoft.com/office/drawing/2014/main" xmlns="" id="{CB1CDAE4-1DEB-425F-BA83-B8EEB0EDF0DC}"/>
+                <a16:creationId xmlns="" xmlns:a16="http://schemas.microsoft.com/office/drawing/2014/main" id="{CB1CDAE4-1DEB-425F-BA83-B8EEB0EDF0DC}"/>
               </a:ext>
             </a:extLst>
           </p:cNvPr>
@@ -2570,7 +2570,7 @@
           <p:cNvPr id="4" name="日期占位符 3">
             <a:extLst>
               <a:ext uri="{FF2B5EF4-FFF2-40B4-BE49-F238E27FC236}">
-                <a16:creationId xmlns:a16="http://schemas.microsoft.com/office/drawing/2014/main" xmlns="" id="{C8C6855F-A92C-4BE2-8110-6220D8F73756}"/>
+                <a16:creationId xmlns="" xmlns:a16="http://schemas.microsoft.com/office/drawing/2014/main" id="{C8C6855F-A92C-4BE2-8110-6220D8F73756}"/>
               </a:ext>
             </a:extLst>
           </p:cNvPr>
@@ -2599,7 +2599,7 @@
           <p:cNvPr id="5" name="页脚占位符 4">
             <a:extLst>
               <a:ext uri="{FF2B5EF4-FFF2-40B4-BE49-F238E27FC236}">
-                <a16:creationId xmlns:a16="http://schemas.microsoft.com/office/drawing/2014/main" xmlns="" id="{B36D9860-E650-4483-B8B3-08AFD52E7092}"/>
+                <a16:creationId xmlns="" xmlns:a16="http://schemas.microsoft.com/office/drawing/2014/main" id="{B36D9860-E650-4483-B8B3-08AFD52E7092}"/>
               </a:ext>
             </a:extLst>
           </p:cNvPr>
@@ -2624,7 +2624,7 @@
           <p:cNvPr id="6" name="灯片编号占位符 5">
             <a:extLst>
               <a:ext uri="{FF2B5EF4-FFF2-40B4-BE49-F238E27FC236}">
-                <a16:creationId xmlns:a16="http://schemas.microsoft.com/office/drawing/2014/main" xmlns="" id="{30ADC914-9CCD-4664-B665-9A76111DFE70}"/>
+                <a16:creationId xmlns="" xmlns:a16="http://schemas.microsoft.com/office/drawing/2014/main" id="{30ADC914-9CCD-4664-B665-9A76111DFE70}"/>
               </a:ext>
             </a:extLst>
           </p:cNvPr>
@@ -2683,7 +2683,7 @@
           <p:cNvPr id="2" name="标题 1">
             <a:extLst>
               <a:ext uri="{FF2B5EF4-FFF2-40B4-BE49-F238E27FC236}">
-                <a16:creationId xmlns:a16="http://schemas.microsoft.com/office/drawing/2014/main" xmlns="" id="{852170D6-AF94-4FB6-A0A4-686F5D6ACFDD}"/>
+                <a16:creationId xmlns="" xmlns:a16="http://schemas.microsoft.com/office/drawing/2014/main" id="{852170D6-AF94-4FB6-A0A4-686F5D6ACFDD}"/>
               </a:ext>
             </a:extLst>
           </p:cNvPr>
@@ -2711,7 +2711,7 @@
           <p:cNvPr id="3" name="竖排文字占位符 2">
             <a:extLst>
               <a:ext uri="{FF2B5EF4-FFF2-40B4-BE49-F238E27FC236}">
-                <a16:creationId xmlns:a16="http://schemas.microsoft.com/office/drawing/2014/main" xmlns="" id="{7DD91983-55D7-4474-A586-1ABF0DB9E051}"/>
+                <a16:creationId xmlns="" xmlns:a16="http://schemas.microsoft.com/office/drawing/2014/main" id="{7DD91983-55D7-4474-A586-1ABF0DB9E051}"/>
               </a:ext>
             </a:extLst>
           </p:cNvPr>
@@ -2768,7 +2768,7 @@
           <p:cNvPr id="4" name="日期占位符 3">
             <a:extLst>
               <a:ext uri="{FF2B5EF4-FFF2-40B4-BE49-F238E27FC236}">
-                <a16:creationId xmlns:a16="http://schemas.microsoft.com/office/drawing/2014/main" xmlns="" id="{B55871B9-8BD6-4A9D-AD69-D1502A448D20}"/>
+                <a16:creationId xmlns="" xmlns:a16="http://schemas.microsoft.com/office/drawing/2014/main" id="{B55871B9-8BD6-4A9D-AD69-D1502A448D20}"/>
               </a:ext>
             </a:extLst>
           </p:cNvPr>
@@ -2797,7 +2797,7 @@
           <p:cNvPr id="5" name="页脚占位符 4">
             <a:extLst>
               <a:ext uri="{FF2B5EF4-FFF2-40B4-BE49-F238E27FC236}">
-                <a16:creationId xmlns:a16="http://schemas.microsoft.com/office/drawing/2014/main" xmlns="" id="{BEA05B9A-4323-4A07-A51B-6298930F93F4}"/>
+                <a16:creationId xmlns="" xmlns:a16="http://schemas.microsoft.com/office/drawing/2014/main" id="{BEA05B9A-4323-4A07-A51B-6298930F93F4}"/>
               </a:ext>
             </a:extLst>
           </p:cNvPr>
@@ -2822,7 +2822,7 @@
           <p:cNvPr id="6" name="灯片编号占位符 5">
             <a:extLst>
               <a:ext uri="{FF2B5EF4-FFF2-40B4-BE49-F238E27FC236}">
-                <a16:creationId xmlns:a16="http://schemas.microsoft.com/office/drawing/2014/main" xmlns="" id="{4503D06D-B6EA-4C6D-AE80-D987866FA101}"/>
+                <a16:creationId xmlns="" xmlns:a16="http://schemas.microsoft.com/office/drawing/2014/main" id="{4503D06D-B6EA-4C6D-AE80-D987866FA101}"/>
               </a:ext>
             </a:extLst>
           </p:cNvPr>
@@ -2881,7 +2881,7 @@
           <p:cNvPr id="2" name="竖排标题 1">
             <a:extLst>
               <a:ext uri="{FF2B5EF4-FFF2-40B4-BE49-F238E27FC236}">
-                <a16:creationId xmlns:a16="http://schemas.microsoft.com/office/drawing/2014/main" xmlns="" id="{B963FFFD-0126-43D2-9A3E-655BA5EC6953}"/>
+                <a16:creationId xmlns="" xmlns:a16="http://schemas.microsoft.com/office/drawing/2014/main" id="{B963FFFD-0126-43D2-9A3E-655BA5EC6953}"/>
               </a:ext>
             </a:extLst>
           </p:cNvPr>
@@ -2914,7 +2914,7 @@
           <p:cNvPr id="3" name="竖排文字占位符 2">
             <a:extLst>
               <a:ext uri="{FF2B5EF4-FFF2-40B4-BE49-F238E27FC236}">
-                <a16:creationId xmlns:a16="http://schemas.microsoft.com/office/drawing/2014/main" xmlns="" id="{C9C0AA40-3743-4C7D-9361-E3606AE04F0F}"/>
+                <a16:creationId xmlns="" xmlns:a16="http://schemas.microsoft.com/office/drawing/2014/main" id="{C9C0AA40-3743-4C7D-9361-E3606AE04F0F}"/>
               </a:ext>
             </a:extLst>
           </p:cNvPr>
@@ -2976,7 +2976,7 @@
           <p:cNvPr id="4" name="日期占位符 3">
             <a:extLst>
               <a:ext uri="{FF2B5EF4-FFF2-40B4-BE49-F238E27FC236}">
-                <a16:creationId xmlns:a16="http://schemas.microsoft.com/office/drawing/2014/main" xmlns="" id="{C62A8C37-5E81-4CBC-A184-20A8D3B0A2AF}"/>
+                <a16:creationId xmlns="" xmlns:a16="http://schemas.microsoft.com/office/drawing/2014/main" id="{C62A8C37-5E81-4CBC-A184-20A8D3B0A2AF}"/>
               </a:ext>
             </a:extLst>
           </p:cNvPr>
@@ -3005,7 +3005,7 @@
           <p:cNvPr id="5" name="页脚占位符 4">
             <a:extLst>
               <a:ext uri="{FF2B5EF4-FFF2-40B4-BE49-F238E27FC236}">
-                <a16:creationId xmlns:a16="http://schemas.microsoft.com/office/drawing/2014/main" xmlns="" id="{315F342D-1A3D-4736-8B07-79E08B7ADFCF}"/>
+                <a16:creationId xmlns="" xmlns:a16="http://schemas.microsoft.com/office/drawing/2014/main" id="{315F342D-1A3D-4736-8B07-79E08B7ADFCF}"/>
               </a:ext>
             </a:extLst>
           </p:cNvPr>
@@ -3030,7 +3030,7 @@
           <p:cNvPr id="6" name="灯片编号占位符 5">
             <a:extLst>
               <a:ext uri="{FF2B5EF4-FFF2-40B4-BE49-F238E27FC236}">
-                <a16:creationId xmlns:a16="http://schemas.microsoft.com/office/drawing/2014/main" xmlns="" id="{7A36D4F8-4B57-4220-892E-8F7ECC378588}"/>
+                <a16:creationId xmlns="" xmlns:a16="http://schemas.microsoft.com/office/drawing/2014/main" id="{7A36D4F8-4B57-4220-892E-8F7ECC378588}"/>
               </a:ext>
             </a:extLst>
           </p:cNvPr>
@@ -3089,7 +3089,7 @@
           <p:cNvPr id="2" name="标题 1">
             <a:extLst>
               <a:ext uri="{FF2B5EF4-FFF2-40B4-BE49-F238E27FC236}">
-                <a16:creationId xmlns:a16="http://schemas.microsoft.com/office/drawing/2014/main" xmlns="" id="{77A67125-B2FE-486F-97C5-CCE818C6ED02}"/>
+                <a16:creationId xmlns="" xmlns:a16="http://schemas.microsoft.com/office/drawing/2014/main" id="{77A67125-B2FE-486F-97C5-CCE818C6ED02}"/>
               </a:ext>
             </a:extLst>
           </p:cNvPr>
@@ -3117,7 +3117,7 @@
           <p:cNvPr id="3" name="内容占位符 2">
             <a:extLst>
               <a:ext uri="{FF2B5EF4-FFF2-40B4-BE49-F238E27FC236}">
-                <a16:creationId xmlns:a16="http://schemas.microsoft.com/office/drawing/2014/main" xmlns="" id="{F00F8CA4-2B08-4AAF-A7D9-7B707ED21D2B}"/>
+                <a16:creationId xmlns="" xmlns:a16="http://schemas.microsoft.com/office/drawing/2014/main" id="{F00F8CA4-2B08-4AAF-A7D9-7B707ED21D2B}"/>
               </a:ext>
             </a:extLst>
           </p:cNvPr>
@@ -3174,7 +3174,7 @@
           <p:cNvPr id="4" name="日期占位符 3">
             <a:extLst>
               <a:ext uri="{FF2B5EF4-FFF2-40B4-BE49-F238E27FC236}">
-                <a16:creationId xmlns:a16="http://schemas.microsoft.com/office/drawing/2014/main" xmlns="" id="{A3A6E599-1CBD-4148-8CAB-397A8B0CD609}"/>
+                <a16:creationId xmlns="" xmlns:a16="http://schemas.microsoft.com/office/drawing/2014/main" id="{A3A6E599-1CBD-4148-8CAB-397A8B0CD609}"/>
               </a:ext>
             </a:extLst>
           </p:cNvPr>
@@ -3203,7 +3203,7 @@
           <p:cNvPr id="5" name="页脚占位符 4">
             <a:extLst>
               <a:ext uri="{FF2B5EF4-FFF2-40B4-BE49-F238E27FC236}">
-                <a16:creationId xmlns:a16="http://schemas.microsoft.com/office/drawing/2014/main" xmlns="" id="{FFE9ABD3-E7E6-4E9E-ACD7-808B0C9CD723}"/>
+                <a16:creationId xmlns="" xmlns:a16="http://schemas.microsoft.com/office/drawing/2014/main" id="{FFE9ABD3-E7E6-4E9E-ACD7-808B0C9CD723}"/>
               </a:ext>
             </a:extLst>
           </p:cNvPr>
@@ -3228,7 +3228,7 @@
           <p:cNvPr id="6" name="灯片编号占位符 5">
             <a:extLst>
               <a:ext uri="{FF2B5EF4-FFF2-40B4-BE49-F238E27FC236}">
-                <a16:creationId xmlns:a16="http://schemas.microsoft.com/office/drawing/2014/main" xmlns="" id="{A2707A20-BB0B-4EAB-8853-6FEBDA7FEBBE}"/>
+                <a16:creationId xmlns="" xmlns:a16="http://schemas.microsoft.com/office/drawing/2014/main" id="{A2707A20-BB0B-4EAB-8853-6FEBDA7FEBBE}"/>
               </a:ext>
             </a:extLst>
           </p:cNvPr>
@@ -3287,7 +3287,7 @@
           <p:cNvPr id="2" name="标题 1">
             <a:extLst>
               <a:ext uri="{FF2B5EF4-FFF2-40B4-BE49-F238E27FC236}">
-                <a16:creationId xmlns:a16="http://schemas.microsoft.com/office/drawing/2014/main" xmlns="" id="{168674F7-5961-46B7-8F1A-DBD12E7F3388}"/>
+                <a16:creationId xmlns="" xmlns:a16="http://schemas.microsoft.com/office/drawing/2014/main" id="{168674F7-5961-46B7-8F1A-DBD12E7F3388}"/>
               </a:ext>
             </a:extLst>
           </p:cNvPr>
@@ -3324,7 +3324,7 @@
           <p:cNvPr id="3" name="文本占位符 2">
             <a:extLst>
               <a:ext uri="{FF2B5EF4-FFF2-40B4-BE49-F238E27FC236}">
-                <a16:creationId xmlns:a16="http://schemas.microsoft.com/office/drawing/2014/main" xmlns="" id="{1BAAD57C-FDEA-46F5-8367-39980210B619}"/>
+                <a16:creationId xmlns="" xmlns:a16="http://schemas.microsoft.com/office/drawing/2014/main" id="{1BAAD57C-FDEA-46F5-8367-39980210B619}"/>
               </a:ext>
             </a:extLst>
           </p:cNvPr>
@@ -3449,7 +3449,7 @@
           <p:cNvPr id="4" name="日期占位符 3">
             <a:extLst>
               <a:ext uri="{FF2B5EF4-FFF2-40B4-BE49-F238E27FC236}">
-                <a16:creationId xmlns:a16="http://schemas.microsoft.com/office/drawing/2014/main" xmlns="" id="{AAED3F26-AD40-40BE-8C10-0EB6B11DDF40}"/>
+                <a16:creationId xmlns="" xmlns:a16="http://schemas.microsoft.com/office/drawing/2014/main" id="{AAED3F26-AD40-40BE-8C10-0EB6B11DDF40}"/>
               </a:ext>
             </a:extLst>
           </p:cNvPr>
@@ -3478,7 +3478,7 @@
           <p:cNvPr id="5" name="页脚占位符 4">
             <a:extLst>
               <a:ext uri="{FF2B5EF4-FFF2-40B4-BE49-F238E27FC236}">
-                <a16:creationId xmlns:a16="http://schemas.microsoft.com/office/drawing/2014/main" xmlns="" id="{E03B1BEB-8E69-442C-AB74-FF24B23F13FC}"/>
+                <a16:creationId xmlns="" xmlns:a16="http://schemas.microsoft.com/office/drawing/2014/main" id="{E03B1BEB-8E69-442C-AB74-FF24B23F13FC}"/>
               </a:ext>
             </a:extLst>
           </p:cNvPr>
@@ -3503,7 +3503,7 @@
           <p:cNvPr id="6" name="灯片编号占位符 5">
             <a:extLst>
               <a:ext uri="{FF2B5EF4-FFF2-40B4-BE49-F238E27FC236}">
-                <a16:creationId xmlns:a16="http://schemas.microsoft.com/office/drawing/2014/main" xmlns="" id="{08E3A76D-2F3B-4103-BCB4-4FEBBCAEDE9D}"/>
+                <a16:creationId xmlns="" xmlns:a16="http://schemas.microsoft.com/office/drawing/2014/main" id="{08E3A76D-2F3B-4103-BCB4-4FEBBCAEDE9D}"/>
               </a:ext>
             </a:extLst>
           </p:cNvPr>
@@ -3562,7 +3562,7 @@
           <p:cNvPr id="2" name="标题 1">
             <a:extLst>
               <a:ext uri="{FF2B5EF4-FFF2-40B4-BE49-F238E27FC236}">
-                <a16:creationId xmlns:a16="http://schemas.microsoft.com/office/drawing/2014/main" xmlns="" id="{B6CABE8D-53E8-4AFF-B9C7-84FB4822C299}"/>
+                <a16:creationId xmlns="" xmlns:a16="http://schemas.microsoft.com/office/drawing/2014/main" id="{B6CABE8D-53E8-4AFF-B9C7-84FB4822C299}"/>
               </a:ext>
             </a:extLst>
           </p:cNvPr>
@@ -3590,7 +3590,7 @@
           <p:cNvPr id="3" name="内容占位符 2">
             <a:extLst>
               <a:ext uri="{FF2B5EF4-FFF2-40B4-BE49-F238E27FC236}">
-                <a16:creationId xmlns:a16="http://schemas.microsoft.com/office/drawing/2014/main" xmlns="" id="{6649AA90-FC88-48B3-835E-915CFBB78E1C}"/>
+                <a16:creationId xmlns="" xmlns:a16="http://schemas.microsoft.com/office/drawing/2014/main" id="{6649AA90-FC88-48B3-835E-915CFBB78E1C}"/>
               </a:ext>
             </a:extLst>
           </p:cNvPr>
@@ -3652,7 +3652,7 @@
           <p:cNvPr id="4" name="内容占位符 3">
             <a:extLst>
               <a:ext uri="{FF2B5EF4-FFF2-40B4-BE49-F238E27FC236}">
-                <a16:creationId xmlns:a16="http://schemas.microsoft.com/office/drawing/2014/main" xmlns="" id="{738B0FAA-A538-4367-B954-55C7F8C87436}"/>
+                <a16:creationId xmlns="" xmlns:a16="http://schemas.microsoft.com/office/drawing/2014/main" id="{738B0FAA-A538-4367-B954-55C7F8C87436}"/>
               </a:ext>
             </a:extLst>
           </p:cNvPr>
@@ -3714,7 +3714,7 @@
           <p:cNvPr id="5" name="日期占位符 4">
             <a:extLst>
               <a:ext uri="{FF2B5EF4-FFF2-40B4-BE49-F238E27FC236}">
-                <a16:creationId xmlns:a16="http://schemas.microsoft.com/office/drawing/2014/main" xmlns="" id="{704503F7-B0C2-4942-BD48-D7DFE72A8C98}"/>
+                <a16:creationId xmlns="" xmlns:a16="http://schemas.microsoft.com/office/drawing/2014/main" id="{704503F7-B0C2-4942-BD48-D7DFE72A8C98}"/>
               </a:ext>
             </a:extLst>
           </p:cNvPr>
@@ -3743,7 +3743,7 @@
           <p:cNvPr id="6" name="页脚占位符 5">
             <a:extLst>
               <a:ext uri="{FF2B5EF4-FFF2-40B4-BE49-F238E27FC236}">
-                <a16:creationId xmlns:a16="http://schemas.microsoft.com/office/drawing/2014/main" xmlns="" id="{0FBBBA88-CF01-4B5A-A2C6-EA199612130F}"/>
+                <a16:creationId xmlns="" xmlns:a16="http://schemas.microsoft.com/office/drawing/2014/main" id="{0FBBBA88-CF01-4B5A-A2C6-EA199612130F}"/>
               </a:ext>
             </a:extLst>
           </p:cNvPr>
@@ -3768,7 +3768,7 @@
           <p:cNvPr id="7" name="灯片编号占位符 6">
             <a:extLst>
               <a:ext uri="{FF2B5EF4-FFF2-40B4-BE49-F238E27FC236}">
-                <a16:creationId xmlns:a16="http://schemas.microsoft.com/office/drawing/2014/main" xmlns="" id="{F0C75453-60A5-4E17-A80B-8587D36F2D24}"/>
+                <a16:creationId xmlns="" xmlns:a16="http://schemas.microsoft.com/office/drawing/2014/main" id="{F0C75453-60A5-4E17-A80B-8587D36F2D24}"/>
               </a:ext>
             </a:extLst>
           </p:cNvPr>
@@ -3827,7 +3827,7 @@
           <p:cNvPr id="2" name="标题 1">
             <a:extLst>
               <a:ext uri="{FF2B5EF4-FFF2-40B4-BE49-F238E27FC236}">
-                <a16:creationId xmlns:a16="http://schemas.microsoft.com/office/drawing/2014/main" xmlns="" id="{805EED50-99A0-4EDD-ACA6-CCD939FA5D78}"/>
+                <a16:creationId xmlns="" xmlns:a16="http://schemas.microsoft.com/office/drawing/2014/main" id="{805EED50-99A0-4EDD-ACA6-CCD939FA5D78}"/>
               </a:ext>
             </a:extLst>
           </p:cNvPr>
@@ -3860,7 +3860,7 @@
           <p:cNvPr id="3" name="文本占位符 2">
             <a:extLst>
               <a:ext uri="{FF2B5EF4-FFF2-40B4-BE49-F238E27FC236}">
-                <a16:creationId xmlns:a16="http://schemas.microsoft.com/office/drawing/2014/main" xmlns="" id="{2EB04D67-67AD-4171-A83C-0945B7C4B3B8}"/>
+                <a16:creationId xmlns="" xmlns:a16="http://schemas.microsoft.com/office/drawing/2014/main" id="{2EB04D67-67AD-4171-A83C-0945B7C4B3B8}"/>
               </a:ext>
             </a:extLst>
           </p:cNvPr>
@@ -3931,7 +3931,7 @@
           <p:cNvPr id="4" name="内容占位符 3">
             <a:extLst>
               <a:ext uri="{FF2B5EF4-FFF2-40B4-BE49-F238E27FC236}">
-                <a16:creationId xmlns:a16="http://schemas.microsoft.com/office/drawing/2014/main" xmlns="" id="{57758281-C1BB-4B43-A21E-2562BDCDAA49}"/>
+                <a16:creationId xmlns="" xmlns:a16="http://schemas.microsoft.com/office/drawing/2014/main" id="{57758281-C1BB-4B43-A21E-2562BDCDAA49}"/>
               </a:ext>
             </a:extLst>
           </p:cNvPr>
@@ -3993,7 +3993,7 @@
           <p:cNvPr id="5" name="文本占位符 4">
             <a:extLst>
               <a:ext uri="{FF2B5EF4-FFF2-40B4-BE49-F238E27FC236}">
-                <a16:creationId xmlns:a16="http://schemas.microsoft.com/office/drawing/2014/main" xmlns="" id="{079D1CCB-D3C3-43E6-AB3A-43182E8B770A}"/>
+                <a16:creationId xmlns="" xmlns:a16="http://schemas.microsoft.com/office/drawing/2014/main" id="{079D1CCB-D3C3-43E6-AB3A-43182E8B770A}"/>
               </a:ext>
             </a:extLst>
           </p:cNvPr>
@@ -4064,7 +4064,7 @@
           <p:cNvPr id="6" name="内容占位符 5">
             <a:extLst>
               <a:ext uri="{FF2B5EF4-FFF2-40B4-BE49-F238E27FC236}">
-                <a16:creationId xmlns:a16="http://schemas.microsoft.com/office/drawing/2014/main" xmlns="" id="{E1454D2C-0C64-42A7-A533-BFBFD74EAFAC}"/>
+                <a16:creationId xmlns="" xmlns:a16="http://schemas.microsoft.com/office/drawing/2014/main" id="{E1454D2C-0C64-42A7-A533-BFBFD74EAFAC}"/>
               </a:ext>
             </a:extLst>
           </p:cNvPr>
@@ -4126,7 +4126,7 @@
           <p:cNvPr id="7" name="日期占位符 6">
             <a:extLst>
               <a:ext uri="{FF2B5EF4-FFF2-40B4-BE49-F238E27FC236}">
-                <a16:creationId xmlns:a16="http://schemas.microsoft.com/office/drawing/2014/main" xmlns="" id="{4C7F2A3E-2FBF-49B9-95AC-F7BE3F0D293E}"/>
+                <a16:creationId xmlns="" xmlns:a16="http://schemas.microsoft.com/office/drawing/2014/main" id="{4C7F2A3E-2FBF-49B9-95AC-F7BE3F0D293E}"/>
               </a:ext>
             </a:extLst>
           </p:cNvPr>
@@ -4155,7 +4155,7 @@
           <p:cNvPr id="8" name="页脚占位符 7">
             <a:extLst>
               <a:ext uri="{FF2B5EF4-FFF2-40B4-BE49-F238E27FC236}">
-                <a16:creationId xmlns:a16="http://schemas.microsoft.com/office/drawing/2014/main" xmlns="" id="{D5C35069-DFE8-4863-A7B6-0245124BEBAD}"/>
+                <a16:creationId xmlns="" xmlns:a16="http://schemas.microsoft.com/office/drawing/2014/main" id="{D5C35069-DFE8-4863-A7B6-0245124BEBAD}"/>
               </a:ext>
             </a:extLst>
           </p:cNvPr>
@@ -4180,7 +4180,7 @@
           <p:cNvPr id="9" name="灯片编号占位符 8">
             <a:extLst>
               <a:ext uri="{FF2B5EF4-FFF2-40B4-BE49-F238E27FC236}">
-                <a16:creationId xmlns:a16="http://schemas.microsoft.com/office/drawing/2014/main" xmlns="" id="{7A6932B8-BE66-4CE0-BD59-1E639C75C71D}"/>
+                <a16:creationId xmlns="" xmlns:a16="http://schemas.microsoft.com/office/drawing/2014/main" id="{7A6932B8-BE66-4CE0-BD59-1E639C75C71D}"/>
               </a:ext>
             </a:extLst>
           </p:cNvPr>
@@ -4239,7 +4239,7 @@
           <p:cNvPr id="2" name="标题 1">
             <a:extLst>
               <a:ext uri="{FF2B5EF4-FFF2-40B4-BE49-F238E27FC236}">
-                <a16:creationId xmlns:a16="http://schemas.microsoft.com/office/drawing/2014/main" xmlns="" id="{718D2F38-7897-473B-B4E9-712975A531CE}"/>
+                <a16:creationId xmlns="" xmlns:a16="http://schemas.microsoft.com/office/drawing/2014/main" id="{718D2F38-7897-473B-B4E9-712975A531CE}"/>
               </a:ext>
             </a:extLst>
           </p:cNvPr>
@@ -4267,7 +4267,7 @@
           <p:cNvPr id="3" name="日期占位符 2">
             <a:extLst>
               <a:ext uri="{FF2B5EF4-FFF2-40B4-BE49-F238E27FC236}">
-                <a16:creationId xmlns:a16="http://schemas.microsoft.com/office/drawing/2014/main" xmlns="" id="{CAD92658-C265-42FA-9B81-70EA2329EDAD}"/>
+                <a16:creationId xmlns="" xmlns:a16="http://schemas.microsoft.com/office/drawing/2014/main" id="{CAD92658-C265-42FA-9B81-70EA2329EDAD}"/>
               </a:ext>
             </a:extLst>
           </p:cNvPr>
@@ -4296,7 +4296,7 @@
           <p:cNvPr id="4" name="页脚占位符 3">
             <a:extLst>
               <a:ext uri="{FF2B5EF4-FFF2-40B4-BE49-F238E27FC236}">
-                <a16:creationId xmlns:a16="http://schemas.microsoft.com/office/drawing/2014/main" xmlns="" id="{94255837-0DBD-4908-8A9F-DDDFBD9D9F84}"/>
+                <a16:creationId xmlns="" xmlns:a16="http://schemas.microsoft.com/office/drawing/2014/main" id="{94255837-0DBD-4908-8A9F-DDDFBD9D9F84}"/>
               </a:ext>
             </a:extLst>
           </p:cNvPr>
@@ -4321,7 +4321,7 @@
           <p:cNvPr id="5" name="灯片编号占位符 4">
             <a:extLst>
               <a:ext uri="{FF2B5EF4-FFF2-40B4-BE49-F238E27FC236}">
-                <a16:creationId xmlns:a16="http://schemas.microsoft.com/office/drawing/2014/main" xmlns="" id="{85619D09-9F9E-470E-AD58-F10CD3B11DE5}"/>
+                <a16:creationId xmlns="" xmlns:a16="http://schemas.microsoft.com/office/drawing/2014/main" id="{85619D09-9F9E-470E-AD58-F10CD3B11DE5}"/>
               </a:ext>
             </a:extLst>
           </p:cNvPr>
@@ -4380,7 +4380,7 @@
           <p:cNvPr id="2" name="日期占位符 1">
             <a:extLst>
               <a:ext uri="{FF2B5EF4-FFF2-40B4-BE49-F238E27FC236}">
-                <a16:creationId xmlns:a16="http://schemas.microsoft.com/office/drawing/2014/main" xmlns="" id="{D12153B3-68FB-4A05-B9A3-A18FEEAC5D03}"/>
+                <a16:creationId xmlns="" xmlns:a16="http://schemas.microsoft.com/office/drawing/2014/main" id="{D12153B3-68FB-4A05-B9A3-A18FEEAC5D03}"/>
               </a:ext>
             </a:extLst>
           </p:cNvPr>
@@ -4409,7 +4409,7 @@
           <p:cNvPr id="3" name="页脚占位符 2">
             <a:extLst>
               <a:ext uri="{FF2B5EF4-FFF2-40B4-BE49-F238E27FC236}">
-                <a16:creationId xmlns:a16="http://schemas.microsoft.com/office/drawing/2014/main" xmlns="" id="{FA3C5039-806C-43BE-9804-1506F932641E}"/>
+                <a16:creationId xmlns="" xmlns:a16="http://schemas.microsoft.com/office/drawing/2014/main" id="{FA3C5039-806C-43BE-9804-1506F932641E}"/>
               </a:ext>
             </a:extLst>
           </p:cNvPr>
@@ -4434,7 +4434,7 @@
           <p:cNvPr id="4" name="灯片编号占位符 3">
             <a:extLst>
               <a:ext uri="{FF2B5EF4-FFF2-40B4-BE49-F238E27FC236}">
-                <a16:creationId xmlns:a16="http://schemas.microsoft.com/office/drawing/2014/main" xmlns="" id="{1BC7C094-9AFF-428A-832A-157842DB4170}"/>
+                <a16:creationId xmlns="" xmlns:a16="http://schemas.microsoft.com/office/drawing/2014/main" id="{1BC7C094-9AFF-428A-832A-157842DB4170}"/>
               </a:ext>
             </a:extLst>
           </p:cNvPr>
@@ -4493,7 +4493,7 @@
           <p:cNvPr id="2" name="标题 1">
             <a:extLst>
               <a:ext uri="{FF2B5EF4-FFF2-40B4-BE49-F238E27FC236}">
-                <a16:creationId xmlns:a16="http://schemas.microsoft.com/office/drawing/2014/main" xmlns="" id="{2B08F286-F64C-4870-88F7-10C360167334}"/>
+                <a16:creationId xmlns="" xmlns:a16="http://schemas.microsoft.com/office/drawing/2014/main" id="{2B08F286-F64C-4870-88F7-10C360167334}"/>
               </a:ext>
             </a:extLst>
           </p:cNvPr>
@@ -4530,7 +4530,7 @@
           <p:cNvPr id="3" name="内容占位符 2">
             <a:extLst>
               <a:ext uri="{FF2B5EF4-FFF2-40B4-BE49-F238E27FC236}">
-                <a16:creationId xmlns:a16="http://schemas.microsoft.com/office/drawing/2014/main" xmlns="" id="{D3FE933D-4727-416D-A82A-C29AAB0EDB8D}"/>
+                <a16:creationId xmlns="" xmlns:a16="http://schemas.microsoft.com/office/drawing/2014/main" id="{D3FE933D-4727-416D-A82A-C29AAB0EDB8D}"/>
               </a:ext>
             </a:extLst>
           </p:cNvPr>
@@ -4620,7 +4620,7 @@
           <p:cNvPr id="4" name="文本占位符 3">
             <a:extLst>
               <a:ext uri="{FF2B5EF4-FFF2-40B4-BE49-F238E27FC236}">
-                <a16:creationId xmlns:a16="http://schemas.microsoft.com/office/drawing/2014/main" xmlns="" id="{A6FAF2F3-FE62-428D-8756-41E3835DC25E}"/>
+                <a16:creationId xmlns="" xmlns:a16="http://schemas.microsoft.com/office/drawing/2014/main" id="{A6FAF2F3-FE62-428D-8756-41E3835DC25E}"/>
               </a:ext>
             </a:extLst>
           </p:cNvPr>
@@ -4691,7 +4691,7 @@
           <p:cNvPr id="5" name="日期占位符 4">
             <a:extLst>
               <a:ext uri="{FF2B5EF4-FFF2-40B4-BE49-F238E27FC236}">
-                <a16:creationId xmlns:a16="http://schemas.microsoft.com/office/drawing/2014/main" xmlns="" id="{E2D35A69-A54E-4435-B9D1-89BBE334BEF2}"/>
+                <a16:creationId xmlns="" xmlns:a16="http://schemas.microsoft.com/office/drawing/2014/main" id="{E2D35A69-A54E-4435-B9D1-89BBE334BEF2}"/>
               </a:ext>
             </a:extLst>
           </p:cNvPr>
@@ -4720,7 +4720,7 @@
           <p:cNvPr id="6" name="页脚占位符 5">
             <a:extLst>
               <a:ext uri="{FF2B5EF4-FFF2-40B4-BE49-F238E27FC236}">
-                <a16:creationId xmlns:a16="http://schemas.microsoft.com/office/drawing/2014/main" xmlns="" id="{6F8B23CE-5E89-406C-9C48-F3BBBF2CB863}"/>
+                <a16:creationId xmlns="" xmlns:a16="http://schemas.microsoft.com/office/drawing/2014/main" id="{6F8B23CE-5E89-406C-9C48-F3BBBF2CB863}"/>
               </a:ext>
             </a:extLst>
           </p:cNvPr>
@@ -4745,7 +4745,7 @@
           <p:cNvPr id="7" name="灯片编号占位符 6">
             <a:extLst>
               <a:ext uri="{FF2B5EF4-FFF2-40B4-BE49-F238E27FC236}">
-                <a16:creationId xmlns:a16="http://schemas.microsoft.com/office/drawing/2014/main" xmlns="" id="{EDC18F40-8ADB-417B-B7DB-57A1E8BA1C99}"/>
+                <a16:creationId xmlns="" xmlns:a16="http://schemas.microsoft.com/office/drawing/2014/main" id="{EDC18F40-8ADB-417B-B7DB-57A1E8BA1C99}"/>
               </a:ext>
             </a:extLst>
           </p:cNvPr>
@@ -4804,7 +4804,7 @@
           <p:cNvPr id="2" name="标题 1">
             <a:extLst>
               <a:ext uri="{FF2B5EF4-FFF2-40B4-BE49-F238E27FC236}">
-                <a16:creationId xmlns:a16="http://schemas.microsoft.com/office/drawing/2014/main" xmlns="" id="{488BA2E3-0B0A-4253-BAD7-BB530386E5FA}"/>
+                <a16:creationId xmlns="" xmlns:a16="http://schemas.microsoft.com/office/drawing/2014/main" id="{488BA2E3-0B0A-4253-BAD7-BB530386E5FA}"/>
               </a:ext>
             </a:extLst>
           </p:cNvPr>
@@ -4841,7 +4841,7 @@
           <p:cNvPr id="3" name="图片占位符 2">
             <a:extLst>
               <a:ext uri="{FF2B5EF4-FFF2-40B4-BE49-F238E27FC236}">
-                <a16:creationId xmlns:a16="http://schemas.microsoft.com/office/drawing/2014/main" xmlns="" id="{0084F7EB-29D8-40BB-AC03-A22F1DFC4A6D}"/>
+                <a16:creationId xmlns="" xmlns:a16="http://schemas.microsoft.com/office/drawing/2014/main" id="{0084F7EB-29D8-40BB-AC03-A22F1DFC4A6D}"/>
               </a:ext>
             </a:extLst>
           </p:cNvPr>
@@ -4908,7 +4908,7 @@
           <p:cNvPr id="4" name="文本占位符 3">
             <a:extLst>
               <a:ext uri="{FF2B5EF4-FFF2-40B4-BE49-F238E27FC236}">
-                <a16:creationId xmlns:a16="http://schemas.microsoft.com/office/drawing/2014/main" xmlns="" id="{3BE7DE1E-3517-490F-A8EF-6448D38FB809}"/>
+                <a16:creationId xmlns="" xmlns:a16="http://schemas.microsoft.com/office/drawing/2014/main" id="{3BE7DE1E-3517-490F-A8EF-6448D38FB809}"/>
               </a:ext>
             </a:extLst>
           </p:cNvPr>
@@ -4979,7 +4979,7 @@
           <p:cNvPr id="5" name="日期占位符 4">
             <a:extLst>
               <a:ext uri="{FF2B5EF4-FFF2-40B4-BE49-F238E27FC236}">
-                <a16:creationId xmlns:a16="http://schemas.microsoft.com/office/drawing/2014/main" xmlns="" id="{14CD8BFA-42E8-48D3-9EFB-0DC4071F91C9}"/>
+                <a16:creationId xmlns="" xmlns:a16="http://schemas.microsoft.com/office/drawing/2014/main" id="{14CD8BFA-42E8-48D3-9EFB-0DC4071F91C9}"/>
               </a:ext>
             </a:extLst>
           </p:cNvPr>
@@ -5008,7 +5008,7 @@
           <p:cNvPr id="6" name="页脚占位符 5">
             <a:extLst>
               <a:ext uri="{FF2B5EF4-FFF2-40B4-BE49-F238E27FC236}">
-                <a16:creationId xmlns:a16="http://schemas.microsoft.com/office/drawing/2014/main" xmlns="" id="{D6698982-B4A3-4CA4-90E9-6461490C595A}"/>
+                <a16:creationId xmlns="" xmlns:a16="http://schemas.microsoft.com/office/drawing/2014/main" id="{D6698982-B4A3-4CA4-90E9-6461490C595A}"/>
               </a:ext>
             </a:extLst>
           </p:cNvPr>
@@ -5033,7 +5033,7 @@
           <p:cNvPr id="7" name="灯片编号占位符 6">
             <a:extLst>
               <a:ext uri="{FF2B5EF4-FFF2-40B4-BE49-F238E27FC236}">
-                <a16:creationId xmlns:a16="http://schemas.microsoft.com/office/drawing/2014/main" xmlns="" id="{25A6C0F7-82A6-4AAB-96F4-67C7FB493799}"/>
+                <a16:creationId xmlns="" xmlns:a16="http://schemas.microsoft.com/office/drawing/2014/main" id="{25A6C0F7-82A6-4AAB-96F4-67C7FB493799}"/>
               </a:ext>
             </a:extLst>
           </p:cNvPr>
@@ -5097,7 +5097,7 @@
           <p:cNvPr id="2" name="标题占位符 1">
             <a:extLst>
               <a:ext uri="{FF2B5EF4-FFF2-40B4-BE49-F238E27FC236}">
-                <a16:creationId xmlns:a16="http://schemas.microsoft.com/office/drawing/2014/main" xmlns="" id="{B6173B51-78F1-409D-B4B3-603559D65998}"/>
+                <a16:creationId xmlns="" xmlns:a16="http://schemas.microsoft.com/office/drawing/2014/main" id="{B6173B51-78F1-409D-B4B3-603559D65998}"/>
               </a:ext>
             </a:extLst>
           </p:cNvPr>
@@ -5135,7 +5135,7 @@
           <p:cNvPr id="3" name="文本占位符 2">
             <a:extLst>
               <a:ext uri="{FF2B5EF4-FFF2-40B4-BE49-F238E27FC236}">
-                <a16:creationId xmlns:a16="http://schemas.microsoft.com/office/drawing/2014/main" xmlns="" id="{43D4835B-D06C-4EF8-B09B-4CC51DE747CC}"/>
+                <a16:creationId xmlns="" xmlns:a16="http://schemas.microsoft.com/office/drawing/2014/main" id="{43D4835B-D06C-4EF8-B09B-4CC51DE747CC}"/>
               </a:ext>
             </a:extLst>
           </p:cNvPr>
@@ -5202,7 +5202,7 @@
           <p:cNvPr id="4" name="日期占位符 3">
             <a:extLst>
               <a:ext uri="{FF2B5EF4-FFF2-40B4-BE49-F238E27FC236}">
-                <a16:creationId xmlns:a16="http://schemas.microsoft.com/office/drawing/2014/main" xmlns="" id="{EF183775-1B0D-4011-897F-D69ED03D11D3}"/>
+                <a16:creationId xmlns="" xmlns:a16="http://schemas.microsoft.com/office/drawing/2014/main" id="{EF183775-1B0D-4011-897F-D69ED03D11D3}"/>
               </a:ext>
             </a:extLst>
           </p:cNvPr>
@@ -5249,7 +5249,7 @@
           <p:cNvPr id="5" name="页脚占位符 4">
             <a:extLst>
               <a:ext uri="{FF2B5EF4-FFF2-40B4-BE49-F238E27FC236}">
-                <a16:creationId xmlns:a16="http://schemas.microsoft.com/office/drawing/2014/main" xmlns="" id="{C447DA3A-51E0-45E6-B85C-93DB617E509F}"/>
+                <a16:creationId xmlns="" xmlns:a16="http://schemas.microsoft.com/office/drawing/2014/main" id="{C447DA3A-51E0-45E6-B85C-93DB617E509F}"/>
               </a:ext>
             </a:extLst>
           </p:cNvPr>
@@ -5292,7 +5292,7 @@
           <p:cNvPr id="6" name="灯片编号占位符 5">
             <a:extLst>
               <a:ext uri="{FF2B5EF4-FFF2-40B4-BE49-F238E27FC236}">
-                <a16:creationId xmlns:a16="http://schemas.microsoft.com/office/drawing/2014/main" xmlns="" id="{4AC14869-D49B-4FFE-B893-DA87BC45B660}"/>
+                <a16:creationId xmlns="" xmlns:a16="http://schemas.microsoft.com/office/drawing/2014/main" id="{4AC14869-D49B-4FFE-B893-DA87BC45B660}"/>
               </a:ext>
             </a:extLst>
           </p:cNvPr>
@@ -6047,7 +6047,7 @@
           <p:cNvPr id="20" name="图片 19">
             <a:extLst>
               <a:ext uri="{FF2B5EF4-FFF2-40B4-BE49-F238E27FC236}">
-                <a16:creationId xmlns:a16="http://schemas.microsoft.com/office/drawing/2014/main" xmlns="" id="{9B04471A-1EB0-4998-B528-D37A01B873B0}"/>
+                <a16:creationId xmlns="" xmlns:a16="http://schemas.microsoft.com/office/drawing/2014/main" id="{9B04471A-1EB0-4998-B528-D37A01B873B0}"/>
               </a:ext>
             </a:extLst>
           </p:cNvPr>
@@ -9922,7 +9922,7 @@
           <p:cNvPr id="9" name="直接箭头连接符 8">
             <a:extLst>
               <a:ext uri="{FF2B5EF4-FFF2-40B4-BE49-F238E27FC236}">
-                <a16:creationId xmlns:a16="http://schemas.microsoft.com/office/drawing/2014/main" xmlns="" id="{50B2E1F5-C20D-4D9B-AADF-70497CF4079B}"/>
+                <a16:creationId xmlns="" xmlns:a16="http://schemas.microsoft.com/office/drawing/2014/main" id="{50B2E1F5-C20D-4D9B-AADF-70497CF4079B}"/>
               </a:ext>
             </a:extLst>
           </p:cNvPr>
@@ -9961,7 +9961,7 @@
           <p:cNvPr id="17" name="直接箭头连接符 16">
             <a:extLst>
               <a:ext uri="{FF2B5EF4-FFF2-40B4-BE49-F238E27FC236}">
-                <a16:creationId xmlns:a16="http://schemas.microsoft.com/office/drawing/2014/main" xmlns="" id="{1638AE69-8367-4F65-8812-C6D13515A496}"/>
+                <a16:creationId xmlns="" xmlns:a16="http://schemas.microsoft.com/office/drawing/2014/main" id="{1638AE69-8367-4F65-8812-C6D13515A496}"/>
               </a:ext>
             </a:extLst>
           </p:cNvPr>
@@ -10000,7 +10000,7 @@
           <p:cNvPr id="10" name="文本框 9">
             <a:extLst>
               <a:ext uri="{FF2B5EF4-FFF2-40B4-BE49-F238E27FC236}">
-                <a16:creationId xmlns:a16="http://schemas.microsoft.com/office/drawing/2014/main" xmlns="" id="{D9E318A8-DE66-4373-A3EA-5BB4E74283B4}"/>
+                <a16:creationId xmlns="" xmlns:a16="http://schemas.microsoft.com/office/drawing/2014/main" id="{D9E318A8-DE66-4373-A3EA-5BB4E74283B4}"/>
               </a:ext>
             </a:extLst>
           </p:cNvPr>
@@ -10035,7 +10035,7 @@
           <p:cNvPr id="18" name="文本框 17">
             <a:extLst>
               <a:ext uri="{FF2B5EF4-FFF2-40B4-BE49-F238E27FC236}">
-                <a16:creationId xmlns:a16="http://schemas.microsoft.com/office/drawing/2014/main" xmlns="" id="{BFE2A26B-9215-428B-B746-68B76CDB1977}"/>
+                <a16:creationId xmlns="" xmlns:a16="http://schemas.microsoft.com/office/drawing/2014/main" id="{BFE2A26B-9215-428B-B746-68B76CDB1977}"/>
               </a:ext>
             </a:extLst>
           </p:cNvPr>
@@ -11533,7 +11533,7 @@
           <p:cNvPr id="9" name="直接箭头连接符 8">
             <a:extLst>
               <a:ext uri="{FF2B5EF4-FFF2-40B4-BE49-F238E27FC236}">
-                <a16:creationId xmlns:a16="http://schemas.microsoft.com/office/drawing/2014/main" xmlns="" id="{50B2E1F5-C20D-4D9B-AADF-70497CF4079B}"/>
+                <a16:creationId xmlns="" xmlns:a16="http://schemas.microsoft.com/office/drawing/2014/main" id="{50B2E1F5-C20D-4D9B-AADF-70497CF4079B}"/>
               </a:ext>
             </a:extLst>
           </p:cNvPr>
@@ -12130,7 +12130,7 @@
           <p:cNvPr id="9" name="直接箭头连接符 8">
             <a:extLst>
               <a:ext uri="{FF2B5EF4-FFF2-40B4-BE49-F238E27FC236}">
-                <a16:creationId xmlns:a16="http://schemas.microsoft.com/office/drawing/2014/main" xmlns="" id="{50B2E1F5-C20D-4D9B-AADF-70497CF4079B}"/>
+                <a16:creationId xmlns="" xmlns:a16="http://schemas.microsoft.com/office/drawing/2014/main" id="{50B2E1F5-C20D-4D9B-AADF-70497CF4079B}"/>
               </a:ext>
             </a:extLst>
           </p:cNvPr>
@@ -12672,7 +12672,7 @@
           <p:cNvPr id="10" name="直接箭头连接符 9">
             <a:extLst>
               <a:ext uri="{FF2B5EF4-FFF2-40B4-BE49-F238E27FC236}">
-                <a16:creationId xmlns:a16="http://schemas.microsoft.com/office/drawing/2014/main" xmlns="" id="{50B2E1F5-C20D-4D9B-AADF-70497CF4079B}"/>
+                <a16:creationId xmlns="" xmlns:a16="http://schemas.microsoft.com/office/drawing/2014/main" id="{50B2E1F5-C20D-4D9B-AADF-70497CF4079B}"/>
               </a:ext>
             </a:extLst>
           </p:cNvPr>
@@ -15652,17 +15652,10 @@
                 <a:latin typeface="微软雅黑"/>
                 <a:ea typeface="微软雅黑"/>
               </a:rPr>
-              <a:t>拖拽效果插件</a:t>
-            </a:r>
-            <a:r>
-              <a:rPr lang="zh-CN" altLang="en-US" sz="2000">
-                <a:latin typeface="微软雅黑"/>
-                <a:ea typeface="微软雅黑"/>
-              </a:rPr>
-              <a:t>制作</a:t>
-            </a:r>
-            <a:r>
-              <a:rPr lang="zh-CN" altLang="en-US" sz="2000" smtClean="0">
+              <a:t>拖拽效果插件制作</a:t>
+            </a:r>
+            <a:r>
+              <a:rPr lang="zh-CN" altLang="en-US" sz="2000" dirty="0" smtClean="0">
                 <a:latin typeface="微软雅黑"/>
                 <a:ea typeface="微软雅黑"/>
                 <a:sym typeface="Gill Sans" charset="0"/>
@@ -15675,10 +15668,10 @@
                 <a:ea typeface="微软雅黑"/>
                 <a:sym typeface="Gill Sans" charset="0"/>
               </a:rPr>
-              <a:t>4</a:t>
-            </a:r>
-            <a:r>
-              <a:rPr lang="zh-CN" altLang="en-US" sz="2000" smtClean="0">
+              <a:t>5</a:t>
+            </a:r>
+            <a:r>
+              <a:rPr lang="zh-CN" altLang="en-US" sz="2000" dirty="0" smtClean="0">
                 <a:latin typeface="微软雅黑"/>
                 <a:ea typeface="微软雅黑"/>
                 <a:sym typeface="Gill Sans" charset="0"/>
@@ -15724,17 +15717,10 @@
                 <a:latin typeface="微软雅黑"/>
                 <a:ea typeface="微软雅黑"/>
               </a:rPr>
-              <a:t>百度分享侧边栏效果</a:t>
-            </a:r>
-            <a:r>
-              <a:rPr lang="zh-CN" altLang="en-US" sz="2000">
-                <a:latin typeface="微软雅黑"/>
-                <a:ea typeface="微软雅黑"/>
-              </a:rPr>
-              <a:t>制作</a:t>
-            </a:r>
-            <a:r>
-              <a:rPr lang="zh-CN" altLang="en-US" sz="2000" smtClean="0">
+              <a:t>百度分享侧边栏效果制作</a:t>
+            </a:r>
+            <a:r>
+              <a:rPr lang="zh-CN" altLang="en-US" sz="2000" dirty="0" smtClean="0">
                 <a:latin typeface="微软雅黑"/>
                 <a:ea typeface="微软雅黑"/>
                 <a:sym typeface="Gill Sans" charset="0"/>
@@ -15742,15 +15728,15 @@
               <a:t>（</a:t>
             </a:r>
             <a:r>
-              <a:rPr lang="en-US" altLang="zh-CN" sz="2000" dirty="0">
-                <a:latin typeface="微软雅黑"/>
-                <a:ea typeface="微软雅黑"/>
-                <a:sym typeface="Gill Sans" charset="0"/>
-              </a:rPr>
-              <a:t>4</a:t>
-            </a:r>
-            <a:r>
-              <a:rPr lang="zh-CN" altLang="en-US" sz="2000" smtClean="0">
+              <a:rPr lang="en-US" altLang="zh-CN" sz="2000" dirty="0" smtClean="0">
+                <a:latin typeface="微软雅黑"/>
+                <a:ea typeface="微软雅黑"/>
+                <a:sym typeface="Gill Sans" charset="0"/>
+              </a:rPr>
+              <a:t>3</a:t>
+            </a:r>
+            <a:r>
+              <a:rPr lang="zh-CN" altLang="en-US" sz="2000" dirty="0" smtClean="0">
                 <a:latin typeface="微软雅黑"/>
                 <a:ea typeface="微软雅黑"/>
                 <a:sym typeface="Gill Sans" charset="0"/>
@@ -15864,15 +15850,15 @@
               <a:t>（</a:t>
             </a:r>
             <a:r>
-              <a:rPr lang="en-US" altLang="zh-CN" sz="2000" dirty="0">
-                <a:latin typeface="微软雅黑"/>
-                <a:ea typeface="微软雅黑"/>
-                <a:sym typeface="Gill Sans" charset="0"/>
-              </a:rPr>
-              <a:t>4</a:t>
-            </a:r>
-            <a:r>
-              <a:rPr lang="zh-CN" altLang="en-US" sz="2000" dirty="0" smtClean="0">
+              <a:rPr lang="en-US" altLang="zh-CN" sz="2000" smtClean="0">
+                <a:latin typeface="微软雅黑"/>
+                <a:ea typeface="微软雅黑"/>
+                <a:sym typeface="Gill Sans" charset="0"/>
+              </a:rPr>
+              <a:t>5</a:t>
+            </a:r>
+            <a:r>
+              <a:rPr lang="zh-CN" altLang="en-US" sz="2000" smtClean="0">
                 <a:latin typeface="微软雅黑"/>
                 <a:ea typeface="微软雅黑"/>
                 <a:sym typeface="Gill Sans" charset="0"/>
@@ -16112,7 +16098,7 @@
                 <a:latin typeface="微软雅黑"/>
                 <a:ea typeface="微软雅黑"/>
               </a:rPr>
-              <a:t>(3</a:t>
+              <a:t>(2</a:t>
             </a:r>
             <a:r>
               <a:rPr lang="zh-CN" altLang="en-US" sz="2000" dirty="0" smtClean="0">

--- a/初级/04 实训教学PPT/00 项目介绍.pptx
+++ b/初级/04 实训教学PPT/00 项目介绍.pptx
@@ -5,32 +5,33 @@
     <p:sldMasterId id="2147483648" r:id="rId1"/>
   </p:sldMasterIdLst>
   <p:notesMasterIdLst>
-    <p:notesMasterId r:id="rId25"/>
+    <p:notesMasterId r:id="rId26"/>
   </p:notesMasterIdLst>
   <p:sldIdLst>
     <p:sldId id="258" r:id="rId2"/>
-    <p:sldId id="266" r:id="rId3"/>
-    <p:sldId id="267" r:id="rId4"/>
-    <p:sldId id="268" r:id="rId5"/>
-    <p:sldId id="269" r:id="rId6"/>
-    <p:sldId id="270" r:id="rId7"/>
-    <p:sldId id="271" r:id="rId8"/>
-    <p:sldId id="273" r:id="rId9"/>
-    <p:sldId id="272" r:id="rId10"/>
-    <p:sldId id="274" r:id="rId11"/>
-    <p:sldId id="275" r:id="rId12"/>
-    <p:sldId id="276" r:id="rId13"/>
-    <p:sldId id="287" r:id="rId14"/>
-    <p:sldId id="288" r:id="rId15"/>
-    <p:sldId id="289" r:id="rId16"/>
-    <p:sldId id="277" r:id="rId17"/>
-    <p:sldId id="278" r:id="rId18"/>
-    <p:sldId id="279" r:id="rId19"/>
-    <p:sldId id="280" r:id="rId20"/>
-    <p:sldId id="290" r:id="rId21"/>
-    <p:sldId id="291" r:id="rId22"/>
-    <p:sldId id="281" r:id="rId23"/>
-    <p:sldId id="286" r:id="rId24"/>
+    <p:sldId id="292" r:id="rId3"/>
+    <p:sldId id="266" r:id="rId4"/>
+    <p:sldId id="267" r:id="rId5"/>
+    <p:sldId id="268" r:id="rId6"/>
+    <p:sldId id="269" r:id="rId7"/>
+    <p:sldId id="270" r:id="rId8"/>
+    <p:sldId id="271" r:id="rId9"/>
+    <p:sldId id="273" r:id="rId10"/>
+    <p:sldId id="272" r:id="rId11"/>
+    <p:sldId id="274" r:id="rId12"/>
+    <p:sldId id="275" r:id="rId13"/>
+    <p:sldId id="276" r:id="rId14"/>
+    <p:sldId id="287" r:id="rId15"/>
+    <p:sldId id="288" r:id="rId16"/>
+    <p:sldId id="289" r:id="rId17"/>
+    <p:sldId id="277" r:id="rId18"/>
+    <p:sldId id="278" r:id="rId19"/>
+    <p:sldId id="279" r:id="rId20"/>
+    <p:sldId id="280" r:id="rId21"/>
+    <p:sldId id="290" r:id="rId22"/>
+    <p:sldId id="291" r:id="rId23"/>
+    <p:sldId id="281" r:id="rId24"/>
+    <p:sldId id="286" r:id="rId25"/>
   </p:sldIdLst>
   <p:sldSz cx="12192000" cy="6858000"/>
   <p:notesSz cx="6858000" cy="9144000"/>
@@ -219,7 +220,7 @@
           <a:p>
             <a:fld id="{133A09A0-22A7-4AB7-9966-349EE815AC9A}" type="datetimeFigureOut">
               <a:rPr lang="zh-CN" altLang="en-US" smtClean="0"/>
-              <a:t>2019/5/29</a:t>
+              <a:t>2019/6/18</a:t>
             </a:fld>
             <a:endParaRPr lang="zh-CN" altLang="en-US"/>
           </a:p>
@@ -646,7 +647,7 @@
     </p:spTree>
     <p:extLst>
       <p:ext uri="{BB962C8B-B14F-4D97-AF65-F5344CB8AC3E}">
-        <p14:creationId xmlns:p14="http://schemas.microsoft.com/office/powerpoint/2010/main" val="3915861680"/>
+        <p14:creationId xmlns:p14="http://schemas.microsoft.com/office/powerpoint/2010/main" val="3759524558"/>
       </p:ext>
     </p:extLst>
   </p:cSld>
@@ -731,7 +732,7 @@
     </p:spTree>
     <p:extLst>
       <p:ext uri="{BB962C8B-B14F-4D97-AF65-F5344CB8AC3E}">
-        <p14:creationId xmlns:p14="http://schemas.microsoft.com/office/powerpoint/2010/main" val="1273267570"/>
+        <p14:creationId xmlns:p14="http://schemas.microsoft.com/office/powerpoint/2010/main" val="3915861680"/>
       </p:ext>
     </p:extLst>
   </p:cSld>
@@ -816,7 +817,7 @@
     </p:spTree>
     <p:extLst>
       <p:ext uri="{BB962C8B-B14F-4D97-AF65-F5344CB8AC3E}">
-        <p14:creationId xmlns:p14="http://schemas.microsoft.com/office/powerpoint/2010/main" val="1142337944"/>
+        <p14:creationId xmlns:p14="http://schemas.microsoft.com/office/powerpoint/2010/main" val="1273267570"/>
       </p:ext>
     </p:extLst>
   </p:cSld>
@@ -901,7 +902,7 @@
     </p:spTree>
     <p:extLst>
       <p:ext uri="{BB962C8B-B14F-4D97-AF65-F5344CB8AC3E}">
-        <p14:creationId xmlns:p14="http://schemas.microsoft.com/office/powerpoint/2010/main" val="1732301194"/>
+        <p14:creationId xmlns:p14="http://schemas.microsoft.com/office/powerpoint/2010/main" val="1142337944"/>
       </p:ext>
     </p:extLst>
   </p:cSld>
@@ -986,7 +987,7 @@
     </p:spTree>
     <p:extLst>
       <p:ext uri="{BB962C8B-B14F-4D97-AF65-F5344CB8AC3E}">
-        <p14:creationId xmlns:p14="http://schemas.microsoft.com/office/powerpoint/2010/main" val="1396875503"/>
+        <p14:creationId xmlns:p14="http://schemas.microsoft.com/office/powerpoint/2010/main" val="1732301194"/>
       </p:ext>
     </p:extLst>
   </p:cSld>
@@ -1071,7 +1072,7 @@
     </p:spTree>
     <p:extLst>
       <p:ext uri="{BB962C8B-B14F-4D97-AF65-F5344CB8AC3E}">
-        <p14:creationId xmlns:p14="http://schemas.microsoft.com/office/powerpoint/2010/main" val="1821909996"/>
+        <p14:creationId xmlns:p14="http://schemas.microsoft.com/office/powerpoint/2010/main" val="1396875503"/>
       </p:ext>
     </p:extLst>
   </p:cSld>
@@ -1156,7 +1157,7 @@
     </p:spTree>
     <p:extLst>
       <p:ext uri="{BB962C8B-B14F-4D97-AF65-F5344CB8AC3E}">
-        <p14:creationId xmlns:p14="http://schemas.microsoft.com/office/powerpoint/2010/main" val="343063184"/>
+        <p14:creationId xmlns:p14="http://schemas.microsoft.com/office/powerpoint/2010/main" val="1821909996"/>
       </p:ext>
     </p:extLst>
   </p:cSld>
@@ -1241,7 +1242,7 @@
     </p:spTree>
     <p:extLst>
       <p:ext uri="{BB962C8B-B14F-4D97-AF65-F5344CB8AC3E}">
-        <p14:creationId xmlns:p14="http://schemas.microsoft.com/office/powerpoint/2010/main" val="2603464126"/>
+        <p14:creationId xmlns:p14="http://schemas.microsoft.com/office/powerpoint/2010/main" val="343063184"/>
       </p:ext>
     </p:extLst>
   </p:cSld>
@@ -1326,7 +1327,7 @@
     </p:spTree>
     <p:extLst>
       <p:ext uri="{BB962C8B-B14F-4D97-AF65-F5344CB8AC3E}">
-        <p14:creationId xmlns:p14="http://schemas.microsoft.com/office/powerpoint/2010/main" val="1737551881"/>
+        <p14:creationId xmlns:p14="http://schemas.microsoft.com/office/powerpoint/2010/main" val="2603464126"/>
       </p:ext>
     </p:extLst>
   </p:cSld>
@@ -1411,7 +1412,7 @@
     </p:spTree>
     <p:extLst>
       <p:ext uri="{BB962C8B-B14F-4D97-AF65-F5344CB8AC3E}">
-        <p14:creationId xmlns:p14="http://schemas.microsoft.com/office/powerpoint/2010/main" val="4035779723"/>
+        <p14:creationId xmlns:p14="http://schemas.microsoft.com/office/powerpoint/2010/main" val="1737551881"/>
       </p:ext>
     </p:extLst>
   </p:cSld>
@@ -1496,7 +1497,7 @@
     </p:spTree>
     <p:extLst>
       <p:ext uri="{BB962C8B-B14F-4D97-AF65-F5344CB8AC3E}">
-        <p14:creationId xmlns:p14="http://schemas.microsoft.com/office/powerpoint/2010/main" val="4225174884"/>
+        <p14:creationId xmlns:p14="http://schemas.microsoft.com/office/powerpoint/2010/main" val="4156858789"/>
       </p:ext>
     </p:extLst>
   </p:cSld>
@@ -1581,7 +1582,7 @@
     </p:spTree>
     <p:extLst>
       <p:ext uri="{BB962C8B-B14F-4D97-AF65-F5344CB8AC3E}">
-        <p14:creationId xmlns:p14="http://schemas.microsoft.com/office/powerpoint/2010/main" val="1576425548"/>
+        <p14:creationId xmlns:p14="http://schemas.microsoft.com/office/powerpoint/2010/main" val="4035779723"/>
       </p:ext>
     </p:extLst>
   </p:cSld>
@@ -1666,7 +1667,7 @@
     </p:spTree>
     <p:extLst>
       <p:ext uri="{BB962C8B-B14F-4D97-AF65-F5344CB8AC3E}">
-        <p14:creationId xmlns:p14="http://schemas.microsoft.com/office/powerpoint/2010/main" val="2581696063"/>
+        <p14:creationId xmlns:p14="http://schemas.microsoft.com/office/powerpoint/2010/main" val="1576425548"/>
       </p:ext>
     </p:extLst>
   </p:cSld>
@@ -1751,7 +1752,7 @@
     </p:spTree>
     <p:extLst>
       <p:ext uri="{BB962C8B-B14F-4D97-AF65-F5344CB8AC3E}">
-        <p14:creationId xmlns:p14="http://schemas.microsoft.com/office/powerpoint/2010/main" val="2292831007"/>
+        <p14:creationId xmlns:p14="http://schemas.microsoft.com/office/powerpoint/2010/main" val="2581696063"/>
       </p:ext>
     </p:extLst>
   </p:cSld>
@@ -1828,6 +1829,91 @@
               <a:rPr lang="zh-CN" altLang="en-US" smtClean="0"/>
               <a:pPr/>
               <a:t>23</a:t>
+            </a:fld>
+            <a:endParaRPr lang="zh-CN" altLang="en-US"/>
+          </a:p>
+        </p:txBody>
+      </p:sp>
+    </p:spTree>
+    <p:extLst>
+      <p:ext uri="{BB962C8B-B14F-4D97-AF65-F5344CB8AC3E}">
+        <p14:creationId xmlns:p14="http://schemas.microsoft.com/office/powerpoint/2010/main" val="2292831007"/>
+      </p:ext>
+    </p:extLst>
+  </p:cSld>
+  <p:clrMapOvr>
+    <a:masterClrMapping/>
+  </p:clrMapOvr>
+</p:notes>
+</file>
+
+<file path=ppt/notesSlides/notesSlide24.xml><?xml version="1.0" encoding="utf-8"?>
+<p:notes xmlns:a="http://schemas.openxmlformats.org/drawingml/2006/main" xmlns:r="http://schemas.openxmlformats.org/officeDocument/2006/relationships" xmlns:p="http://schemas.openxmlformats.org/presentationml/2006/main">
+  <p:cSld>
+    <p:spTree>
+      <p:nvGrpSpPr>
+        <p:cNvPr id="1" name=""/>
+        <p:cNvGrpSpPr/>
+        <p:nvPr/>
+      </p:nvGrpSpPr>
+      <p:grpSpPr>
+        <a:xfrm>
+          <a:off x="0" y="0"/>
+          <a:ext cx="0" cy="0"/>
+          <a:chOff x="0" y="0"/>
+          <a:chExt cx="0" cy="0"/>
+        </a:xfrm>
+      </p:grpSpPr>
+      <p:sp>
+        <p:nvSpPr>
+          <p:cNvPr id="2" name="幻灯片图像占位符 1"/>
+          <p:cNvSpPr>
+            <a:spLocks noGrp="1" noRot="1" noChangeAspect="1"/>
+          </p:cNvSpPr>
+          <p:nvPr>
+            <p:ph type="sldImg"/>
+          </p:nvPr>
+        </p:nvSpPr>
+        <p:spPr/>
+      </p:sp>
+      <p:sp>
+        <p:nvSpPr>
+          <p:cNvPr id="3" name="备注占位符 2"/>
+          <p:cNvSpPr>
+            <a:spLocks noGrp="1"/>
+          </p:cNvSpPr>
+          <p:nvPr>
+            <p:ph type="body" idx="1"/>
+          </p:nvPr>
+        </p:nvSpPr>
+        <p:spPr/>
+        <p:txBody>
+          <a:bodyPr/>
+          <a:lstStyle/>
+          <a:p>
+            <a:endParaRPr lang="zh-CN" altLang="en-US"/>
+          </a:p>
+        </p:txBody>
+      </p:sp>
+      <p:sp>
+        <p:nvSpPr>
+          <p:cNvPr id="4" name="灯片编号占位符 3"/>
+          <p:cNvSpPr>
+            <a:spLocks noGrp="1"/>
+          </p:cNvSpPr>
+          <p:nvPr>
+            <p:ph type="sldNum" sz="quarter" idx="10"/>
+          </p:nvPr>
+        </p:nvSpPr>
+        <p:spPr/>
+        <p:txBody>
+          <a:bodyPr/>
+          <a:lstStyle/>
+          <a:p>
+            <a:fld id="{9E3BE65E-D6A0-433A-9769-180C0D5DD83D}" type="slidenum">
+              <a:rPr lang="zh-CN" altLang="en-US" smtClean="0"/>
+              <a:pPr/>
+              <a:t>24</a:t>
             </a:fld>
             <a:endParaRPr lang="zh-CN" altLang="en-US"/>
           </a:p>
@@ -1921,7 +2007,7 @@
     </p:spTree>
     <p:extLst>
       <p:ext uri="{BB962C8B-B14F-4D97-AF65-F5344CB8AC3E}">
-        <p14:creationId xmlns:p14="http://schemas.microsoft.com/office/powerpoint/2010/main" val="2443688224"/>
+        <p14:creationId xmlns:p14="http://schemas.microsoft.com/office/powerpoint/2010/main" val="4225174884"/>
       </p:ext>
     </p:extLst>
   </p:cSld>
@@ -2006,7 +2092,7 @@
     </p:spTree>
     <p:extLst>
       <p:ext uri="{BB962C8B-B14F-4D97-AF65-F5344CB8AC3E}">
-        <p14:creationId xmlns:p14="http://schemas.microsoft.com/office/powerpoint/2010/main" val="2013439789"/>
+        <p14:creationId xmlns:p14="http://schemas.microsoft.com/office/powerpoint/2010/main" val="2443688224"/>
       </p:ext>
     </p:extLst>
   </p:cSld>
@@ -2091,7 +2177,7 @@
     </p:spTree>
     <p:extLst>
       <p:ext uri="{BB962C8B-B14F-4D97-AF65-F5344CB8AC3E}">
-        <p14:creationId xmlns:p14="http://schemas.microsoft.com/office/powerpoint/2010/main" val="2463376217"/>
+        <p14:creationId xmlns:p14="http://schemas.microsoft.com/office/powerpoint/2010/main" val="2013439789"/>
       </p:ext>
     </p:extLst>
   </p:cSld>
@@ -2176,7 +2262,7 @@
     </p:spTree>
     <p:extLst>
       <p:ext uri="{BB962C8B-B14F-4D97-AF65-F5344CB8AC3E}">
-        <p14:creationId xmlns:p14="http://schemas.microsoft.com/office/powerpoint/2010/main" val="1870764765"/>
+        <p14:creationId xmlns:p14="http://schemas.microsoft.com/office/powerpoint/2010/main" val="2463376217"/>
       </p:ext>
     </p:extLst>
   </p:cSld>
@@ -2261,7 +2347,7 @@
     </p:spTree>
     <p:extLst>
       <p:ext uri="{BB962C8B-B14F-4D97-AF65-F5344CB8AC3E}">
-        <p14:creationId xmlns:p14="http://schemas.microsoft.com/office/powerpoint/2010/main" val="1511900180"/>
+        <p14:creationId xmlns:p14="http://schemas.microsoft.com/office/powerpoint/2010/main" val="1870764765"/>
       </p:ext>
     </p:extLst>
   </p:cSld>
@@ -2346,7 +2432,7 @@
     </p:spTree>
     <p:extLst>
       <p:ext uri="{BB962C8B-B14F-4D97-AF65-F5344CB8AC3E}">
-        <p14:creationId xmlns:p14="http://schemas.microsoft.com/office/powerpoint/2010/main" val="818392516"/>
+        <p14:creationId xmlns:p14="http://schemas.microsoft.com/office/powerpoint/2010/main" val="1511900180"/>
       </p:ext>
     </p:extLst>
   </p:cSld>
@@ -2431,7 +2517,7 @@
     </p:spTree>
     <p:extLst>
       <p:ext uri="{BB962C8B-B14F-4D97-AF65-F5344CB8AC3E}">
-        <p14:creationId xmlns:p14="http://schemas.microsoft.com/office/powerpoint/2010/main" val="3759524558"/>
+        <p14:creationId xmlns:p14="http://schemas.microsoft.com/office/powerpoint/2010/main" val="818392516"/>
       </p:ext>
     </p:extLst>
   </p:cSld>
@@ -2463,7 +2549,7 @@
           <p:cNvPr id="2" name="标题 1">
             <a:extLst>
               <a:ext uri="{FF2B5EF4-FFF2-40B4-BE49-F238E27FC236}">
-                <a16:creationId xmlns="" xmlns:a16="http://schemas.microsoft.com/office/drawing/2014/main" id="{58AD82F2-39C5-4632-863B-86E917E772B4}"/>
+                <a16:creationId xmlns:a16="http://schemas.microsoft.com/office/drawing/2014/main" xmlns="" id="{58AD82F2-39C5-4632-863B-86E917E772B4}"/>
               </a:ext>
             </a:extLst>
           </p:cNvPr>
@@ -2500,7 +2586,7 @@
           <p:cNvPr id="3" name="副标题 2">
             <a:extLst>
               <a:ext uri="{FF2B5EF4-FFF2-40B4-BE49-F238E27FC236}">
-                <a16:creationId xmlns="" xmlns:a16="http://schemas.microsoft.com/office/drawing/2014/main" id="{CB1CDAE4-1DEB-425F-BA83-B8EEB0EDF0DC}"/>
+                <a16:creationId xmlns:a16="http://schemas.microsoft.com/office/drawing/2014/main" xmlns="" id="{CB1CDAE4-1DEB-425F-BA83-B8EEB0EDF0DC}"/>
               </a:ext>
             </a:extLst>
           </p:cNvPr>
@@ -2570,7 +2656,7 @@
           <p:cNvPr id="4" name="日期占位符 3">
             <a:extLst>
               <a:ext uri="{FF2B5EF4-FFF2-40B4-BE49-F238E27FC236}">
-                <a16:creationId xmlns="" xmlns:a16="http://schemas.microsoft.com/office/drawing/2014/main" id="{C8C6855F-A92C-4BE2-8110-6220D8F73756}"/>
+                <a16:creationId xmlns:a16="http://schemas.microsoft.com/office/drawing/2014/main" xmlns="" id="{C8C6855F-A92C-4BE2-8110-6220D8F73756}"/>
               </a:ext>
             </a:extLst>
           </p:cNvPr>
@@ -2588,7 +2674,7 @@
           <a:p>
             <a:fld id="{604E12D8-2A59-4235-8FCA-3933E01027FF}" type="datetimeFigureOut">
               <a:rPr lang="zh-CN" altLang="en-US" smtClean="0"/>
-              <a:t>2019/5/29</a:t>
+              <a:t>2019/6/18</a:t>
             </a:fld>
             <a:endParaRPr lang="zh-CN" altLang="en-US"/>
           </a:p>
@@ -2599,7 +2685,7 @@
           <p:cNvPr id="5" name="页脚占位符 4">
             <a:extLst>
               <a:ext uri="{FF2B5EF4-FFF2-40B4-BE49-F238E27FC236}">
-                <a16:creationId xmlns="" xmlns:a16="http://schemas.microsoft.com/office/drawing/2014/main" id="{B36D9860-E650-4483-B8B3-08AFD52E7092}"/>
+                <a16:creationId xmlns:a16="http://schemas.microsoft.com/office/drawing/2014/main" xmlns="" id="{B36D9860-E650-4483-B8B3-08AFD52E7092}"/>
               </a:ext>
             </a:extLst>
           </p:cNvPr>
@@ -2624,7 +2710,7 @@
           <p:cNvPr id="6" name="灯片编号占位符 5">
             <a:extLst>
               <a:ext uri="{FF2B5EF4-FFF2-40B4-BE49-F238E27FC236}">
-                <a16:creationId xmlns="" xmlns:a16="http://schemas.microsoft.com/office/drawing/2014/main" id="{30ADC914-9CCD-4664-B665-9A76111DFE70}"/>
+                <a16:creationId xmlns:a16="http://schemas.microsoft.com/office/drawing/2014/main" xmlns="" id="{30ADC914-9CCD-4664-B665-9A76111DFE70}"/>
               </a:ext>
             </a:extLst>
           </p:cNvPr>
@@ -2683,7 +2769,7 @@
           <p:cNvPr id="2" name="标题 1">
             <a:extLst>
               <a:ext uri="{FF2B5EF4-FFF2-40B4-BE49-F238E27FC236}">
-                <a16:creationId xmlns="" xmlns:a16="http://schemas.microsoft.com/office/drawing/2014/main" id="{852170D6-AF94-4FB6-A0A4-686F5D6ACFDD}"/>
+                <a16:creationId xmlns:a16="http://schemas.microsoft.com/office/drawing/2014/main" xmlns="" id="{852170D6-AF94-4FB6-A0A4-686F5D6ACFDD}"/>
               </a:ext>
             </a:extLst>
           </p:cNvPr>
@@ -2711,7 +2797,7 @@
           <p:cNvPr id="3" name="竖排文字占位符 2">
             <a:extLst>
               <a:ext uri="{FF2B5EF4-FFF2-40B4-BE49-F238E27FC236}">
-                <a16:creationId xmlns="" xmlns:a16="http://schemas.microsoft.com/office/drawing/2014/main" id="{7DD91983-55D7-4474-A586-1ABF0DB9E051}"/>
+                <a16:creationId xmlns:a16="http://schemas.microsoft.com/office/drawing/2014/main" xmlns="" id="{7DD91983-55D7-4474-A586-1ABF0DB9E051}"/>
               </a:ext>
             </a:extLst>
           </p:cNvPr>
@@ -2768,7 +2854,7 @@
           <p:cNvPr id="4" name="日期占位符 3">
             <a:extLst>
               <a:ext uri="{FF2B5EF4-FFF2-40B4-BE49-F238E27FC236}">
-                <a16:creationId xmlns="" xmlns:a16="http://schemas.microsoft.com/office/drawing/2014/main" id="{B55871B9-8BD6-4A9D-AD69-D1502A448D20}"/>
+                <a16:creationId xmlns:a16="http://schemas.microsoft.com/office/drawing/2014/main" xmlns="" id="{B55871B9-8BD6-4A9D-AD69-D1502A448D20}"/>
               </a:ext>
             </a:extLst>
           </p:cNvPr>
@@ -2786,7 +2872,7 @@
           <a:p>
             <a:fld id="{604E12D8-2A59-4235-8FCA-3933E01027FF}" type="datetimeFigureOut">
               <a:rPr lang="zh-CN" altLang="en-US" smtClean="0"/>
-              <a:t>2019/5/29</a:t>
+              <a:t>2019/6/18</a:t>
             </a:fld>
             <a:endParaRPr lang="zh-CN" altLang="en-US"/>
           </a:p>
@@ -2797,7 +2883,7 @@
           <p:cNvPr id="5" name="页脚占位符 4">
             <a:extLst>
               <a:ext uri="{FF2B5EF4-FFF2-40B4-BE49-F238E27FC236}">
-                <a16:creationId xmlns="" xmlns:a16="http://schemas.microsoft.com/office/drawing/2014/main" id="{BEA05B9A-4323-4A07-A51B-6298930F93F4}"/>
+                <a16:creationId xmlns:a16="http://schemas.microsoft.com/office/drawing/2014/main" xmlns="" id="{BEA05B9A-4323-4A07-A51B-6298930F93F4}"/>
               </a:ext>
             </a:extLst>
           </p:cNvPr>
@@ -2822,7 +2908,7 @@
           <p:cNvPr id="6" name="灯片编号占位符 5">
             <a:extLst>
               <a:ext uri="{FF2B5EF4-FFF2-40B4-BE49-F238E27FC236}">
-                <a16:creationId xmlns="" xmlns:a16="http://schemas.microsoft.com/office/drawing/2014/main" id="{4503D06D-B6EA-4C6D-AE80-D987866FA101}"/>
+                <a16:creationId xmlns:a16="http://schemas.microsoft.com/office/drawing/2014/main" xmlns="" id="{4503D06D-B6EA-4C6D-AE80-D987866FA101}"/>
               </a:ext>
             </a:extLst>
           </p:cNvPr>
@@ -2881,7 +2967,7 @@
           <p:cNvPr id="2" name="竖排标题 1">
             <a:extLst>
               <a:ext uri="{FF2B5EF4-FFF2-40B4-BE49-F238E27FC236}">
-                <a16:creationId xmlns="" xmlns:a16="http://schemas.microsoft.com/office/drawing/2014/main" id="{B963FFFD-0126-43D2-9A3E-655BA5EC6953}"/>
+                <a16:creationId xmlns:a16="http://schemas.microsoft.com/office/drawing/2014/main" xmlns="" id="{B963FFFD-0126-43D2-9A3E-655BA5EC6953}"/>
               </a:ext>
             </a:extLst>
           </p:cNvPr>
@@ -2914,7 +3000,7 @@
           <p:cNvPr id="3" name="竖排文字占位符 2">
             <a:extLst>
               <a:ext uri="{FF2B5EF4-FFF2-40B4-BE49-F238E27FC236}">
-                <a16:creationId xmlns="" xmlns:a16="http://schemas.microsoft.com/office/drawing/2014/main" id="{C9C0AA40-3743-4C7D-9361-E3606AE04F0F}"/>
+                <a16:creationId xmlns:a16="http://schemas.microsoft.com/office/drawing/2014/main" xmlns="" id="{C9C0AA40-3743-4C7D-9361-E3606AE04F0F}"/>
               </a:ext>
             </a:extLst>
           </p:cNvPr>
@@ -2976,7 +3062,7 @@
           <p:cNvPr id="4" name="日期占位符 3">
             <a:extLst>
               <a:ext uri="{FF2B5EF4-FFF2-40B4-BE49-F238E27FC236}">
-                <a16:creationId xmlns="" xmlns:a16="http://schemas.microsoft.com/office/drawing/2014/main" id="{C62A8C37-5E81-4CBC-A184-20A8D3B0A2AF}"/>
+                <a16:creationId xmlns:a16="http://schemas.microsoft.com/office/drawing/2014/main" xmlns="" id="{C62A8C37-5E81-4CBC-A184-20A8D3B0A2AF}"/>
               </a:ext>
             </a:extLst>
           </p:cNvPr>
@@ -2994,7 +3080,7 @@
           <a:p>
             <a:fld id="{604E12D8-2A59-4235-8FCA-3933E01027FF}" type="datetimeFigureOut">
               <a:rPr lang="zh-CN" altLang="en-US" smtClean="0"/>
-              <a:t>2019/5/29</a:t>
+              <a:t>2019/6/18</a:t>
             </a:fld>
             <a:endParaRPr lang="zh-CN" altLang="en-US"/>
           </a:p>
@@ -3005,7 +3091,7 @@
           <p:cNvPr id="5" name="页脚占位符 4">
             <a:extLst>
               <a:ext uri="{FF2B5EF4-FFF2-40B4-BE49-F238E27FC236}">
-                <a16:creationId xmlns="" xmlns:a16="http://schemas.microsoft.com/office/drawing/2014/main" id="{315F342D-1A3D-4736-8B07-79E08B7ADFCF}"/>
+                <a16:creationId xmlns:a16="http://schemas.microsoft.com/office/drawing/2014/main" xmlns="" id="{315F342D-1A3D-4736-8B07-79E08B7ADFCF}"/>
               </a:ext>
             </a:extLst>
           </p:cNvPr>
@@ -3030,7 +3116,7 @@
           <p:cNvPr id="6" name="灯片编号占位符 5">
             <a:extLst>
               <a:ext uri="{FF2B5EF4-FFF2-40B4-BE49-F238E27FC236}">
-                <a16:creationId xmlns="" xmlns:a16="http://schemas.microsoft.com/office/drawing/2014/main" id="{7A36D4F8-4B57-4220-892E-8F7ECC378588}"/>
+                <a16:creationId xmlns:a16="http://schemas.microsoft.com/office/drawing/2014/main" xmlns="" id="{7A36D4F8-4B57-4220-892E-8F7ECC378588}"/>
               </a:ext>
             </a:extLst>
           </p:cNvPr>
@@ -3089,7 +3175,7 @@
           <p:cNvPr id="2" name="标题 1">
             <a:extLst>
               <a:ext uri="{FF2B5EF4-FFF2-40B4-BE49-F238E27FC236}">
-                <a16:creationId xmlns="" xmlns:a16="http://schemas.microsoft.com/office/drawing/2014/main" id="{77A67125-B2FE-486F-97C5-CCE818C6ED02}"/>
+                <a16:creationId xmlns:a16="http://schemas.microsoft.com/office/drawing/2014/main" xmlns="" id="{77A67125-B2FE-486F-97C5-CCE818C6ED02}"/>
               </a:ext>
             </a:extLst>
           </p:cNvPr>
@@ -3117,7 +3203,7 @@
           <p:cNvPr id="3" name="内容占位符 2">
             <a:extLst>
               <a:ext uri="{FF2B5EF4-FFF2-40B4-BE49-F238E27FC236}">
-                <a16:creationId xmlns="" xmlns:a16="http://schemas.microsoft.com/office/drawing/2014/main" id="{F00F8CA4-2B08-4AAF-A7D9-7B707ED21D2B}"/>
+                <a16:creationId xmlns:a16="http://schemas.microsoft.com/office/drawing/2014/main" xmlns="" id="{F00F8CA4-2B08-4AAF-A7D9-7B707ED21D2B}"/>
               </a:ext>
             </a:extLst>
           </p:cNvPr>
@@ -3174,7 +3260,7 @@
           <p:cNvPr id="4" name="日期占位符 3">
             <a:extLst>
               <a:ext uri="{FF2B5EF4-FFF2-40B4-BE49-F238E27FC236}">
-                <a16:creationId xmlns="" xmlns:a16="http://schemas.microsoft.com/office/drawing/2014/main" id="{A3A6E599-1CBD-4148-8CAB-397A8B0CD609}"/>
+                <a16:creationId xmlns:a16="http://schemas.microsoft.com/office/drawing/2014/main" xmlns="" id="{A3A6E599-1CBD-4148-8CAB-397A8B0CD609}"/>
               </a:ext>
             </a:extLst>
           </p:cNvPr>
@@ -3192,7 +3278,7 @@
           <a:p>
             <a:fld id="{604E12D8-2A59-4235-8FCA-3933E01027FF}" type="datetimeFigureOut">
               <a:rPr lang="zh-CN" altLang="en-US" smtClean="0"/>
-              <a:t>2019/5/29</a:t>
+              <a:t>2019/6/18</a:t>
             </a:fld>
             <a:endParaRPr lang="zh-CN" altLang="en-US"/>
           </a:p>
@@ -3203,7 +3289,7 @@
           <p:cNvPr id="5" name="页脚占位符 4">
             <a:extLst>
               <a:ext uri="{FF2B5EF4-FFF2-40B4-BE49-F238E27FC236}">
-                <a16:creationId xmlns="" xmlns:a16="http://schemas.microsoft.com/office/drawing/2014/main" id="{FFE9ABD3-E7E6-4E9E-ACD7-808B0C9CD723}"/>
+                <a16:creationId xmlns:a16="http://schemas.microsoft.com/office/drawing/2014/main" xmlns="" id="{FFE9ABD3-E7E6-4E9E-ACD7-808B0C9CD723}"/>
               </a:ext>
             </a:extLst>
           </p:cNvPr>
@@ -3228,7 +3314,7 @@
           <p:cNvPr id="6" name="灯片编号占位符 5">
             <a:extLst>
               <a:ext uri="{FF2B5EF4-FFF2-40B4-BE49-F238E27FC236}">
-                <a16:creationId xmlns="" xmlns:a16="http://schemas.microsoft.com/office/drawing/2014/main" id="{A2707A20-BB0B-4EAB-8853-6FEBDA7FEBBE}"/>
+                <a16:creationId xmlns:a16="http://schemas.microsoft.com/office/drawing/2014/main" xmlns="" id="{A2707A20-BB0B-4EAB-8853-6FEBDA7FEBBE}"/>
               </a:ext>
             </a:extLst>
           </p:cNvPr>
@@ -3287,7 +3373,7 @@
           <p:cNvPr id="2" name="标题 1">
             <a:extLst>
               <a:ext uri="{FF2B5EF4-FFF2-40B4-BE49-F238E27FC236}">
-                <a16:creationId xmlns="" xmlns:a16="http://schemas.microsoft.com/office/drawing/2014/main" id="{168674F7-5961-46B7-8F1A-DBD12E7F3388}"/>
+                <a16:creationId xmlns:a16="http://schemas.microsoft.com/office/drawing/2014/main" xmlns="" id="{168674F7-5961-46B7-8F1A-DBD12E7F3388}"/>
               </a:ext>
             </a:extLst>
           </p:cNvPr>
@@ -3324,7 +3410,7 @@
           <p:cNvPr id="3" name="文本占位符 2">
             <a:extLst>
               <a:ext uri="{FF2B5EF4-FFF2-40B4-BE49-F238E27FC236}">
-                <a16:creationId xmlns="" xmlns:a16="http://schemas.microsoft.com/office/drawing/2014/main" id="{1BAAD57C-FDEA-46F5-8367-39980210B619}"/>
+                <a16:creationId xmlns:a16="http://schemas.microsoft.com/office/drawing/2014/main" xmlns="" id="{1BAAD57C-FDEA-46F5-8367-39980210B619}"/>
               </a:ext>
             </a:extLst>
           </p:cNvPr>
@@ -3449,7 +3535,7 @@
           <p:cNvPr id="4" name="日期占位符 3">
             <a:extLst>
               <a:ext uri="{FF2B5EF4-FFF2-40B4-BE49-F238E27FC236}">
-                <a16:creationId xmlns="" xmlns:a16="http://schemas.microsoft.com/office/drawing/2014/main" id="{AAED3F26-AD40-40BE-8C10-0EB6B11DDF40}"/>
+                <a16:creationId xmlns:a16="http://schemas.microsoft.com/office/drawing/2014/main" xmlns="" id="{AAED3F26-AD40-40BE-8C10-0EB6B11DDF40}"/>
               </a:ext>
             </a:extLst>
           </p:cNvPr>
@@ -3467,7 +3553,7 @@
           <a:p>
             <a:fld id="{604E12D8-2A59-4235-8FCA-3933E01027FF}" type="datetimeFigureOut">
               <a:rPr lang="zh-CN" altLang="en-US" smtClean="0"/>
-              <a:t>2019/5/29</a:t>
+              <a:t>2019/6/18</a:t>
             </a:fld>
             <a:endParaRPr lang="zh-CN" altLang="en-US"/>
           </a:p>
@@ -3478,7 +3564,7 @@
           <p:cNvPr id="5" name="页脚占位符 4">
             <a:extLst>
               <a:ext uri="{FF2B5EF4-FFF2-40B4-BE49-F238E27FC236}">
-                <a16:creationId xmlns="" xmlns:a16="http://schemas.microsoft.com/office/drawing/2014/main" id="{E03B1BEB-8E69-442C-AB74-FF24B23F13FC}"/>
+                <a16:creationId xmlns:a16="http://schemas.microsoft.com/office/drawing/2014/main" xmlns="" id="{E03B1BEB-8E69-442C-AB74-FF24B23F13FC}"/>
               </a:ext>
             </a:extLst>
           </p:cNvPr>
@@ -3503,7 +3589,7 @@
           <p:cNvPr id="6" name="灯片编号占位符 5">
             <a:extLst>
               <a:ext uri="{FF2B5EF4-FFF2-40B4-BE49-F238E27FC236}">
-                <a16:creationId xmlns="" xmlns:a16="http://schemas.microsoft.com/office/drawing/2014/main" id="{08E3A76D-2F3B-4103-BCB4-4FEBBCAEDE9D}"/>
+                <a16:creationId xmlns:a16="http://schemas.microsoft.com/office/drawing/2014/main" xmlns="" id="{08E3A76D-2F3B-4103-BCB4-4FEBBCAEDE9D}"/>
               </a:ext>
             </a:extLst>
           </p:cNvPr>
@@ -3562,7 +3648,7 @@
           <p:cNvPr id="2" name="标题 1">
             <a:extLst>
               <a:ext uri="{FF2B5EF4-FFF2-40B4-BE49-F238E27FC236}">
-                <a16:creationId xmlns="" xmlns:a16="http://schemas.microsoft.com/office/drawing/2014/main" id="{B6CABE8D-53E8-4AFF-B9C7-84FB4822C299}"/>
+                <a16:creationId xmlns:a16="http://schemas.microsoft.com/office/drawing/2014/main" xmlns="" id="{B6CABE8D-53E8-4AFF-B9C7-84FB4822C299}"/>
               </a:ext>
             </a:extLst>
           </p:cNvPr>
@@ -3590,7 +3676,7 @@
           <p:cNvPr id="3" name="内容占位符 2">
             <a:extLst>
               <a:ext uri="{FF2B5EF4-FFF2-40B4-BE49-F238E27FC236}">
-                <a16:creationId xmlns="" xmlns:a16="http://schemas.microsoft.com/office/drawing/2014/main" id="{6649AA90-FC88-48B3-835E-915CFBB78E1C}"/>
+                <a16:creationId xmlns:a16="http://schemas.microsoft.com/office/drawing/2014/main" xmlns="" id="{6649AA90-FC88-48B3-835E-915CFBB78E1C}"/>
               </a:ext>
             </a:extLst>
           </p:cNvPr>
@@ -3652,7 +3738,7 @@
           <p:cNvPr id="4" name="内容占位符 3">
             <a:extLst>
               <a:ext uri="{FF2B5EF4-FFF2-40B4-BE49-F238E27FC236}">
-                <a16:creationId xmlns="" xmlns:a16="http://schemas.microsoft.com/office/drawing/2014/main" id="{738B0FAA-A538-4367-B954-55C7F8C87436}"/>
+                <a16:creationId xmlns:a16="http://schemas.microsoft.com/office/drawing/2014/main" xmlns="" id="{738B0FAA-A538-4367-B954-55C7F8C87436}"/>
               </a:ext>
             </a:extLst>
           </p:cNvPr>
@@ -3714,7 +3800,7 @@
           <p:cNvPr id="5" name="日期占位符 4">
             <a:extLst>
               <a:ext uri="{FF2B5EF4-FFF2-40B4-BE49-F238E27FC236}">
-                <a16:creationId xmlns="" xmlns:a16="http://schemas.microsoft.com/office/drawing/2014/main" id="{704503F7-B0C2-4942-BD48-D7DFE72A8C98}"/>
+                <a16:creationId xmlns:a16="http://schemas.microsoft.com/office/drawing/2014/main" xmlns="" id="{704503F7-B0C2-4942-BD48-D7DFE72A8C98}"/>
               </a:ext>
             </a:extLst>
           </p:cNvPr>
@@ -3732,7 +3818,7 @@
           <a:p>
             <a:fld id="{604E12D8-2A59-4235-8FCA-3933E01027FF}" type="datetimeFigureOut">
               <a:rPr lang="zh-CN" altLang="en-US" smtClean="0"/>
-              <a:t>2019/5/29</a:t>
+              <a:t>2019/6/18</a:t>
             </a:fld>
             <a:endParaRPr lang="zh-CN" altLang="en-US"/>
           </a:p>
@@ -3743,7 +3829,7 @@
           <p:cNvPr id="6" name="页脚占位符 5">
             <a:extLst>
               <a:ext uri="{FF2B5EF4-FFF2-40B4-BE49-F238E27FC236}">
-                <a16:creationId xmlns="" xmlns:a16="http://schemas.microsoft.com/office/drawing/2014/main" id="{0FBBBA88-CF01-4B5A-A2C6-EA199612130F}"/>
+                <a16:creationId xmlns:a16="http://schemas.microsoft.com/office/drawing/2014/main" xmlns="" id="{0FBBBA88-CF01-4B5A-A2C6-EA199612130F}"/>
               </a:ext>
             </a:extLst>
           </p:cNvPr>
@@ -3768,7 +3854,7 @@
           <p:cNvPr id="7" name="灯片编号占位符 6">
             <a:extLst>
               <a:ext uri="{FF2B5EF4-FFF2-40B4-BE49-F238E27FC236}">
-                <a16:creationId xmlns="" xmlns:a16="http://schemas.microsoft.com/office/drawing/2014/main" id="{F0C75453-60A5-4E17-A80B-8587D36F2D24}"/>
+                <a16:creationId xmlns:a16="http://schemas.microsoft.com/office/drawing/2014/main" xmlns="" id="{F0C75453-60A5-4E17-A80B-8587D36F2D24}"/>
               </a:ext>
             </a:extLst>
           </p:cNvPr>
@@ -3827,7 +3913,7 @@
           <p:cNvPr id="2" name="标题 1">
             <a:extLst>
               <a:ext uri="{FF2B5EF4-FFF2-40B4-BE49-F238E27FC236}">
-                <a16:creationId xmlns="" xmlns:a16="http://schemas.microsoft.com/office/drawing/2014/main" id="{805EED50-99A0-4EDD-ACA6-CCD939FA5D78}"/>
+                <a16:creationId xmlns:a16="http://schemas.microsoft.com/office/drawing/2014/main" xmlns="" id="{805EED50-99A0-4EDD-ACA6-CCD939FA5D78}"/>
               </a:ext>
             </a:extLst>
           </p:cNvPr>
@@ -3860,7 +3946,7 @@
           <p:cNvPr id="3" name="文本占位符 2">
             <a:extLst>
               <a:ext uri="{FF2B5EF4-FFF2-40B4-BE49-F238E27FC236}">
-                <a16:creationId xmlns="" xmlns:a16="http://schemas.microsoft.com/office/drawing/2014/main" id="{2EB04D67-67AD-4171-A83C-0945B7C4B3B8}"/>
+                <a16:creationId xmlns:a16="http://schemas.microsoft.com/office/drawing/2014/main" xmlns="" id="{2EB04D67-67AD-4171-A83C-0945B7C4B3B8}"/>
               </a:ext>
             </a:extLst>
           </p:cNvPr>
@@ -3931,7 +4017,7 @@
           <p:cNvPr id="4" name="内容占位符 3">
             <a:extLst>
               <a:ext uri="{FF2B5EF4-FFF2-40B4-BE49-F238E27FC236}">
-                <a16:creationId xmlns="" xmlns:a16="http://schemas.microsoft.com/office/drawing/2014/main" id="{57758281-C1BB-4B43-A21E-2562BDCDAA49}"/>
+                <a16:creationId xmlns:a16="http://schemas.microsoft.com/office/drawing/2014/main" xmlns="" id="{57758281-C1BB-4B43-A21E-2562BDCDAA49}"/>
               </a:ext>
             </a:extLst>
           </p:cNvPr>
@@ -3993,7 +4079,7 @@
           <p:cNvPr id="5" name="文本占位符 4">
             <a:extLst>
               <a:ext uri="{FF2B5EF4-FFF2-40B4-BE49-F238E27FC236}">
-                <a16:creationId xmlns="" xmlns:a16="http://schemas.microsoft.com/office/drawing/2014/main" id="{079D1CCB-D3C3-43E6-AB3A-43182E8B770A}"/>
+                <a16:creationId xmlns:a16="http://schemas.microsoft.com/office/drawing/2014/main" xmlns="" id="{079D1CCB-D3C3-43E6-AB3A-43182E8B770A}"/>
               </a:ext>
             </a:extLst>
           </p:cNvPr>
@@ -4064,7 +4150,7 @@
           <p:cNvPr id="6" name="内容占位符 5">
             <a:extLst>
               <a:ext uri="{FF2B5EF4-FFF2-40B4-BE49-F238E27FC236}">
-                <a16:creationId xmlns="" xmlns:a16="http://schemas.microsoft.com/office/drawing/2014/main" id="{E1454D2C-0C64-42A7-A533-BFBFD74EAFAC}"/>
+                <a16:creationId xmlns:a16="http://schemas.microsoft.com/office/drawing/2014/main" xmlns="" id="{E1454D2C-0C64-42A7-A533-BFBFD74EAFAC}"/>
               </a:ext>
             </a:extLst>
           </p:cNvPr>
@@ -4126,7 +4212,7 @@
           <p:cNvPr id="7" name="日期占位符 6">
             <a:extLst>
               <a:ext uri="{FF2B5EF4-FFF2-40B4-BE49-F238E27FC236}">
-                <a16:creationId xmlns="" xmlns:a16="http://schemas.microsoft.com/office/drawing/2014/main" id="{4C7F2A3E-2FBF-49B9-95AC-F7BE3F0D293E}"/>
+                <a16:creationId xmlns:a16="http://schemas.microsoft.com/office/drawing/2014/main" xmlns="" id="{4C7F2A3E-2FBF-49B9-95AC-F7BE3F0D293E}"/>
               </a:ext>
             </a:extLst>
           </p:cNvPr>
@@ -4144,7 +4230,7 @@
           <a:p>
             <a:fld id="{604E12D8-2A59-4235-8FCA-3933E01027FF}" type="datetimeFigureOut">
               <a:rPr lang="zh-CN" altLang="en-US" smtClean="0"/>
-              <a:t>2019/5/29</a:t>
+              <a:t>2019/6/18</a:t>
             </a:fld>
             <a:endParaRPr lang="zh-CN" altLang="en-US"/>
           </a:p>
@@ -4155,7 +4241,7 @@
           <p:cNvPr id="8" name="页脚占位符 7">
             <a:extLst>
               <a:ext uri="{FF2B5EF4-FFF2-40B4-BE49-F238E27FC236}">
-                <a16:creationId xmlns="" xmlns:a16="http://schemas.microsoft.com/office/drawing/2014/main" id="{D5C35069-DFE8-4863-A7B6-0245124BEBAD}"/>
+                <a16:creationId xmlns:a16="http://schemas.microsoft.com/office/drawing/2014/main" xmlns="" id="{D5C35069-DFE8-4863-A7B6-0245124BEBAD}"/>
               </a:ext>
             </a:extLst>
           </p:cNvPr>
@@ -4180,7 +4266,7 @@
           <p:cNvPr id="9" name="灯片编号占位符 8">
             <a:extLst>
               <a:ext uri="{FF2B5EF4-FFF2-40B4-BE49-F238E27FC236}">
-                <a16:creationId xmlns="" xmlns:a16="http://schemas.microsoft.com/office/drawing/2014/main" id="{7A6932B8-BE66-4CE0-BD59-1E639C75C71D}"/>
+                <a16:creationId xmlns:a16="http://schemas.microsoft.com/office/drawing/2014/main" xmlns="" id="{7A6932B8-BE66-4CE0-BD59-1E639C75C71D}"/>
               </a:ext>
             </a:extLst>
           </p:cNvPr>
@@ -4239,7 +4325,7 @@
           <p:cNvPr id="2" name="标题 1">
             <a:extLst>
               <a:ext uri="{FF2B5EF4-FFF2-40B4-BE49-F238E27FC236}">
-                <a16:creationId xmlns="" xmlns:a16="http://schemas.microsoft.com/office/drawing/2014/main" id="{718D2F38-7897-473B-B4E9-712975A531CE}"/>
+                <a16:creationId xmlns:a16="http://schemas.microsoft.com/office/drawing/2014/main" xmlns="" id="{718D2F38-7897-473B-B4E9-712975A531CE}"/>
               </a:ext>
             </a:extLst>
           </p:cNvPr>
@@ -4267,7 +4353,7 @@
           <p:cNvPr id="3" name="日期占位符 2">
             <a:extLst>
               <a:ext uri="{FF2B5EF4-FFF2-40B4-BE49-F238E27FC236}">
-                <a16:creationId xmlns="" xmlns:a16="http://schemas.microsoft.com/office/drawing/2014/main" id="{CAD92658-C265-42FA-9B81-70EA2329EDAD}"/>
+                <a16:creationId xmlns:a16="http://schemas.microsoft.com/office/drawing/2014/main" xmlns="" id="{CAD92658-C265-42FA-9B81-70EA2329EDAD}"/>
               </a:ext>
             </a:extLst>
           </p:cNvPr>
@@ -4285,7 +4371,7 @@
           <a:p>
             <a:fld id="{604E12D8-2A59-4235-8FCA-3933E01027FF}" type="datetimeFigureOut">
               <a:rPr lang="zh-CN" altLang="en-US" smtClean="0"/>
-              <a:t>2019/5/29</a:t>
+              <a:t>2019/6/18</a:t>
             </a:fld>
             <a:endParaRPr lang="zh-CN" altLang="en-US"/>
           </a:p>
@@ -4296,7 +4382,7 @@
           <p:cNvPr id="4" name="页脚占位符 3">
             <a:extLst>
               <a:ext uri="{FF2B5EF4-FFF2-40B4-BE49-F238E27FC236}">
-                <a16:creationId xmlns="" xmlns:a16="http://schemas.microsoft.com/office/drawing/2014/main" id="{94255837-0DBD-4908-8A9F-DDDFBD9D9F84}"/>
+                <a16:creationId xmlns:a16="http://schemas.microsoft.com/office/drawing/2014/main" xmlns="" id="{94255837-0DBD-4908-8A9F-DDDFBD9D9F84}"/>
               </a:ext>
             </a:extLst>
           </p:cNvPr>
@@ -4321,7 +4407,7 @@
           <p:cNvPr id="5" name="灯片编号占位符 4">
             <a:extLst>
               <a:ext uri="{FF2B5EF4-FFF2-40B4-BE49-F238E27FC236}">
-                <a16:creationId xmlns="" xmlns:a16="http://schemas.microsoft.com/office/drawing/2014/main" id="{85619D09-9F9E-470E-AD58-F10CD3B11DE5}"/>
+                <a16:creationId xmlns:a16="http://schemas.microsoft.com/office/drawing/2014/main" xmlns="" id="{85619D09-9F9E-470E-AD58-F10CD3B11DE5}"/>
               </a:ext>
             </a:extLst>
           </p:cNvPr>
@@ -4380,7 +4466,7 @@
           <p:cNvPr id="2" name="日期占位符 1">
             <a:extLst>
               <a:ext uri="{FF2B5EF4-FFF2-40B4-BE49-F238E27FC236}">
-                <a16:creationId xmlns="" xmlns:a16="http://schemas.microsoft.com/office/drawing/2014/main" id="{D12153B3-68FB-4A05-B9A3-A18FEEAC5D03}"/>
+                <a16:creationId xmlns:a16="http://schemas.microsoft.com/office/drawing/2014/main" xmlns="" id="{D12153B3-68FB-4A05-B9A3-A18FEEAC5D03}"/>
               </a:ext>
             </a:extLst>
           </p:cNvPr>
@@ -4398,7 +4484,7 @@
           <a:p>
             <a:fld id="{604E12D8-2A59-4235-8FCA-3933E01027FF}" type="datetimeFigureOut">
               <a:rPr lang="zh-CN" altLang="en-US" smtClean="0"/>
-              <a:t>2019/5/29</a:t>
+              <a:t>2019/6/18</a:t>
             </a:fld>
             <a:endParaRPr lang="zh-CN" altLang="en-US"/>
           </a:p>
@@ -4409,7 +4495,7 @@
           <p:cNvPr id="3" name="页脚占位符 2">
             <a:extLst>
               <a:ext uri="{FF2B5EF4-FFF2-40B4-BE49-F238E27FC236}">
-                <a16:creationId xmlns="" xmlns:a16="http://schemas.microsoft.com/office/drawing/2014/main" id="{FA3C5039-806C-43BE-9804-1506F932641E}"/>
+                <a16:creationId xmlns:a16="http://schemas.microsoft.com/office/drawing/2014/main" xmlns="" id="{FA3C5039-806C-43BE-9804-1506F932641E}"/>
               </a:ext>
             </a:extLst>
           </p:cNvPr>
@@ -4434,7 +4520,7 @@
           <p:cNvPr id="4" name="灯片编号占位符 3">
             <a:extLst>
               <a:ext uri="{FF2B5EF4-FFF2-40B4-BE49-F238E27FC236}">
-                <a16:creationId xmlns="" xmlns:a16="http://schemas.microsoft.com/office/drawing/2014/main" id="{1BC7C094-9AFF-428A-832A-157842DB4170}"/>
+                <a16:creationId xmlns:a16="http://schemas.microsoft.com/office/drawing/2014/main" xmlns="" id="{1BC7C094-9AFF-428A-832A-157842DB4170}"/>
               </a:ext>
             </a:extLst>
           </p:cNvPr>
@@ -4493,7 +4579,7 @@
           <p:cNvPr id="2" name="标题 1">
             <a:extLst>
               <a:ext uri="{FF2B5EF4-FFF2-40B4-BE49-F238E27FC236}">
-                <a16:creationId xmlns="" xmlns:a16="http://schemas.microsoft.com/office/drawing/2014/main" id="{2B08F286-F64C-4870-88F7-10C360167334}"/>
+                <a16:creationId xmlns:a16="http://schemas.microsoft.com/office/drawing/2014/main" xmlns="" id="{2B08F286-F64C-4870-88F7-10C360167334}"/>
               </a:ext>
             </a:extLst>
           </p:cNvPr>
@@ -4530,7 +4616,7 @@
           <p:cNvPr id="3" name="内容占位符 2">
             <a:extLst>
               <a:ext uri="{FF2B5EF4-FFF2-40B4-BE49-F238E27FC236}">
-                <a16:creationId xmlns="" xmlns:a16="http://schemas.microsoft.com/office/drawing/2014/main" id="{D3FE933D-4727-416D-A82A-C29AAB0EDB8D}"/>
+                <a16:creationId xmlns:a16="http://schemas.microsoft.com/office/drawing/2014/main" xmlns="" id="{D3FE933D-4727-416D-A82A-C29AAB0EDB8D}"/>
               </a:ext>
             </a:extLst>
           </p:cNvPr>
@@ -4620,7 +4706,7 @@
           <p:cNvPr id="4" name="文本占位符 3">
             <a:extLst>
               <a:ext uri="{FF2B5EF4-FFF2-40B4-BE49-F238E27FC236}">
-                <a16:creationId xmlns="" xmlns:a16="http://schemas.microsoft.com/office/drawing/2014/main" id="{A6FAF2F3-FE62-428D-8756-41E3835DC25E}"/>
+                <a16:creationId xmlns:a16="http://schemas.microsoft.com/office/drawing/2014/main" xmlns="" id="{A6FAF2F3-FE62-428D-8756-41E3835DC25E}"/>
               </a:ext>
             </a:extLst>
           </p:cNvPr>
@@ -4691,7 +4777,7 @@
           <p:cNvPr id="5" name="日期占位符 4">
             <a:extLst>
               <a:ext uri="{FF2B5EF4-FFF2-40B4-BE49-F238E27FC236}">
-                <a16:creationId xmlns="" xmlns:a16="http://schemas.microsoft.com/office/drawing/2014/main" id="{E2D35A69-A54E-4435-B9D1-89BBE334BEF2}"/>
+                <a16:creationId xmlns:a16="http://schemas.microsoft.com/office/drawing/2014/main" xmlns="" id="{E2D35A69-A54E-4435-B9D1-89BBE334BEF2}"/>
               </a:ext>
             </a:extLst>
           </p:cNvPr>
@@ -4709,7 +4795,7 @@
           <a:p>
             <a:fld id="{604E12D8-2A59-4235-8FCA-3933E01027FF}" type="datetimeFigureOut">
               <a:rPr lang="zh-CN" altLang="en-US" smtClean="0"/>
-              <a:t>2019/5/29</a:t>
+              <a:t>2019/6/18</a:t>
             </a:fld>
             <a:endParaRPr lang="zh-CN" altLang="en-US"/>
           </a:p>
@@ -4720,7 +4806,7 @@
           <p:cNvPr id="6" name="页脚占位符 5">
             <a:extLst>
               <a:ext uri="{FF2B5EF4-FFF2-40B4-BE49-F238E27FC236}">
-                <a16:creationId xmlns="" xmlns:a16="http://schemas.microsoft.com/office/drawing/2014/main" id="{6F8B23CE-5E89-406C-9C48-F3BBBF2CB863}"/>
+                <a16:creationId xmlns:a16="http://schemas.microsoft.com/office/drawing/2014/main" xmlns="" id="{6F8B23CE-5E89-406C-9C48-F3BBBF2CB863}"/>
               </a:ext>
             </a:extLst>
           </p:cNvPr>
@@ -4745,7 +4831,7 @@
           <p:cNvPr id="7" name="灯片编号占位符 6">
             <a:extLst>
               <a:ext uri="{FF2B5EF4-FFF2-40B4-BE49-F238E27FC236}">
-                <a16:creationId xmlns="" xmlns:a16="http://schemas.microsoft.com/office/drawing/2014/main" id="{EDC18F40-8ADB-417B-B7DB-57A1E8BA1C99}"/>
+                <a16:creationId xmlns:a16="http://schemas.microsoft.com/office/drawing/2014/main" xmlns="" id="{EDC18F40-8ADB-417B-B7DB-57A1E8BA1C99}"/>
               </a:ext>
             </a:extLst>
           </p:cNvPr>
@@ -4804,7 +4890,7 @@
           <p:cNvPr id="2" name="标题 1">
             <a:extLst>
               <a:ext uri="{FF2B5EF4-FFF2-40B4-BE49-F238E27FC236}">
-                <a16:creationId xmlns="" xmlns:a16="http://schemas.microsoft.com/office/drawing/2014/main" id="{488BA2E3-0B0A-4253-BAD7-BB530386E5FA}"/>
+                <a16:creationId xmlns:a16="http://schemas.microsoft.com/office/drawing/2014/main" xmlns="" id="{488BA2E3-0B0A-4253-BAD7-BB530386E5FA}"/>
               </a:ext>
             </a:extLst>
           </p:cNvPr>
@@ -4841,7 +4927,7 @@
           <p:cNvPr id="3" name="图片占位符 2">
             <a:extLst>
               <a:ext uri="{FF2B5EF4-FFF2-40B4-BE49-F238E27FC236}">
-                <a16:creationId xmlns="" xmlns:a16="http://schemas.microsoft.com/office/drawing/2014/main" id="{0084F7EB-29D8-40BB-AC03-A22F1DFC4A6D}"/>
+                <a16:creationId xmlns:a16="http://schemas.microsoft.com/office/drawing/2014/main" xmlns="" id="{0084F7EB-29D8-40BB-AC03-A22F1DFC4A6D}"/>
               </a:ext>
             </a:extLst>
           </p:cNvPr>
@@ -4908,7 +4994,7 @@
           <p:cNvPr id="4" name="文本占位符 3">
             <a:extLst>
               <a:ext uri="{FF2B5EF4-FFF2-40B4-BE49-F238E27FC236}">
-                <a16:creationId xmlns="" xmlns:a16="http://schemas.microsoft.com/office/drawing/2014/main" id="{3BE7DE1E-3517-490F-A8EF-6448D38FB809}"/>
+                <a16:creationId xmlns:a16="http://schemas.microsoft.com/office/drawing/2014/main" xmlns="" id="{3BE7DE1E-3517-490F-A8EF-6448D38FB809}"/>
               </a:ext>
             </a:extLst>
           </p:cNvPr>
@@ -4979,7 +5065,7 @@
           <p:cNvPr id="5" name="日期占位符 4">
             <a:extLst>
               <a:ext uri="{FF2B5EF4-FFF2-40B4-BE49-F238E27FC236}">
-                <a16:creationId xmlns="" xmlns:a16="http://schemas.microsoft.com/office/drawing/2014/main" id="{14CD8BFA-42E8-48D3-9EFB-0DC4071F91C9}"/>
+                <a16:creationId xmlns:a16="http://schemas.microsoft.com/office/drawing/2014/main" xmlns="" id="{14CD8BFA-42E8-48D3-9EFB-0DC4071F91C9}"/>
               </a:ext>
             </a:extLst>
           </p:cNvPr>
@@ -4997,7 +5083,7 @@
           <a:p>
             <a:fld id="{604E12D8-2A59-4235-8FCA-3933E01027FF}" type="datetimeFigureOut">
               <a:rPr lang="zh-CN" altLang="en-US" smtClean="0"/>
-              <a:t>2019/5/29</a:t>
+              <a:t>2019/6/18</a:t>
             </a:fld>
             <a:endParaRPr lang="zh-CN" altLang="en-US"/>
           </a:p>
@@ -5008,7 +5094,7 @@
           <p:cNvPr id="6" name="页脚占位符 5">
             <a:extLst>
               <a:ext uri="{FF2B5EF4-FFF2-40B4-BE49-F238E27FC236}">
-                <a16:creationId xmlns="" xmlns:a16="http://schemas.microsoft.com/office/drawing/2014/main" id="{D6698982-B4A3-4CA4-90E9-6461490C595A}"/>
+                <a16:creationId xmlns:a16="http://schemas.microsoft.com/office/drawing/2014/main" xmlns="" id="{D6698982-B4A3-4CA4-90E9-6461490C595A}"/>
               </a:ext>
             </a:extLst>
           </p:cNvPr>
@@ -5033,7 +5119,7 @@
           <p:cNvPr id="7" name="灯片编号占位符 6">
             <a:extLst>
               <a:ext uri="{FF2B5EF4-FFF2-40B4-BE49-F238E27FC236}">
-                <a16:creationId xmlns="" xmlns:a16="http://schemas.microsoft.com/office/drawing/2014/main" id="{25A6C0F7-82A6-4AAB-96F4-67C7FB493799}"/>
+                <a16:creationId xmlns:a16="http://schemas.microsoft.com/office/drawing/2014/main" xmlns="" id="{25A6C0F7-82A6-4AAB-96F4-67C7FB493799}"/>
               </a:ext>
             </a:extLst>
           </p:cNvPr>
@@ -5097,7 +5183,7 @@
           <p:cNvPr id="2" name="标题占位符 1">
             <a:extLst>
               <a:ext uri="{FF2B5EF4-FFF2-40B4-BE49-F238E27FC236}">
-                <a16:creationId xmlns="" xmlns:a16="http://schemas.microsoft.com/office/drawing/2014/main" id="{B6173B51-78F1-409D-B4B3-603559D65998}"/>
+                <a16:creationId xmlns:a16="http://schemas.microsoft.com/office/drawing/2014/main" xmlns="" id="{B6173B51-78F1-409D-B4B3-603559D65998}"/>
               </a:ext>
             </a:extLst>
           </p:cNvPr>
@@ -5135,7 +5221,7 @@
           <p:cNvPr id="3" name="文本占位符 2">
             <a:extLst>
               <a:ext uri="{FF2B5EF4-FFF2-40B4-BE49-F238E27FC236}">
-                <a16:creationId xmlns="" xmlns:a16="http://schemas.microsoft.com/office/drawing/2014/main" id="{43D4835B-D06C-4EF8-B09B-4CC51DE747CC}"/>
+                <a16:creationId xmlns:a16="http://schemas.microsoft.com/office/drawing/2014/main" xmlns="" id="{43D4835B-D06C-4EF8-B09B-4CC51DE747CC}"/>
               </a:ext>
             </a:extLst>
           </p:cNvPr>
@@ -5202,7 +5288,7 @@
           <p:cNvPr id="4" name="日期占位符 3">
             <a:extLst>
               <a:ext uri="{FF2B5EF4-FFF2-40B4-BE49-F238E27FC236}">
-                <a16:creationId xmlns="" xmlns:a16="http://schemas.microsoft.com/office/drawing/2014/main" id="{EF183775-1B0D-4011-897F-D69ED03D11D3}"/>
+                <a16:creationId xmlns:a16="http://schemas.microsoft.com/office/drawing/2014/main" xmlns="" id="{EF183775-1B0D-4011-897F-D69ED03D11D3}"/>
               </a:ext>
             </a:extLst>
           </p:cNvPr>
@@ -5238,7 +5324,7 @@
           <a:p>
             <a:fld id="{604E12D8-2A59-4235-8FCA-3933E01027FF}" type="datetimeFigureOut">
               <a:rPr lang="zh-CN" altLang="en-US" smtClean="0"/>
-              <a:t>2019/5/29</a:t>
+              <a:t>2019/6/18</a:t>
             </a:fld>
             <a:endParaRPr lang="zh-CN" altLang="en-US"/>
           </a:p>
@@ -5249,7 +5335,7 @@
           <p:cNvPr id="5" name="页脚占位符 4">
             <a:extLst>
               <a:ext uri="{FF2B5EF4-FFF2-40B4-BE49-F238E27FC236}">
-                <a16:creationId xmlns="" xmlns:a16="http://schemas.microsoft.com/office/drawing/2014/main" id="{C447DA3A-51E0-45E6-B85C-93DB617E509F}"/>
+                <a16:creationId xmlns:a16="http://schemas.microsoft.com/office/drawing/2014/main" xmlns="" id="{C447DA3A-51E0-45E6-B85C-93DB617E509F}"/>
               </a:ext>
             </a:extLst>
           </p:cNvPr>
@@ -5292,7 +5378,7 @@
           <p:cNvPr id="6" name="灯片编号占位符 5">
             <a:extLst>
               <a:ext uri="{FF2B5EF4-FFF2-40B4-BE49-F238E27FC236}">
-                <a16:creationId xmlns="" xmlns:a16="http://schemas.microsoft.com/office/drawing/2014/main" id="{4AC14869-D49B-4FFE-B893-DA87BC45B660}"/>
+                <a16:creationId xmlns:a16="http://schemas.microsoft.com/office/drawing/2014/main" xmlns="" id="{4AC14869-D49B-4FFE-B893-DA87BC45B660}"/>
               </a:ext>
             </a:extLst>
           </p:cNvPr>
@@ -6047,7 +6133,7 @@
           <p:cNvPr id="20" name="图片 19">
             <a:extLst>
               <a:ext uri="{FF2B5EF4-FFF2-40B4-BE49-F238E27FC236}">
-                <a16:creationId xmlns="" xmlns:a16="http://schemas.microsoft.com/office/drawing/2014/main" id="{9B04471A-1EB0-4998-B528-D37A01B873B0}"/>
+                <a16:creationId xmlns:a16="http://schemas.microsoft.com/office/drawing/2014/main" xmlns="" id="{9B04471A-1EB0-4998-B528-D37A01B873B0}"/>
               </a:ext>
             </a:extLst>
           </p:cNvPr>
@@ -6182,7 +6268,7 @@
         <p:spPr>
           <a:xfrm>
             <a:off x="338383" y="352445"/>
-            <a:ext cx="5013546" cy="584775"/>
+            <a:ext cx="4043266" cy="584775"/>
           </a:xfrm>
           <a:prstGeom prst="rect">
             <a:avLst/>
@@ -6216,22 +6302,15 @@
               <a:t>-</a:t>
             </a:r>
             <a:r>
-              <a:rPr lang="zh-CN" altLang="en-US" sz="3200" b="1" dirty="0" smtClean="0">
+              <a:rPr lang="zh-CN" altLang="en-US" sz="3200" b="1" dirty="0">
                 <a:solidFill>
                   <a:srgbClr val="0070C0"/>
                 </a:solidFill>
                 <a:latin typeface="微软雅黑" panose="020B0503020204020204" pitchFamily="34" charset="-122"/>
                 <a:ea typeface="微软雅黑" panose="020B0503020204020204" pitchFamily="34" charset="-122"/>
               </a:rPr>
-              <a:t>百度分享模块</a:t>
-            </a:r>
-            <a:endParaRPr lang="zh-CN" altLang="en-US" sz="3200" b="1" dirty="0">
-              <a:solidFill>
-                <a:srgbClr val="0070C0"/>
-              </a:solidFill>
-              <a:latin typeface="微软雅黑" panose="020B0503020204020204" pitchFamily="34" charset="-122"/>
-              <a:ea typeface="微软雅黑" panose="020B0503020204020204" pitchFamily="34" charset="-122"/>
-            </a:endParaRPr>
+              <a:t>遮罩模块</a:t>
+            </a:r>
           </a:p>
         </p:txBody>
       </p:sp>
@@ -6317,8 +6396,8 @@
         </p:nvSpPr>
         <p:spPr>
           <a:xfrm>
-            <a:off x="550756" y="2262382"/>
-            <a:ext cx="5624597" cy="2785378"/>
+            <a:off x="463073" y="2638163"/>
+            <a:ext cx="5624597" cy="1708160"/>
           </a:xfrm>
           <a:prstGeom prst="rect">
             <a:avLst/>
@@ -6348,9 +6427,9 @@
                 <a:ea typeface="Lantinghei SC Demibold" charset="-122"/>
                 <a:cs typeface="Lantinghei SC Demibold" charset="-122"/>
               </a:rPr>
-              <a:t>百度分享</a:t>
-            </a:r>
-            <a:endParaRPr lang="en-US" altLang="zh-CN" sz="2000" b="1" dirty="0">
+              <a:t>锁屏遮罩</a:t>
+            </a:r>
+            <a:endParaRPr lang="en-US" altLang="zh-CN" sz="2000" b="1" dirty="0" smtClean="0">
               <a:latin typeface="Lantinghei SC Demibold" charset="-122"/>
               <a:ea typeface="Lantinghei SC Demibold" charset="-122"/>
               <a:cs typeface="Lantinghei SC Demibold" charset="-122"/>
@@ -6374,7 +6453,7 @@
                 <a:ea typeface="Lantinghei SC Demibold" charset="-122"/>
                 <a:cs typeface="Lantinghei SC Demibold" charset="-122"/>
               </a:rPr>
-              <a:t>百度分享可以将当前页面的内容分享道其他第三方平台</a:t>
+              <a:t>当有弹出框显示时给页面增加一层遮罩效果</a:t>
             </a:r>
             <a:r>
               <a:rPr lang="en-US" altLang="zh-CN" sz="2000" dirty="0" smtClean="0">
@@ -6390,23 +6469,7 @@
                 <a:ea typeface="Lantinghei SC Demibold" charset="-122"/>
                 <a:cs typeface="Lantinghei SC Demibold" charset="-122"/>
               </a:rPr>
-              <a:t>本项目中的百度分享功能只是为了做出百度分享的布局以及动画效果</a:t>
-            </a:r>
-            <a:r>
-              <a:rPr lang="en-US" altLang="zh-CN" sz="2000" dirty="0" smtClean="0">
-                <a:latin typeface="Lantinghei SC Demibold" charset="-122"/>
-                <a:ea typeface="Lantinghei SC Demibold" charset="-122"/>
-                <a:cs typeface="Lantinghei SC Demibold" charset="-122"/>
-              </a:rPr>
-              <a:t>,</a:t>
-            </a:r>
-            <a:r>
-              <a:rPr lang="zh-CN" altLang="en-US" sz="2000" dirty="0" smtClean="0">
-                <a:latin typeface="Lantinghei SC Demibold" charset="-122"/>
-                <a:ea typeface="Lantinghei SC Demibold" charset="-122"/>
-                <a:cs typeface="Lantinghei SC Demibold" charset="-122"/>
-              </a:rPr>
-              <a:t>不包含分享到第三方平台功能。</a:t>
+              <a:t>有利于用户的体验以及减少对其他功能的触发。</a:t>
             </a:r>
             <a:endParaRPr lang="zh-CN" altLang="en-US" sz="2000" dirty="0">
               <a:latin typeface="微软雅黑"/>
@@ -6462,8 +6525,8 @@
         </p:blipFill>
         <p:spPr>
           <a:xfrm>
-            <a:off x="6175353" y="2426662"/>
-            <a:ext cx="5792188" cy="2932808"/>
+            <a:off x="6227964" y="2137201"/>
+            <a:ext cx="5616613" cy="3463499"/>
           </a:xfrm>
           <a:prstGeom prst="rect">
             <a:avLst/>
@@ -6473,7 +6536,7 @@
     </p:spTree>
     <p:extLst>
       <p:ext uri="{BB962C8B-B14F-4D97-AF65-F5344CB8AC3E}">
-        <p14:creationId xmlns:p14="http://schemas.microsoft.com/office/powerpoint/2010/main" val="1745521259"/>
+        <p14:creationId xmlns:p14="http://schemas.microsoft.com/office/powerpoint/2010/main" val="69611731"/>
       </p:ext>
     </p:extLst>
   </p:cSld>
@@ -6573,8 +6636,8 @@
         </p:nvSpPr>
         <p:spPr>
           <a:xfrm>
-            <a:off x="338382" y="352445"/>
-            <a:ext cx="4944818" cy="584775"/>
+            <a:off x="338383" y="352445"/>
+            <a:ext cx="5013546" cy="584775"/>
           </a:xfrm>
           <a:prstGeom prst="rect">
             <a:avLst/>
@@ -6615,7 +6678,7 @@
                 <a:latin typeface="微软雅黑" panose="020B0503020204020204" pitchFamily="34" charset="-122"/>
                 <a:ea typeface="微软雅黑" panose="020B0503020204020204" pitchFamily="34" charset="-122"/>
               </a:rPr>
-              <a:t>滑动导航模块</a:t>
+              <a:t>百度分享模块</a:t>
             </a:r>
             <a:endParaRPr lang="zh-CN" altLang="en-US" sz="3200" b="1" dirty="0">
               <a:solidFill>
@@ -6709,8 +6772,8 @@
         </p:nvSpPr>
         <p:spPr>
           <a:xfrm>
-            <a:off x="370031" y="2468789"/>
-            <a:ext cx="5624597" cy="1708160"/>
+            <a:off x="550756" y="2262382"/>
+            <a:ext cx="5624597" cy="2785378"/>
           </a:xfrm>
           <a:prstGeom prst="rect">
             <a:avLst/>
@@ -6740,9 +6803,9 @@
                 <a:ea typeface="Lantinghei SC Demibold" charset="-122"/>
                 <a:cs typeface="Lantinghei SC Demibold" charset="-122"/>
               </a:rPr>
-              <a:t>滑动导航</a:t>
-            </a:r>
-            <a:endParaRPr lang="en-US" altLang="zh-CN" sz="2000" b="1" dirty="0" smtClean="0">
+              <a:t>百度分享</a:t>
+            </a:r>
+            <a:endParaRPr lang="en-US" altLang="zh-CN" sz="2000" b="1" dirty="0">
               <a:latin typeface="Lantinghei SC Demibold" charset="-122"/>
               <a:ea typeface="Lantinghei SC Demibold" charset="-122"/>
               <a:cs typeface="Lantinghei SC Demibold" charset="-122"/>
@@ -6766,7 +6829,7 @@
                 <a:ea typeface="Lantinghei SC Demibold" charset="-122"/>
                 <a:cs typeface="Lantinghei SC Demibold" charset="-122"/>
               </a:rPr>
-              <a:t>给导航添加滑动效果</a:t>
+              <a:t>百度分享可以将当前页面的内容分享道其他第三方平台</a:t>
             </a:r>
             <a:r>
               <a:rPr lang="en-US" altLang="zh-CN" sz="2000" dirty="0" smtClean="0">
@@ -6782,7 +6845,7 @@
                 <a:ea typeface="Lantinghei SC Demibold" charset="-122"/>
                 <a:cs typeface="Lantinghei SC Demibold" charset="-122"/>
               </a:rPr>
-              <a:t>有利于用户体验</a:t>
+              <a:t>本项目中的百度分享功能只是为了做出百度分享的布局以及动画效果</a:t>
             </a:r>
             <a:r>
               <a:rPr lang="en-US" altLang="zh-CN" sz="2000" dirty="0" smtClean="0">
@@ -6798,7 +6861,7 @@
                 <a:ea typeface="Lantinghei SC Demibold" charset="-122"/>
                 <a:cs typeface="Lantinghei SC Demibold" charset="-122"/>
               </a:rPr>
-              <a:t>给用户一种比较炫酷的效果。</a:t>
+              <a:t>不包含分享到第三方平台功能。</a:t>
             </a:r>
             <a:endParaRPr lang="zh-CN" altLang="en-US" sz="2000" dirty="0">
               <a:latin typeface="微软雅黑"/>
@@ -6854,8 +6917,8 @@
         </p:blipFill>
         <p:spPr>
           <a:xfrm>
-            <a:off x="5994628" y="1619680"/>
-            <a:ext cx="5939283" cy="3981020"/>
+            <a:off x="6175353" y="2426662"/>
+            <a:ext cx="5792188" cy="2932808"/>
           </a:xfrm>
           <a:prstGeom prst="rect">
             <a:avLst/>
@@ -6865,7 +6928,7 @@
     </p:spTree>
     <p:extLst>
       <p:ext uri="{BB962C8B-B14F-4D97-AF65-F5344CB8AC3E}">
-        <p14:creationId xmlns:p14="http://schemas.microsoft.com/office/powerpoint/2010/main" val="1040814230"/>
+        <p14:creationId xmlns:p14="http://schemas.microsoft.com/office/powerpoint/2010/main" val="1745521259"/>
       </p:ext>
     </p:extLst>
   </p:cSld>
@@ -6965,8 +7028,8 @@
         </p:nvSpPr>
         <p:spPr>
           <a:xfrm>
-            <a:off x="338383" y="352445"/>
-            <a:ext cx="4879076" cy="584775"/>
+            <a:off x="338382" y="352445"/>
+            <a:ext cx="4944818" cy="584775"/>
           </a:xfrm>
           <a:prstGeom prst="rect">
             <a:avLst/>
@@ -7007,7 +7070,7 @@
                 <a:latin typeface="微软雅黑" panose="020B0503020204020204" pitchFamily="34" charset="-122"/>
                 <a:ea typeface="微软雅黑" panose="020B0503020204020204" pitchFamily="34" charset="-122"/>
               </a:rPr>
-              <a:t>菜单切换模块</a:t>
+              <a:t>滑动导航模块</a:t>
             </a:r>
             <a:endParaRPr lang="zh-CN" altLang="en-US" sz="3200" b="1" dirty="0">
               <a:solidFill>
@@ -7101,7 +7164,7 @@
         </p:nvSpPr>
         <p:spPr>
           <a:xfrm>
-            <a:off x="338383" y="2534062"/>
+            <a:off x="370031" y="2468789"/>
             <a:ext cx="5624597" cy="1708160"/>
           </a:xfrm>
           <a:prstGeom prst="rect">
@@ -7132,9 +7195,9 @@
                 <a:ea typeface="Lantinghei SC Demibold" charset="-122"/>
                 <a:cs typeface="Lantinghei SC Demibold" charset="-122"/>
               </a:rPr>
-              <a:t>菜单切换</a:t>
-            </a:r>
-            <a:endParaRPr lang="en-US" altLang="zh-CN" sz="2000" b="1" dirty="0">
+              <a:t>滑动导航</a:t>
+            </a:r>
+            <a:endParaRPr lang="en-US" altLang="zh-CN" sz="2000" b="1" dirty="0" smtClean="0">
               <a:latin typeface="Lantinghei SC Demibold" charset="-122"/>
               <a:ea typeface="Lantinghei SC Demibold" charset="-122"/>
               <a:cs typeface="Lantinghei SC Demibold" charset="-122"/>
@@ -7158,7 +7221,39 @@
                 <a:ea typeface="Lantinghei SC Demibold" charset="-122"/>
                 <a:cs typeface="Lantinghei SC Demibold" charset="-122"/>
               </a:rPr>
-              <a:t>菜单切换模块用于展示文章列表并且可以对菜单内容进行显示与隐藏。</a:t>
+              <a:t>给导航添加滑动效果</a:t>
+            </a:r>
+            <a:r>
+              <a:rPr lang="en-US" altLang="zh-CN" sz="2000" dirty="0" smtClean="0">
+                <a:latin typeface="Lantinghei SC Demibold" charset="-122"/>
+                <a:ea typeface="Lantinghei SC Demibold" charset="-122"/>
+                <a:cs typeface="Lantinghei SC Demibold" charset="-122"/>
+              </a:rPr>
+              <a:t>,</a:t>
+            </a:r>
+            <a:r>
+              <a:rPr lang="zh-CN" altLang="en-US" sz="2000" dirty="0" smtClean="0">
+                <a:latin typeface="Lantinghei SC Demibold" charset="-122"/>
+                <a:ea typeface="Lantinghei SC Demibold" charset="-122"/>
+                <a:cs typeface="Lantinghei SC Demibold" charset="-122"/>
+              </a:rPr>
+              <a:t>有利于用户体验</a:t>
+            </a:r>
+            <a:r>
+              <a:rPr lang="en-US" altLang="zh-CN" sz="2000" dirty="0" smtClean="0">
+                <a:latin typeface="Lantinghei SC Demibold" charset="-122"/>
+                <a:ea typeface="Lantinghei SC Demibold" charset="-122"/>
+                <a:cs typeface="Lantinghei SC Demibold" charset="-122"/>
+              </a:rPr>
+              <a:t>,</a:t>
+            </a:r>
+            <a:r>
+              <a:rPr lang="zh-CN" altLang="en-US" sz="2000" dirty="0" smtClean="0">
+                <a:latin typeface="Lantinghei SC Demibold" charset="-122"/>
+                <a:ea typeface="Lantinghei SC Demibold" charset="-122"/>
+                <a:cs typeface="Lantinghei SC Demibold" charset="-122"/>
+              </a:rPr>
+              <a:t>给用户一种比较炫酷的效果。</a:t>
             </a:r>
             <a:endParaRPr lang="zh-CN" altLang="en-US" sz="2000" dirty="0">
               <a:latin typeface="微软雅黑"/>
@@ -7214,8 +7309,8 @@
         </p:blipFill>
         <p:spPr>
           <a:xfrm>
-            <a:off x="5948661" y="1787297"/>
-            <a:ext cx="6243339" cy="3813403"/>
+            <a:off x="5994628" y="1619680"/>
+            <a:ext cx="5939283" cy="3981020"/>
           </a:xfrm>
           <a:prstGeom prst="rect">
             <a:avLst/>
@@ -7225,7 +7320,7 @@
     </p:spTree>
     <p:extLst>
       <p:ext uri="{BB962C8B-B14F-4D97-AF65-F5344CB8AC3E}">
-        <p14:creationId xmlns:p14="http://schemas.microsoft.com/office/powerpoint/2010/main" val="81833124"/>
+        <p14:creationId xmlns:p14="http://schemas.microsoft.com/office/powerpoint/2010/main" val="1040814230"/>
       </p:ext>
     </p:extLst>
   </p:cSld>
@@ -7325,8 +7420,8 @@
         </p:nvSpPr>
         <p:spPr>
           <a:xfrm>
-            <a:off x="338382" y="352445"/>
-            <a:ext cx="4944818" cy="584775"/>
+            <a:off x="338383" y="352445"/>
+            <a:ext cx="4879076" cy="584775"/>
           </a:xfrm>
           <a:prstGeom prst="rect">
             <a:avLst/>
@@ -7360,16 +7455,6 @@
               <a:t>-</a:t>
             </a:r>
             <a:r>
-              <a:rPr lang="zh-CN" altLang="en-US" sz="3200" b="1" dirty="0">
-                <a:solidFill>
-                  <a:srgbClr val="0070C0"/>
-                </a:solidFill>
-                <a:latin typeface="微软雅黑" panose="020B0503020204020204" pitchFamily="34" charset="-122"/>
-                <a:ea typeface="微软雅黑" panose="020B0503020204020204" pitchFamily="34" charset="-122"/>
-              </a:rPr>
-              <a:t>轮</a:t>
-            </a:r>
-            <a:r>
               <a:rPr lang="zh-CN" altLang="en-US" sz="3200" b="1" dirty="0" smtClean="0">
                 <a:solidFill>
                   <a:srgbClr val="0070C0"/>
@@ -7377,27 +7462,7 @@
                 <a:latin typeface="微软雅黑" panose="020B0503020204020204" pitchFamily="34" charset="-122"/>
                 <a:ea typeface="微软雅黑" panose="020B0503020204020204" pitchFamily="34" charset="-122"/>
               </a:rPr>
-              <a:t>播</a:t>
-            </a:r>
-            <a:r>
-              <a:rPr lang="zh-CN" altLang="en-US" sz="3200" b="1" dirty="0">
-                <a:solidFill>
-                  <a:srgbClr val="0070C0"/>
-                </a:solidFill>
-                <a:latin typeface="微软雅黑" panose="020B0503020204020204" pitchFamily="34" charset="-122"/>
-                <a:ea typeface="微软雅黑" panose="020B0503020204020204" pitchFamily="34" charset="-122"/>
-              </a:rPr>
-              <a:t>图</a:t>
-            </a:r>
-            <a:r>
-              <a:rPr lang="zh-CN" altLang="en-US" sz="3200" b="1" dirty="0" smtClean="0">
-                <a:solidFill>
-                  <a:srgbClr val="0070C0"/>
-                </a:solidFill>
-                <a:latin typeface="微软雅黑" panose="020B0503020204020204" pitchFamily="34" charset="-122"/>
-                <a:ea typeface="微软雅黑" panose="020B0503020204020204" pitchFamily="34" charset="-122"/>
-              </a:rPr>
-              <a:t>模块</a:t>
+              <a:t>菜单切换模块</a:t>
             </a:r>
             <a:endParaRPr lang="zh-CN" altLang="en-US" sz="3200" b="1" dirty="0">
               <a:solidFill>
@@ -7491,8 +7556,8 @@
         </p:nvSpPr>
         <p:spPr>
           <a:xfrm>
-            <a:off x="338382" y="2712326"/>
-            <a:ext cx="5624597" cy="1169551"/>
+            <a:off x="338383" y="2534062"/>
+            <a:ext cx="5624597" cy="1708160"/>
           </a:xfrm>
           <a:prstGeom prst="rect">
             <a:avLst/>
@@ -7517,14 +7582,14 @@
               </a:spcAft>
             </a:pPr>
             <a:r>
-              <a:rPr lang="zh-CN" altLang="en-US" sz="2000" b="1" dirty="0">
+              <a:rPr lang="zh-CN" altLang="en-US" sz="2000" b="1" dirty="0" smtClean="0">
                 <a:latin typeface="Lantinghei SC Demibold" charset="-122"/>
                 <a:ea typeface="Lantinghei SC Demibold" charset="-122"/>
                 <a:cs typeface="Lantinghei SC Demibold" charset="-122"/>
               </a:rPr>
-              <a:t>轮播图</a:t>
-            </a:r>
-            <a:endParaRPr lang="en-US" altLang="zh-CN" sz="2000" b="1" dirty="0" smtClean="0">
+              <a:t>菜单切换</a:t>
+            </a:r>
+            <a:endParaRPr lang="en-US" altLang="zh-CN" sz="2000" b="1" dirty="0">
               <a:latin typeface="Lantinghei SC Demibold" charset="-122"/>
               <a:ea typeface="Lantinghei SC Demibold" charset="-122"/>
               <a:cs typeface="Lantinghei SC Demibold" charset="-122"/>
@@ -7548,7 +7613,7 @@
                 <a:ea typeface="Lantinghei SC Demibold" charset="-122"/>
                 <a:cs typeface="Lantinghei SC Demibold" charset="-122"/>
               </a:rPr>
-              <a:t>轮播图模块用于展示广告。</a:t>
+              <a:t>菜单切换模块用于展示文章列表并且可以对菜单内容进行显示与隐藏。</a:t>
             </a:r>
             <a:endParaRPr lang="zh-CN" altLang="en-US" sz="2000" dirty="0">
               <a:latin typeface="微软雅黑"/>
@@ -7590,7 +7655,7 @@
       </p:pic>
       <p:pic>
         <p:nvPicPr>
-          <p:cNvPr id="4" name="图片 3"/>
+          <p:cNvPr id="2" name="图片 1"/>
           <p:cNvPicPr>
             <a:picLocks noChangeAspect="1"/>
           </p:cNvPicPr>
@@ -7604,56 +7669,8 @@
         </p:blipFill>
         <p:spPr>
           <a:xfrm>
-            <a:off x="4000253" y="1510054"/>
-            <a:ext cx="7844324" cy="1398666"/>
-          </a:xfrm>
-          <a:prstGeom prst="rect">
-            <a:avLst/>
-          </a:prstGeom>
-        </p:spPr>
-      </p:pic>
-      <p:pic>
-        <p:nvPicPr>
-          <p:cNvPr id="5" name="图片 4"/>
-          <p:cNvPicPr>
-            <a:picLocks noChangeAspect="1"/>
-          </p:cNvPicPr>
-          <p:nvPr/>
-        </p:nvPicPr>
-        <p:blipFill>
-          <a:blip r:embed="rId5"/>
-          <a:stretch>
-            <a:fillRect/>
-          </a:stretch>
-        </p:blipFill>
-        <p:spPr>
-          <a:xfrm>
-            <a:off x="4000253" y="3208982"/>
-            <a:ext cx="7844324" cy="1438697"/>
-          </a:xfrm>
-          <a:prstGeom prst="rect">
-            <a:avLst/>
-          </a:prstGeom>
-        </p:spPr>
-      </p:pic>
-      <p:pic>
-        <p:nvPicPr>
-          <p:cNvPr id="6" name="图片 5"/>
-          <p:cNvPicPr>
-            <a:picLocks noChangeAspect="1"/>
-          </p:cNvPicPr>
-          <p:nvPr/>
-        </p:nvPicPr>
-        <p:blipFill>
-          <a:blip r:embed="rId6"/>
-          <a:stretch>
-            <a:fillRect/>
-          </a:stretch>
-        </p:blipFill>
-        <p:spPr>
-          <a:xfrm>
-            <a:off x="4000253" y="4947941"/>
-            <a:ext cx="7844324" cy="1372109"/>
+            <a:off x="5948661" y="1787297"/>
+            <a:ext cx="6243339" cy="3813403"/>
           </a:xfrm>
           <a:prstGeom prst="rect">
             <a:avLst/>
@@ -7663,7 +7680,7 @@
     </p:spTree>
     <p:extLst>
       <p:ext uri="{BB962C8B-B14F-4D97-AF65-F5344CB8AC3E}">
-        <p14:creationId xmlns:p14="http://schemas.microsoft.com/office/powerpoint/2010/main" val="155172390"/>
+        <p14:creationId xmlns:p14="http://schemas.microsoft.com/office/powerpoint/2010/main" val="81833124"/>
       </p:ext>
     </p:extLst>
   </p:cSld>
@@ -7798,6 +7815,16 @@
               <a:t>-</a:t>
             </a:r>
             <a:r>
+              <a:rPr lang="zh-CN" altLang="en-US" sz="3200" b="1" dirty="0">
+                <a:solidFill>
+                  <a:srgbClr val="0070C0"/>
+                </a:solidFill>
+                <a:latin typeface="微软雅黑" panose="020B0503020204020204" pitchFamily="34" charset="-122"/>
+                <a:ea typeface="微软雅黑" panose="020B0503020204020204" pitchFamily="34" charset="-122"/>
+              </a:rPr>
+              <a:t>轮</a:t>
+            </a:r>
+            <a:r>
               <a:rPr lang="zh-CN" altLang="en-US" sz="3200" b="1" dirty="0" smtClean="0">
                 <a:solidFill>
                   <a:srgbClr val="0070C0"/>
@@ -7805,7 +7832,27 @@
                 <a:latin typeface="微软雅黑" panose="020B0503020204020204" pitchFamily="34" charset="-122"/>
                 <a:ea typeface="微软雅黑" panose="020B0503020204020204" pitchFamily="34" charset="-122"/>
               </a:rPr>
-              <a:t>延迟加载模块</a:t>
+              <a:t>播</a:t>
+            </a:r>
+            <a:r>
+              <a:rPr lang="zh-CN" altLang="en-US" sz="3200" b="1" dirty="0">
+                <a:solidFill>
+                  <a:srgbClr val="0070C0"/>
+                </a:solidFill>
+                <a:latin typeface="微软雅黑" panose="020B0503020204020204" pitchFamily="34" charset="-122"/>
+                <a:ea typeface="微软雅黑" panose="020B0503020204020204" pitchFamily="34" charset="-122"/>
+              </a:rPr>
+              <a:t>图</a:t>
+            </a:r>
+            <a:r>
+              <a:rPr lang="zh-CN" altLang="en-US" sz="3200" b="1" dirty="0" smtClean="0">
+                <a:solidFill>
+                  <a:srgbClr val="0070C0"/>
+                </a:solidFill>
+                <a:latin typeface="微软雅黑" panose="020B0503020204020204" pitchFamily="34" charset="-122"/>
+                <a:ea typeface="微软雅黑" panose="020B0503020204020204" pitchFamily="34" charset="-122"/>
+              </a:rPr>
+              <a:t>模块</a:t>
             </a:r>
             <a:endParaRPr lang="zh-CN" altLang="en-US" sz="3200" b="1" dirty="0">
               <a:solidFill>
@@ -7900,7 +7947,7 @@
         <p:spPr>
           <a:xfrm>
             <a:off x="338382" y="2712326"/>
-            <a:ext cx="5624597" cy="2246769"/>
+            <a:ext cx="5624597" cy="1169551"/>
           </a:xfrm>
           <a:prstGeom prst="rect">
             <a:avLst/>
@@ -7925,12 +7972,12 @@
               </a:spcAft>
             </a:pPr>
             <a:r>
-              <a:rPr lang="zh-CN" altLang="en-US" sz="2000" b="1" dirty="0" smtClean="0">
+              <a:rPr lang="zh-CN" altLang="en-US" sz="2000" b="1" dirty="0">
                 <a:latin typeface="Lantinghei SC Demibold" charset="-122"/>
                 <a:ea typeface="Lantinghei SC Demibold" charset="-122"/>
                 <a:cs typeface="Lantinghei SC Demibold" charset="-122"/>
               </a:rPr>
-              <a:t>延迟加载</a:t>
+              <a:t>轮播图</a:t>
             </a:r>
             <a:endParaRPr lang="en-US" altLang="zh-CN" sz="2000" b="1" dirty="0" smtClean="0">
               <a:latin typeface="Lantinghei SC Demibold" charset="-122"/>
@@ -7956,39 +8003,7 @@
                 <a:ea typeface="Lantinghei SC Demibold" charset="-122"/>
                 <a:cs typeface="Lantinghei SC Demibold" charset="-122"/>
               </a:rPr>
-              <a:t>延迟加载模块用于展示一些图片</a:t>
-            </a:r>
-            <a:r>
-              <a:rPr lang="en-US" altLang="zh-CN" sz="2000" dirty="0" smtClean="0">
-                <a:latin typeface="Lantinghei SC Demibold" charset="-122"/>
-                <a:ea typeface="Lantinghei SC Demibold" charset="-122"/>
-                <a:cs typeface="Lantinghei SC Demibold" charset="-122"/>
-              </a:rPr>
-              <a:t>,</a:t>
-            </a:r>
-            <a:r>
-              <a:rPr lang="zh-CN" altLang="en-US" sz="2000" dirty="0" smtClean="0">
-                <a:latin typeface="Lantinghei SC Demibold" charset="-122"/>
-                <a:ea typeface="Lantinghei SC Demibold" charset="-122"/>
-                <a:cs typeface="Lantinghei SC Demibold" charset="-122"/>
-              </a:rPr>
-              <a:t>当图片内容过多时</a:t>
-            </a:r>
-            <a:r>
-              <a:rPr lang="en-US" altLang="zh-CN" sz="2000" dirty="0" smtClean="0">
-                <a:latin typeface="Lantinghei SC Demibold" charset="-122"/>
-                <a:ea typeface="Lantinghei SC Demibold" charset="-122"/>
-                <a:cs typeface="Lantinghei SC Demibold" charset="-122"/>
-              </a:rPr>
-              <a:t>,</a:t>
-            </a:r>
-            <a:r>
-              <a:rPr lang="zh-CN" altLang="en-US" sz="2000" dirty="0" smtClean="0">
-                <a:latin typeface="Lantinghei SC Demibold" charset="-122"/>
-                <a:ea typeface="Lantinghei SC Demibold" charset="-122"/>
-                <a:cs typeface="Lantinghei SC Demibold" charset="-122"/>
-              </a:rPr>
-              <a:t>使用延迟加载可以减少带宽以及提高网站的加载速度。</a:t>
+              <a:t>轮播图模块用于展示广告。</a:t>
             </a:r>
             <a:endParaRPr lang="zh-CN" altLang="en-US" sz="2000" dirty="0">
               <a:latin typeface="微软雅黑"/>
@@ -8030,7 +8045,7 @@
       </p:pic>
       <p:pic>
         <p:nvPicPr>
-          <p:cNvPr id="2" name="图片 1"/>
+          <p:cNvPr id="4" name="图片 3"/>
           <p:cNvPicPr>
             <a:picLocks noChangeAspect="1"/>
           </p:cNvPicPr>
@@ -8044,8 +8059,56 @@
         </p:blipFill>
         <p:spPr>
           <a:xfrm>
-            <a:off x="6235489" y="1092400"/>
-            <a:ext cx="5609088" cy="5486619"/>
+            <a:off x="4000253" y="1510054"/>
+            <a:ext cx="7844324" cy="1398666"/>
+          </a:xfrm>
+          <a:prstGeom prst="rect">
+            <a:avLst/>
+          </a:prstGeom>
+        </p:spPr>
+      </p:pic>
+      <p:pic>
+        <p:nvPicPr>
+          <p:cNvPr id="5" name="图片 4"/>
+          <p:cNvPicPr>
+            <a:picLocks noChangeAspect="1"/>
+          </p:cNvPicPr>
+          <p:nvPr/>
+        </p:nvPicPr>
+        <p:blipFill>
+          <a:blip r:embed="rId5"/>
+          <a:stretch>
+            <a:fillRect/>
+          </a:stretch>
+        </p:blipFill>
+        <p:spPr>
+          <a:xfrm>
+            <a:off x="4000253" y="3208982"/>
+            <a:ext cx="7844324" cy="1438697"/>
+          </a:xfrm>
+          <a:prstGeom prst="rect">
+            <a:avLst/>
+          </a:prstGeom>
+        </p:spPr>
+      </p:pic>
+      <p:pic>
+        <p:nvPicPr>
+          <p:cNvPr id="6" name="图片 5"/>
+          <p:cNvPicPr>
+            <a:picLocks noChangeAspect="1"/>
+          </p:cNvPicPr>
+          <p:nvPr/>
+        </p:nvPicPr>
+        <p:blipFill>
+          <a:blip r:embed="rId6"/>
+          <a:stretch>
+            <a:fillRect/>
+          </a:stretch>
+        </p:blipFill>
+        <p:spPr>
+          <a:xfrm>
+            <a:off x="4000253" y="4947941"/>
+            <a:ext cx="7844324" cy="1372109"/>
           </a:xfrm>
           <a:prstGeom prst="rect">
             <a:avLst/>
@@ -8055,7 +8118,7 @@
     </p:spTree>
     <p:extLst>
       <p:ext uri="{BB962C8B-B14F-4D97-AF65-F5344CB8AC3E}">
-        <p14:creationId xmlns:p14="http://schemas.microsoft.com/office/powerpoint/2010/main" val="2575701243"/>
+        <p14:creationId xmlns:p14="http://schemas.microsoft.com/office/powerpoint/2010/main" val="155172390"/>
       </p:ext>
     </p:extLst>
   </p:cSld>
@@ -8197,7 +8260,7 @@
                 <a:latin typeface="微软雅黑" panose="020B0503020204020204" pitchFamily="34" charset="-122"/>
                 <a:ea typeface="微软雅黑" panose="020B0503020204020204" pitchFamily="34" charset="-122"/>
               </a:rPr>
-              <a:t>发表博文模块</a:t>
+              <a:t>延迟加载模块</a:t>
             </a:r>
             <a:endParaRPr lang="zh-CN" altLang="en-US" sz="3200" b="1" dirty="0">
               <a:solidFill>
@@ -8291,7 +8354,7 @@
         </p:nvSpPr>
         <p:spPr>
           <a:xfrm>
-            <a:off x="235296" y="2608208"/>
+            <a:off x="338382" y="2712326"/>
             <a:ext cx="5624597" cy="2246769"/>
           </a:xfrm>
           <a:prstGeom prst="rect">
@@ -8322,7 +8385,7 @@
                 <a:ea typeface="Lantinghei SC Demibold" charset="-122"/>
                 <a:cs typeface="Lantinghei SC Demibold" charset="-122"/>
               </a:rPr>
-              <a:t>发表博文</a:t>
+              <a:t>延迟加载</a:t>
             </a:r>
             <a:endParaRPr lang="en-US" altLang="zh-CN" sz="2000" b="1" dirty="0" smtClean="0">
               <a:latin typeface="Lantinghei SC Demibold" charset="-122"/>
@@ -8348,7 +8411,7 @@
                 <a:ea typeface="Lantinghei SC Demibold" charset="-122"/>
                 <a:cs typeface="Lantinghei SC Demibold" charset="-122"/>
               </a:rPr>
-              <a:t>发表博文模块可用于发表文章</a:t>
+              <a:t>延迟加载模块用于展示一些图片</a:t>
             </a:r>
             <a:r>
               <a:rPr lang="en-US" altLang="zh-CN" sz="2000" dirty="0" smtClean="0">
@@ -8364,7 +8427,7 @@
                 <a:ea typeface="Lantinghei SC Demibold" charset="-122"/>
                 <a:cs typeface="Lantinghei SC Demibold" charset="-122"/>
               </a:rPr>
-              <a:t>可以将自己的一些心情</a:t>
+              <a:t>当图片内容过多时</a:t>
             </a:r>
             <a:r>
               <a:rPr lang="en-US" altLang="zh-CN" sz="2000" dirty="0" smtClean="0">
@@ -8380,23 +8443,7 @@
                 <a:ea typeface="Lantinghei SC Demibold" charset="-122"/>
                 <a:cs typeface="Lantinghei SC Demibold" charset="-122"/>
               </a:rPr>
-              <a:t>学习知识</a:t>
-            </a:r>
-            <a:r>
-              <a:rPr lang="en-US" altLang="zh-CN" sz="2000" dirty="0" smtClean="0">
-                <a:latin typeface="Lantinghei SC Demibold" charset="-122"/>
-                <a:ea typeface="Lantinghei SC Demibold" charset="-122"/>
-                <a:cs typeface="Lantinghei SC Demibold" charset="-122"/>
-              </a:rPr>
-              <a:t>,</a:t>
-            </a:r>
-            <a:r>
-              <a:rPr lang="zh-CN" altLang="en-US" sz="2000" dirty="0" smtClean="0">
-                <a:latin typeface="Lantinghei SC Demibold" charset="-122"/>
-                <a:ea typeface="Lantinghei SC Demibold" charset="-122"/>
-                <a:cs typeface="Lantinghei SC Demibold" charset="-122"/>
-              </a:rPr>
-              <a:t>个人文章等等发表到自己的网站上。</a:t>
+              <a:t>使用延迟加载可以减少带宽以及提高网站的加载速度。</a:t>
             </a:r>
             <a:endParaRPr lang="zh-CN" altLang="en-US" sz="2000" dirty="0">
               <a:latin typeface="微软雅黑"/>
@@ -8452,8 +8499,8 @@
         </p:blipFill>
         <p:spPr>
           <a:xfrm>
-            <a:off x="6441444" y="2282020"/>
-            <a:ext cx="5572125" cy="3095625"/>
+            <a:off x="6235489" y="1092400"/>
+            <a:ext cx="5609088" cy="5486619"/>
           </a:xfrm>
           <a:prstGeom prst="rect">
             <a:avLst/>
@@ -8463,7 +8510,7 @@
     </p:spTree>
     <p:extLst>
       <p:ext uri="{BB962C8B-B14F-4D97-AF65-F5344CB8AC3E}">
-        <p14:creationId xmlns:p14="http://schemas.microsoft.com/office/powerpoint/2010/main" val="1826919465"/>
+        <p14:creationId xmlns:p14="http://schemas.microsoft.com/office/powerpoint/2010/main" val="2575701243"/>
       </p:ext>
     </p:extLst>
   </p:cSld>
@@ -8563,8 +8610,8 @@
         </p:nvSpPr>
         <p:spPr>
           <a:xfrm>
-            <a:off x="338383" y="352445"/>
-            <a:ext cx="4043266" cy="584775"/>
+            <a:off x="338382" y="352445"/>
+            <a:ext cx="4944818" cy="584775"/>
           </a:xfrm>
           <a:prstGeom prst="rect">
             <a:avLst/>
@@ -8585,10 +8632,10 @@
                 <a:latin typeface="微软雅黑" panose="020B0503020204020204" pitchFamily="34" charset="-122"/>
                 <a:ea typeface="微软雅黑" panose="020B0503020204020204" pitchFamily="34" charset="-122"/>
               </a:rPr>
-              <a:t>准备工作</a:t>
-            </a:r>
-            <a:r>
-              <a:rPr lang="en-US" altLang="zh-CN" sz="3200" b="1" dirty="0">
+              <a:t>各模块介绍</a:t>
+            </a:r>
+            <a:r>
+              <a:rPr lang="en-US" altLang="zh-CN" sz="3200" b="1" dirty="0" smtClean="0">
                 <a:solidFill>
                   <a:srgbClr val="0070C0"/>
                 </a:solidFill>
@@ -8598,15 +8645,22 @@
               <a:t>-</a:t>
             </a:r>
             <a:r>
-              <a:rPr lang="zh-CN" altLang="en-US" sz="3200" b="1" dirty="0">
+              <a:rPr lang="zh-CN" altLang="en-US" sz="3200" b="1" dirty="0" smtClean="0">
                 <a:solidFill>
                   <a:srgbClr val="0070C0"/>
                 </a:solidFill>
                 <a:latin typeface="微软雅黑" panose="020B0503020204020204" pitchFamily="34" charset="-122"/>
                 <a:ea typeface="微软雅黑" panose="020B0503020204020204" pitchFamily="34" charset="-122"/>
               </a:rPr>
-              <a:t>环境搭建</a:t>
-            </a:r>
+              <a:t>发表博文模块</a:t>
+            </a:r>
+            <a:endParaRPr lang="zh-CN" altLang="en-US" sz="3200" b="1" dirty="0">
+              <a:solidFill>
+                <a:srgbClr val="0070C0"/>
+              </a:solidFill>
+              <a:latin typeface="微软雅黑" panose="020B0503020204020204" pitchFamily="34" charset="-122"/>
+              <a:ea typeface="微软雅黑" panose="020B0503020204020204" pitchFamily="34" charset="-122"/>
+            </a:endParaRPr>
           </a:p>
         </p:txBody>
       </p:sp>
@@ -8692,8 +8746,8 @@
         </p:nvSpPr>
         <p:spPr>
           <a:xfrm>
-            <a:off x="716245" y="1929153"/>
-            <a:ext cx="10759510" cy="3323987"/>
+            <a:off x="235296" y="2608208"/>
+            <a:ext cx="5624597" cy="2246769"/>
           </a:xfrm>
           <a:prstGeom prst="rect">
             <a:avLst/>
@@ -8718,78 +8772,14 @@
               </a:spcAft>
             </a:pPr>
             <a:r>
-              <a:rPr lang="en-US" altLang="zh-CN" sz="2000" dirty="0">
+              <a:rPr lang="zh-CN" altLang="en-US" sz="2000" b="1" dirty="0" smtClean="0">
                 <a:latin typeface="Lantinghei SC Demibold" charset="-122"/>
                 <a:ea typeface="Lantinghei SC Demibold" charset="-122"/>
                 <a:cs typeface="Lantinghei SC Demibold" charset="-122"/>
               </a:rPr>
-              <a:t>	</a:t>
-            </a:r>
-            <a:r>
-              <a:rPr lang="zh-CN" altLang="en-US" sz="2000" dirty="0">
-                <a:latin typeface="Lantinghei SC Demibold" charset="-122"/>
-                <a:ea typeface="Lantinghei SC Demibold" charset="-122"/>
-                <a:cs typeface="Lantinghei SC Demibold" charset="-122"/>
-              </a:rPr>
-              <a:t>此次实训</a:t>
-            </a:r>
-            <a:r>
-              <a:rPr lang="zh-CN" altLang="en-US" sz="2000" dirty="0" smtClean="0">
-                <a:latin typeface="Lantinghei SC Demibold" charset="-122"/>
-                <a:ea typeface="Lantinghei SC Demibold" charset="-122"/>
-                <a:cs typeface="Lantinghei SC Demibold" charset="-122"/>
-              </a:rPr>
-              <a:t>为</a:t>
-            </a:r>
-            <a:r>
-              <a:rPr lang="zh-CN" altLang="en-US" sz="2000" dirty="0">
-                <a:latin typeface="Lantinghei SC Demibold" charset="-122"/>
-                <a:ea typeface="Lantinghei SC Demibold" charset="-122"/>
-                <a:cs typeface="Lantinghei SC Demibold" charset="-122"/>
-              </a:rPr>
-              <a:t>静态</a:t>
-            </a:r>
-            <a:r>
-              <a:rPr lang="zh-CN" altLang="en-US" sz="2000" dirty="0" smtClean="0">
-                <a:latin typeface="Lantinghei SC Demibold" charset="-122"/>
-                <a:ea typeface="Lantinghei SC Demibold" charset="-122"/>
-                <a:cs typeface="Lantinghei SC Demibold" charset="-122"/>
-              </a:rPr>
-              <a:t>网站</a:t>
-            </a:r>
-            <a:r>
-              <a:rPr lang="zh-CN" altLang="en-US" sz="2000" dirty="0">
-                <a:latin typeface="Lantinghei SC Demibold" charset="-122"/>
-                <a:ea typeface="Lantinghei SC Demibold" charset="-122"/>
-                <a:cs typeface="Lantinghei SC Demibold" charset="-122"/>
-              </a:rPr>
-              <a:t>项目开发，所使用的前端语言为</a:t>
-            </a:r>
-            <a:r>
-              <a:rPr lang="en-US" altLang="zh-CN" sz="2000" dirty="0">
-                <a:latin typeface="Lantinghei SC Demibold" charset="-122"/>
-                <a:ea typeface="Lantinghei SC Demibold" charset="-122"/>
-                <a:cs typeface="Lantinghei SC Demibold" charset="-122"/>
-              </a:rPr>
-              <a:t>HTML/CSS/JavaScript/jQuery</a:t>
-            </a:r>
-            <a:r>
-              <a:rPr lang="zh-CN" altLang="en-US" sz="2000" dirty="0">
-                <a:latin typeface="Lantinghei SC Demibold" charset="-122"/>
-                <a:ea typeface="Lantinghei SC Demibold" charset="-122"/>
-                <a:cs typeface="Lantinghei SC Demibold" charset="-122"/>
-              </a:rPr>
-              <a:t>，服务器端</a:t>
-            </a:r>
-            <a:r>
-              <a:rPr lang="zh-CN" altLang="en-US" sz="2000" dirty="0" smtClean="0">
-                <a:latin typeface="Lantinghei SC Demibold" charset="-122"/>
-                <a:ea typeface="Lantinghei SC Demibold" charset="-122"/>
-                <a:cs typeface="Lantinghei SC Demibold" charset="-122"/>
-              </a:rPr>
-              <a:t>语言以及数据库暂不涉及。</a:t>
-            </a:r>
-            <a:endParaRPr lang="en-US" altLang="zh-CN" sz="2000" dirty="0">
+              <a:t>发表博文</a:t>
+            </a:r>
+            <a:endParaRPr lang="en-US" altLang="zh-CN" sz="2000" b="1" dirty="0" smtClean="0">
               <a:latin typeface="Lantinghei SC Demibold" charset="-122"/>
               <a:ea typeface="Lantinghei SC Demibold" charset="-122"/>
               <a:cs typeface="Lantinghei SC Demibold" charset="-122"/>
@@ -8808,44 +8798,12 @@
               </a:spcAft>
             </a:pPr>
             <a:r>
-              <a:rPr lang="en-US" altLang="zh-CN" sz="2000" dirty="0">
-                <a:latin typeface="Lantinghei SC Demibold" charset="-122"/>
-                <a:ea typeface="Lantinghei SC Demibold" charset="-122"/>
-                <a:cs typeface="Lantinghei SC Demibold" charset="-122"/>
-              </a:rPr>
-              <a:t>	</a:t>
-            </a:r>
-            <a:r>
               <a:rPr lang="zh-CN" altLang="en-US" sz="2000" dirty="0" smtClean="0">
                 <a:latin typeface="Lantinghei SC Demibold" charset="-122"/>
                 <a:ea typeface="Lantinghei SC Demibold" charset="-122"/>
                 <a:cs typeface="Lantinghei SC Demibold" charset="-122"/>
               </a:rPr>
-              <a:t>在</a:t>
-            </a:r>
-            <a:r>
-              <a:rPr lang="zh-CN" altLang="en-US" sz="2000" dirty="0">
-                <a:latin typeface="Lantinghei SC Demibold" charset="-122"/>
-                <a:ea typeface="Lantinghei SC Demibold" charset="-122"/>
-                <a:cs typeface="Lantinghei SC Demibold" charset="-122"/>
-              </a:rPr>
-              <a:t>开始项目之前，我们需要安装所需的开发环境：</a:t>
-            </a:r>
-            <a:r>
-              <a:rPr lang="en-US" altLang="zh-CN" sz="2000" dirty="0">
-                <a:latin typeface="Lantinghei SC Demibold" charset="-122"/>
-                <a:ea typeface="Lantinghei SC Demibold" charset="-122"/>
-                <a:cs typeface="Lantinghei SC Demibold" charset="-122"/>
-              </a:rPr>
-              <a:t> </a:t>
-            </a:r>
-            <a:r>
-              <a:rPr lang="en-US" altLang="zh-CN" sz="2000" dirty="0" err="1" smtClean="0">
-                <a:latin typeface="Lantinghei SC Demibold" charset="-122"/>
-                <a:ea typeface="Lantinghei SC Demibold" charset="-122"/>
-                <a:cs typeface="Lantinghei SC Demibold" charset="-122"/>
-              </a:rPr>
-              <a:t>WebStrom</a:t>
+              <a:t>发表博文模块可用于发表文章</a:t>
             </a:r>
             <a:r>
               <a:rPr lang="en-US" altLang="zh-CN" sz="2000" dirty="0" smtClean="0">
@@ -8853,7 +8811,7 @@
                 <a:ea typeface="Lantinghei SC Demibold" charset="-122"/>
                 <a:cs typeface="Lantinghei SC Demibold" charset="-122"/>
               </a:rPr>
-              <a:t> </a:t>
+              <a:t>,</a:t>
             </a:r>
             <a:r>
               <a:rPr lang="zh-CN" altLang="en-US" sz="2000" dirty="0" smtClean="0">
@@ -8861,49 +8819,15 @@
                 <a:ea typeface="Lantinghei SC Demibold" charset="-122"/>
                 <a:cs typeface="Lantinghei SC Demibold" charset="-122"/>
               </a:rPr>
-              <a:t>或者其他的开发工具等</a:t>
-            </a:r>
-            <a:r>
-              <a:rPr lang="zh-CN" altLang="en-US" sz="2000" dirty="0">
+              <a:t>可以将自己的一些心情</a:t>
+            </a:r>
+            <a:r>
+              <a:rPr lang="en-US" altLang="zh-CN" sz="2000" dirty="0" smtClean="0">
                 <a:latin typeface="Lantinghei SC Demibold" charset="-122"/>
                 <a:ea typeface="Lantinghei SC Demibold" charset="-122"/>
                 <a:cs typeface="Lantinghei SC Demibold" charset="-122"/>
               </a:rPr>
-              <a:t>。</a:t>
-            </a:r>
-            <a:endParaRPr lang="en-US" altLang="zh-CN" sz="2000" dirty="0">
-              <a:latin typeface="Lantinghei SC Demibold" charset="-122"/>
-              <a:ea typeface="Lantinghei SC Demibold" charset="-122"/>
-              <a:cs typeface="Lantinghei SC Demibold" charset="-122"/>
-            </a:endParaRPr>
-          </a:p>
-          <a:p>
-            <a:pPr algn="just" fontAlgn="base">
-              <a:lnSpc>
-                <a:spcPct val="175000"/>
-              </a:lnSpc>
-              <a:spcBef>
-                <a:spcPct val="0"/>
-              </a:spcBef>
-              <a:spcAft>
-                <a:spcPct val="0"/>
-              </a:spcAft>
-            </a:pPr>
-            <a:r>
-              <a:rPr lang="en-US" altLang="zh-CN" sz="2000" dirty="0">
-                <a:latin typeface="Lantinghei SC Demibold" charset="-122"/>
-                <a:ea typeface="Lantinghei SC Demibold" charset="-122"/>
-                <a:cs typeface="Lantinghei SC Demibold" charset="-122"/>
-              </a:rPr>
-              <a:t>	</a:t>
-            </a:r>
-            <a:r>
-              <a:rPr lang="zh-CN" altLang="en-US" sz="2000" dirty="0">
-                <a:latin typeface="Lantinghei SC Demibold" charset="-122"/>
-                <a:ea typeface="Lantinghei SC Demibold" charset="-122"/>
-                <a:cs typeface="Lantinghei SC Demibold" charset="-122"/>
-              </a:rPr>
-              <a:t>如果你的电脑上已经安装</a:t>
+              <a:t>,</a:t>
             </a:r>
             <a:r>
               <a:rPr lang="zh-CN" altLang="en-US" sz="2000" dirty="0" smtClean="0">
@@ -8911,49 +8835,15 @@
                 <a:ea typeface="Lantinghei SC Demibold" charset="-122"/>
                 <a:cs typeface="Lantinghei SC Demibold" charset="-122"/>
               </a:rPr>
-              <a:t>了开发工具，</a:t>
-            </a:r>
-            <a:r>
-              <a:rPr lang="zh-CN" altLang="en-US" sz="2000" dirty="0">
+              <a:t>学习知识</a:t>
+            </a:r>
+            <a:r>
+              <a:rPr lang="en-US" altLang="zh-CN" sz="2000" dirty="0" smtClean="0">
                 <a:latin typeface="Lantinghei SC Demibold" charset="-122"/>
                 <a:ea typeface="Lantinghei SC Demibold" charset="-122"/>
                 <a:cs typeface="Lantinghei SC Demibold" charset="-122"/>
               </a:rPr>
-              <a:t>则可以直接使用。</a:t>
-            </a:r>
-            <a:endParaRPr lang="en-US" altLang="zh-CN" sz="2000" dirty="0">
-              <a:latin typeface="Lantinghei SC Demibold" charset="-122"/>
-              <a:ea typeface="Lantinghei SC Demibold" charset="-122"/>
-              <a:cs typeface="Lantinghei SC Demibold" charset="-122"/>
-            </a:endParaRPr>
-          </a:p>
-          <a:p>
-            <a:pPr algn="just" fontAlgn="base">
-              <a:lnSpc>
-                <a:spcPct val="175000"/>
-              </a:lnSpc>
-              <a:spcBef>
-                <a:spcPct val="0"/>
-              </a:spcBef>
-              <a:spcAft>
-                <a:spcPct val="0"/>
-              </a:spcAft>
-            </a:pPr>
-            <a:r>
-              <a:rPr lang="en-US" altLang="zh-CN" sz="2000" dirty="0">
-                <a:latin typeface="Lantinghei SC Demibold" charset="-122"/>
-                <a:ea typeface="Lantinghei SC Demibold" charset="-122"/>
-                <a:cs typeface="Lantinghei SC Demibold" charset="-122"/>
-              </a:rPr>
-              <a:t>	</a:t>
-            </a:r>
-            <a:r>
-              <a:rPr lang="zh-CN" altLang="en-US" sz="2000" dirty="0">
-                <a:latin typeface="Lantinghei SC Demibold" charset="-122"/>
-                <a:ea typeface="Lantinghei SC Demibold" charset="-122"/>
-                <a:cs typeface="Lantinghei SC Demibold" charset="-122"/>
-              </a:rPr>
-              <a:t>如果没有安装，为了节省环境安装的时间，这里</a:t>
+              <a:t>,</a:t>
             </a:r>
             <a:r>
               <a:rPr lang="zh-CN" altLang="en-US" sz="2000" dirty="0" smtClean="0">
@@ -8961,20 +8851,9 @@
                 <a:ea typeface="Lantinghei SC Demibold" charset="-122"/>
                 <a:cs typeface="Lantinghei SC Demibold" charset="-122"/>
               </a:rPr>
-              <a:t>我们会给大家提供一个开发工具：</a:t>
-            </a:r>
-            <a:r>
-              <a:rPr lang="en-US" altLang="zh-CN" sz="2000" dirty="0" err="1" smtClean="0">
-                <a:latin typeface="Lantinghei SC Demibold" charset="-122"/>
-                <a:ea typeface="Lantinghei SC Demibold" charset="-122"/>
-                <a:cs typeface="Lantinghei SC Demibold" charset="-122"/>
-              </a:rPr>
-              <a:t>WebStrom</a:t>
+              <a:t>个人文章等等发表到自己的网站上。</a:t>
             </a:r>
             <a:endParaRPr lang="zh-CN" altLang="en-US" sz="2000" dirty="0">
-              <a:solidFill>
-                <a:srgbClr val="FF0000"/>
-              </a:solidFill>
               <a:latin typeface="微软雅黑"/>
               <a:ea typeface="微软雅黑"/>
               <a:sym typeface="Gill Sans" charset="0"/>
@@ -9012,10 +8891,34 @@
           </a:prstGeom>
         </p:spPr>
       </p:pic>
+      <p:pic>
+        <p:nvPicPr>
+          <p:cNvPr id="2" name="图片 1"/>
+          <p:cNvPicPr>
+            <a:picLocks noChangeAspect="1"/>
+          </p:cNvPicPr>
+          <p:nvPr/>
+        </p:nvPicPr>
+        <p:blipFill>
+          <a:blip r:embed="rId4"/>
+          <a:stretch>
+            <a:fillRect/>
+          </a:stretch>
+        </p:blipFill>
+        <p:spPr>
+          <a:xfrm>
+            <a:off x="6441444" y="2282020"/>
+            <a:ext cx="5572125" cy="3095625"/>
+          </a:xfrm>
+          <a:prstGeom prst="rect">
+            <a:avLst/>
+          </a:prstGeom>
+        </p:spPr>
+      </p:pic>
     </p:spTree>
     <p:extLst>
       <p:ext uri="{BB962C8B-B14F-4D97-AF65-F5344CB8AC3E}">
-        <p14:creationId xmlns:p14="http://schemas.microsoft.com/office/powerpoint/2010/main" val="1350103627"/>
+        <p14:creationId xmlns:p14="http://schemas.microsoft.com/office/powerpoint/2010/main" val="1826919465"/>
       </p:ext>
     </p:extLst>
   </p:cSld>
@@ -9244,7 +9147,7 @@
         </p:nvSpPr>
         <p:spPr>
           <a:xfrm>
-            <a:off x="676105" y="1355656"/>
+            <a:off x="716245" y="1929153"/>
             <a:ext cx="10759510" cy="3323987"/>
           </a:xfrm>
           <a:prstGeom prst="rect">
@@ -9270,15 +9173,20 @@
               </a:spcAft>
             </a:pPr>
             <a:r>
-              <a:rPr lang="en-US" altLang="zh-CN" sz="2000" dirty="0" err="1" smtClean="0">
-                <a:solidFill>
-                  <a:srgbClr val="FF0000"/>
-                </a:solidFill>
+              <a:rPr lang="en-US" altLang="zh-CN" sz="2000" dirty="0">
                 <a:latin typeface="Lantinghei SC Demibold" charset="-122"/>
                 <a:ea typeface="Lantinghei SC Demibold" charset="-122"/>
                 <a:cs typeface="Lantinghei SC Demibold" charset="-122"/>
               </a:rPr>
-              <a:t>WebStrom</a:t>
+              <a:t>	</a:t>
+            </a:r>
+            <a:r>
+              <a:rPr lang="zh-CN" altLang="en-US" sz="2000" dirty="0">
+                <a:latin typeface="Lantinghei SC Demibold" charset="-122"/>
+                <a:ea typeface="Lantinghei SC Demibold" charset="-122"/>
+                <a:cs typeface="Lantinghei SC Demibold" charset="-122"/>
+              </a:rPr>
+              <a:t>此次实训</a:t>
             </a:r>
             <a:r>
               <a:rPr lang="zh-CN" altLang="en-US" sz="2000" dirty="0" smtClean="0">
@@ -9286,7 +9194,7 @@
                 <a:ea typeface="Lantinghei SC Demibold" charset="-122"/>
                 <a:cs typeface="Lantinghei SC Demibold" charset="-122"/>
               </a:rPr>
-              <a:t>简介</a:t>
+              <a:t>为</a:t>
             </a:r>
             <a:r>
               <a:rPr lang="zh-CN" altLang="en-US" sz="2000" dirty="0">
@@ -9294,7 +9202,47 @@
                 <a:ea typeface="Lantinghei SC Demibold" charset="-122"/>
                 <a:cs typeface="Lantinghei SC Demibold" charset="-122"/>
               </a:rPr>
-              <a:t>：</a:t>
+              <a:t>静态</a:t>
+            </a:r>
+            <a:r>
+              <a:rPr lang="zh-CN" altLang="en-US" sz="2000" dirty="0" smtClean="0">
+                <a:latin typeface="Lantinghei SC Demibold" charset="-122"/>
+                <a:ea typeface="Lantinghei SC Demibold" charset="-122"/>
+                <a:cs typeface="Lantinghei SC Demibold" charset="-122"/>
+              </a:rPr>
+              <a:t>网站</a:t>
+            </a:r>
+            <a:r>
+              <a:rPr lang="zh-CN" altLang="en-US" sz="2000" dirty="0">
+                <a:latin typeface="Lantinghei SC Demibold" charset="-122"/>
+                <a:ea typeface="Lantinghei SC Demibold" charset="-122"/>
+                <a:cs typeface="Lantinghei SC Demibold" charset="-122"/>
+              </a:rPr>
+              <a:t>项目开发，所使用的前端语言为</a:t>
+            </a:r>
+            <a:r>
+              <a:rPr lang="en-US" altLang="zh-CN" sz="2000" dirty="0">
+                <a:latin typeface="Lantinghei SC Demibold" charset="-122"/>
+                <a:ea typeface="Lantinghei SC Demibold" charset="-122"/>
+                <a:cs typeface="Lantinghei SC Demibold" charset="-122"/>
+              </a:rPr>
+              <a:t>HTML/CSS/JavaScript/jQuery</a:t>
+            </a:r>
+            <a:r>
+              <a:rPr lang="zh-CN" altLang="en-US" sz="2000" dirty="0">
+                <a:latin typeface="Lantinghei SC Demibold" charset="-122"/>
+                <a:ea typeface="Lantinghei SC Demibold" charset="-122"/>
+                <a:cs typeface="Lantinghei SC Demibold" charset="-122"/>
+              </a:rPr>
+              <a:t>，服务器端</a:t>
+            </a:r>
+            <a:r>
+              <a:rPr lang="zh-CN" altLang="en-US" sz="2000" dirty="0" smtClean="0">
+                <a:latin typeface="Lantinghei SC Demibold" charset="-122"/>
+                <a:ea typeface="Lantinghei SC Demibold" charset="-122"/>
+                <a:cs typeface="Lantinghei SC Demibold" charset="-122"/>
+              </a:rPr>
+              <a:t>语言以及数据库暂不涉及。</a:t>
             </a:r>
             <a:endParaRPr lang="en-US" altLang="zh-CN" sz="2000" dirty="0">
               <a:latin typeface="Lantinghei SC Demibold" charset="-122"/>
@@ -9316,188 +9264,72 @@
             </a:pPr>
             <a:r>
               <a:rPr lang="en-US" altLang="zh-CN" sz="2000" dirty="0">
-                <a:latin typeface="微软雅黑"/>
+                <a:latin typeface="Lantinghei SC Demibold" charset="-122"/>
                 <a:ea typeface="Lantinghei SC Demibold" charset="-122"/>
-                <a:sym typeface="Gill Sans" charset="0"/>
+                <a:cs typeface="Lantinghei SC Demibold" charset="-122"/>
               </a:rPr>
               <a:t>	</a:t>
             </a:r>
             <a:r>
+              <a:rPr lang="zh-CN" altLang="en-US" sz="2000" dirty="0" smtClean="0">
+                <a:latin typeface="Lantinghei SC Demibold" charset="-122"/>
+                <a:ea typeface="Lantinghei SC Demibold" charset="-122"/>
+                <a:cs typeface="Lantinghei SC Demibold" charset="-122"/>
+              </a:rPr>
+              <a:t>在</a:t>
+            </a:r>
+            <a:r>
               <a:rPr lang="zh-CN" altLang="en-US" sz="2000" dirty="0">
-                <a:latin typeface="微软雅黑"/>
+                <a:latin typeface="Lantinghei SC Demibold" charset="-122"/>
                 <a:ea typeface="Lantinghei SC Demibold" charset="-122"/>
-                <a:sym typeface="Gill Sans" charset="0"/>
+                <a:cs typeface="Lantinghei SC Demibold" charset="-122"/>
+              </a:rPr>
+              <a:t>开始项目之前，我们需要安装所需的开发环境：</a:t>
+            </a:r>
+            <a:r>
+              <a:rPr lang="en-US" altLang="zh-CN" sz="2000" dirty="0">
+                <a:latin typeface="Lantinghei SC Demibold" charset="-122"/>
+                <a:ea typeface="Lantinghei SC Demibold" charset="-122"/>
+                <a:cs typeface="Lantinghei SC Demibold" charset="-122"/>
               </a:rPr>
               <a:t> </a:t>
             </a:r>
             <a:r>
-              <a:rPr lang="en-US" altLang="zh-CN" sz="2000" dirty="0" err="1">
-                <a:latin typeface="微软雅黑"/>
+              <a:rPr lang="en-US" altLang="zh-CN" sz="2000" dirty="0" err="1" smtClean="0">
+                <a:latin typeface="Lantinghei SC Demibold" charset="-122"/>
                 <a:ea typeface="Lantinghei SC Demibold" charset="-122"/>
-              </a:rPr>
-              <a:t>WebStorm</a:t>
-            </a:r>
-            <a:r>
-              <a:rPr lang="en-US" altLang="zh-CN" sz="2000" dirty="0">
-                <a:latin typeface="微软雅黑"/>
+                <a:cs typeface="Lantinghei SC Demibold" charset="-122"/>
+              </a:rPr>
+              <a:t>WebStrom</a:t>
+            </a:r>
+            <a:r>
+              <a:rPr lang="en-US" altLang="zh-CN" sz="2000" dirty="0" smtClean="0">
+                <a:latin typeface="Lantinghei SC Demibold" charset="-122"/>
                 <a:ea typeface="Lantinghei SC Demibold" charset="-122"/>
+                <a:cs typeface="Lantinghei SC Demibold" charset="-122"/>
               </a:rPr>
               <a:t> </a:t>
             </a:r>
             <a:r>
+              <a:rPr lang="zh-CN" altLang="en-US" sz="2000" dirty="0" smtClean="0">
+                <a:latin typeface="Lantinghei SC Demibold" charset="-122"/>
+                <a:ea typeface="Lantinghei SC Demibold" charset="-122"/>
+                <a:cs typeface="Lantinghei SC Demibold" charset="-122"/>
+              </a:rPr>
+              <a:t>或者其他的开发工具等</a:t>
+            </a:r>
+            <a:r>
               <a:rPr lang="zh-CN" altLang="en-US" sz="2000" dirty="0">
-                <a:latin typeface="微软雅黑"/>
+                <a:latin typeface="Lantinghei SC Demibold" charset="-122"/>
                 <a:ea typeface="Lantinghei SC Demibold" charset="-122"/>
-              </a:rPr>
-              <a:t>是</a:t>
-            </a:r>
-            <a:r>
-              <a:rPr lang="en-US" altLang="zh-CN" sz="2000" dirty="0" err="1">
-                <a:latin typeface="微软雅黑"/>
-                <a:ea typeface="Lantinghei SC Demibold" charset="-122"/>
-                <a:hlinkClick r:id="rId3"/>
-              </a:rPr>
-              <a:t>jetbrains</a:t>
-            </a:r>
-            <a:r>
-              <a:rPr lang="zh-CN" altLang="en-US" sz="2000" dirty="0">
-                <a:latin typeface="微软雅黑"/>
-                <a:ea typeface="Lantinghei SC Demibold" charset="-122"/>
-              </a:rPr>
-              <a:t>公司旗下一款</a:t>
-            </a:r>
-            <a:r>
-              <a:rPr lang="en-US" altLang="zh-CN" sz="2000" dirty="0">
-                <a:latin typeface="微软雅黑"/>
-                <a:ea typeface="Lantinghei SC Demibold" charset="-122"/>
-              </a:rPr>
-              <a:t>JavaScript </a:t>
-            </a:r>
-            <a:r>
-              <a:rPr lang="zh-CN" altLang="en-US" sz="2000" dirty="0">
-                <a:latin typeface="微软雅黑"/>
-                <a:ea typeface="Lantinghei SC Demibold" charset="-122"/>
-              </a:rPr>
-              <a:t>开发工具。目前已经被广大中国</a:t>
-            </a:r>
-            <a:r>
-              <a:rPr lang="en-US" altLang="zh-CN" sz="2000" dirty="0">
-                <a:latin typeface="微软雅黑"/>
-                <a:ea typeface="Lantinghei SC Demibold" charset="-122"/>
-              </a:rPr>
-              <a:t>JS</a:t>
-            </a:r>
-            <a:r>
-              <a:rPr lang="zh-CN" altLang="en-US" sz="2000" dirty="0">
-                <a:latin typeface="微软雅黑"/>
-                <a:ea typeface="Lantinghei SC Demibold" charset="-122"/>
-              </a:rPr>
-              <a:t>开发者誉为“</a:t>
-            </a:r>
-            <a:r>
-              <a:rPr lang="en-US" altLang="zh-CN" sz="2000" dirty="0">
-                <a:latin typeface="微软雅黑"/>
-                <a:ea typeface="Lantinghei SC Demibold" charset="-122"/>
-              </a:rPr>
-              <a:t>Web</a:t>
-            </a:r>
-            <a:r>
-              <a:rPr lang="zh-CN" altLang="en-US" sz="2000" dirty="0">
-                <a:latin typeface="微软雅黑"/>
-                <a:ea typeface="Lantinghei SC Demibold" charset="-122"/>
-              </a:rPr>
-              <a:t>前端开发神器”、“最强大的</a:t>
-            </a:r>
-            <a:r>
-              <a:rPr lang="en-US" altLang="zh-CN" sz="2000" dirty="0">
-                <a:latin typeface="微软雅黑"/>
-                <a:ea typeface="Lantinghei SC Demibold" charset="-122"/>
-              </a:rPr>
-              <a:t>HTML5</a:t>
-            </a:r>
-            <a:r>
-              <a:rPr lang="zh-CN" altLang="en-US" sz="2000" dirty="0">
-                <a:latin typeface="微软雅黑"/>
-                <a:ea typeface="Lantinghei SC Demibold" charset="-122"/>
-              </a:rPr>
-              <a:t>编辑器”、“最智能的</a:t>
-            </a:r>
-            <a:r>
-              <a:rPr lang="en-US" altLang="zh-CN" sz="2000" dirty="0">
-                <a:latin typeface="微软雅黑"/>
-                <a:ea typeface="Lantinghei SC Demibold" charset="-122"/>
-              </a:rPr>
-              <a:t>JavaScript IDE”</a:t>
-            </a:r>
-            <a:r>
-              <a:rPr lang="zh-CN" altLang="en-US" sz="2000" dirty="0">
-                <a:latin typeface="微软雅黑"/>
-                <a:ea typeface="Lantinghei SC Demibold" charset="-122"/>
-              </a:rPr>
-              <a:t>等。与</a:t>
-            </a:r>
-            <a:r>
-              <a:rPr lang="en-US" altLang="zh-CN" sz="2000" dirty="0">
-                <a:latin typeface="微软雅黑"/>
-                <a:ea typeface="Lantinghei SC Demibold" charset="-122"/>
-                <a:hlinkClick r:id="rId4"/>
-              </a:rPr>
-              <a:t>IntelliJ IDEA</a:t>
-            </a:r>
-            <a:r>
-              <a:rPr lang="zh-CN" altLang="en-US" sz="2000" dirty="0">
-                <a:latin typeface="微软雅黑"/>
-                <a:ea typeface="Lantinghei SC Demibold" charset="-122"/>
-              </a:rPr>
-              <a:t>同源，继承了</a:t>
-            </a:r>
-            <a:r>
-              <a:rPr lang="en-US" altLang="zh-CN" sz="2000" dirty="0">
-                <a:latin typeface="微软雅黑"/>
-                <a:ea typeface="Lantinghei SC Demibold" charset="-122"/>
-              </a:rPr>
-              <a:t>IntelliJ IDEA</a:t>
-            </a:r>
-            <a:r>
-              <a:rPr lang="zh-CN" altLang="en-US" sz="2000" dirty="0">
-                <a:latin typeface="微软雅黑"/>
-                <a:ea typeface="Lantinghei SC Demibold" charset="-122"/>
-              </a:rPr>
-              <a:t>强大的</a:t>
-            </a:r>
-            <a:r>
-              <a:rPr lang="en-US" altLang="zh-CN" sz="2000" dirty="0">
-                <a:latin typeface="微软雅黑"/>
-                <a:ea typeface="Lantinghei SC Demibold" charset="-122"/>
-              </a:rPr>
-              <a:t>JS</a:t>
-            </a:r>
-            <a:r>
-              <a:rPr lang="zh-CN" altLang="en-US" sz="2000" dirty="0">
-                <a:latin typeface="微软雅黑"/>
-                <a:ea typeface="Lantinghei SC Demibold" charset="-122"/>
-              </a:rPr>
-              <a:t>部分的</a:t>
-            </a:r>
-            <a:r>
-              <a:rPr lang="zh-CN" altLang="en-US" sz="2000" dirty="0" smtClean="0">
-                <a:latin typeface="微软雅黑"/>
-                <a:ea typeface="Lantinghei SC Demibold" charset="-122"/>
-              </a:rPr>
-              <a:t>功能</a:t>
-            </a:r>
-            <a:r>
-              <a:rPr lang="zh-CN" altLang="en-US" sz="2000" dirty="0" smtClean="0">
-                <a:latin typeface="微软雅黑"/>
-                <a:ea typeface="Lantinghei SC Demibold" charset="-122"/>
-                <a:sym typeface="Gill Sans" charset="0"/>
+                <a:cs typeface="Lantinghei SC Demibold" charset="-122"/>
               </a:rPr>
               <a:t>。</a:t>
             </a:r>
             <a:endParaRPr lang="en-US" altLang="zh-CN" sz="2000" dirty="0">
-              <a:latin typeface="微软雅黑"/>
+              <a:latin typeface="Lantinghei SC Demibold" charset="-122"/>
               <a:ea typeface="Lantinghei SC Demibold" charset="-122"/>
-              <a:sym typeface="Gill Sans" charset="0"/>
+              <a:cs typeface="Lantinghei SC Demibold" charset="-122"/>
             </a:endParaRPr>
           </a:p>
           <a:p>
@@ -9512,10 +9344,42 @@
                 <a:spcPct val="0"/>
               </a:spcAft>
             </a:pPr>
+            <a:r>
+              <a:rPr lang="en-US" altLang="zh-CN" sz="2000" dirty="0">
+                <a:latin typeface="Lantinghei SC Demibold" charset="-122"/>
+                <a:ea typeface="Lantinghei SC Demibold" charset="-122"/>
+                <a:cs typeface="Lantinghei SC Demibold" charset="-122"/>
+              </a:rPr>
+              <a:t>	</a:t>
+            </a:r>
+            <a:r>
+              <a:rPr lang="zh-CN" altLang="en-US" sz="2000" dirty="0">
+                <a:latin typeface="Lantinghei SC Demibold" charset="-122"/>
+                <a:ea typeface="Lantinghei SC Demibold" charset="-122"/>
+                <a:cs typeface="Lantinghei SC Demibold" charset="-122"/>
+              </a:rPr>
+              <a:t>如果你的电脑上已经安装</a:t>
+            </a:r>
+            <a:r>
+              <a:rPr lang="zh-CN" altLang="en-US" sz="2000" dirty="0" smtClean="0">
+                <a:latin typeface="Lantinghei SC Demibold" charset="-122"/>
+                <a:ea typeface="Lantinghei SC Demibold" charset="-122"/>
+                <a:cs typeface="Lantinghei SC Demibold" charset="-122"/>
+              </a:rPr>
+              <a:t>了开发工具，</a:t>
+            </a:r>
+            <a:r>
+              <a:rPr lang="zh-CN" altLang="en-US" sz="2000" dirty="0">
+                <a:latin typeface="Lantinghei SC Demibold" charset="-122"/>
+                <a:ea typeface="Lantinghei SC Demibold" charset="-122"/>
+                <a:cs typeface="Lantinghei SC Demibold" charset="-122"/>
+              </a:rPr>
+              <a:t>则可以直接使用。</a:t>
+            </a:r>
             <a:endParaRPr lang="en-US" altLang="zh-CN" sz="2000" dirty="0">
-              <a:latin typeface="微软雅黑"/>
+              <a:latin typeface="Lantinghei SC Demibold" charset="-122"/>
               <a:ea typeface="Lantinghei SC Demibold" charset="-122"/>
-              <a:sym typeface="Gill Sans" charset="0"/>
+              <a:cs typeface="Lantinghei SC Demibold" charset="-122"/>
             </a:endParaRPr>
           </a:p>
           <a:p>
@@ -9531,28 +9395,41 @@
               </a:spcAft>
             </a:pPr>
             <a:r>
+              <a:rPr lang="en-US" altLang="zh-CN" sz="2000" dirty="0">
+                <a:latin typeface="Lantinghei SC Demibold" charset="-122"/>
+                <a:ea typeface="Lantinghei SC Demibold" charset="-122"/>
+                <a:cs typeface="Lantinghei SC Demibold" charset="-122"/>
+              </a:rPr>
+              <a:t>	</a:t>
+            </a:r>
+            <a:r>
               <a:rPr lang="zh-CN" altLang="en-US" sz="2000" dirty="0">
-                <a:latin typeface="微软雅黑"/>
+                <a:latin typeface="Lantinghei SC Demibold" charset="-122"/>
                 <a:ea typeface="Lantinghei SC Demibold" charset="-122"/>
-                <a:sym typeface="Gill Sans" charset="0"/>
-              </a:rPr>
-              <a:t>下载地址：</a:t>
-            </a:r>
-            <a:r>
-              <a:rPr lang="en-US" altLang="zh-CN" sz="2000" dirty="0">
-                <a:latin typeface="微软雅黑"/>
+                <a:cs typeface="Lantinghei SC Demibold" charset="-122"/>
+              </a:rPr>
+              <a:t>如果没有安装，为了节省环境安装的时间，这里</a:t>
+            </a:r>
+            <a:r>
+              <a:rPr lang="zh-CN" altLang="en-US" sz="2000" dirty="0" smtClean="0">
+                <a:latin typeface="Lantinghei SC Demibold" charset="-122"/>
                 <a:ea typeface="Lantinghei SC Demibold" charset="-122"/>
-                <a:sym typeface="Gill Sans" charset="0"/>
-              </a:rPr>
-              <a:t> </a:t>
-            </a:r>
-            <a:r>
-              <a:rPr lang="en-US" altLang="zh-CN" sz="2000" dirty="0">
-                <a:hlinkClick r:id="rId5"/>
-              </a:rPr>
-              <a:t>https://www.jetbrains.com/webstorm/download/download-thanks.html</a:t>
+                <a:cs typeface="Lantinghei SC Demibold" charset="-122"/>
+              </a:rPr>
+              <a:t>我们会给大家提供一个开发工具：</a:t>
+            </a:r>
+            <a:r>
+              <a:rPr lang="en-US" altLang="zh-CN" sz="2000" dirty="0" err="1" smtClean="0">
+                <a:latin typeface="Lantinghei SC Demibold" charset="-122"/>
+                <a:ea typeface="Lantinghei SC Demibold" charset="-122"/>
+                <a:cs typeface="Lantinghei SC Demibold" charset="-122"/>
+              </a:rPr>
+              <a:t>WebStrom</a:t>
             </a:r>
             <a:endParaRPr lang="zh-CN" altLang="en-US" sz="2000" dirty="0">
+              <a:solidFill>
+                <a:srgbClr val="FF0000"/>
+              </a:solidFill>
               <a:latin typeface="微软雅黑"/>
               <a:ea typeface="微软雅黑"/>
               <a:sym typeface="Gill Sans" charset="0"/>
@@ -9569,7 +9446,7 @@
           <p:nvPr/>
         </p:nvPicPr>
         <p:blipFill>
-          <a:blip r:embed="rId6">
+          <a:blip r:embed="rId3">
             <a:extLst>
               <a:ext uri="{28A0092B-C50C-407E-A947-70E740481C1C}">
                 <a14:useLocalDpi xmlns:a14="http://schemas.microsoft.com/office/drawing/2010/main" val="0"/>
@@ -9590,34 +9467,10 @@
           </a:prstGeom>
         </p:spPr>
       </p:pic>
-      <p:pic>
-        <p:nvPicPr>
-          <p:cNvPr id="2" name="图片 1"/>
-          <p:cNvPicPr>
-            <a:picLocks noChangeAspect="1"/>
-          </p:cNvPicPr>
-          <p:nvPr/>
-        </p:nvPicPr>
-        <p:blipFill>
-          <a:blip r:embed="rId7"/>
-          <a:stretch>
-            <a:fillRect/>
-          </a:stretch>
-        </p:blipFill>
-        <p:spPr>
-          <a:xfrm>
-            <a:off x="2360016" y="4573931"/>
-            <a:ext cx="6330146" cy="1971370"/>
-          </a:xfrm>
-          <a:prstGeom prst="rect">
-            <a:avLst/>
-          </a:prstGeom>
-        </p:spPr>
-      </p:pic>
     </p:spTree>
     <p:extLst>
       <p:ext uri="{BB962C8B-B14F-4D97-AF65-F5344CB8AC3E}">
-        <p14:creationId xmlns:p14="http://schemas.microsoft.com/office/powerpoint/2010/main" val="4018862466"/>
+        <p14:creationId xmlns:p14="http://schemas.microsoft.com/office/powerpoint/2010/main" val="1350103627"/>
       </p:ext>
     </p:extLst>
   </p:cSld>
@@ -9846,8 +9699,8 @@
         </p:nvSpPr>
         <p:spPr>
           <a:xfrm>
-            <a:off x="716245" y="1781541"/>
-            <a:ext cx="10759510" cy="557332"/>
+            <a:off x="676105" y="1355656"/>
+            <a:ext cx="10759510" cy="3323987"/>
           </a:xfrm>
           <a:prstGeom prst="rect">
             <a:avLst/>
@@ -9872,12 +9725,287 @@
               </a:spcAft>
             </a:pPr>
             <a:r>
+              <a:rPr lang="en-US" altLang="zh-CN" sz="2000" dirty="0" err="1" smtClean="0">
+                <a:solidFill>
+                  <a:srgbClr val="FF0000"/>
+                </a:solidFill>
+                <a:latin typeface="Lantinghei SC Demibold" charset="-122"/>
+                <a:ea typeface="Lantinghei SC Demibold" charset="-122"/>
+                <a:cs typeface="Lantinghei SC Demibold" charset="-122"/>
+              </a:rPr>
+              <a:t>WebStrom</a:t>
+            </a:r>
+            <a:r>
+              <a:rPr lang="zh-CN" altLang="en-US" sz="2000" dirty="0" smtClean="0">
+                <a:latin typeface="Lantinghei SC Demibold" charset="-122"/>
+                <a:ea typeface="Lantinghei SC Demibold" charset="-122"/>
+                <a:cs typeface="Lantinghei SC Demibold" charset="-122"/>
+              </a:rPr>
+              <a:t>简介</a:t>
+            </a:r>
+            <a:r>
               <a:rPr lang="zh-CN" altLang="en-US" sz="2000" dirty="0">
-                <a:latin typeface="微软雅黑"/>
+                <a:latin typeface="Lantinghei SC Demibold" charset="-122"/>
                 <a:ea typeface="Lantinghei SC Demibold" charset="-122"/>
-                <a:sym typeface="Gill Sans" charset="0"/>
-              </a:rPr>
-              <a:t>下载完成后，双击安装文件进行默认安装即可。</a:t>
+                <a:cs typeface="Lantinghei SC Demibold" charset="-122"/>
+              </a:rPr>
+              <a:t>：</a:t>
+            </a:r>
+            <a:endParaRPr lang="en-US" altLang="zh-CN" sz="2000" dirty="0">
+              <a:latin typeface="Lantinghei SC Demibold" charset="-122"/>
+              <a:ea typeface="Lantinghei SC Demibold" charset="-122"/>
+              <a:cs typeface="Lantinghei SC Demibold" charset="-122"/>
+            </a:endParaRPr>
+          </a:p>
+          <a:p>
+            <a:pPr algn="just" fontAlgn="base">
+              <a:lnSpc>
+                <a:spcPct val="175000"/>
+              </a:lnSpc>
+              <a:spcBef>
+                <a:spcPct val="0"/>
+              </a:spcBef>
+              <a:spcAft>
+                <a:spcPct val="0"/>
+              </a:spcAft>
+            </a:pPr>
+            <a:r>
+              <a:rPr lang="en-US" altLang="zh-CN" sz="2000" dirty="0">
+                <a:latin typeface="微软雅黑"/>
+                <a:ea typeface="Lantinghei SC Demibold" charset="-122"/>
+                <a:sym typeface="Gill Sans" charset="0"/>
+              </a:rPr>
+              <a:t>	</a:t>
+            </a:r>
+            <a:r>
+              <a:rPr lang="zh-CN" altLang="en-US" sz="2000" dirty="0">
+                <a:latin typeface="微软雅黑"/>
+                <a:ea typeface="Lantinghei SC Demibold" charset="-122"/>
+                <a:sym typeface="Gill Sans" charset="0"/>
+              </a:rPr>
+              <a:t> </a:t>
+            </a:r>
+            <a:r>
+              <a:rPr lang="en-US" altLang="zh-CN" sz="2000" dirty="0" err="1">
+                <a:latin typeface="微软雅黑"/>
+                <a:ea typeface="Lantinghei SC Demibold" charset="-122"/>
+              </a:rPr>
+              <a:t>WebStorm</a:t>
+            </a:r>
+            <a:r>
+              <a:rPr lang="en-US" altLang="zh-CN" sz="2000" dirty="0">
+                <a:latin typeface="微软雅黑"/>
+                <a:ea typeface="Lantinghei SC Demibold" charset="-122"/>
+              </a:rPr>
+              <a:t> </a:t>
+            </a:r>
+            <a:r>
+              <a:rPr lang="zh-CN" altLang="en-US" sz="2000" dirty="0">
+                <a:latin typeface="微软雅黑"/>
+                <a:ea typeface="Lantinghei SC Demibold" charset="-122"/>
+              </a:rPr>
+              <a:t>是</a:t>
+            </a:r>
+            <a:r>
+              <a:rPr lang="en-US" altLang="zh-CN" sz="2000" dirty="0" err="1">
+                <a:latin typeface="微软雅黑"/>
+                <a:ea typeface="Lantinghei SC Demibold" charset="-122"/>
+                <a:hlinkClick r:id="rId3"/>
+              </a:rPr>
+              <a:t>jetbrains</a:t>
+            </a:r>
+            <a:r>
+              <a:rPr lang="zh-CN" altLang="en-US" sz="2000" dirty="0">
+                <a:latin typeface="微软雅黑"/>
+                <a:ea typeface="Lantinghei SC Demibold" charset="-122"/>
+              </a:rPr>
+              <a:t>公司旗下一款</a:t>
+            </a:r>
+            <a:r>
+              <a:rPr lang="en-US" altLang="zh-CN" sz="2000" dirty="0">
+                <a:latin typeface="微软雅黑"/>
+                <a:ea typeface="Lantinghei SC Demibold" charset="-122"/>
+              </a:rPr>
+              <a:t>JavaScript </a:t>
+            </a:r>
+            <a:r>
+              <a:rPr lang="zh-CN" altLang="en-US" sz="2000" dirty="0">
+                <a:latin typeface="微软雅黑"/>
+                <a:ea typeface="Lantinghei SC Demibold" charset="-122"/>
+              </a:rPr>
+              <a:t>开发工具。目前已经被广大中国</a:t>
+            </a:r>
+            <a:r>
+              <a:rPr lang="en-US" altLang="zh-CN" sz="2000" dirty="0">
+                <a:latin typeface="微软雅黑"/>
+                <a:ea typeface="Lantinghei SC Demibold" charset="-122"/>
+              </a:rPr>
+              <a:t>JS</a:t>
+            </a:r>
+            <a:r>
+              <a:rPr lang="zh-CN" altLang="en-US" sz="2000" dirty="0">
+                <a:latin typeface="微软雅黑"/>
+                <a:ea typeface="Lantinghei SC Demibold" charset="-122"/>
+              </a:rPr>
+              <a:t>开发者誉为“</a:t>
+            </a:r>
+            <a:r>
+              <a:rPr lang="en-US" altLang="zh-CN" sz="2000" dirty="0">
+                <a:latin typeface="微软雅黑"/>
+                <a:ea typeface="Lantinghei SC Demibold" charset="-122"/>
+              </a:rPr>
+              <a:t>Web</a:t>
+            </a:r>
+            <a:r>
+              <a:rPr lang="zh-CN" altLang="en-US" sz="2000" dirty="0">
+                <a:latin typeface="微软雅黑"/>
+                <a:ea typeface="Lantinghei SC Demibold" charset="-122"/>
+              </a:rPr>
+              <a:t>前端开发神器”、“最强大的</a:t>
+            </a:r>
+            <a:r>
+              <a:rPr lang="en-US" altLang="zh-CN" sz="2000" dirty="0">
+                <a:latin typeface="微软雅黑"/>
+                <a:ea typeface="Lantinghei SC Demibold" charset="-122"/>
+              </a:rPr>
+              <a:t>HTML5</a:t>
+            </a:r>
+            <a:r>
+              <a:rPr lang="zh-CN" altLang="en-US" sz="2000" dirty="0">
+                <a:latin typeface="微软雅黑"/>
+                <a:ea typeface="Lantinghei SC Demibold" charset="-122"/>
+              </a:rPr>
+              <a:t>编辑器”、“最智能的</a:t>
+            </a:r>
+            <a:r>
+              <a:rPr lang="en-US" altLang="zh-CN" sz="2000" dirty="0">
+                <a:latin typeface="微软雅黑"/>
+                <a:ea typeface="Lantinghei SC Demibold" charset="-122"/>
+              </a:rPr>
+              <a:t>JavaScript IDE”</a:t>
+            </a:r>
+            <a:r>
+              <a:rPr lang="zh-CN" altLang="en-US" sz="2000" dirty="0">
+                <a:latin typeface="微软雅黑"/>
+                <a:ea typeface="Lantinghei SC Demibold" charset="-122"/>
+              </a:rPr>
+              <a:t>等。与</a:t>
+            </a:r>
+            <a:r>
+              <a:rPr lang="en-US" altLang="zh-CN" sz="2000" dirty="0">
+                <a:latin typeface="微软雅黑"/>
+                <a:ea typeface="Lantinghei SC Demibold" charset="-122"/>
+                <a:hlinkClick r:id="rId4"/>
+              </a:rPr>
+              <a:t>IntelliJ IDEA</a:t>
+            </a:r>
+            <a:r>
+              <a:rPr lang="zh-CN" altLang="en-US" sz="2000" dirty="0">
+                <a:latin typeface="微软雅黑"/>
+                <a:ea typeface="Lantinghei SC Demibold" charset="-122"/>
+              </a:rPr>
+              <a:t>同源，继承了</a:t>
+            </a:r>
+            <a:r>
+              <a:rPr lang="en-US" altLang="zh-CN" sz="2000" dirty="0">
+                <a:latin typeface="微软雅黑"/>
+                <a:ea typeface="Lantinghei SC Demibold" charset="-122"/>
+              </a:rPr>
+              <a:t>IntelliJ IDEA</a:t>
+            </a:r>
+            <a:r>
+              <a:rPr lang="zh-CN" altLang="en-US" sz="2000" dirty="0">
+                <a:latin typeface="微软雅黑"/>
+                <a:ea typeface="Lantinghei SC Demibold" charset="-122"/>
+              </a:rPr>
+              <a:t>强大的</a:t>
+            </a:r>
+            <a:r>
+              <a:rPr lang="en-US" altLang="zh-CN" sz="2000" dirty="0">
+                <a:latin typeface="微软雅黑"/>
+                <a:ea typeface="Lantinghei SC Demibold" charset="-122"/>
+              </a:rPr>
+              <a:t>JS</a:t>
+            </a:r>
+            <a:r>
+              <a:rPr lang="zh-CN" altLang="en-US" sz="2000" dirty="0">
+                <a:latin typeface="微软雅黑"/>
+                <a:ea typeface="Lantinghei SC Demibold" charset="-122"/>
+              </a:rPr>
+              <a:t>部分的</a:t>
+            </a:r>
+            <a:r>
+              <a:rPr lang="zh-CN" altLang="en-US" sz="2000" dirty="0" smtClean="0">
+                <a:latin typeface="微软雅黑"/>
+                <a:ea typeface="Lantinghei SC Demibold" charset="-122"/>
+              </a:rPr>
+              <a:t>功能</a:t>
+            </a:r>
+            <a:r>
+              <a:rPr lang="zh-CN" altLang="en-US" sz="2000" dirty="0" smtClean="0">
+                <a:latin typeface="微软雅黑"/>
+                <a:ea typeface="Lantinghei SC Demibold" charset="-122"/>
+                <a:sym typeface="Gill Sans" charset="0"/>
+              </a:rPr>
+              <a:t>。</a:t>
+            </a:r>
+            <a:endParaRPr lang="en-US" altLang="zh-CN" sz="2000" dirty="0">
+              <a:latin typeface="微软雅黑"/>
+              <a:ea typeface="Lantinghei SC Demibold" charset="-122"/>
+              <a:sym typeface="Gill Sans" charset="0"/>
+            </a:endParaRPr>
+          </a:p>
+          <a:p>
+            <a:pPr algn="just" fontAlgn="base">
+              <a:lnSpc>
+                <a:spcPct val="175000"/>
+              </a:lnSpc>
+              <a:spcBef>
+                <a:spcPct val="0"/>
+              </a:spcBef>
+              <a:spcAft>
+                <a:spcPct val="0"/>
+              </a:spcAft>
+            </a:pPr>
+            <a:endParaRPr lang="en-US" altLang="zh-CN" sz="2000" dirty="0">
+              <a:latin typeface="微软雅黑"/>
+              <a:ea typeface="Lantinghei SC Demibold" charset="-122"/>
+              <a:sym typeface="Gill Sans" charset="0"/>
+            </a:endParaRPr>
+          </a:p>
+          <a:p>
+            <a:pPr algn="just" fontAlgn="base">
+              <a:lnSpc>
+                <a:spcPct val="175000"/>
+              </a:lnSpc>
+              <a:spcBef>
+                <a:spcPct val="0"/>
+              </a:spcBef>
+              <a:spcAft>
+                <a:spcPct val="0"/>
+              </a:spcAft>
+            </a:pPr>
+            <a:r>
+              <a:rPr lang="zh-CN" altLang="en-US" sz="2000" dirty="0">
+                <a:latin typeface="微软雅黑"/>
+                <a:ea typeface="Lantinghei SC Demibold" charset="-122"/>
+                <a:sym typeface="Gill Sans" charset="0"/>
+              </a:rPr>
+              <a:t>下载地址：</a:t>
+            </a:r>
+            <a:r>
+              <a:rPr lang="en-US" altLang="zh-CN" sz="2000" dirty="0">
+                <a:latin typeface="微软雅黑"/>
+                <a:ea typeface="Lantinghei SC Demibold" charset="-122"/>
+                <a:sym typeface="Gill Sans" charset="0"/>
+              </a:rPr>
+              <a:t> </a:t>
+            </a:r>
+            <a:r>
+              <a:rPr lang="en-US" altLang="zh-CN" sz="2000" dirty="0">
+                <a:hlinkClick r:id="rId5"/>
+              </a:rPr>
+              <a:t>https://www.jetbrains.com/webstorm/download/download-thanks.html</a:t>
             </a:r>
             <a:endParaRPr lang="zh-CN" altLang="en-US" sz="2000" dirty="0">
               <a:latin typeface="微软雅黑"/>
@@ -9896,7 +10024,7 @@
           <p:nvPr/>
         </p:nvPicPr>
         <p:blipFill>
-          <a:blip r:embed="rId3">
+          <a:blip r:embed="rId6">
             <a:extLst>
               <a:ext uri="{28A0092B-C50C-407E-A947-70E740481C1C}">
                 <a14:useLocalDpi xmlns:a14="http://schemas.microsoft.com/office/drawing/2010/main" val="0"/>
@@ -9917,220 +10045,24 @@
           </a:prstGeom>
         </p:spPr>
       </p:pic>
-      <p:cxnSp>
-        <p:nvCxnSpPr>
-          <p:cNvPr id="9" name="直接箭头连接符 8">
-            <a:extLst>
-              <a:ext uri="{FF2B5EF4-FFF2-40B4-BE49-F238E27FC236}">
-                <a16:creationId xmlns="" xmlns:a16="http://schemas.microsoft.com/office/drawing/2014/main" id="{50B2E1F5-C20D-4D9B-AADF-70497CF4079B}"/>
-              </a:ext>
-            </a:extLst>
-          </p:cNvPr>
-          <p:cNvCxnSpPr/>
-          <p:nvPr/>
-        </p:nvCxnSpPr>
-        <p:spPr>
-          <a:xfrm>
-            <a:off x="1815467" y="4438888"/>
-            <a:ext cx="1586753" cy="0"/>
-          </a:xfrm>
-          <a:prstGeom prst="straightConnector1">
-            <a:avLst/>
-          </a:prstGeom>
-          <a:ln w="76200">
-            <a:tailEnd type="triangle"/>
-          </a:ln>
-        </p:spPr>
-        <p:style>
-          <a:lnRef idx="1">
-            <a:schemeClr val="accent1"/>
-          </a:lnRef>
-          <a:fillRef idx="0">
-            <a:schemeClr val="accent1"/>
-          </a:fillRef>
-          <a:effectRef idx="0">
-            <a:schemeClr val="accent1"/>
-          </a:effectRef>
-          <a:fontRef idx="minor">
-            <a:schemeClr val="tx1"/>
-          </a:fontRef>
-        </p:style>
-      </p:cxnSp>
-      <p:cxnSp>
-        <p:nvCxnSpPr>
-          <p:cNvPr id="17" name="直接箭头连接符 16">
-            <a:extLst>
-              <a:ext uri="{FF2B5EF4-FFF2-40B4-BE49-F238E27FC236}">
-                <a16:creationId xmlns="" xmlns:a16="http://schemas.microsoft.com/office/drawing/2014/main" id="{1638AE69-8367-4F65-8812-C6D13515A496}"/>
-              </a:ext>
-            </a:extLst>
-          </p:cNvPr>
-          <p:cNvCxnSpPr/>
-          <p:nvPr/>
-        </p:nvCxnSpPr>
-        <p:spPr>
-          <a:xfrm>
-            <a:off x="7783663" y="4547380"/>
-            <a:ext cx="1586753" cy="0"/>
-          </a:xfrm>
-          <a:prstGeom prst="straightConnector1">
-            <a:avLst/>
-          </a:prstGeom>
-          <a:ln w="76200">
-            <a:tailEnd type="triangle"/>
-          </a:ln>
-        </p:spPr>
-        <p:style>
-          <a:lnRef idx="1">
-            <a:schemeClr val="accent1"/>
-          </a:lnRef>
-          <a:fillRef idx="0">
-            <a:schemeClr val="accent1"/>
-          </a:fillRef>
-          <a:effectRef idx="0">
-            <a:schemeClr val="accent1"/>
-          </a:effectRef>
-          <a:fontRef idx="minor">
-            <a:schemeClr val="tx1"/>
-          </a:fontRef>
-        </p:style>
-      </p:cxnSp>
-      <p:sp>
-        <p:nvSpPr>
-          <p:cNvPr id="10" name="文本框 9">
-            <a:extLst>
-              <a:ext uri="{FF2B5EF4-FFF2-40B4-BE49-F238E27FC236}">
-                <a16:creationId xmlns="" xmlns:a16="http://schemas.microsoft.com/office/drawing/2014/main" id="{D9E318A8-DE66-4373-A3EA-5BB4E74283B4}"/>
-              </a:ext>
-            </a:extLst>
-          </p:cNvPr>
-          <p:cNvSpPr txBox="1"/>
-          <p:nvPr/>
-        </p:nvSpPr>
-        <p:spPr>
-          <a:xfrm>
-            <a:off x="1972784" y="4014381"/>
-            <a:ext cx="1107996" cy="369332"/>
-          </a:xfrm>
-          <a:prstGeom prst="rect">
-            <a:avLst/>
-          </a:prstGeom>
-          <a:noFill/>
-        </p:spPr>
-        <p:txBody>
-          <a:bodyPr wrap="none" rtlCol="0">
-            <a:spAutoFit/>
-          </a:bodyPr>
-          <a:lstStyle/>
-          <a:p>
-            <a:r>
-              <a:rPr lang="zh-CN" altLang="en-US" dirty="0"/>
-              <a:t>双击安装</a:t>
-            </a:r>
-          </a:p>
-        </p:txBody>
-      </p:sp>
-      <p:sp>
-        <p:nvSpPr>
-          <p:cNvPr id="18" name="文本框 17">
-            <a:extLst>
-              <a:ext uri="{FF2B5EF4-FFF2-40B4-BE49-F238E27FC236}">
-                <a16:creationId xmlns="" xmlns:a16="http://schemas.microsoft.com/office/drawing/2014/main" id="{BFE2A26B-9215-428B-B746-68B76CDB1977}"/>
-              </a:ext>
-            </a:extLst>
-          </p:cNvPr>
-          <p:cNvSpPr txBox="1"/>
-          <p:nvPr/>
-        </p:nvSpPr>
-        <p:spPr>
-          <a:xfrm>
-            <a:off x="7920866" y="4098628"/>
-            <a:ext cx="1107996" cy="369332"/>
-          </a:xfrm>
-          <a:prstGeom prst="rect">
-            <a:avLst/>
-          </a:prstGeom>
-          <a:noFill/>
-        </p:spPr>
-        <p:txBody>
-          <a:bodyPr wrap="none" rtlCol="0">
-            <a:spAutoFit/>
-          </a:bodyPr>
-          <a:lstStyle/>
-          <a:p>
-            <a:r>
-              <a:rPr lang="zh-CN" altLang="en-US" dirty="0"/>
-              <a:t>安装完毕</a:t>
-            </a:r>
-          </a:p>
-        </p:txBody>
-      </p:sp>
       <p:pic>
         <p:nvPicPr>
-          <p:cNvPr id="4" name="图片 3"/>
+          <p:cNvPr id="2" name="图片 1"/>
           <p:cNvPicPr>
             <a:picLocks noChangeAspect="1"/>
           </p:cNvPicPr>
           <p:nvPr/>
         </p:nvPicPr>
         <p:blipFill>
-          <a:blip r:embed="rId4"/>
+          <a:blip r:embed="rId7"/>
           <a:stretch>
             <a:fillRect/>
           </a:stretch>
         </p:blipFill>
         <p:spPr>
           <a:xfrm>
-            <a:off x="613475" y="3809603"/>
-            <a:ext cx="933450" cy="1219200"/>
-          </a:xfrm>
-          <a:prstGeom prst="rect">
-            <a:avLst/>
-          </a:prstGeom>
-        </p:spPr>
-      </p:pic>
-      <p:pic>
-        <p:nvPicPr>
-          <p:cNvPr id="6" name="图片 5"/>
-          <p:cNvPicPr>
-            <a:picLocks noChangeAspect="1"/>
-          </p:cNvPicPr>
-          <p:nvPr/>
-        </p:nvPicPr>
-        <p:blipFill>
-          <a:blip r:embed="rId5"/>
-          <a:stretch>
-            <a:fillRect/>
-          </a:stretch>
-        </p:blipFill>
-        <p:spPr>
-          <a:xfrm>
-            <a:off x="3461085" y="2908762"/>
-            <a:ext cx="4226794" cy="3277236"/>
-          </a:xfrm>
-          <a:prstGeom prst="rect">
-            <a:avLst/>
-          </a:prstGeom>
-        </p:spPr>
-      </p:pic>
-      <p:pic>
-        <p:nvPicPr>
-          <p:cNvPr id="7" name="图片 6"/>
-          <p:cNvPicPr>
-            <a:picLocks noChangeAspect="1"/>
-          </p:cNvPicPr>
-          <p:nvPr/>
-        </p:nvPicPr>
-        <p:blipFill>
-          <a:blip r:embed="rId6"/>
-          <a:stretch>
-            <a:fillRect/>
-          </a:stretch>
-        </p:blipFill>
-        <p:spPr>
-          <a:xfrm>
-            <a:off x="9603403" y="3966355"/>
-            <a:ext cx="762000" cy="1162050"/>
+            <a:off x="2360016" y="4573931"/>
+            <a:ext cx="6330146" cy="1971370"/>
           </a:xfrm>
           <a:prstGeom prst="rect">
             <a:avLst/>
@@ -10140,7 +10072,7 @@
     </p:spTree>
     <p:extLst>
       <p:ext uri="{BB962C8B-B14F-4D97-AF65-F5344CB8AC3E}">
-        <p14:creationId xmlns:p14="http://schemas.microsoft.com/office/powerpoint/2010/main" val="1653460586"/>
+        <p14:creationId xmlns:p14="http://schemas.microsoft.com/office/powerpoint/2010/main" val="4018862466"/>
       </p:ext>
     </p:extLst>
   </p:cSld>
@@ -10369,8 +10301,8 @@
         </p:nvSpPr>
         <p:spPr>
           <a:xfrm>
-            <a:off x="716245" y="1295184"/>
-            <a:ext cx="10759510" cy="553998"/>
+            <a:off x="716245" y="1781541"/>
+            <a:ext cx="10759510" cy="557332"/>
           </a:xfrm>
           <a:prstGeom prst="rect">
             <a:avLst/>
@@ -10400,35 +10332,11 @@
                 <a:ea typeface="Lantinghei SC Demibold" charset="-122"/>
                 <a:sym typeface="Gill Sans" charset="0"/>
               </a:rPr>
-              <a:t>安装完成后，在开始菜单即可找到启动图标，点击即可</a:t>
-            </a:r>
-            <a:r>
-              <a:rPr lang="zh-CN" altLang="en-US" sz="2000" dirty="0" smtClean="0">
-                <a:latin typeface="微软雅黑"/>
-                <a:ea typeface="Lantinghei SC Demibold" charset="-122"/>
-                <a:sym typeface="Gill Sans" charset="0"/>
-              </a:rPr>
-              <a:t>启动</a:t>
-            </a:r>
-            <a:r>
-              <a:rPr lang="en-US" altLang="zh-CN" sz="2000" dirty="0" err="1" smtClean="0">
-                <a:latin typeface="微软雅黑"/>
-                <a:ea typeface="Lantinghei SC Demibold" charset="-122"/>
-                <a:sym typeface="Gill Sans" charset="0"/>
-              </a:rPr>
-              <a:t>WebStrom</a:t>
-            </a:r>
-            <a:r>
-              <a:rPr lang="zh-CN" altLang="en-US" sz="2000" dirty="0" smtClean="0">
-                <a:latin typeface="微软雅黑"/>
-                <a:ea typeface="Lantinghei SC Demibold" charset="-122"/>
-                <a:sym typeface="Gill Sans" charset="0"/>
-              </a:rPr>
-              <a:t>；</a:t>
-            </a:r>
-            <a:endParaRPr lang="en-US" altLang="zh-CN" sz="2000" dirty="0">
+              <a:t>下载完成后，双击安装文件进行默认安装即可。</a:t>
+            </a:r>
+            <a:endParaRPr lang="zh-CN" altLang="en-US" sz="2000" dirty="0">
               <a:latin typeface="微软雅黑"/>
-              <a:ea typeface="Lantinghei SC Demibold" charset="-122"/>
+              <a:ea typeface="微软雅黑"/>
               <a:sym typeface="Gill Sans" charset="0"/>
             </a:endParaRPr>
           </a:p>
@@ -10464,9 +10372,157 @@
           </a:prstGeom>
         </p:spPr>
       </p:pic>
+      <p:cxnSp>
+        <p:nvCxnSpPr>
+          <p:cNvPr id="9" name="直接箭头连接符 8">
+            <a:extLst>
+              <a:ext uri="{FF2B5EF4-FFF2-40B4-BE49-F238E27FC236}">
+                <a16:creationId xmlns:a16="http://schemas.microsoft.com/office/drawing/2014/main" xmlns="" id="{50B2E1F5-C20D-4D9B-AADF-70497CF4079B}"/>
+              </a:ext>
+            </a:extLst>
+          </p:cNvPr>
+          <p:cNvCxnSpPr/>
+          <p:nvPr/>
+        </p:nvCxnSpPr>
+        <p:spPr>
+          <a:xfrm>
+            <a:off x="1815467" y="4438888"/>
+            <a:ext cx="1586753" cy="0"/>
+          </a:xfrm>
+          <a:prstGeom prst="straightConnector1">
+            <a:avLst/>
+          </a:prstGeom>
+          <a:ln w="76200">
+            <a:tailEnd type="triangle"/>
+          </a:ln>
+        </p:spPr>
+        <p:style>
+          <a:lnRef idx="1">
+            <a:schemeClr val="accent1"/>
+          </a:lnRef>
+          <a:fillRef idx="0">
+            <a:schemeClr val="accent1"/>
+          </a:fillRef>
+          <a:effectRef idx="0">
+            <a:schemeClr val="accent1"/>
+          </a:effectRef>
+          <a:fontRef idx="minor">
+            <a:schemeClr val="tx1"/>
+          </a:fontRef>
+        </p:style>
+      </p:cxnSp>
+      <p:cxnSp>
+        <p:nvCxnSpPr>
+          <p:cNvPr id="17" name="直接箭头连接符 16">
+            <a:extLst>
+              <a:ext uri="{FF2B5EF4-FFF2-40B4-BE49-F238E27FC236}">
+                <a16:creationId xmlns:a16="http://schemas.microsoft.com/office/drawing/2014/main" xmlns="" id="{1638AE69-8367-4F65-8812-C6D13515A496}"/>
+              </a:ext>
+            </a:extLst>
+          </p:cNvPr>
+          <p:cNvCxnSpPr/>
+          <p:nvPr/>
+        </p:nvCxnSpPr>
+        <p:spPr>
+          <a:xfrm>
+            <a:off x="7783663" y="4547380"/>
+            <a:ext cx="1586753" cy="0"/>
+          </a:xfrm>
+          <a:prstGeom prst="straightConnector1">
+            <a:avLst/>
+          </a:prstGeom>
+          <a:ln w="76200">
+            <a:tailEnd type="triangle"/>
+          </a:ln>
+        </p:spPr>
+        <p:style>
+          <a:lnRef idx="1">
+            <a:schemeClr val="accent1"/>
+          </a:lnRef>
+          <a:fillRef idx="0">
+            <a:schemeClr val="accent1"/>
+          </a:fillRef>
+          <a:effectRef idx="0">
+            <a:schemeClr val="accent1"/>
+          </a:effectRef>
+          <a:fontRef idx="minor">
+            <a:schemeClr val="tx1"/>
+          </a:fontRef>
+        </p:style>
+      </p:cxnSp>
+      <p:sp>
+        <p:nvSpPr>
+          <p:cNvPr id="10" name="文本框 9">
+            <a:extLst>
+              <a:ext uri="{FF2B5EF4-FFF2-40B4-BE49-F238E27FC236}">
+                <a16:creationId xmlns:a16="http://schemas.microsoft.com/office/drawing/2014/main" xmlns="" id="{D9E318A8-DE66-4373-A3EA-5BB4E74283B4}"/>
+              </a:ext>
+            </a:extLst>
+          </p:cNvPr>
+          <p:cNvSpPr txBox="1"/>
+          <p:nvPr/>
+        </p:nvSpPr>
+        <p:spPr>
+          <a:xfrm>
+            <a:off x="1972784" y="4014381"/>
+            <a:ext cx="1107996" cy="369332"/>
+          </a:xfrm>
+          <a:prstGeom prst="rect">
+            <a:avLst/>
+          </a:prstGeom>
+          <a:noFill/>
+        </p:spPr>
+        <p:txBody>
+          <a:bodyPr wrap="none" rtlCol="0">
+            <a:spAutoFit/>
+          </a:bodyPr>
+          <a:lstStyle/>
+          <a:p>
+            <a:r>
+              <a:rPr lang="zh-CN" altLang="en-US" dirty="0"/>
+              <a:t>双击安装</a:t>
+            </a:r>
+          </a:p>
+        </p:txBody>
+      </p:sp>
+      <p:sp>
+        <p:nvSpPr>
+          <p:cNvPr id="18" name="文本框 17">
+            <a:extLst>
+              <a:ext uri="{FF2B5EF4-FFF2-40B4-BE49-F238E27FC236}">
+                <a16:creationId xmlns:a16="http://schemas.microsoft.com/office/drawing/2014/main" xmlns="" id="{BFE2A26B-9215-428B-B746-68B76CDB1977}"/>
+              </a:ext>
+            </a:extLst>
+          </p:cNvPr>
+          <p:cNvSpPr txBox="1"/>
+          <p:nvPr/>
+        </p:nvSpPr>
+        <p:spPr>
+          <a:xfrm>
+            <a:off x="7920866" y="4098628"/>
+            <a:ext cx="1107996" cy="369332"/>
+          </a:xfrm>
+          <a:prstGeom prst="rect">
+            <a:avLst/>
+          </a:prstGeom>
+          <a:noFill/>
+        </p:spPr>
+        <p:txBody>
+          <a:bodyPr wrap="none" rtlCol="0">
+            <a:spAutoFit/>
+          </a:bodyPr>
+          <a:lstStyle/>
+          <a:p>
+            <a:r>
+              <a:rPr lang="zh-CN" altLang="en-US" dirty="0"/>
+              <a:t>安装完毕</a:t>
+            </a:r>
+          </a:p>
+        </p:txBody>
+      </p:sp>
       <p:pic>
         <p:nvPicPr>
-          <p:cNvPr id="10" name="图片 9"/>
+          <p:cNvPr id="4" name="图片 3"/>
           <p:cNvPicPr>
             <a:picLocks noChangeAspect="1"/>
           </p:cNvPicPr>
@@ -10480,8 +10536,56 @@
         </p:blipFill>
         <p:spPr>
           <a:xfrm>
-            <a:off x="1779912" y="1977435"/>
-            <a:ext cx="7858919" cy="4418484"/>
+            <a:off x="613475" y="3809603"/>
+            <a:ext cx="933450" cy="1219200"/>
+          </a:xfrm>
+          <a:prstGeom prst="rect">
+            <a:avLst/>
+          </a:prstGeom>
+        </p:spPr>
+      </p:pic>
+      <p:pic>
+        <p:nvPicPr>
+          <p:cNvPr id="6" name="图片 5"/>
+          <p:cNvPicPr>
+            <a:picLocks noChangeAspect="1"/>
+          </p:cNvPicPr>
+          <p:nvPr/>
+        </p:nvPicPr>
+        <p:blipFill>
+          <a:blip r:embed="rId5"/>
+          <a:stretch>
+            <a:fillRect/>
+          </a:stretch>
+        </p:blipFill>
+        <p:spPr>
+          <a:xfrm>
+            <a:off x="3461085" y="2908762"/>
+            <a:ext cx="4226794" cy="3277236"/>
+          </a:xfrm>
+          <a:prstGeom prst="rect">
+            <a:avLst/>
+          </a:prstGeom>
+        </p:spPr>
+      </p:pic>
+      <p:pic>
+        <p:nvPicPr>
+          <p:cNvPr id="7" name="图片 6"/>
+          <p:cNvPicPr>
+            <a:picLocks noChangeAspect="1"/>
+          </p:cNvPicPr>
+          <p:nvPr/>
+        </p:nvPicPr>
+        <p:blipFill>
+          <a:blip r:embed="rId6"/>
+          <a:stretch>
+            <a:fillRect/>
+          </a:stretch>
+        </p:blipFill>
+        <p:spPr>
+          <a:xfrm>
+            <a:off x="9603403" y="3966355"/>
+            <a:ext cx="762000" cy="1162050"/>
           </a:xfrm>
           <a:prstGeom prst="rect">
             <a:avLst/>
@@ -10491,7 +10595,7 @@
     </p:spTree>
     <p:extLst>
       <p:ext uri="{BB962C8B-B14F-4D97-AF65-F5344CB8AC3E}">
-        <p14:creationId xmlns:p14="http://schemas.microsoft.com/office/powerpoint/2010/main" val="356203381"/>
+        <p14:creationId xmlns:p14="http://schemas.microsoft.com/office/powerpoint/2010/main" val="1653460586"/>
       </p:ext>
     </p:extLst>
   </p:cSld>
@@ -10592,7 +10696,7 @@
         <p:spPr>
           <a:xfrm>
             <a:off x="19050" y="314980"/>
-            <a:ext cx="2247900" cy="584775"/>
+            <a:ext cx="2587204" cy="584775"/>
           </a:xfrm>
           <a:prstGeom prst="rect">
             <a:avLst/>
@@ -10607,15 +10711,22 @@
           <a:p>
             <a:pPr algn="ctr"/>
             <a:r>
-              <a:rPr lang="zh-CN" altLang="en-US" sz="3200" b="1" dirty="0">
+              <a:rPr lang="zh-CN" altLang="en-US" sz="3200" b="1" dirty="0" smtClean="0">
                 <a:solidFill>
                   <a:srgbClr val="0070C0"/>
                 </a:solidFill>
                 <a:latin typeface="微软雅黑" panose="020B0503020204020204" pitchFamily="34" charset="-122"/>
                 <a:ea typeface="微软雅黑" panose="020B0503020204020204" pitchFamily="34" charset="-122"/>
               </a:rPr>
-              <a:t>项目介绍</a:t>
-            </a:r>
+              <a:t>项目知识点</a:t>
+            </a:r>
+            <a:endParaRPr lang="zh-CN" altLang="en-US" sz="3200" b="1" dirty="0">
+              <a:solidFill>
+                <a:srgbClr val="0070C0"/>
+              </a:solidFill>
+              <a:latin typeface="微软雅黑" panose="020B0503020204020204" pitchFamily="34" charset="-122"/>
+              <a:ea typeface="微软雅黑" panose="020B0503020204020204" pitchFamily="34" charset="-122"/>
+            </a:endParaRPr>
           </a:p>
         </p:txBody>
       </p:sp>
@@ -10693,193 +10804,6 @@
           </a:fontRef>
         </p:style>
       </p:cxnSp>
-      <p:sp>
-        <p:nvSpPr>
-          <p:cNvPr id="24" name="文本框 23"/>
-          <p:cNvSpPr txBox="1"/>
-          <p:nvPr/>
-        </p:nvSpPr>
-        <p:spPr>
-          <a:xfrm>
-            <a:off x="632013" y="1484530"/>
-            <a:ext cx="6441140" cy="4401205"/>
-          </a:xfrm>
-          <a:prstGeom prst="rect">
-            <a:avLst/>
-          </a:prstGeom>
-          <a:noFill/>
-        </p:spPr>
-        <p:txBody>
-          <a:bodyPr wrap="square" rtlCol="0">
-            <a:spAutoFit/>
-          </a:bodyPr>
-          <a:lstStyle/>
-          <a:p>
-            <a:pPr algn="just" fontAlgn="base">
-              <a:lnSpc>
-                <a:spcPct val="175000"/>
-              </a:lnSpc>
-              <a:spcBef>
-                <a:spcPct val="0"/>
-              </a:spcBef>
-              <a:spcAft>
-                <a:spcPct val="0"/>
-              </a:spcAft>
-            </a:pPr>
-            <a:r>
-              <a:rPr lang="zh-CN" altLang="en-US" sz="2000" b="1" dirty="0">
-                <a:latin typeface="微软雅黑"/>
-                <a:ea typeface="微软雅黑"/>
-                <a:sym typeface="Gill Sans" charset="0"/>
-              </a:rPr>
-              <a:t>项目名称</a:t>
-            </a:r>
-            <a:r>
-              <a:rPr lang="zh-CN" altLang="en-US" sz="2000" dirty="0" smtClean="0">
-                <a:latin typeface="微软雅黑"/>
-                <a:ea typeface="微软雅黑"/>
-                <a:sym typeface="Gill Sans" charset="0"/>
-              </a:rPr>
-              <a:t>：</a:t>
-            </a:r>
-            <a:r>
-              <a:rPr lang="zh-CN" altLang="en-US" sz="2000" dirty="0" smtClean="0">
-                <a:solidFill>
-                  <a:schemeClr val="accent1"/>
-                </a:solidFill>
-                <a:latin typeface="微软雅黑"/>
-                <a:ea typeface="微软雅黑"/>
-                <a:sym typeface="Gill Sans" charset="0"/>
-              </a:rPr>
-              <a:t>个人博客</a:t>
-            </a:r>
-            <a:endParaRPr lang="en-US" altLang="zh-CN" sz="2000" dirty="0" smtClean="0">
-              <a:solidFill>
-                <a:schemeClr val="accent1"/>
-              </a:solidFill>
-              <a:latin typeface="微软雅黑"/>
-              <a:ea typeface="微软雅黑"/>
-              <a:sym typeface="Gill Sans" charset="0"/>
-            </a:endParaRPr>
-          </a:p>
-          <a:p>
-            <a:pPr algn="just" fontAlgn="base">
-              <a:lnSpc>
-                <a:spcPct val="175000"/>
-              </a:lnSpc>
-              <a:spcBef>
-                <a:spcPct val="0"/>
-              </a:spcBef>
-              <a:spcAft>
-                <a:spcPct val="0"/>
-              </a:spcAft>
-            </a:pPr>
-            <a:r>
-              <a:rPr lang="zh-CN" altLang="en-US" sz="2000" b="1" dirty="0" smtClean="0">
-                <a:latin typeface="微软雅黑"/>
-                <a:ea typeface="微软雅黑"/>
-                <a:sym typeface="Gill Sans" charset="0"/>
-              </a:rPr>
-              <a:t>项目介绍</a:t>
-            </a:r>
-            <a:r>
-              <a:rPr lang="zh-CN" altLang="en-US" sz="2000" dirty="0" smtClean="0">
-                <a:latin typeface="微软雅黑"/>
-                <a:ea typeface="微软雅黑"/>
-                <a:sym typeface="Gill Sans" charset="0"/>
-              </a:rPr>
-              <a:t>：这是一个个人博客的网站，本网站中可以实现下拉菜单、菜单切换、用户登录、轮播图、遮罩、延迟加载、百度分享、发表博文、以及导航等功能。</a:t>
-            </a:r>
-          </a:p>
-          <a:p>
-            <a:pPr algn="just" fontAlgn="base">
-              <a:lnSpc>
-                <a:spcPct val="175000"/>
-              </a:lnSpc>
-              <a:spcBef>
-                <a:spcPct val="0"/>
-              </a:spcBef>
-              <a:spcAft>
-                <a:spcPct val="0"/>
-              </a:spcAft>
-            </a:pPr>
-            <a:r>
-              <a:rPr lang="zh-CN" altLang="en-US" sz="2000" b="1" dirty="0" smtClean="0">
-                <a:latin typeface="微软雅黑"/>
-                <a:ea typeface="微软雅黑"/>
-                <a:sym typeface="Gill Sans" charset="0"/>
-              </a:rPr>
-              <a:t>实</a:t>
-            </a:r>
-            <a:r>
-              <a:rPr lang="zh-CN" altLang="en-US" sz="2000" b="1" dirty="0">
-                <a:latin typeface="微软雅黑"/>
-                <a:ea typeface="微软雅黑"/>
-                <a:sym typeface="Gill Sans" charset="0"/>
-              </a:rPr>
-              <a:t>训目标</a:t>
-            </a:r>
-            <a:r>
-              <a:rPr lang="zh-CN" altLang="en-US" sz="2000" dirty="0">
-                <a:latin typeface="微软雅黑"/>
-                <a:ea typeface="微软雅黑"/>
-                <a:sym typeface="Gill Sans" charset="0"/>
-              </a:rPr>
-              <a:t>：将本阶段所学知识结合起来，应用到实际项目中，使更加了解所学知识体系的实际作用，对以前所学知识点得到更好的练习和灵活运用。</a:t>
-            </a:r>
-          </a:p>
-          <a:p>
-            <a:pPr algn="just" fontAlgn="base">
-              <a:lnSpc>
-                <a:spcPct val="175000"/>
-              </a:lnSpc>
-              <a:spcBef>
-                <a:spcPct val="0"/>
-              </a:spcBef>
-              <a:spcAft>
-                <a:spcPct val="0"/>
-              </a:spcAft>
-            </a:pPr>
-            <a:r>
-              <a:rPr lang="zh-CN" altLang="en-US" sz="2000" b="1" dirty="0">
-                <a:latin typeface="微软雅黑"/>
-                <a:ea typeface="微软雅黑"/>
-                <a:sym typeface="Gill Sans" charset="0"/>
-              </a:rPr>
-              <a:t>所需时间</a:t>
-            </a:r>
-            <a:r>
-              <a:rPr lang="zh-CN" altLang="en-US" sz="2000" dirty="0">
-                <a:latin typeface="微软雅黑"/>
-                <a:ea typeface="微软雅黑"/>
-                <a:sym typeface="Gill Sans" charset="0"/>
-              </a:rPr>
-              <a:t>：</a:t>
-            </a:r>
-            <a:r>
-              <a:rPr lang="en-US" altLang="zh-CN" sz="2000" dirty="0">
-                <a:latin typeface="微软雅黑"/>
-                <a:ea typeface="微软雅黑"/>
-                <a:sym typeface="Gill Sans" charset="0"/>
-              </a:rPr>
-              <a:t>36</a:t>
-            </a:r>
-            <a:r>
-              <a:rPr lang="zh-CN" altLang="en-US" sz="2000" dirty="0">
-                <a:latin typeface="微软雅黑"/>
-                <a:ea typeface="微软雅黑"/>
-                <a:sym typeface="Gill Sans" charset="0"/>
-              </a:rPr>
-              <a:t>课时</a:t>
-            </a:r>
-            <a:endParaRPr lang="en-US" altLang="zh-CN" sz="2000" dirty="0">
-              <a:latin typeface="微软雅黑"/>
-              <a:ea typeface="微软雅黑"/>
-              <a:sym typeface="Gill Sans" charset="0"/>
-            </a:endParaRPr>
-          </a:p>
-        </p:txBody>
-      </p:sp>
       <p:pic>
         <p:nvPicPr>
           <p:cNvPr id="3" name="图片 2"/>
@@ -10932,8 +10856,8 @@
         </p:blipFill>
         <p:spPr>
           <a:xfrm>
-            <a:off x="7852460" y="1348056"/>
-            <a:ext cx="3992117" cy="5509944"/>
+            <a:off x="1113182" y="962209"/>
+            <a:ext cx="10058400" cy="5583092"/>
           </a:xfrm>
           <a:prstGeom prst="rect">
             <a:avLst/>
@@ -10943,7 +10867,7 @@
     </p:spTree>
     <p:extLst>
       <p:ext uri="{BB962C8B-B14F-4D97-AF65-F5344CB8AC3E}">
-        <p14:creationId xmlns:p14="http://schemas.microsoft.com/office/powerpoint/2010/main" val="2004880398"/>
+        <p14:creationId xmlns:p14="http://schemas.microsoft.com/office/powerpoint/2010/main" val="4101514694"/>
       </p:ext>
     </p:extLst>
   </p:cSld>
@@ -11172,8 +11096,8 @@
         </p:nvSpPr>
         <p:spPr>
           <a:xfrm>
-            <a:off x="604682" y="937220"/>
-            <a:ext cx="10759510" cy="3323987"/>
+            <a:off x="716245" y="1295184"/>
+            <a:ext cx="10759510" cy="553998"/>
           </a:xfrm>
           <a:prstGeom prst="rect">
             <a:avLst/>
@@ -11198,273 +11122,36 @@
               </a:spcAft>
             </a:pPr>
             <a:r>
+              <a:rPr lang="zh-CN" altLang="en-US" sz="2000" dirty="0">
+                <a:latin typeface="微软雅黑"/>
+                <a:ea typeface="Lantinghei SC Demibold" charset="-122"/>
+                <a:sym typeface="Gill Sans" charset="0"/>
+              </a:rPr>
+              <a:t>安装完成后，在开始菜单即可找到启动图标，点击即可</a:t>
+            </a:r>
+            <a:r>
               <a:rPr lang="zh-CN" altLang="en-US" sz="2000" dirty="0" smtClean="0">
                 <a:latin typeface="微软雅黑"/>
                 <a:ea typeface="Lantinghei SC Demibold" charset="-122"/>
                 <a:sym typeface="Gill Sans" charset="0"/>
               </a:rPr>
-              <a:t>在编辑器中创建项目目录</a:t>
-            </a:r>
-            <a:r>
-              <a:rPr lang="en-US" altLang="zh-CN" sz="2000" dirty="0" smtClean="0">
+              <a:t>启动</a:t>
+            </a:r>
+            <a:r>
+              <a:rPr lang="en-US" altLang="zh-CN" sz="2000" dirty="0" err="1" smtClean="0">
                 <a:latin typeface="微软雅黑"/>
                 <a:ea typeface="Lantinghei SC Demibold" charset="-122"/>
                 <a:sym typeface="Gill Sans" charset="0"/>
               </a:rPr>
-              <a:t>:</a:t>
-            </a:r>
-          </a:p>
-          <a:p>
-            <a:pPr algn="just" fontAlgn="base">
-              <a:lnSpc>
-                <a:spcPct val="175000"/>
-              </a:lnSpc>
-              <a:spcBef>
-                <a:spcPct val="0"/>
-              </a:spcBef>
-              <a:spcAft>
-                <a:spcPct val="0"/>
-              </a:spcAft>
-            </a:pPr>
-            <a:r>
-              <a:rPr lang="en-US" altLang="zh-CN" sz="2000" dirty="0">
+              <a:t>WebStrom</a:t>
+            </a:r>
+            <a:r>
+              <a:rPr lang="zh-CN" altLang="en-US" sz="2000" dirty="0" smtClean="0">
                 <a:latin typeface="微软雅黑"/>
                 <a:ea typeface="Lantinghei SC Demibold" charset="-122"/>
                 <a:sym typeface="Gill Sans" charset="0"/>
               </a:rPr>
-              <a:t>	</a:t>
-            </a:r>
-            <a:r>
-              <a:rPr lang="zh-CN" altLang="en-US" sz="2000" dirty="0" smtClean="0">
-                <a:latin typeface="微软雅黑"/>
-                <a:ea typeface="Lantinghei SC Demibold" charset="-122"/>
-                <a:sym typeface="Gill Sans" charset="0"/>
-              </a:rPr>
-              <a:t>创建网站根目录文件夹</a:t>
-            </a:r>
-            <a:r>
-              <a:rPr lang="en-US" altLang="zh-CN" sz="2000" dirty="0" smtClean="0">
-                <a:latin typeface="微软雅黑"/>
-                <a:ea typeface="Lantinghei SC Demibold" charset="-122"/>
-                <a:sym typeface="Gill Sans" charset="0"/>
-              </a:rPr>
-              <a:t>,</a:t>
-            </a:r>
-            <a:r>
-              <a:rPr lang="zh-CN" altLang="en-US" sz="2000" dirty="0" smtClean="0">
-                <a:latin typeface="微软雅黑"/>
-                <a:ea typeface="Lantinghei SC Demibold" charset="-122"/>
-                <a:sym typeface="Gill Sans" charset="0"/>
-              </a:rPr>
-              <a:t>目录文件夹名称为</a:t>
-            </a:r>
-            <a:r>
-              <a:rPr lang="en-US" altLang="zh-CN" sz="2000" dirty="0">
-                <a:latin typeface="微软雅黑"/>
-                <a:ea typeface="Lantinghei SC Demibold" charset="-122"/>
-                <a:sym typeface="Gill Sans" charset="0"/>
-              </a:rPr>
-              <a:t>: </a:t>
-            </a:r>
-            <a:r>
-              <a:rPr lang="en-US" altLang="zh-CN" sz="2000" dirty="0" err="1" smtClean="0">
-                <a:latin typeface="微软雅黑"/>
-                <a:ea typeface="Lantinghei SC Demibold" charset="-122"/>
-                <a:sym typeface="Gill Sans" charset="0"/>
-              </a:rPr>
-              <a:t>PersonalBlog</a:t>
-            </a:r>
-            <a:endParaRPr lang="en-US" altLang="zh-CN" sz="2000" dirty="0">
-              <a:latin typeface="微软雅黑"/>
-              <a:ea typeface="Lantinghei SC Demibold" charset="-122"/>
-              <a:sym typeface="Gill Sans" charset="0"/>
-            </a:endParaRPr>
-          </a:p>
-          <a:p>
-            <a:pPr algn="just" fontAlgn="base">
-              <a:lnSpc>
-                <a:spcPct val="175000"/>
-              </a:lnSpc>
-              <a:spcBef>
-                <a:spcPct val="0"/>
-              </a:spcBef>
-              <a:spcAft>
-                <a:spcPct val="0"/>
-              </a:spcAft>
-            </a:pPr>
-            <a:r>
-              <a:rPr lang="en-US" altLang="zh-CN" sz="2000" dirty="0" smtClean="0">
-                <a:latin typeface="微软雅黑"/>
-                <a:ea typeface="Lantinghei SC Demibold" charset="-122"/>
-                <a:sym typeface="Gill Sans" charset="0"/>
-              </a:rPr>
-              <a:t>	</a:t>
-            </a:r>
-            <a:r>
-              <a:rPr lang="zh-CN" altLang="en-US" sz="2000" dirty="0" smtClean="0">
-                <a:latin typeface="微软雅黑"/>
-                <a:ea typeface="Lantinghei SC Demibold" charset="-122"/>
-                <a:sym typeface="Gill Sans" charset="0"/>
-              </a:rPr>
-              <a:t>在根目录下创建</a:t>
-            </a:r>
-            <a:r>
-              <a:rPr lang="en-US" altLang="zh-CN" sz="2000" dirty="0" smtClean="0">
-                <a:latin typeface="微软雅黑"/>
-                <a:ea typeface="Lantinghei SC Demibold" charset="-122"/>
-                <a:sym typeface="Gill Sans" charset="0"/>
-              </a:rPr>
-              <a:t>image</a:t>
-            </a:r>
-            <a:r>
-              <a:rPr lang="zh-CN" altLang="en-US" sz="2000" dirty="0" smtClean="0">
-                <a:latin typeface="微软雅黑"/>
-                <a:ea typeface="Lantinghei SC Demibold" charset="-122"/>
-                <a:sym typeface="Gill Sans" charset="0"/>
-              </a:rPr>
-              <a:t>文件夹</a:t>
-            </a:r>
-            <a:endParaRPr lang="en-US" altLang="zh-CN" sz="2000" dirty="0" smtClean="0">
-              <a:latin typeface="微软雅黑"/>
-              <a:ea typeface="Lantinghei SC Demibold" charset="-122"/>
-              <a:sym typeface="Gill Sans" charset="0"/>
-            </a:endParaRPr>
-          </a:p>
-          <a:p>
-            <a:pPr algn="just" fontAlgn="base">
-              <a:lnSpc>
-                <a:spcPct val="175000"/>
-              </a:lnSpc>
-              <a:spcBef>
-                <a:spcPct val="0"/>
-              </a:spcBef>
-              <a:spcAft>
-                <a:spcPct val="0"/>
-              </a:spcAft>
-            </a:pPr>
-            <a:r>
-              <a:rPr lang="en-US" altLang="zh-CN" sz="2000" dirty="0">
-                <a:latin typeface="微软雅黑"/>
-                <a:ea typeface="Lantinghei SC Demibold" charset="-122"/>
-                <a:sym typeface="Gill Sans" charset="0"/>
-              </a:rPr>
-              <a:t>	</a:t>
-            </a:r>
-            <a:r>
-              <a:rPr lang="zh-CN" altLang="en-US" sz="2000" dirty="0" smtClean="0">
-                <a:latin typeface="微软雅黑"/>
-                <a:ea typeface="Lantinghei SC Demibold" charset="-122"/>
-                <a:sym typeface="Gill Sans" charset="0"/>
-              </a:rPr>
-              <a:t>在根目录下创建</a:t>
-            </a:r>
-            <a:r>
-              <a:rPr lang="en-US" altLang="zh-CN" sz="2000" dirty="0" err="1" smtClean="0">
-                <a:latin typeface="微软雅黑"/>
-                <a:ea typeface="Lantinghei SC Demibold" charset="-122"/>
-                <a:sym typeface="Gill Sans" charset="0"/>
-              </a:rPr>
-              <a:t>css</a:t>
-            </a:r>
-            <a:r>
-              <a:rPr lang="zh-CN" altLang="en-US" sz="2000" dirty="0" smtClean="0">
-                <a:latin typeface="微软雅黑"/>
-                <a:ea typeface="Lantinghei SC Demibold" charset="-122"/>
-                <a:sym typeface="Gill Sans" charset="0"/>
-              </a:rPr>
-              <a:t>文件夹</a:t>
-            </a:r>
-            <a:endParaRPr lang="en-US" altLang="zh-CN" sz="2000" dirty="0" smtClean="0">
-              <a:latin typeface="微软雅黑"/>
-              <a:ea typeface="Lantinghei SC Demibold" charset="-122"/>
-              <a:sym typeface="Gill Sans" charset="0"/>
-            </a:endParaRPr>
-          </a:p>
-          <a:p>
-            <a:pPr algn="just" fontAlgn="base">
-              <a:lnSpc>
-                <a:spcPct val="175000"/>
-              </a:lnSpc>
-              <a:spcBef>
-                <a:spcPct val="0"/>
-              </a:spcBef>
-              <a:spcAft>
-                <a:spcPct val="0"/>
-              </a:spcAft>
-            </a:pPr>
-            <a:r>
-              <a:rPr lang="en-US" altLang="zh-CN" sz="2000" dirty="0">
-                <a:latin typeface="微软雅黑"/>
-                <a:ea typeface="Lantinghei SC Demibold" charset="-122"/>
-                <a:sym typeface="Gill Sans" charset="0"/>
-              </a:rPr>
-              <a:t>	</a:t>
-            </a:r>
-            <a:r>
-              <a:rPr lang="zh-CN" altLang="en-US" sz="2000" dirty="0" smtClean="0">
-                <a:latin typeface="微软雅黑"/>
-                <a:ea typeface="Lantinghei SC Demibold" charset="-122"/>
-                <a:sym typeface="Gill Sans" charset="0"/>
-              </a:rPr>
-              <a:t>在根目录下创建</a:t>
-            </a:r>
-            <a:r>
-              <a:rPr lang="en-US" altLang="zh-CN" sz="2000" dirty="0" err="1" smtClean="0">
-                <a:latin typeface="微软雅黑"/>
-                <a:ea typeface="Lantinghei SC Demibold" charset="-122"/>
-                <a:sym typeface="Gill Sans" charset="0"/>
-              </a:rPr>
-              <a:t>js</a:t>
-            </a:r>
-            <a:r>
-              <a:rPr lang="zh-CN" altLang="en-US" sz="2000" dirty="0" smtClean="0">
-                <a:latin typeface="微软雅黑"/>
-                <a:ea typeface="Lantinghei SC Demibold" charset="-122"/>
-                <a:sym typeface="Gill Sans" charset="0"/>
-              </a:rPr>
-              <a:t>文件夹</a:t>
-            </a:r>
-            <a:endParaRPr lang="en-US" altLang="zh-CN" sz="2000" dirty="0" smtClean="0">
-              <a:latin typeface="微软雅黑"/>
-              <a:ea typeface="Lantinghei SC Demibold" charset="-122"/>
-              <a:sym typeface="Gill Sans" charset="0"/>
-            </a:endParaRPr>
-          </a:p>
-          <a:p>
-            <a:pPr algn="just" fontAlgn="base">
-              <a:lnSpc>
-                <a:spcPct val="175000"/>
-              </a:lnSpc>
-              <a:spcBef>
-                <a:spcPct val="0"/>
-              </a:spcBef>
-              <a:spcAft>
-                <a:spcPct val="0"/>
-              </a:spcAft>
-            </a:pPr>
-            <a:r>
-              <a:rPr lang="en-US" altLang="zh-CN" sz="2000" dirty="0">
-                <a:latin typeface="微软雅黑"/>
-                <a:ea typeface="Lantinghei SC Demibold" charset="-122"/>
-                <a:sym typeface="Gill Sans" charset="0"/>
-              </a:rPr>
-              <a:t>	</a:t>
-            </a:r>
-            <a:r>
-              <a:rPr lang="zh-CN" altLang="en-US" sz="2000" dirty="0" smtClean="0">
-                <a:latin typeface="微软雅黑"/>
-                <a:ea typeface="Lantinghei SC Demibold" charset="-122"/>
-                <a:sym typeface="Gill Sans" charset="0"/>
-              </a:rPr>
-              <a:t>在根目录下创建首页文件</a:t>
-            </a:r>
-            <a:r>
-              <a:rPr lang="en-US" altLang="zh-CN" sz="2000" dirty="0" smtClean="0">
-                <a:latin typeface="微软雅黑"/>
-                <a:ea typeface="Lantinghei SC Demibold" charset="-122"/>
-                <a:sym typeface="Gill Sans" charset="0"/>
-              </a:rPr>
-              <a:t>(index.html)</a:t>
+              <a:t>；</a:t>
             </a:r>
             <a:endParaRPr lang="en-US" altLang="zh-CN" sz="2000" dirty="0">
               <a:latin typeface="微软雅黑"/>
@@ -11506,7 +11193,7 @@
       </p:pic>
       <p:pic>
         <p:nvPicPr>
-          <p:cNvPr id="2" name="图片 1"/>
+          <p:cNvPr id="10" name="图片 9"/>
           <p:cNvPicPr>
             <a:picLocks noChangeAspect="1"/>
           </p:cNvPicPr>
@@ -11520,101 +11207,8 @@
         </p:blipFill>
         <p:spPr>
           <a:xfrm>
-            <a:off x="470889" y="4286212"/>
-            <a:ext cx="4230104" cy="2378272"/>
-          </a:xfrm>
-          <a:prstGeom prst="rect">
-            <a:avLst/>
-          </a:prstGeom>
-        </p:spPr>
-      </p:pic>
-      <p:cxnSp>
-        <p:nvCxnSpPr>
-          <p:cNvPr id="9" name="直接箭头连接符 8">
-            <a:extLst>
-              <a:ext uri="{FF2B5EF4-FFF2-40B4-BE49-F238E27FC236}">
-                <a16:creationId xmlns="" xmlns:a16="http://schemas.microsoft.com/office/drawing/2014/main" id="{50B2E1F5-C20D-4D9B-AADF-70497CF4079B}"/>
-              </a:ext>
-            </a:extLst>
-          </p:cNvPr>
-          <p:cNvCxnSpPr/>
-          <p:nvPr/>
-        </p:nvCxnSpPr>
-        <p:spPr>
-          <a:xfrm>
-            <a:off x="5034656" y="5340762"/>
-            <a:ext cx="1586753" cy="0"/>
-          </a:xfrm>
-          <a:prstGeom prst="straightConnector1">
-            <a:avLst/>
-          </a:prstGeom>
-          <a:ln w="76200">
-            <a:tailEnd type="triangle"/>
-          </a:ln>
-        </p:spPr>
-        <p:style>
-          <a:lnRef idx="1">
-            <a:schemeClr val="accent1"/>
-          </a:lnRef>
-          <a:fillRef idx="0">
-            <a:schemeClr val="accent1"/>
-          </a:fillRef>
-          <a:effectRef idx="0">
-            <a:schemeClr val="accent1"/>
-          </a:effectRef>
-          <a:fontRef idx="minor">
-            <a:schemeClr val="tx1"/>
-          </a:fontRef>
-        </p:style>
-      </p:cxnSp>
-      <p:sp>
-        <p:nvSpPr>
-          <p:cNvPr id="4" name="文本框 3"/>
-          <p:cNvSpPr txBox="1"/>
-          <p:nvPr/>
-        </p:nvSpPr>
-        <p:spPr>
-          <a:xfrm>
-            <a:off x="5005304" y="4824469"/>
-            <a:ext cx="1578280" cy="369332"/>
-          </a:xfrm>
-          <a:prstGeom prst="rect">
-            <a:avLst/>
-          </a:prstGeom>
-          <a:noFill/>
-        </p:spPr>
-        <p:txBody>
-          <a:bodyPr wrap="square" rtlCol="0">
-            <a:spAutoFit/>
-          </a:bodyPr>
-          <a:lstStyle/>
-          <a:p>
-            <a:r>
-              <a:rPr lang="zh-CN" altLang="en-US" dirty="0" smtClean="0"/>
-              <a:t>目录创建之后</a:t>
-            </a:r>
-            <a:endParaRPr lang="zh-CN" altLang="en-US" dirty="0"/>
-          </a:p>
-        </p:txBody>
-      </p:sp>
-      <p:pic>
-        <p:nvPicPr>
-          <p:cNvPr id="5" name="图片 4"/>
-          <p:cNvPicPr>
-            <a:picLocks noChangeAspect="1"/>
-          </p:cNvPicPr>
-          <p:nvPr/>
-        </p:nvPicPr>
-        <p:blipFill>
-          <a:blip r:embed="rId5"/>
-          <a:stretch>
-            <a:fillRect/>
-          </a:stretch>
-        </p:blipFill>
-        <p:spPr>
-          <a:xfrm>
-            <a:off x="7166796" y="4275328"/>
-            <a:ext cx="4268819" cy="2400039"/>
+            <a:off x="1779912" y="1977435"/>
+            <a:ext cx="7858919" cy="4418484"/>
           </a:xfrm>
           <a:prstGeom prst="rect">
             <a:avLst/>
@@ -11624,7 +11218,7 @@
     </p:spTree>
     <p:extLst>
       <p:ext uri="{BB962C8B-B14F-4D97-AF65-F5344CB8AC3E}">
-        <p14:creationId xmlns:p14="http://schemas.microsoft.com/office/powerpoint/2010/main" val="639584277"/>
+        <p14:creationId xmlns:p14="http://schemas.microsoft.com/office/powerpoint/2010/main" val="356203381"/>
       </p:ext>
     </p:extLst>
   </p:cSld>
@@ -11853,8 +11447,8 @@
         </p:nvSpPr>
         <p:spPr>
           <a:xfrm>
-            <a:off x="676105" y="1269273"/>
-            <a:ext cx="10759510" cy="2246769"/>
+            <a:off x="604682" y="937220"/>
+            <a:ext cx="10759510" cy="3323987"/>
           </a:xfrm>
           <a:prstGeom prst="rect">
             <a:avLst/>
@@ -11879,20 +11473,12 @@
               </a:spcAft>
             </a:pPr>
             <a:r>
-              <a:rPr lang="zh-CN" altLang="en-US" sz="2000" dirty="0">
+              <a:rPr lang="zh-CN" altLang="en-US" sz="2000" dirty="0" smtClean="0">
                 <a:latin typeface="微软雅黑"/>
                 <a:ea typeface="Lantinghei SC Demibold" charset="-122"/>
                 <a:sym typeface="Gill Sans" charset="0"/>
               </a:rPr>
-              <a:t>导</a:t>
-            </a:r>
-            <a:r>
-              <a:rPr lang="zh-CN" altLang="en-US" sz="2000" dirty="0" smtClean="0">
-                <a:latin typeface="微软雅黑"/>
-                <a:ea typeface="Lantinghei SC Demibold" charset="-122"/>
-                <a:sym typeface="Gill Sans" charset="0"/>
-              </a:rPr>
-              <a:t>入项目所需文件和图片素材</a:t>
+              <a:t>在编辑器中创建项目目录</a:t>
             </a:r>
             <a:r>
               <a:rPr lang="en-US" altLang="zh-CN" sz="2000" dirty="0" smtClean="0">
@@ -11929,7 +11515,31 @@
                 <a:ea typeface="Lantinghei SC Demibold" charset="-122"/>
                 <a:sym typeface="Gill Sans" charset="0"/>
               </a:rPr>
-              <a:t>在 </a:t>
+              <a:t>创建网站根目录文件夹</a:t>
+            </a:r>
+            <a:r>
+              <a:rPr lang="en-US" altLang="zh-CN" sz="2000" dirty="0" smtClean="0">
+                <a:latin typeface="微软雅黑"/>
+                <a:ea typeface="Lantinghei SC Demibold" charset="-122"/>
+                <a:sym typeface="Gill Sans" charset="0"/>
+              </a:rPr>
+              <a:t>,</a:t>
+            </a:r>
+            <a:r>
+              <a:rPr lang="zh-CN" altLang="en-US" sz="2000" dirty="0" smtClean="0">
+                <a:latin typeface="微软雅黑"/>
+                <a:ea typeface="Lantinghei SC Demibold" charset="-122"/>
+                <a:sym typeface="Gill Sans" charset="0"/>
+              </a:rPr>
+              <a:t>目录文件夹名称为</a:t>
+            </a:r>
+            <a:r>
+              <a:rPr lang="en-US" altLang="zh-CN" sz="2000" dirty="0">
+                <a:latin typeface="微软雅黑"/>
+                <a:ea typeface="Lantinghei SC Demibold" charset="-122"/>
+                <a:sym typeface="Gill Sans" charset="0"/>
+              </a:rPr>
+              <a:t>: </a:t>
             </a:r>
             <a:r>
               <a:rPr lang="en-US" altLang="zh-CN" sz="2000" dirty="0" err="1" smtClean="0">
@@ -11937,33 +11547,9 @@
                 <a:ea typeface="Lantinghei SC Demibold" charset="-122"/>
                 <a:sym typeface="Gill Sans" charset="0"/>
               </a:rPr>
-              <a:t>css</a:t>
-            </a:r>
-            <a:r>
-              <a:rPr lang="zh-CN" altLang="en-US" sz="2000" dirty="0" smtClean="0">
-                <a:latin typeface="微软雅黑"/>
-                <a:ea typeface="Lantinghei SC Demibold" charset="-122"/>
-                <a:sym typeface="Gill Sans" charset="0"/>
-              </a:rPr>
-              <a:t>文件夹内创建</a:t>
-            </a:r>
-            <a:r>
-              <a:rPr lang="en-US" altLang="zh-CN" sz="2000" dirty="0" smtClean="0">
-                <a:latin typeface="微软雅黑"/>
-                <a:ea typeface="Lantinghei SC Demibold" charset="-122"/>
-                <a:sym typeface="Gill Sans" charset="0"/>
-              </a:rPr>
-              <a:t>index.css</a:t>
-            </a:r>
-            <a:r>
-              <a:rPr lang="zh-CN" altLang="en-US" sz="2000" dirty="0" smtClean="0">
-                <a:latin typeface="微软雅黑"/>
-                <a:ea typeface="Lantinghei SC Demibold" charset="-122"/>
-                <a:sym typeface="Gill Sans" charset="0"/>
-              </a:rPr>
-              <a:t>文件</a:t>
-            </a:r>
-            <a:endParaRPr lang="en-US" altLang="zh-CN" sz="2000" dirty="0" smtClean="0">
+              <a:t>PersonalBlog</a:t>
+            </a:r>
+            <a:endParaRPr lang="en-US" altLang="zh-CN" sz="2000" dirty="0">
               <a:latin typeface="微软雅黑"/>
               <a:ea typeface="Lantinghei SC Demibold" charset="-122"/>
               <a:sym typeface="Gill Sans" charset="0"/>
@@ -11982,7 +11568,7 @@
               </a:spcAft>
             </a:pPr>
             <a:r>
-              <a:rPr lang="en-US" altLang="zh-CN" sz="2000" dirty="0">
+              <a:rPr lang="en-US" altLang="zh-CN" sz="2000" dirty="0" smtClean="0">
                 <a:latin typeface="微软雅黑"/>
                 <a:ea typeface="Lantinghei SC Demibold" charset="-122"/>
                 <a:sym typeface="Gill Sans" charset="0"/>
@@ -11995,7 +11581,7 @@
                 <a:ea typeface="Lantinghei SC Demibold" charset="-122"/>
                 <a:sym typeface="Gill Sans" charset="0"/>
               </a:rPr>
-              <a:t>在 </a:t>
+              <a:t>在根目录下创建</a:t>
             </a:r>
             <a:r>
               <a:rPr lang="en-US" altLang="zh-CN" sz="2000" dirty="0" smtClean="0">
@@ -12011,7 +11597,7 @@
                 <a:ea typeface="Lantinghei SC Demibold" charset="-122"/>
                 <a:sym typeface="Gill Sans" charset="0"/>
               </a:rPr>
-              <a:t>文件夹内导入图片素材</a:t>
+              <a:t>文件夹</a:t>
             </a:r>
             <a:endParaRPr lang="en-US" altLang="zh-CN" sz="2000" dirty="0" smtClean="0">
               <a:latin typeface="微软雅黑"/>
@@ -12045,15 +11631,57 @@
                 <a:ea typeface="Lantinghei SC Demibold" charset="-122"/>
                 <a:sym typeface="Gill Sans" charset="0"/>
               </a:rPr>
-              <a:t>在</a:t>
-            </a:r>
+              <a:t>在根目录下创建</a:t>
+            </a:r>
+            <a:r>
+              <a:rPr lang="en-US" altLang="zh-CN" sz="2000" dirty="0" err="1" smtClean="0">
+                <a:latin typeface="微软雅黑"/>
+                <a:ea typeface="Lantinghei SC Demibold" charset="-122"/>
+                <a:sym typeface="Gill Sans" charset="0"/>
+              </a:rPr>
+              <a:t>css</a:t>
+            </a:r>
+            <a:r>
+              <a:rPr lang="zh-CN" altLang="en-US" sz="2000" dirty="0" smtClean="0">
+                <a:latin typeface="微软雅黑"/>
+                <a:ea typeface="Lantinghei SC Demibold" charset="-122"/>
+                <a:sym typeface="Gill Sans" charset="0"/>
+              </a:rPr>
+              <a:t>文件夹</a:t>
+            </a:r>
+            <a:endParaRPr lang="en-US" altLang="zh-CN" sz="2000" dirty="0" smtClean="0">
+              <a:latin typeface="微软雅黑"/>
+              <a:ea typeface="Lantinghei SC Demibold" charset="-122"/>
+              <a:sym typeface="Gill Sans" charset="0"/>
+            </a:endParaRPr>
+          </a:p>
+          <a:p>
+            <a:pPr algn="just" fontAlgn="base">
+              <a:lnSpc>
+                <a:spcPct val="175000"/>
+              </a:lnSpc>
+              <a:spcBef>
+                <a:spcPct val="0"/>
+              </a:spcBef>
+              <a:spcAft>
+                <a:spcPct val="0"/>
+              </a:spcAft>
+            </a:pPr>
             <a:r>
               <a:rPr lang="en-US" altLang="zh-CN" sz="2000" dirty="0">
                 <a:latin typeface="微软雅黑"/>
                 <a:ea typeface="Lantinghei SC Demibold" charset="-122"/>
                 <a:sym typeface="Gill Sans" charset="0"/>
               </a:rPr>
-              <a:t> </a:t>
+              <a:t>	</a:t>
+            </a:r>
+            <a:r>
+              <a:rPr lang="zh-CN" altLang="en-US" sz="2000" dirty="0" smtClean="0">
+                <a:latin typeface="微软雅黑"/>
+                <a:ea typeface="Lantinghei SC Demibold" charset="-122"/>
+                <a:sym typeface="Gill Sans" charset="0"/>
+              </a:rPr>
+              <a:t>在根目录下创建</a:t>
             </a:r>
             <a:r>
               <a:rPr lang="en-US" altLang="zh-CN" sz="2000" dirty="0" err="1" smtClean="0">
@@ -12069,15 +11697,33 @@
                 <a:ea typeface="Lantinghei SC Demibold" charset="-122"/>
                 <a:sym typeface="Gill Sans" charset="0"/>
               </a:rPr>
-              <a:t>文件夹内导入</a:t>
-            </a:r>
-            <a:r>
-              <a:rPr lang="en-US" altLang="zh-CN" sz="2000" dirty="0" err="1" smtClean="0">
+              <a:t>文件夹</a:t>
+            </a:r>
+            <a:endParaRPr lang="en-US" altLang="zh-CN" sz="2000" dirty="0" smtClean="0">
+              <a:latin typeface="微软雅黑"/>
+              <a:ea typeface="Lantinghei SC Demibold" charset="-122"/>
+              <a:sym typeface="Gill Sans" charset="0"/>
+            </a:endParaRPr>
+          </a:p>
+          <a:p>
+            <a:pPr algn="just" fontAlgn="base">
+              <a:lnSpc>
+                <a:spcPct val="175000"/>
+              </a:lnSpc>
+              <a:spcBef>
+                <a:spcPct val="0"/>
+              </a:spcBef>
+              <a:spcAft>
+                <a:spcPct val="0"/>
+              </a:spcAft>
+            </a:pPr>
+            <a:r>
+              <a:rPr lang="en-US" altLang="zh-CN" sz="2000" dirty="0">
                 <a:latin typeface="微软雅黑"/>
                 <a:ea typeface="Lantinghei SC Demibold" charset="-122"/>
                 <a:sym typeface="Gill Sans" charset="0"/>
               </a:rPr>
-              <a:t>jquery</a:t>
+              <a:t>	</a:t>
             </a:r>
             <a:r>
               <a:rPr lang="zh-CN" altLang="en-US" sz="2000" dirty="0" smtClean="0">
@@ -12085,9 +11731,17 @@
                 <a:ea typeface="Lantinghei SC Demibold" charset="-122"/>
                 <a:sym typeface="Gill Sans" charset="0"/>
               </a:rPr>
-              <a:t>文件</a:t>
-            </a:r>
-            <a:endParaRPr lang="en-US" altLang="zh-CN" sz="2000" dirty="0" smtClean="0">
+              <a:t>在根目录下创建首页文件</a:t>
+            </a:r>
+            <a:r>
+              <a:rPr lang="en-US" altLang="zh-CN" sz="2000" dirty="0" smtClean="0">
+                <a:latin typeface="微软雅黑"/>
+                <a:ea typeface="Lantinghei SC Demibold" charset="-122"/>
+                <a:sym typeface="Gill Sans" charset="0"/>
+              </a:rPr>
+              <a:t>(index.html)</a:t>
+            </a:r>
+            <a:endParaRPr lang="en-US" altLang="zh-CN" sz="2000" dirty="0">
               <a:latin typeface="微软雅黑"/>
               <a:ea typeface="Lantinghei SC Demibold" charset="-122"/>
               <a:sym typeface="Gill Sans" charset="0"/>
@@ -12125,78 +11779,9 @@
           </a:prstGeom>
         </p:spPr>
       </p:pic>
-      <p:cxnSp>
-        <p:nvCxnSpPr>
-          <p:cNvPr id="9" name="直接箭头连接符 8">
-            <a:extLst>
-              <a:ext uri="{FF2B5EF4-FFF2-40B4-BE49-F238E27FC236}">
-                <a16:creationId xmlns="" xmlns:a16="http://schemas.microsoft.com/office/drawing/2014/main" id="{50B2E1F5-C20D-4D9B-AADF-70497CF4079B}"/>
-              </a:ext>
-            </a:extLst>
-          </p:cNvPr>
-          <p:cNvCxnSpPr/>
-          <p:nvPr/>
-        </p:nvCxnSpPr>
-        <p:spPr>
-          <a:xfrm>
-            <a:off x="5034656" y="5340762"/>
-            <a:ext cx="1586753" cy="0"/>
-          </a:xfrm>
-          <a:prstGeom prst="straightConnector1">
-            <a:avLst/>
-          </a:prstGeom>
-          <a:ln w="76200">
-            <a:tailEnd type="triangle"/>
-          </a:ln>
-        </p:spPr>
-        <p:style>
-          <a:lnRef idx="1">
-            <a:schemeClr val="accent1"/>
-          </a:lnRef>
-          <a:fillRef idx="0">
-            <a:schemeClr val="accent1"/>
-          </a:fillRef>
-          <a:effectRef idx="0">
-            <a:schemeClr val="accent1"/>
-          </a:effectRef>
-          <a:fontRef idx="minor">
-            <a:schemeClr val="tx1"/>
-          </a:fontRef>
-        </p:style>
-      </p:cxnSp>
-      <p:sp>
-        <p:nvSpPr>
-          <p:cNvPr id="4" name="文本框 3"/>
-          <p:cNvSpPr txBox="1"/>
-          <p:nvPr/>
-        </p:nvSpPr>
-        <p:spPr>
-          <a:xfrm>
-            <a:off x="5005304" y="4824469"/>
-            <a:ext cx="1578280" cy="369332"/>
-          </a:xfrm>
-          <a:prstGeom prst="rect">
-            <a:avLst/>
-          </a:prstGeom>
-          <a:noFill/>
-        </p:spPr>
-        <p:txBody>
-          <a:bodyPr wrap="square" rtlCol="0">
-            <a:spAutoFit/>
-          </a:bodyPr>
-          <a:lstStyle/>
-          <a:p>
-            <a:r>
-              <a:rPr lang="zh-CN" altLang="en-US" dirty="0" smtClean="0"/>
-              <a:t>目录创建之后</a:t>
-            </a:r>
-            <a:endParaRPr lang="zh-CN" altLang="en-US" dirty="0"/>
-          </a:p>
-        </p:txBody>
-      </p:sp>
       <p:pic>
         <p:nvPicPr>
-          <p:cNvPr id="5" name="图片 4"/>
+          <p:cNvPr id="2" name="图片 1"/>
           <p:cNvPicPr>
             <a:picLocks noChangeAspect="1"/>
           </p:cNvPicPr>
@@ -12210,17 +11795,86 @@
         </p:blipFill>
         <p:spPr>
           <a:xfrm>
-            <a:off x="451531" y="4145262"/>
-            <a:ext cx="4268819" cy="2400039"/>
+            <a:off x="470889" y="4286212"/>
+            <a:ext cx="4230104" cy="2378272"/>
           </a:xfrm>
           <a:prstGeom prst="rect">
             <a:avLst/>
           </a:prstGeom>
         </p:spPr>
       </p:pic>
+      <p:cxnSp>
+        <p:nvCxnSpPr>
+          <p:cNvPr id="9" name="直接箭头连接符 8">
+            <a:extLst>
+              <a:ext uri="{FF2B5EF4-FFF2-40B4-BE49-F238E27FC236}">
+                <a16:creationId xmlns:a16="http://schemas.microsoft.com/office/drawing/2014/main" xmlns="" id="{50B2E1F5-C20D-4D9B-AADF-70497CF4079B}"/>
+              </a:ext>
+            </a:extLst>
+          </p:cNvPr>
+          <p:cNvCxnSpPr/>
+          <p:nvPr/>
+        </p:nvCxnSpPr>
+        <p:spPr>
+          <a:xfrm>
+            <a:off x="5034656" y="5340762"/>
+            <a:ext cx="1586753" cy="0"/>
+          </a:xfrm>
+          <a:prstGeom prst="straightConnector1">
+            <a:avLst/>
+          </a:prstGeom>
+          <a:ln w="76200">
+            <a:tailEnd type="triangle"/>
+          </a:ln>
+        </p:spPr>
+        <p:style>
+          <a:lnRef idx="1">
+            <a:schemeClr val="accent1"/>
+          </a:lnRef>
+          <a:fillRef idx="0">
+            <a:schemeClr val="accent1"/>
+          </a:fillRef>
+          <a:effectRef idx="0">
+            <a:schemeClr val="accent1"/>
+          </a:effectRef>
+          <a:fontRef idx="minor">
+            <a:schemeClr val="tx1"/>
+          </a:fontRef>
+        </p:style>
+      </p:cxnSp>
+      <p:sp>
+        <p:nvSpPr>
+          <p:cNvPr id="4" name="文本框 3"/>
+          <p:cNvSpPr txBox="1"/>
+          <p:nvPr/>
+        </p:nvSpPr>
+        <p:spPr>
+          <a:xfrm>
+            <a:off x="5005304" y="4824469"/>
+            <a:ext cx="1578280" cy="369332"/>
+          </a:xfrm>
+          <a:prstGeom prst="rect">
+            <a:avLst/>
+          </a:prstGeom>
+          <a:noFill/>
+        </p:spPr>
+        <p:txBody>
+          <a:bodyPr wrap="square" rtlCol="0">
+            <a:spAutoFit/>
+          </a:bodyPr>
+          <a:lstStyle/>
+          <a:p>
+            <a:r>
+              <a:rPr lang="zh-CN" altLang="en-US" dirty="0" smtClean="0"/>
+              <a:t>目录创建之后</a:t>
+            </a:r>
+            <a:endParaRPr lang="zh-CN" altLang="en-US" dirty="0"/>
+          </a:p>
+        </p:txBody>
+      </p:sp>
       <p:pic>
         <p:nvPicPr>
-          <p:cNvPr id="6" name="图片 5"/>
+          <p:cNvPr id="5" name="图片 4"/>
           <p:cNvPicPr>
             <a:picLocks noChangeAspect="1"/>
           </p:cNvPicPr>
@@ -12234,8 +11888,8 @@
         </p:blipFill>
         <p:spPr>
           <a:xfrm>
-            <a:off x="7606685" y="2135226"/>
-            <a:ext cx="3181350" cy="4410075"/>
+            <a:off x="7166796" y="4275328"/>
+            <a:ext cx="4268819" cy="2400039"/>
           </a:xfrm>
           <a:prstGeom prst="rect">
             <a:avLst/>
@@ -12245,7 +11899,7 @@
     </p:spTree>
     <p:extLst>
       <p:ext uri="{BB962C8B-B14F-4D97-AF65-F5344CB8AC3E}">
-        <p14:creationId xmlns:p14="http://schemas.microsoft.com/office/powerpoint/2010/main" val="1689473679"/>
+        <p14:creationId xmlns:p14="http://schemas.microsoft.com/office/powerpoint/2010/main" val="639584277"/>
       </p:ext>
     </p:extLst>
   </p:cSld>
@@ -12474,8 +12128,8 @@
         </p:nvSpPr>
         <p:spPr>
           <a:xfrm>
-            <a:off x="716245" y="1295184"/>
-            <a:ext cx="10759510" cy="1169551"/>
+            <a:off x="676105" y="1269273"/>
+            <a:ext cx="10759510" cy="2246769"/>
           </a:xfrm>
           <a:prstGeom prst="rect">
             <a:avLst/>
@@ -12505,13 +12159,24 @@
                 <a:ea typeface="Lantinghei SC Demibold" charset="-122"/>
                 <a:sym typeface="Gill Sans" charset="0"/>
               </a:rPr>
-              <a:t>在浏览器中访问：</a:t>
-            </a:r>
-            <a:endParaRPr lang="en-US" altLang="zh-CN" sz="2000" dirty="0">
-              <a:latin typeface="微软雅黑"/>
-              <a:ea typeface="Lantinghei SC Demibold" charset="-122"/>
-              <a:sym typeface="Gill Sans" charset="0"/>
-            </a:endParaRPr>
+              <a:t>导</a:t>
+            </a:r>
+            <a:r>
+              <a:rPr lang="zh-CN" altLang="en-US" sz="2000" dirty="0" smtClean="0">
+                <a:latin typeface="微软雅黑"/>
+                <a:ea typeface="Lantinghei SC Demibold" charset="-122"/>
+                <a:sym typeface="Gill Sans" charset="0"/>
+              </a:rPr>
+              <a:t>入项目所需文件和图片素材</a:t>
+            </a:r>
+            <a:r>
+              <a:rPr lang="en-US" altLang="zh-CN" sz="2000" dirty="0" smtClean="0">
+                <a:latin typeface="微软雅黑"/>
+                <a:ea typeface="Lantinghei SC Demibold" charset="-122"/>
+                <a:sym typeface="Gill Sans" charset="0"/>
+              </a:rPr>
+              <a:t>:</a:t>
+            </a:r>
           </a:p>
           <a:p>
             <a:pPr algn="just" fontAlgn="base">
@@ -12534,12 +12199,20 @@
               <a:t>	</a:t>
             </a:r>
             <a:r>
-              <a:rPr lang="zh-CN" altLang="en-US" sz="2000" dirty="0">
+              <a:rPr lang="zh-CN" altLang="en-US" sz="2000" dirty="0" smtClean="0">
                 <a:latin typeface="微软雅黑"/>
                 <a:ea typeface="Lantinghei SC Demibold" charset="-122"/>
                 <a:sym typeface="Gill Sans" charset="0"/>
               </a:rPr>
-              <a:t>此时，</a:t>
+              <a:t>在 </a:t>
+            </a:r>
+            <a:r>
+              <a:rPr lang="en-US" altLang="zh-CN" sz="2000" dirty="0" err="1" smtClean="0">
+                <a:latin typeface="微软雅黑"/>
+                <a:ea typeface="Lantinghei SC Demibold" charset="-122"/>
+                <a:sym typeface="Gill Sans" charset="0"/>
+              </a:rPr>
+              <a:t>css</a:t>
             </a:r>
             <a:r>
               <a:rPr lang="zh-CN" altLang="en-US" sz="2000" dirty="0" smtClean="0">
@@ -12547,15 +12220,15 @@
                 <a:ea typeface="Lantinghei SC Demibold" charset="-122"/>
                 <a:sym typeface="Gill Sans" charset="0"/>
               </a:rPr>
-              <a:t>我们</a:t>
-            </a:r>
-            <a:r>
-              <a:rPr lang="zh-CN" altLang="en-US" sz="2000" dirty="0">
+              <a:t>文件夹内创建</a:t>
+            </a:r>
+            <a:r>
+              <a:rPr lang="en-US" altLang="zh-CN" sz="2000" dirty="0" smtClean="0">
                 <a:latin typeface="微软雅黑"/>
                 <a:ea typeface="Lantinghei SC Demibold" charset="-122"/>
                 <a:sym typeface="Gill Sans" charset="0"/>
               </a:rPr>
-              <a:t>只需</a:t>
+              <a:t>index.css</a:t>
             </a:r>
             <a:r>
               <a:rPr lang="zh-CN" altLang="en-US" sz="2000" dirty="0" smtClean="0">
@@ -12563,7 +12236,41 @@
                 <a:ea typeface="Lantinghei SC Demibold" charset="-122"/>
                 <a:sym typeface="Gill Sans" charset="0"/>
               </a:rPr>
-              <a:t>要点击编辑器中编辑区域的小浏览器图标</a:t>
+              <a:t>文件</a:t>
+            </a:r>
+            <a:endParaRPr lang="en-US" altLang="zh-CN" sz="2000" dirty="0" smtClean="0">
+              <a:latin typeface="微软雅黑"/>
+              <a:ea typeface="Lantinghei SC Demibold" charset="-122"/>
+              <a:sym typeface="Gill Sans" charset="0"/>
+            </a:endParaRPr>
+          </a:p>
+          <a:p>
+            <a:pPr algn="just" fontAlgn="base">
+              <a:lnSpc>
+                <a:spcPct val="175000"/>
+              </a:lnSpc>
+              <a:spcBef>
+                <a:spcPct val="0"/>
+              </a:spcBef>
+              <a:spcAft>
+                <a:spcPct val="0"/>
+              </a:spcAft>
+            </a:pPr>
+            <a:r>
+              <a:rPr lang="en-US" altLang="zh-CN" sz="2000" dirty="0">
+                <a:latin typeface="微软雅黑"/>
+                <a:ea typeface="Lantinghei SC Demibold" charset="-122"/>
+                <a:sym typeface="Gill Sans" charset="0"/>
+              </a:rPr>
+              <a:t>	</a:t>
+            </a:r>
+            <a:r>
+              <a:rPr lang="zh-CN" altLang="en-US" sz="2000" dirty="0" smtClean="0">
+                <a:latin typeface="微软雅黑"/>
+                <a:ea typeface="Lantinghei SC Demibold" charset="-122"/>
+                <a:sym typeface="Gill Sans" charset="0"/>
+              </a:rPr>
+              <a:t>在 </a:t>
             </a:r>
             <a:r>
               <a:rPr lang="en-US" altLang="zh-CN" sz="2000" dirty="0" smtClean="0">
@@ -12571,7 +12278,7 @@
                 <a:ea typeface="Lantinghei SC Demibold" charset="-122"/>
                 <a:sym typeface="Gill Sans" charset="0"/>
               </a:rPr>
-              <a:t>,</a:t>
+              <a:t>image</a:t>
             </a:r>
             <a:r>
               <a:rPr lang="zh-CN" altLang="en-US" sz="2000" dirty="0" smtClean="0">
@@ -12579,15 +12286,33 @@
                 <a:ea typeface="Lantinghei SC Demibold" charset="-122"/>
                 <a:sym typeface="Gill Sans" charset="0"/>
               </a:rPr>
-              <a:t>即</a:t>
-            </a:r>
-            <a:r>
-              <a:rPr lang="zh-CN" altLang="en-US" sz="2000" dirty="0">
+              <a:t>文件夹内导入图片素材</a:t>
+            </a:r>
+            <a:endParaRPr lang="en-US" altLang="zh-CN" sz="2000" dirty="0" smtClean="0">
+              <a:latin typeface="微软雅黑"/>
+              <a:ea typeface="Lantinghei SC Demibold" charset="-122"/>
+              <a:sym typeface="Gill Sans" charset="0"/>
+            </a:endParaRPr>
+          </a:p>
+          <a:p>
+            <a:pPr algn="just" fontAlgn="base">
+              <a:lnSpc>
+                <a:spcPct val="175000"/>
+              </a:lnSpc>
+              <a:spcBef>
+                <a:spcPct val="0"/>
+              </a:spcBef>
+              <a:spcAft>
+                <a:spcPct val="0"/>
+              </a:spcAft>
+            </a:pPr>
+            <a:r>
+              <a:rPr lang="en-US" altLang="zh-CN" sz="2000" dirty="0">
                 <a:latin typeface="微软雅黑"/>
                 <a:ea typeface="Lantinghei SC Demibold" charset="-122"/>
                 <a:sym typeface="Gill Sans" charset="0"/>
               </a:rPr>
-              <a:t>可</a:t>
+              <a:t>	</a:t>
             </a:r>
             <a:r>
               <a:rPr lang="zh-CN" altLang="en-US" sz="2000" dirty="0" smtClean="0">
@@ -12595,17 +12320,49 @@
                 <a:ea typeface="Lantinghei SC Demibold" charset="-122"/>
                 <a:sym typeface="Gill Sans" charset="0"/>
               </a:rPr>
-              <a:t>打开当前</a:t>
-            </a:r>
-            <a:r>
-              <a:rPr lang="zh-CN" altLang="en-US" sz="2000" dirty="0">
+              <a:t>在</a:t>
+            </a:r>
+            <a:r>
+              <a:rPr lang="en-US" altLang="zh-CN" sz="2000" dirty="0">
                 <a:latin typeface="微软雅黑"/>
                 <a:ea typeface="Lantinghei SC Demibold" charset="-122"/>
                 <a:sym typeface="Gill Sans" charset="0"/>
               </a:rPr>
-              <a:t>页面</a:t>
-            </a:r>
-            <a:endParaRPr lang="en-US" altLang="zh-CN" sz="2000" dirty="0">
+              <a:t> </a:t>
+            </a:r>
+            <a:r>
+              <a:rPr lang="en-US" altLang="zh-CN" sz="2000" dirty="0" err="1" smtClean="0">
+                <a:latin typeface="微软雅黑"/>
+                <a:ea typeface="Lantinghei SC Demibold" charset="-122"/>
+                <a:sym typeface="Gill Sans" charset="0"/>
+              </a:rPr>
+              <a:t>js</a:t>
+            </a:r>
+            <a:r>
+              <a:rPr lang="zh-CN" altLang="en-US" sz="2000" dirty="0" smtClean="0">
+                <a:latin typeface="微软雅黑"/>
+                <a:ea typeface="Lantinghei SC Demibold" charset="-122"/>
+                <a:sym typeface="Gill Sans" charset="0"/>
+              </a:rPr>
+              <a:t>文件夹内导入</a:t>
+            </a:r>
+            <a:r>
+              <a:rPr lang="en-US" altLang="zh-CN" sz="2000" dirty="0" err="1" smtClean="0">
+                <a:latin typeface="微软雅黑"/>
+                <a:ea typeface="Lantinghei SC Demibold" charset="-122"/>
+                <a:sym typeface="Gill Sans" charset="0"/>
+              </a:rPr>
+              <a:t>jquery</a:t>
+            </a:r>
+            <a:r>
+              <a:rPr lang="zh-CN" altLang="en-US" sz="2000" dirty="0" smtClean="0">
+                <a:latin typeface="微软雅黑"/>
+                <a:ea typeface="Lantinghei SC Demibold" charset="-122"/>
+                <a:sym typeface="Gill Sans" charset="0"/>
+              </a:rPr>
+              <a:t>文件</a:t>
+            </a:r>
+            <a:endParaRPr lang="en-US" altLang="zh-CN" sz="2000" dirty="0" smtClean="0">
               <a:latin typeface="微软雅黑"/>
               <a:ea typeface="Lantinghei SC Demibold" charset="-122"/>
               <a:sym typeface="Gill Sans" charset="0"/>
@@ -12643,6 +12400,524 @@
           </a:prstGeom>
         </p:spPr>
       </p:pic>
+      <p:cxnSp>
+        <p:nvCxnSpPr>
+          <p:cNvPr id="9" name="直接箭头连接符 8">
+            <a:extLst>
+              <a:ext uri="{FF2B5EF4-FFF2-40B4-BE49-F238E27FC236}">
+                <a16:creationId xmlns:a16="http://schemas.microsoft.com/office/drawing/2014/main" xmlns="" id="{50B2E1F5-C20D-4D9B-AADF-70497CF4079B}"/>
+              </a:ext>
+            </a:extLst>
+          </p:cNvPr>
+          <p:cNvCxnSpPr/>
+          <p:nvPr/>
+        </p:nvCxnSpPr>
+        <p:spPr>
+          <a:xfrm>
+            <a:off x="5034656" y="5340762"/>
+            <a:ext cx="1586753" cy="0"/>
+          </a:xfrm>
+          <a:prstGeom prst="straightConnector1">
+            <a:avLst/>
+          </a:prstGeom>
+          <a:ln w="76200">
+            <a:tailEnd type="triangle"/>
+          </a:ln>
+        </p:spPr>
+        <p:style>
+          <a:lnRef idx="1">
+            <a:schemeClr val="accent1"/>
+          </a:lnRef>
+          <a:fillRef idx="0">
+            <a:schemeClr val="accent1"/>
+          </a:fillRef>
+          <a:effectRef idx="0">
+            <a:schemeClr val="accent1"/>
+          </a:effectRef>
+          <a:fontRef idx="minor">
+            <a:schemeClr val="tx1"/>
+          </a:fontRef>
+        </p:style>
+      </p:cxnSp>
+      <p:sp>
+        <p:nvSpPr>
+          <p:cNvPr id="4" name="文本框 3"/>
+          <p:cNvSpPr txBox="1"/>
+          <p:nvPr/>
+        </p:nvSpPr>
+        <p:spPr>
+          <a:xfrm>
+            <a:off x="5005304" y="4824469"/>
+            <a:ext cx="1578280" cy="369332"/>
+          </a:xfrm>
+          <a:prstGeom prst="rect">
+            <a:avLst/>
+          </a:prstGeom>
+          <a:noFill/>
+        </p:spPr>
+        <p:txBody>
+          <a:bodyPr wrap="square" rtlCol="0">
+            <a:spAutoFit/>
+          </a:bodyPr>
+          <a:lstStyle/>
+          <a:p>
+            <a:r>
+              <a:rPr lang="zh-CN" altLang="en-US" dirty="0" smtClean="0"/>
+              <a:t>目录创建之后</a:t>
+            </a:r>
+            <a:endParaRPr lang="zh-CN" altLang="en-US" dirty="0"/>
+          </a:p>
+        </p:txBody>
+      </p:sp>
+      <p:pic>
+        <p:nvPicPr>
+          <p:cNvPr id="5" name="图片 4"/>
+          <p:cNvPicPr>
+            <a:picLocks noChangeAspect="1"/>
+          </p:cNvPicPr>
+          <p:nvPr/>
+        </p:nvPicPr>
+        <p:blipFill>
+          <a:blip r:embed="rId4"/>
+          <a:stretch>
+            <a:fillRect/>
+          </a:stretch>
+        </p:blipFill>
+        <p:spPr>
+          <a:xfrm>
+            <a:off x="451531" y="4145262"/>
+            <a:ext cx="4268819" cy="2400039"/>
+          </a:xfrm>
+          <a:prstGeom prst="rect">
+            <a:avLst/>
+          </a:prstGeom>
+        </p:spPr>
+      </p:pic>
+      <p:pic>
+        <p:nvPicPr>
+          <p:cNvPr id="6" name="图片 5"/>
+          <p:cNvPicPr>
+            <a:picLocks noChangeAspect="1"/>
+          </p:cNvPicPr>
+          <p:nvPr/>
+        </p:nvPicPr>
+        <p:blipFill>
+          <a:blip r:embed="rId5"/>
+          <a:stretch>
+            <a:fillRect/>
+          </a:stretch>
+        </p:blipFill>
+        <p:spPr>
+          <a:xfrm>
+            <a:off x="7606685" y="2135226"/>
+            <a:ext cx="3181350" cy="4410075"/>
+          </a:xfrm>
+          <a:prstGeom prst="rect">
+            <a:avLst/>
+          </a:prstGeom>
+        </p:spPr>
+      </p:pic>
+    </p:spTree>
+    <p:extLst>
+      <p:ext uri="{BB962C8B-B14F-4D97-AF65-F5344CB8AC3E}">
+        <p14:creationId xmlns:p14="http://schemas.microsoft.com/office/powerpoint/2010/main" val="1689473679"/>
+      </p:ext>
+    </p:extLst>
+  </p:cSld>
+  <p:clrMapOvr>
+    <a:masterClrMapping/>
+  </p:clrMapOvr>
+  <mc:AlternateContent xmlns:mc="http://schemas.openxmlformats.org/markup-compatibility/2006" xmlns:p14="http://schemas.microsoft.com/office/powerpoint/2010/main">
+    <mc:Choice Requires="p14">
+      <p:transition spd="slow" p14:dur="1600" advClick="0" advTm="3000">
+        <p:blinds dir="vert"/>
+      </p:transition>
+    </mc:Choice>
+    <mc:Fallback xmlns="">
+      <p:transition spd="slow" advClick="0" advTm="3000">
+        <p:blinds dir="vert"/>
+      </p:transition>
+    </mc:Fallback>
+  </mc:AlternateContent>
+  <p:timing>
+    <p:tnLst>
+      <p:par>
+        <p:cTn id="1" dur="indefinite" restart="never" nodeType="tmRoot"/>
+      </p:par>
+    </p:tnLst>
+  </p:timing>
+</p:sld>
+</file>
+
+<file path=ppt/slides/slide23.xml><?xml version="1.0" encoding="utf-8"?>
+<p:sld xmlns:a="http://schemas.openxmlformats.org/drawingml/2006/main" xmlns:r="http://schemas.openxmlformats.org/officeDocument/2006/relationships" xmlns:p="http://schemas.openxmlformats.org/presentationml/2006/main">
+  <p:cSld>
+    <p:spTree>
+      <p:nvGrpSpPr>
+        <p:cNvPr id="1" name=""/>
+        <p:cNvGrpSpPr/>
+        <p:nvPr/>
+      </p:nvGrpSpPr>
+      <p:grpSpPr>
+        <a:xfrm>
+          <a:off x="0" y="0"/>
+          <a:ext cx="0" cy="0"/>
+          <a:chOff x="0" y="0"/>
+          <a:chExt cx="0" cy="0"/>
+        </a:xfrm>
+      </p:grpSpPr>
+      <p:sp>
+        <p:nvSpPr>
+          <p:cNvPr id="15" name="矩形 14"/>
+          <p:cNvSpPr/>
+          <p:nvPr/>
+        </p:nvSpPr>
+        <p:spPr>
+          <a:xfrm>
+            <a:off x="0" y="342900"/>
+            <a:ext cx="171450" cy="571500"/>
+          </a:xfrm>
+          <a:prstGeom prst="rect">
+            <a:avLst/>
+          </a:prstGeom>
+          <a:solidFill>
+            <a:srgbClr val="0070C0"/>
+          </a:solidFill>
+          <a:ln>
+            <a:noFill/>
+          </a:ln>
+        </p:spPr>
+        <p:style>
+          <a:lnRef idx="2">
+            <a:schemeClr val="accent1">
+              <a:shade val="50000"/>
+            </a:schemeClr>
+          </a:lnRef>
+          <a:fillRef idx="1">
+            <a:schemeClr val="accent1"/>
+          </a:fillRef>
+          <a:effectRef idx="0">
+            <a:schemeClr val="accent1"/>
+          </a:effectRef>
+          <a:fontRef idx="minor">
+            <a:schemeClr val="lt1"/>
+          </a:fontRef>
+        </p:style>
+        <p:txBody>
+          <a:bodyPr rtlCol="0" anchor="ctr"/>
+          <a:lstStyle/>
+          <a:p>
+            <a:pPr algn="ctr"/>
+            <a:endParaRPr lang="zh-CN" altLang="en-US"/>
+          </a:p>
+        </p:txBody>
+      </p:sp>
+      <p:sp>
+        <p:nvSpPr>
+          <p:cNvPr id="16" name="文本框 15"/>
+          <p:cNvSpPr txBox="1"/>
+          <p:nvPr/>
+        </p:nvSpPr>
+        <p:spPr>
+          <a:xfrm>
+            <a:off x="338383" y="352445"/>
+            <a:ext cx="4043266" cy="584775"/>
+          </a:xfrm>
+          <a:prstGeom prst="rect">
+            <a:avLst/>
+          </a:prstGeom>
+          <a:noFill/>
+        </p:spPr>
+        <p:txBody>
+          <a:bodyPr wrap="square" rtlCol="0">
+            <a:spAutoFit/>
+          </a:bodyPr>
+          <a:lstStyle/>
+          <a:p>
+            <a:r>
+              <a:rPr lang="zh-CN" altLang="en-US" sz="3200" b="1" dirty="0">
+                <a:solidFill>
+                  <a:srgbClr val="0070C0"/>
+                </a:solidFill>
+                <a:latin typeface="微软雅黑" panose="020B0503020204020204" pitchFamily="34" charset="-122"/>
+                <a:ea typeface="微软雅黑" panose="020B0503020204020204" pitchFamily="34" charset="-122"/>
+              </a:rPr>
+              <a:t>准备工作</a:t>
+            </a:r>
+            <a:r>
+              <a:rPr lang="en-US" altLang="zh-CN" sz="3200" b="1" dirty="0">
+                <a:solidFill>
+                  <a:srgbClr val="0070C0"/>
+                </a:solidFill>
+                <a:latin typeface="微软雅黑" panose="020B0503020204020204" pitchFamily="34" charset="-122"/>
+                <a:ea typeface="微软雅黑" panose="020B0503020204020204" pitchFamily="34" charset="-122"/>
+              </a:rPr>
+              <a:t>-</a:t>
+            </a:r>
+            <a:r>
+              <a:rPr lang="zh-CN" altLang="en-US" sz="3200" b="1" dirty="0">
+                <a:solidFill>
+                  <a:srgbClr val="0070C0"/>
+                </a:solidFill>
+                <a:latin typeface="微软雅黑" panose="020B0503020204020204" pitchFamily="34" charset="-122"/>
+                <a:ea typeface="微软雅黑" panose="020B0503020204020204" pitchFamily="34" charset="-122"/>
+              </a:rPr>
+              <a:t>环境搭建</a:t>
+            </a:r>
+          </a:p>
+        </p:txBody>
+      </p:sp>
+      <p:cxnSp>
+        <p:nvCxnSpPr>
+          <p:cNvPr id="21" name="直接连接符 20"/>
+          <p:cNvCxnSpPr/>
+          <p:nvPr/>
+        </p:nvCxnSpPr>
+        <p:spPr>
+          <a:xfrm>
+            <a:off x="973883" y="5600700"/>
+            <a:ext cx="1612058" cy="1889203"/>
+          </a:xfrm>
+          <a:prstGeom prst="line">
+            <a:avLst/>
+          </a:prstGeom>
+          <a:ln w="12700">
+            <a:solidFill>
+              <a:schemeClr val="accent1">
+                <a:alpha val="21000"/>
+              </a:schemeClr>
+            </a:solidFill>
+          </a:ln>
+        </p:spPr>
+        <p:style>
+          <a:lnRef idx="1">
+            <a:schemeClr val="accent1"/>
+          </a:lnRef>
+          <a:fillRef idx="0">
+            <a:schemeClr val="accent1"/>
+          </a:fillRef>
+          <a:effectRef idx="0">
+            <a:schemeClr val="accent1"/>
+          </a:effectRef>
+          <a:fontRef idx="minor">
+            <a:schemeClr val="tx1"/>
+          </a:fontRef>
+        </p:style>
+      </p:cxnSp>
+      <p:cxnSp>
+        <p:nvCxnSpPr>
+          <p:cNvPr id="22" name="直接连接符 21"/>
+          <p:cNvCxnSpPr/>
+          <p:nvPr/>
+        </p:nvCxnSpPr>
+        <p:spPr>
+          <a:xfrm>
+            <a:off x="-2434804" y="899755"/>
+            <a:ext cx="4214716" cy="4939309"/>
+          </a:xfrm>
+          <a:prstGeom prst="line">
+            <a:avLst/>
+          </a:prstGeom>
+          <a:ln w="12700">
+            <a:solidFill>
+              <a:schemeClr val="accent1">
+                <a:alpha val="21000"/>
+              </a:schemeClr>
+            </a:solidFill>
+          </a:ln>
+        </p:spPr>
+        <p:style>
+          <a:lnRef idx="1">
+            <a:schemeClr val="accent1"/>
+          </a:lnRef>
+          <a:fillRef idx="0">
+            <a:schemeClr val="accent1"/>
+          </a:fillRef>
+          <a:effectRef idx="0">
+            <a:schemeClr val="accent1"/>
+          </a:effectRef>
+          <a:fontRef idx="minor">
+            <a:schemeClr val="tx1"/>
+          </a:fontRef>
+        </p:style>
+      </p:cxnSp>
+      <p:sp>
+        <p:nvSpPr>
+          <p:cNvPr id="24" name="文本框 23"/>
+          <p:cNvSpPr txBox="1"/>
+          <p:nvPr/>
+        </p:nvSpPr>
+        <p:spPr>
+          <a:xfrm>
+            <a:off x="716245" y="1295184"/>
+            <a:ext cx="10759510" cy="1169551"/>
+          </a:xfrm>
+          <a:prstGeom prst="rect">
+            <a:avLst/>
+          </a:prstGeom>
+          <a:noFill/>
+        </p:spPr>
+        <p:txBody>
+          <a:bodyPr wrap="square" rtlCol="0">
+            <a:spAutoFit/>
+          </a:bodyPr>
+          <a:lstStyle/>
+          <a:p>
+            <a:pPr algn="just" fontAlgn="base">
+              <a:lnSpc>
+                <a:spcPct val="175000"/>
+              </a:lnSpc>
+              <a:spcBef>
+                <a:spcPct val="0"/>
+              </a:spcBef>
+              <a:spcAft>
+                <a:spcPct val="0"/>
+              </a:spcAft>
+            </a:pPr>
+            <a:r>
+              <a:rPr lang="zh-CN" altLang="en-US" sz="2000" dirty="0">
+                <a:latin typeface="微软雅黑"/>
+                <a:ea typeface="Lantinghei SC Demibold" charset="-122"/>
+                <a:sym typeface="Gill Sans" charset="0"/>
+              </a:rPr>
+              <a:t>在浏览器中访问：</a:t>
+            </a:r>
+            <a:endParaRPr lang="en-US" altLang="zh-CN" sz="2000" dirty="0">
+              <a:latin typeface="微软雅黑"/>
+              <a:ea typeface="Lantinghei SC Demibold" charset="-122"/>
+              <a:sym typeface="Gill Sans" charset="0"/>
+            </a:endParaRPr>
+          </a:p>
+          <a:p>
+            <a:pPr algn="just" fontAlgn="base">
+              <a:lnSpc>
+                <a:spcPct val="175000"/>
+              </a:lnSpc>
+              <a:spcBef>
+                <a:spcPct val="0"/>
+              </a:spcBef>
+              <a:spcAft>
+                <a:spcPct val="0"/>
+              </a:spcAft>
+            </a:pPr>
+            <a:r>
+              <a:rPr lang="en-US" altLang="zh-CN" sz="2000" dirty="0">
+                <a:latin typeface="微软雅黑"/>
+                <a:ea typeface="Lantinghei SC Demibold" charset="-122"/>
+                <a:sym typeface="Gill Sans" charset="0"/>
+              </a:rPr>
+              <a:t>	</a:t>
+            </a:r>
+            <a:r>
+              <a:rPr lang="zh-CN" altLang="en-US" sz="2000" dirty="0">
+                <a:latin typeface="微软雅黑"/>
+                <a:ea typeface="Lantinghei SC Demibold" charset="-122"/>
+                <a:sym typeface="Gill Sans" charset="0"/>
+              </a:rPr>
+              <a:t>此时，</a:t>
+            </a:r>
+            <a:r>
+              <a:rPr lang="zh-CN" altLang="en-US" sz="2000" dirty="0" smtClean="0">
+                <a:latin typeface="微软雅黑"/>
+                <a:ea typeface="Lantinghei SC Demibold" charset="-122"/>
+                <a:sym typeface="Gill Sans" charset="0"/>
+              </a:rPr>
+              <a:t>我们</a:t>
+            </a:r>
+            <a:r>
+              <a:rPr lang="zh-CN" altLang="en-US" sz="2000" dirty="0">
+                <a:latin typeface="微软雅黑"/>
+                <a:ea typeface="Lantinghei SC Demibold" charset="-122"/>
+                <a:sym typeface="Gill Sans" charset="0"/>
+              </a:rPr>
+              <a:t>只需</a:t>
+            </a:r>
+            <a:r>
+              <a:rPr lang="zh-CN" altLang="en-US" sz="2000" dirty="0" smtClean="0">
+                <a:latin typeface="微软雅黑"/>
+                <a:ea typeface="Lantinghei SC Demibold" charset="-122"/>
+                <a:sym typeface="Gill Sans" charset="0"/>
+              </a:rPr>
+              <a:t>要点击编辑器中编辑区域的小浏览器图标</a:t>
+            </a:r>
+            <a:r>
+              <a:rPr lang="en-US" altLang="zh-CN" sz="2000" dirty="0" smtClean="0">
+                <a:latin typeface="微软雅黑"/>
+                <a:ea typeface="Lantinghei SC Demibold" charset="-122"/>
+                <a:sym typeface="Gill Sans" charset="0"/>
+              </a:rPr>
+              <a:t>,</a:t>
+            </a:r>
+            <a:r>
+              <a:rPr lang="zh-CN" altLang="en-US" sz="2000" dirty="0" smtClean="0">
+                <a:latin typeface="微软雅黑"/>
+                <a:ea typeface="Lantinghei SC Demibold" charset="-122"/>
+                <a:sym typeface="Gill Sans" charset="0"/>
+              </a:rPr>
+              <a:t>即</a:t>
+            </a:r>
+            <a:r>
+              <a:rPr lang="zh-CN" altLang="en-US" sz="2000" dirty="0">
+                <a:latin typeface="微软雅黑"/>
+                <a:ea typeface="Lantinghei SC Demibold" charset="-122"/>
+                <a:sym typeface="Gill Sans" charset="0"/>
+              </a:rPr>
+              <a:t>可</a:t>
+            </a:r>
+            <a:r>
+              <a:rPr lang="zh-CN" altLang="en-US" sz="2000" dirty="0" smtClean="0">
+                <a:latin typeface="微软雅黑"/>
+                <a:ea typeface="Lantinghei SC Demibold" charset="-122"/>
+                <a:sym typeface="Gill Sans" charset="0"/>
+              </a:rPr>
+              <a:t>打开当前</a:t>
+            </a:r>
+            <a:r>
+              <a:rPr lang="zh-CN" altLang="en-US" sz="2000" dirty="0">
+                <a:latin typeface="微软雅黑"/>
+                <a:ea typeface="Lantinghei SC Demibold" charset="-122"/>
+                <a:sym typeface="Gill Sans" charset="0"/>
+              </a:rPr>
+              <a:t>页面</a:t>
+            </a:r>
+            <a:endParaRPr lang="en-US" altLang="zh-CN" sz="2000" dirty="0">
+              <a:latin typeface="微软雅黑"/>
+              <a:ea typeface="Lantinghei SC Demibold" charset="-122"/>
+              <a:sym typeface="Gill Sans" charset="0"/>
+            </a:endParaRPr>
+          </a:p>
+        </p:txBody>
+      </p:sp>
+      <p:pic>
+        <p:nvPicPr>
+          <p:cNvPr id="3" name="图片 2"/>
+          <p:cNvPicPr>
+            <a:picLocks noChangeAspect="1"/>
+          </p:cNvPicPr>
+          <p:nvPr/>
+        </p:nvPicPr>
+        <p:blipFill>
+          <a:blip r:embed="rId3">
+            <a:extLst>
+              <a:ext uri="{28A0092B-C50C-407E-A947-70E740481C1C}">
+                <a14:useLocalDpi xmlns:a14="http://schemas.microsoft.com/office/drawing/2010/main" val="0"/>
+              </a:ext>
+            </a:extLst>
+          </a:blip>
+          <a:stretch>
+            <a:fillRect/>
+          </a:stretch>
+        </p:blipFill>
+        <p:spPr>
+          <a:xfrm>
+            <a:off x="11026653" y="149991"/>
+            <a:ext cx="817924" cy="749764"/>
+          </a:xfrm>
+          <a:prstGeom prst="rect">
+            <a:avLst/>
+          </a:prstGeom>
+        </p:spPr>
+      </p:pic>
       <p:pic>
         <p:nvPicPr>
           <p:cNvPr id="4" name="图片 3"/>
@@ -12672,7 +12947,7 @@
           <p:cNvPr id="10" name="直接箭头连接符 9">
             <a:extLst>
               <a:ext uri="{FF2B5EF4-FFF2-40B4-BE49-F238E27FC236}">
-                <a16:creationId xmlns="" xmlns:a16="http://schemas.microsoft.com/office/drawing/2014/main" id="{50B2E1F5-C20D-4D9B-AADF-70497CF4079B}"/>
+                <a16:creationId xmlns:a16="http://schemas.microsoft.com/office/drawing/2014/main" xmlns="" id="{50B2E1F5-C20D-4D9B-AADF-70497CF4079B}"/>
               </a:ext>
             </a:extLst>
           </p:cNvPr>
@@ -12794,7 +13069,7 @@
 </p:sld>
 </file>
 
-<file path=ppt/slides/slide23.xml><?xml version="1.0" encoding="utf-8"?>
+<file path=ppt/slides/slide24.xml><?xml version="1.0" encoding="utf-8"?>
 <p:sld xmlns:a="http://schemas.openxmlformats.org/drawingml/2006/main" xmlns:r="http://schemas.openxmlformats.org/officeDocument/2006/relationships" xmlns:p="http://schemas.openxmlformats.org/presentationml/2006/main">
   <p:cSld>
     <p:spTree>
@@ -13240,7 +13515,7 @@
                 <a:latin typeface="微软雅黑" panose="020B0503020204020204" pitchFamily="34" charset="-122"/>
                 <a:ea typeface="微软雅黑" panose="020B0503020204020204" pitchFamily="34" charset="-122"/>
               </a:rPr>
-              <a:t>实训要求</a:t>
+              <a:t>项目介绍</a:t>
             </a:r>
           </a:p>
         </p:txBody>
@@ -13328,7 +13603,7 @@
         <p:spPr>
           <a:xfrm>
             <a:off x="632013" y="1484530"/>
-            <a:ext cx="10703858" cy="3862596"/>
+            <a:ext cx="6441140" cy="4401205"/>
           </a:xfrm>
           <a:prstGeom prst="rect">
             <a:avLst/>
@@ -13353,14 +13628,36 @@
               </a:spcAft>
             </a:pPr>
             <a:r>
-              <a:rPr lang="zh-CN" altLang="en-US" sz="2000" dirty="0">
+              <a:rPr lang="zh-CN" altLang="en-US" sz="2000" b="1" dirty="0">
                 <a:latin typeface="微软雅黑"/>
                 <a:ea typeface="微软雅黑"/>
                 <a:sym typeface="Gill Sans" charset="0"/>
               </a:rPr>
-              <a:t>希望在项目实训过程中，能独立实现项目中的主要功能，并能完善用户体验细节。</a:t>
-            </a:r>
-            <a:endParaRPr lang="en-US" altLang="zh-CN" sz="2000" dirty="0">
+              <a:t>项目名称</a:t>
+            </a:r>
+            <a:r>
+              <a:rPr lang="zh-CN" altLang="en-US" sz="2000" dirty="0" smtClean="0">
+                <a:latin typeface="微软雅黑"/>
+                <a:ea typeface="微软雅黑"/>
+                <a:sym typeface="Gill Sans" charset="0"/>
+              </a:rPr>
+              <a:t>：</a:t>
+            </a:r>
+            <a:r>
+              <a:rPr lang="zh-CN" altLang="en-US" sz="2000" dirty="0" smtClean="0">
+                <a:solidFill>
+                  <a:schemeClr val="accent1"/>
+                </a:solidFill>
+                <a:latin typeface="微软雅黑"/>
+                <a:ea typeface="微软雅黑"/>
+                <a:sym typeface="Gill Sans" charset="0"/>
+              </a:rPr>
+              <a:t>个人博客</a:t>
+            </a:r>
+            <a:endParaRPr lang="en-US" altLang="zh-CN" sz="2000" dirty="0" smtClean="0">
+              <a:solidFill>
+                <a:schemeClr val="accent1"/>
+              </a:solidFill>
               <a:latin typeface="微软雅黑"/>
               <a:ea typeface="微软雅黑"/>
               <a:sym typeface="Gill Sans" charset="0"/>
@@ -13379,26 +13676,21 @@
               </a:spcAft>
             </a:pPr>
             <a:r>
-              <a:rPr lang="zh-CN" altLang="en-US" sz="2000" b="1" dirty="0">
+              <a:rPr lang="zh-CN" altLang="en-US" sz="2000" b="1" dirty="0" smtClean="0">
                 <a:latin typeface="微软雅黑"/>
                 <a:ea typeface="微软雅黑"/>
                 <a:sym typeface="Gill Sans" charset="0"/>
               </a:rPr>
-              <a:t>具体要求</a:t>
-            </a:r>
-            <a:r>
-              <a:rPr lang="zh-CN" altLang="en-US" sz="2000" dirty="0">
+              <a:t>项目介绍</a:t>
+            </a:r>
+            <a:r>
+              <a:rPr lang="zh-CN" altLang="en-US" sz="2000" dirty="0" smtClean="0">
                 <a:latin typeface="微软雅黑"/>
                 <a:ea typeface="微软雅黑"/>
                 <a:sym typeface="Gill Sans" charset="0"/>
               </a:rPr>
-              <a:t>：</a:t>
-            </a:r>
-            <a:endParaRPr lang="en-US" altLang="zh-CN" sz="2000" dirty="0">
-              <a:latin typeface="微软雅黑"/>
-              <a:ea typeface="微软雅黑"/>
-              <a:sym typeface="Gill Sans" charset="0"/>
-            </a:endParaRPr>
+              <a:t>：这是一个个人博客的网站，本网站中可以实现下拉菜单、菜单切换、用户登录、轮播图、遮罩、延迟加载、百度分享、发表博文、以及导航等功能。</a:t>
+            </a:r>
           </a:p>
           <a:p>
             <a:pPr algn="just" fontAlgn="base">
@@ -13413,12 +13705,20 @@
               </a:spcAft>
             </a:pPr>
             <a:r>
-              <a:rPr lang="en-US" altLang="zh-CN" sz="2000" dirty="0">
+              <a:rPr lang="zh-CN" altLang="en-US" sz="2000" b="1" dirty="0" smtClean="0">
                 <a:latin typeface="微软雅黑"/>
                 <a:ea typeface="微软雅黑"/>
                 <a:sym typeface="Gill Sans" charset="0"/>
               </a:rPr>
-              <a:t>	</a:t>
+              <a:t>实</a:t>
+            </a:r>
+            <a:r>
+              <a:rPr lang="zh-CN" altLang="en-US" sz="2000" b="1" dirty="0">
+                <a:latin typeface="微软雅黑"/>
+                <a:ea typeface="微软雅黑"/>
+                <a:sym typeface="Gill Sans" charset="0"/>
+              </a:rPr>
+              <a:t>训目标</a:t>
             </a:r>
             <a:r>
               <a:rPr lang="zh-CN" altLang="en-US" sz="2000" dirty="0">
@@ -13426,53 +13726,8 @@
                 <a:ea typeface="微软雅黑"/>
                 <a:sym typeface="Gill Sans" charset="0"/>
               </a:rPr>
-              <a:t>能够</a:t>
-            </a:r>
-            <a:r>
-              <a:rPr lang="zh-CN" altLang="en-US" sz="2000" dirty="0" smtClean="0">
-                <a:latin typeface="微软雅黑"/>
-                <a:ea typeface="微软雅黑"/>
-                <a:sym typeface="Gill Sans" charset="0"/>
-              </a:rPr>
-              <a:t>熟练使用</a:t>
-            </a:r>
-            <a:r>
-              <a:rPr lang="en-US" altLang="zh-CN" sz="2000" dirty="0" smtClean="0">
-                <a:latin typeface="微软雅黑"/>
-                <a:ea typeface="微软雅黑"/>
-                <a:sym typeface="Gill Sans" charset="0"/>
-              </a:rPr>
-              <a:t>HTML</a:t>
-            </a:r>
-            <a:r>
-              <a:rPr lang="zh-CN" altLang="en-US" sz="2000" dirty="0" smtClean="0">
-                <a:latin typeface="微软雅黑"/>
-                <a:ea typeface="微软雅黑"/>
-                <a:sym typeface="Gill Sans" charset="0"/>
-              </a:rPr>
-              <a:t>与</a:t>
-            </a:r>
-            <a:r>
-              <a:rPr lang="en-US" altLang="zh-CN" sz="2000" dirty="0" smtClean="0">
-                <a:latin typeface="微软雅黑"/>
-                <a:ea typeface="微软雅黑"/>
-                <a:sym typeface="Gill Sans" charset="0"/>
-              </a:rPr>
-              <a:t>CSS</a:t>
-            </a:r>
-            <a:r>
-              <a:rPr lang="zh-CN" altLang="en-US" sz="2000" dirty="0" smtClean="0">
-                <a:latin typeface="微软雅黑"/>
-                <a:ea typeface="微软雅黑"/>
-                <a:sym typeface="Gill Sans" charset="0"/>
-              </a:rPr>
-              <a:t>制作静态页面；</a:t>
-            </a:r>
-            <a:endParaRPr lang="en-US" altLang="zh-CN" sz="2000" dirty="0">
-              <a:latin typeface="微软雅黑"/>
-              <a:ea typeface="微软雅黑"/>
-              <a:sym typeface="Gill Sans" charset="0"/>
-            </a:endParaRPr>
+              <a:t>：将本阶段所学知识结合起来，应用到实际项目中，使更加了解所学知识体系的实际作用，对以前所学知识点得到更好的练习和灵活运用。</a:t>
+            </a:r>
           </a:p>
           <a:p>
             <a:pPr algn="just" fontAlgn="base">
@@ -13487,170 +13742,36 @@
               </a:spcAft>
             </a:pPr>
             <a:r>
+              <a:rPr lang="zh-CN" altLang="en-US" sz="2000" b="1" dirty="0">
+                <a:latin typeface="微软雅黑"/>
+                <a:ea typeface="微软雅黑"/>
+                <a:sym typeface="Gill Sans" charset="0"/>
+              </a:rPr>
+              <a:t>所需时间</a:t>
+            </a:r>
+            <a:r>
+              <a:rPr lang="zh-CN" altLang="en-US" sz="2000" dirty="0">
+                <a:latin typeface="微软雅黑"/>
+                <a:ea typeface="微软雅黑"/>
+                <a:sym typeface="Gill Sans" charset="0"/>
+              </a:rPr>
+              <a:t>：</a:t>
+            </a:r>
+            <a:r>
               <a:rPr lang="en-US" altLang="zh-CN" sz="2000" dirty="0">
                 <a:latin typeface="微软雅黑"/>
                 <a:ea typeface="微软雅黑"/>
                 <a:sym typeface="Gill Sans" charset="0"/>
               </a:rPr>
-              <a:t>	</a:t>
-            </a:r>
-            <a:r>
-              <a:rPr lang="zh-CN" altLang="en-US" sz="2000" dirty="0" smtClean="0">
+              <a:t>36</a:t>
+            </a:r>
+            <a:r>
+              <a:rPr lang="zh-CN" altLang="en-US" sz="2000" dirty="0">
                 <a:latin typeface="微软雅黑"/>
                 <a:ea typeface="微软雅黑"/>
                 <a:sym typeface="Gill Sans" charset="0"/>
               </a:rPr>
-              <a:t>能够熟练使用</a:t>
-            </a:r>
-            <a:r>
-              <a:rPr lang="en-US" altLang="zh-CN" sz="2000" dirty="0" smtClean="0">
-                <a:latin typeface="微软雅黑"/>
-                <a:ea typeface="微软雅黑"/>
-                <a:sym typeface="Gill Sans" charset="0"/>
-              </a:rPr>
-              <a:t>JavaScript</a:t>
-            </a:r>
-            <a:r>
-              <a:rPr lang="zh-CN" altLang="en-US" sz="2000" dirty="0" smtClean="0">
-                <a:latin typeface="微软雅黑"/>
-                <a:ea typeface="微软雅黑"/>
-                <a:sym typeface="Gill Sans" charset="0"/>
-              </a:rPr>
-              <a:t>并对代码进行封装优化；</a:t>
-            </a:r>
-            <a:endParaRPr lang="en-US" altLang="zh-CN" sz="2000" dirty="0">
-              <a:latin typeface="微软雅黑"/>
-              <a:ea typeface="微软雅黑"/>
-              <a:sym typeface="Gill Sans" charset="0"/>
-            </a:endParaRPr>
-          </a:p>
-          <a:p>
-            <a:pPr algn="just" fontAlgn="base">
-              <a:lnSpc>
-                <a:spcPct val="175000"/>
-              </a:lnSpc>
-              <a:spcBef>
-                <a:spcPct val="0"/>
-              </a:spcBef>
-              <a:spcAft>
-                <a:spcPct val="0"/>
-              </a:spcAft>
-            </a:pPr>
-            <a:r>
-              <a:rPr lang="en-US" altLang="zh-CN" sz="2000" dirty="0">
-                <a:latin typeface="微软雅黑"/>
-                <a:ea typeface="微软雅黑"/>
-                <a:sym typeface="Gill Sans" charset="0"/>
-              </a:rPr>
-              <a:t>	</a:t>
-            </a:r>
-            <a:r>
-              <a:rPr lang="zh-CN" altLang="en-US" sz="2000" dirty="0" smtClean="0">
-                <a:latin typeface="微软雅黑"/>
-                <a:ea typeface="微软雅黑"/>
-                <a:sym typeface="Gill Sans" charset="0"/>
-              </a:rPr>
-              <a:t>能够熟练使用</a:t>
-            </a:r>
-            <a:r>
-              <a:rPr lang="en-US" altLang="zh-CN" sz="2000" dirty="0" err="1" smtClean="0">
-                <a:latin typeface="微软雅黑"/>
-                <a:ea typeface="微软雅黑"/>
-                <a:sym typeface="Gill Sans" charset="0"/>
-              </a:rPr>
-              <a:t>Jquery</a:t>
-            </a:r>
-            <a:r>
-              <a:rPr lang="zh-CN" altLang="en-US" sz="2000" dirty="0" smtClean="0">
-                <a:latin typeface="微软雅黑"/>
-                <a:ea typeface="微软雅黑"/>
-                <a:sym typeface="Gill Sans" charset="0"/>
-              </a:rPr>
-              <a:t>库并且制作动画特效；</a:t>
-            </a:r>
-            <a:endParaRPr lang="en-US" altLang="zh-CN" sz="2000" dirty="0">
-              <a:latin typeface="微软雅黑"/>
-              <a:ea typeface="微软雅黑"/>
-              <a:sym typeface="Gill Sans" charset="0"/>
-            </a:endParaRPr>
-          </a:p>
-          <a:p>
-            <a:pPr algn="just" fontAlgn="base">
-              <a:lnSpc>
-                <a:spcPct val="175000"/>
-              </a:lnSpc>
-              <a:spcBef>
-                <a:spcPct val="0"/>
-              </a:spcBef>
-              <a:spcAft>
-                <a:spcPct val="0"/>
-              </a:spcAft>
-            </a:pPr>
-            <a:r>
-              <a:rPr lang="en-US" altLang="zh-CN" sz="2000" dirty="0">
-                <a:latin typeface="微软雅黑"/>
-                <a:ea typeface="微软雅黑"/>
-                <a:sym typeface="Gill Sans" charset="0"/>
-              </a:rPr>
-              <a:t>	</a:t>
-            </a:r>
-            <a:r>
-              <a:rPr lang="zh-CN" altLang="en-US" sz="2000" dirty="0" smtClean="0">
-                <a:latin typeface="微软雅黑"/>
-                <a:ea typeface="微软雅黑"/>
-                <a:sym typeface="Gill Sans" charset="0"/>
-              </a:rPr>
-              <a:t>能够熟练掌握各浏览器兼容性以及解决方案；</a:t>
-            </a:r>
-            <a:endParaRPr lang="en-US" altLang="zh-CN" sz="2000" dirty="0">
-              <a:latin typeface="微软雅黑"/>
-              <a:ea typeface="微软雅黑"/>
-              <a:sym typeface="Gill Sans" charset="0"/>
-            </a:endParaRPr>
-          </a:p>
-          <a:p>
-            <a:pPr algn="just" fontAlgn="base">
-              <a:lnSpc>
-                <a:spcPct val="175000"/>
-              </a:lnSpc>
-              <a:spcBef>
-                <a:spcPct val="0"/>
-              </a:spcBef>
-              <a:spcAft>
-                <a:spcPct val="0"/>
-              </a:spcAft>
-            </a:pPr>
-            <a:r>
-              <a:rPr lang="en-US" altLang="zh-CN" sz="2000" dirty="0">
-                <a:latin typeface="微软雅黑"/>
-                <a:ea typeface="微软雅黑"/>
-                <a:sym typeface="Gill Sans" charset="0"/>
-              </a:rPr>
-              <a:t>	</a:t>
-            </a:r>
-            <a:r>
-              <a:rPr lang="zh-CN" altLang="en-US" sz="2000" dirty="0" smtClean="0">
-                <a:latin typeface="微软雅黑"/>
-                <a:ea typeface="微软雅黑"/>
-                <a:sym typeface="Gill Sans" charset="0"/>
-              </a:rPr>
-              <a:t>能够掌握</a:t>
-            </a:r>
-            <a:r>
-              <a:rPr lang="en-US" altLang="zh-CN" sz="2000" dirty="0" smtClean="0">
-                <a:latin typeface="微软雅黑"/>
-                <a:ea typeface="微软雅黑"/>
-                <a:sym typeface="Gill Sans" charset="0"/>
-              </a:rPr>
-              <a:t>Web</a:t>
-            </a:r>
-            <a:r>
-              <a:rPr lang="zh-CN" altLang="en-US" sz="2000" dirty="0" smtClean="0">
-                <a:latin typeface="微软雅黑"/>
-                <a:ea typeface="微软雅黑"/>
-                <a:sym typeface="Gill Sans" charset="0"/>
-              </a:rPr>
-              <a:t>开发的行业规范和标准；</a:t>
+              <a:t>课时</a:t>
             </a:r>
             <a:endParaRPr lang="en-US" altLang="zh-CN" sz="2000" dirty="0">
               <a:latin typeface="微软雅黑"/>
@@ -13690,10 +13811,40 @@
           </a:prstGeom>
         </p:spPr>
       </p:pic>
+      <p:pic>
+        <p:nvPicPr>
+          <p:cNvPr id="4" name="图片 3"/>
+          <p:cNvPicPr>
+            <a:picLocks noChangeAspect="1"/>
+          </p:cNvPicPr>
+          <p:nvPr/>
+        </p:nvPicPr>
+        <p:blipFill>
+          <a:blip r:embed="rId4" cstate="print">
+            <a:extLst>
+              <a:ext uri="{28A0092B-C50C-407E-A947-70E740481C1C}">
+                <a14:useLocalDpi xmlns:a14="http://schemas.microsoft.com/office/drawing/2010/main" val="0"/>
+              </a:ext>
+            </a:extLst>
+          </a:blip>
+          <a:stretch>
+            <a:fillRect/>
+          </a:stretch>
+        </p:blipFill>
+        <p:spPr>
+          <a:xfrm>
+            <a:off x="7852460" y="1348056"/>
+            <a:ext cx="3992117" cy="5509944"/>
+          </a:xfrm>
+          <a:prstGeom prst="rect">
+            <a:avLst/>
+          </a:prstGeom>
+        </p:spPr>
+      </p:pic>
     </p:spTree>
     <p:extLst>
       <p:ext uri="{BB962C8B-B14F-4D97-AF65-F5344CB8AC3E}">
-        <p14:creationId xmlns:p14="http://schemas.microsoft.com/office/powerpoint/2010/main" val="2427267586"/>
+        <p14:creationId xmlns:p14="http://schemas.microsoft.com/office/powerpoint/2010/main" val="2004880398"/>
       </p:ext>
     </p:extLst>
   </p:cSld>
@@ -13793,8 +13944,8 @@
         </p:nvSpPr>
         <p:spPr>
           <a:xfrm>
-            <a:off x="171450" y="342900"/>
-            <a:ext cx="2307291" cy="584775"/>
+            <a:off x="19050" y="314980"/>
+            <a:ext cx="2247900" cy="584775"/>
           </a:xfrm>
           <a:prstGeom prst="rect">
             <a:avLst/>
@@ -13816,7 +13967,7 @@
                 <a:latin typeface="微软雅黑" panose="020B0503020204020204" pitchFamily="34" charset="-122"/>
                 <a:ea typeface="微软雅黑" panose="020B0503020204020204" pitchFamily="34" charset="-122"/>
               </a:rPr>
-              <a:t>训练技能点</a:t>
+              <a:t>实训要求</a:t>
             </a:r>
           </a:p>
         </p:txBody>
@@ -13904,7 +14055,7 @@
         <p:spPr>
           <a:xfrm>
             <a:off x="632013" y="1484530"/>
-            <a:ext cx="10703858" cy="4939814"/>
+            <a:ext cx="10703858" cy="3862596"/>
           </a:xfrm>
           <a:prstGeom prst="rect">
             <a:avLst/>
@@ -13929,20 +14080,12 @@
               </a:spcAft>
             </a:pPr>
             <a:r>
-              <a:rPr lang="zh-CN" altLang="en-US" sz="2000" b="1" dirty="0">
+              <a:rPr lang="zh-CN" altLang="en-US" sz="2000" dirty="0">
                 <a:latin typeface="微软雅黑"/>
                 <a:ea typeface="微软雅黑"/>
                 <a:sym typeface="Gill Sans" charset="0"/>
               </a:rPr>
-              <a:t>在项目实训过程中，要训练的技能点包含</a:t>
-            </a:r>
-            <a:r>
-              <a:rPr lang="zh-CN" altLang="en-US" sz="2000" dirty="0">
-                <a:latin typeface="微软雅黑"/>
-                <a:ea typeface="微软雅黑"/>
-                <a:sym typeface="Gill Sans" charset="0"/>
-              </a:rPr>
-              <a:t>：</a:t>
+              <a:t>希望在项目实训过程中，能独立实现项目中的主要功能，并能完善用户体验细节。</a:t>
             </a:r>
             <a:endParaRPr lang="en-US" altLang="zh-CN" sz="2000" dirty="0">
               <a:latin typeface="微软雅黑"/>
@@ -13963,36 +14106,20 @@
               </a:spcAft>
             </a:pPr>
             <a:r>
-              <a:rPr lang="en-US" altLang="zh-CN" sz="2000" dirty="0">
+              <a:rPr lang="zh-CN" altLang="en-US" sz="2000" b="1" dirty="0">
                 <a:latin typeface="微软雅黑"/>
                 <a:ea typeface="微软雅黑"/>
                 <a:sym typeface="Gill Sans" charset="0"/>
               </a:rPr>
-              <a:t>	</a:t>
-            </a:r>
-            <a:r>
-              <a:rPr lang="zh-CN" altLang="en-US" sz="2000" dirty="0" smtClean="0">
+              <a:t>具体要求</a:t>
+            </a:r>
+            <a:r>
+              <a:rPr lang="zh-CN" altLang="en-US" sz="2000" dirty="0">
                 <a:latin typeface="微软雅黑"/>
                 <a:ea typeface="微软雅黑"/>
                 <a:sym typeface="Gill Sans" charset="0"/>
               </a:rPr>
-              <a:t>通过</a:t>
-            </a:r>
-            <a:r>
-              <a:rPr lang="en-US" altLang="zh-CN" sz="2000" dirty="0" smtClean="0">
-                <a:latin typeface="微软雅黑"/>
-                <a:ea typeface="微软雅黑"/>
-                <a:sym typeface="Gill Sans" charset="0"/>
-              </a:rPr>
-              <a:t>HTML</a:t>
-            </a:r>
-            <a:r>
-              <a:rPr lang="zh-CN" altLang="en-US" sz="2000" dirty="0" smtClean="0">
-                <a:latin typeface="微软雅黑"/>
-                <a:ea typeface="微软雅黑"/>
-                <a:sym typeface="Gill Sans" charset="0"/>
-              </a:rPr>
-              <a:t>实现页面布局结构的搭建；</a:t>
+              <a:t>：</a:t>
             </a:r>
             <a:endParaRPr lang="en-US" altLang="zh-CN" sz="2000" dirty="0">
               <a:latin typeface="微软雅黑"/>
@@ -14021,12 +14148,20 @@
               <a:t>	</a:t>
             </a:r>
             <a:r>
+              <a:rPr lang="zh-CN" altLang="en-US" sz="2000" dirty="0">
+                <a:latin typeface="微软雅黑"/>
+                <a:ea typeface="微软雅黑"/>
+                <a:sym typeface="Gill Sans" charset="0"/>
+              </a:rPr>
+              <a:t>能够</a:t>
+            </a:r>
+            <a:r>
               <a:rPr lang="zh-CN" altLang="en-US" sz="2000" dirty="0" smtClean="0">
                 <a:latin typeface="微软雅黑"/>
                 <a:ea typeface="微软雅黑"/>
                 <a:sym typeface="Gill Sans" charset="0"/>
               </a:rPr>
-              <a:t>通过</a:t>
+              <a:t>熟练使用</a:t>
             </a:r>
             <a:r>
               <a:rPr lang="en-US" altLang="zh-CN" sz="2000" dirty="0" smtClean="0">
@@ -14034,6 +14169,22 @@
                 <a:ea typeface="微软雅黑"/>
                 <a:sym typeface="Gill Sans" charset="0"/>
               </a:rPr>
+              <a:t>HTML</a:t>
+            </a:r>
+            <a:r>
+              <a:rPr lang="zh-CN" altLang="en-US" sz="2000" dirty="0" smtClean="0">
+                <a:latin typeface="微软雅黑"/>
+                <a:ea typeface="微软雅黑"/>
+                <a:sym typeface="Gill Sans" charset="0"/>
+              </a:rPr>
+              <a:t>与</a:t>
+            </a:r>
+            <a:r>
+              <a:rPr lang="en-US" altLang="zh-CN" sz="2000" dirty="0" smtClean="0">
+                <a:latin typeface="微软雅黑"/>
+                <a:ea typeface="微软雅黑"/>
+                <a:sym typeface="Gill Sans" charset="0"/>
+              </a:rPr>
               <a:t>CSS</a:t>
             </a:r>
             <a:r>
@@ -14042,7 +14193,7 @@
                 <a:ea typeface="微软雅黑"/>
                 <a:sym typeface="Gill Sans" charset="0"/>
               </a:rPr>
-              <a:t>实现页面的美化和浏览器兼容处理；</a:t>
+              <a:t>制作静态页面；</a:t>
             </a:r>
             <a:endParaRPr lang="en-US" altLang="zh-CN" sz="2000" dirty="0">
               <a:latin typeface="微软雅黑"/>
@@ -14076,7 +14227,7 @@
                 <a:ea typeface="微软雅黑"/>
                 <a:sym typeface="Gill Sans" charset="0"/>
               </a:rPr>
-              <a:t>通过</a:t>
+              <a:t>能够熟练使用</a:t>
             </a:r>
             <a:r>
               <a:rPr lang="en-US" altLang="zh-CN" sz="2000" dirty="0" smtClean="0">
@@ -14092,112 +14243,13 @@
                 <a:ea typeface="微软雅黑"/>
                 <a:sym typeface="Gill Sans" charset="0"/>
               </a:rPr>
-              <a:t>的使用能够对变量</a:t>
-            </a:r>
-            <a:r>
-              <a:rPr lang="zh-CN" altLang="en-US" sz="2000" dirty="0">
-                <a:latin typeface="微软雅黑"/>
-                <a:ea typeface="微软雅黑"/>
-                <a:sym typeface="Gill Sans" charset="0"/>
-              </a:rPr>
-              <a:t>、 </a:t>
-            </a:r>
-            <a:r>
-              <a:rPr lang="zh-CN" altLang="en-US" sz="2000" dirty="0" smtClean="0">
-                <a:latin typeface="微软雅黑"/>
-                <a:ea typeface="微软雅黑"/>
-                <a:sym typeface="Gill Sans" charset="0"/>
-              </a:rPr>
-              <a:t>流程控制语句</a:t>
-            </a:r>
-            <a:r>
-              <a:rPr lang="zh-CN" altLang="en-US" sz="2000" dirty="0">
-                <a:latin typeface="微软雅黑"/>
-                <a:ea typeface="微软雅黑"/>
-                <a:sym typeface="Gill Sans" charset="0"/>
-              </a:rPr>
-              <a:t>、</a:t>
-            </a:r>
-            <a:r>
-              <a:rPr lang="zh-CN" altLang="en-US" sz="2000" dirty="0" smtClean="0">
-                <a:latin typeface="微软雅黑"/>
-                <a:ea typeface="微软雅黑"/>
-                <a:sym typeface="Gill Sans" charset="0"/>
-              </a:rPr>
-              <a:t>数组</a:t>
-            </a:r>
-            <a:r>
-              <a:rPr lang="zh-CN" altLang="en-US" sz="2000" dirty="0">
-                <a:latin typeface="微软雅黑"/>
-                <a:ea typeface="微软雅黑"/>
-                <a:sym typeface="Gill Sans" charset="0"/>
-              </a:rPr>
-              <a:t>、</a:t>
-            </a:r>
-            <a:r>
-              <a:rPr lang="zh-CN" altLang="en-US" sz="2000" dirty="0" smtClean="0">
-                <a:latin typeface="微软雅黑"/>
-                <a:ea typeface="微软雅黑"/>
-                <a:sym typeface="Gill Sans" charset="0"/>
-              </a:rPr>
-              <a:t>对象</a:t>
-            </a:r>
-            <a:r>
-              <a:rPr lang="zh-CN" altLang="en-US" sz="2000" dirty="0">
-                <a:latin typeface="微软雅黑"/>
-                <a:ea typeface="微软雅黑"/>
-                <a:sym typeface="Gill Sans" charset="0"/>
-              </a:rPr>
-              <a:t>、 </a:t>
-            </a:r>
-            <a:r>
-              <a:rPr lang="zh-CN" altLang="en-US" sz="2000" dirty="0" smtClean="0">
-                <a:latin typeface="微软雅黑"/>
-                <a:ea typeface="微软雅黑"/>
-                <a:sym typeface="Gill Sans" charset="0"/>
-              </a:rPr>
-              <a:t>运算符</a:t>
-            </a:r>
-            <a:r>
-              <a:rPr lang="zh-CN" altLang="en-US" sz="2000" dirty="0">
-                <a:latin typeface="微软雅黑"/>
-                <a:ea typeface="微软雅黑"/>
-                <a:sym typeface="Gill Sans" charset="0"/>
-              </a:rPr>
-              <a:t>、 </a:t>
-            </a:r>
-            <a:r>
-              <a:rPr lang="en-US" altLang="zh-CN" sz="2000" dirty="0" smtClean="0">
-                <a:latin typeface="微软雅黑"/>
-                <a:ea typeface="微软雅黑"/>
-                <a:sym typeface="Gill Sans" charset="0"/>
-              </a:rPr>
-              <a:t>DOM</a:t>
-            </a:r>
-            <a:r>
-              <a:rPr lang="zh-CN" altLang="en-US" sz="2000" dirty="0" smtClean="0">
-                <a:latin typeface="微软雅黑"/>
-                <a:ea typeface="微软雅黑"/>
-                <a:sym typeface="Gill Sans" charset="0"/>
-              </a:rPr>
-              <a:t>等使用更加熟练</a:t>
-            </a:r>
-            <a:r>
-              <a:rPr lang="en-US" altLang="zh-CN" sz="2000" dirty="0" smtClean="0">
-                <a:latin typeface="微软雅黑"/>
-                <a:ea typeface="微软雅黑"/>
-                <a:sym typeface="Gill Sans" charset="0"/>
-              </a:rPr>
-              <a:t>,</a:t>
-            </a:r>
-            <a:r>
-              <a:rPr lang="zh-CN" altLang="en-US" sz="2000" dirty="0" smtClean="0">
-                <a:latin typeface="微软雅黑"/>
-                <a:ea typeface="微软雅黑"/>
-                <a:sym typeface="Gill Sans" charset="0"/>
-              </a:rPr>
-              <a:t>理解更加深刻；</a:t>
-            </a:r>
+              <a:t>并对代码进行封装优化；</a:t>
+            </a:r>
+            <a:endParaRPr lang="en-US" altLang="zh-CN" sz="2000" dirty="0">
+              <a:latin typeface="微软雅黑"/>
+              <a:ea typeface="微软雅黑"/>
+              <a:sym typeface="Gill Sans" charset="0"/>
+            </a:endParaRPr>
           </a:p>
           <a:p>
             <a:pPr algn="just" fontAlgn="base">
@@ -14212,7 +14264,7 @@
               </a:spcAft>
             </a:pPr>
             <a:r>
-              <a:rPr lang="en-US" altLang="zh-CN" sz="2000" dirty="0" smtClean="0">
+              <a:rPr lang="en-US" altLang="zh-CN" sz="2000" dirty="0">
                 <a:latin typeface="微软雅黑"/>
                 <a:ea typeface="微软雅黑"/>
                 <a:sym typeface="Gill Sans" charset="0"/>
@@ -14225,7 +14277,7 @@
                 <a:ea typeface="微软雅黑"/>
                 <a:sym typeface="Gill Sans" charset="0"/>
               </a:rPr>
-              <a:t>通过对</a:t>
+              <a:t>能够熟练使用</a:t>
             </a:r>
             <a:r>
               <a:rPr lang="en-US" altLang="zh-CN" sz="2000" dirty="0" err="1" smtClean="0">
@@ -14236,101 +14288,18 @@
               <a:t>Jquery</a:t>
             </a:r>
             <a:r>
-              <a:rPr lang="zh-CN" altLang="en-US" sz="2000" dirty="0">
+              <a:rPr lang="zh-CN" altLang="en-US" sz="2000" dirty="0" smtClean="0">
                 <a:latin typeface="微软雅黑"/>
                 <a:ea typeface="微软雅黑"/>
                 <a:sym typeface="Gill Sans" charset="0"/>
               </a:rPr>
-              <a:t>的使用能够</a:t>
-            </a:r>
-            <a:r>
-              <a:rPr lang="zh-CN" altLang="en-US" sz="2000" dirty="0" smtClean="0">
-                <a:latin typeface="微软雅黑"/>
-                <a:ea typeface="微软雅黑"/>
-                <a:sym typeface="Gill Sans" charset="0"/>
-              </a:rPr>
-              <a:t>对</a:t>
-            </a:r>
-            <a:r>
-              <a:rPr lang="en-US" altLang="zh-CN" sz="2000" dirty="0" smtClean="0">
-                <a:latin typeface="微软雅黑"/>
-                <a:ea typeface="微软雅黑"/>
-                <a:sym typeface="Gill Sans" charset="0"/>
-              </a:rPr>
-              <a:t>jQuery</a:t>
-            </a:r>
-            <a:r>
-              <a:rPr lang="zh-CN" altLang="en-US" sz="2000" dirty="0" smtClean="0">
-                <a:latin typeface="微软雅黑"/>
-                <a:ea typeface="微软雅黑"/>
-                <a:sym typeface="Gill Sans" charset="0"/>
-              </a:rPr>
-              <a:t>的选择</a:t>
-            </a:r>
-            <a:r>
-              <a:rPr lang="zh-CN" altLang="en-US" sz="2000" dirty="0">
-                <a:latin typeface="微软雅黑"/>
-                <a:ea typeface="微软雅黑"/>
-                <a:sym typeface="Gill Sans" charset="0"/>
-              </a:rPr>
-              <a:t>器</a:t>
-            </a:r>
-            <a:r>
-              <a:rPr lang="zh-CN" altLang="en-US" sz="2000" dirty="0" smtClean="0">
-                <a:latin typeface="微软雅黑"/>
-                <a:ea typeface="微软雅黑"/>
-                <a:sym typeface="Gill Sans" charset="0"/>
-              </a:rPr>
-              <a:t>、过滤器 、</a:t>
-            </a:r>
-            <a:r>
-              <a:rPr lang="en-US" altLang="zh-CN" sz="2000" dirty="0" smtClean="0">
-                <a:latin typeface="微软雅黑"/>
-                <a:ea typeface="微软雅黑"/>
-                <a:sym typeface="Gill Sans" charset="0"/>
-              </a:rPr>
-              <a:t>DOM</a:t>
-            </a:r>
-            <a:r>
-              <a:rPr lang="zh-CN" altLang="en-US" sz="2000" dirty="0" smtClean="0">
-                <a:latin typeface="微软雅黑"/>
-                <a:ea typeface="微软雅黑"/>
-                <a:sym typeface="Gill Sans" charset="0"/>
-              </a:rPr>
-              <a:t> </a:t>
-            </a:r>
-            <a:r>
-              <a:rPr lang="zh-CN" altLang="en-US" sz="2000" dirty="0">
-                <a:latin typeface="微软雅黑"/>
-                <a:ea typeface="微软雅黑"/>
-                <a:sym typeface="Gill Sans" charset="0"/>
-              </a:rPr>
-              <a:t>、</a:t>
-            </a:r>
-            <a:r>
-              <a:rPr lang="zh-CN" altLang="en-US" sz="2000" dirty="0" smtClean="0">
-                <a:latin typeface="微软雅黑"/>
-                <a:ea typeface="微软雅黑"/>
-                <a:sym typeface="Gill Sans" charset="0"/>
-              </a:rPr>
-              <a:t> 动画使用的更加熟练</a:t>
-            </a:r>
-            <a:r>
-              <a:rPr lang="en-US" altLang="zh-CN" sz="2000" dirty="0" smtClean="0">
-                <a:latin typeface="微软雅黑"/>
-                <a:ea typeface="微软雅黑"/>
-                <a:sym typeface="Gill Sans" charset="0"/>
-              </a:rPr>
-              <a:t>,</a:t>
-            </a:r>
-            <a:r>
-              <a:rPr lang="zh-CN" altLang="en-US" sz="2000" dirty="0" smtClean="0">
-                <a:latin typeface="微软雅黑"/>
-                <a:ea typeface="微软雅黑"/>
-                <a:sym typeface="Gill Sans" charset="0"/>
-              </a:rPr>
-              <a:t>掌握更加深刻；</a:t>
-            </a:r>
+              <a:t>库并且制作动画特效；</a:t>
+            </a:r>
+            <a:endParaRPr lang="en-US" altLang="zh-CN" sz="2000" dirty="0">
+              <a:latin typeface="微软雅黑"/>
+              <a:ea typeface="微软雅黑"/>
+              <a:sym typeface="Gill Sans" charset="0"/>
+            </a:endParaRPr>
           </a:p>
           <a:p>
             <a:pPr algn="just" fontAlgn="base">
@@ -14358,9 +14327,9 @@
                 <a:ea typeface="微软雅黑"/>
                 <a:sym typeface="Gill Sans" charset="0"/>
               </a:rPr>
-              <a:t>掌握代码的调试。</a:t>
-            </a:r>
-            <a:endParaRPr lang="zh-CN" altLang="en-US" sz="2000" dirty="0">
+              <a:t>能够熟练掌握各浏览器兼容性以及解决方案；</a:t>
+            </a:r>
+            <a:endParaRPr lang="en-US" altLang="zh-CN" sz="2000" dirty="0">
               <a:latin typeface="微软雅黑"/>
               <a:ea typeface="微软雅黑"/>
               <a:sym typeface="Gill Sans" charset="0"/>
@@ -14386,7 +14355,31 @@
               </a:rPr>
               <a:t>	</a:t>
             </a:r>
-            <a:endParaRPr lang="zh-CN" altLang="en-US" sz="2000" dirty="0">
+            <a:r>
+              <a:rPr lang="zh-CN" altLang="en-US" sz="2000" dirty="0" smtClean="0">
+                <a:latin typeface="微软雅黑"/>
+                <a:ea typeface="微软雅黑"/>
+                <a:sym typeface="Gill Sans" charset="0"/>
+              </a:rPr>
+              <a:t>能够掌握</a:t>
+            </a:r>
+            <a:r>
+              <a:rPr lang="en-US" altLang="zh-CN" sz="2000" dirty="0" smtClean="0">
+                <a:latin typeface="微软雅黑"/>
+                <a:ea typeface="微软雅黑"/>
+                <a:sym typeface="Gill Sans" charset="0"/>
+              </a:rPr>
+              <a:t>Web</a:t>
+            </a:r>
+            <a:r>
+              <a:rPr lang="zh-CN" altLang="en-US" sz="2000" dirty="0" smtClean="0">
+                <a:latin typeface="微软雅黑"/>
+                <a:ea typeface="微软雅黑"/>
+                <a:sym typeface="Gill Sans" charset="0"/>
+              </a:rPr>
+              <a:t>开发的行业规范和标准；</a:t>
+            </a:r>
+            <a:endParaRPr lang="en-US" altLang="zh-CN" sz="2000" dirty="0">
               <a:latin typeface="微软雅黑"/>
               <a:ea typeface="微软雅黑"/>
               <a:sym typeface="Gill Sans" charset="0"/>
@@ -14427,7 +14420,7 @@
     </p:spTree>
     <p:extLst>
       <p:ext uri="{BB962C8B-B14F-4D97-AF65-F5344CB8AC3E}">
-        <p14:creationId xmlns:p14="http://schemas.microsoft.com/office/powerpoint/2010/main" val="4010279021"/>
+        <p14:creationId xmlns:p14="http://schemas.microsoft.com/office/powerpoint/2010/main" val="2427267586"/>
       </p:ext>
     </p:extLst>
   </p:cSld>
@@ -14528,7 +14521,7 @@
         <p:spPr>
           <a:xfrm>
             <a:off x="171450" y="342900"/>
-            <a:ext cx="2181785" cy="584775"/>
+            <a:ext cx="2307291" cy="584775"/>
           </a:xfrm>
           <a:prstGeom prst="rect">
             <a:avLst/>
@@ -14550,7 +14543,7 @@
                 <a:latin typeface="微软雅黑" panose="020B0503020204020204" pitchFamily="34" charset="-122"/>
                 <a:ea typeface="微软雅黑" panose="020B0503020204020204" pitchFamily="34" charset="-122"/>
               </a:rPr>
-              <a:t>项目分解</a:t>
+              <a:t>训练技能点</a:t>
             </a:r>
           </a:p>
         </p:txBody>
@@ -14637,8 +14630,8 @@
         </p:nvSpPr>
         <p:spPr>
           <a:xfrm>
-            <a:off x="589328" y="899755"/>
-            <a:ext cx="10703858" cy="6247864"/>
+            <a:off x="632013" y="1484530"/>
+            <a:ext cx="10703858" cy="4939814"/>
           </a:xfrm>
           <a:prstGeom prst="rect">
             <a:avLst/>
@@ -14668,422 +14661,20 @@
                 <a:ea typeface="微软雅黑"/>
                 <a:sym typeface="Gill Sans" charset="0"/>
               </a:rPr>
-              <a:t>此项目中，一共包含有如下</a:t>
-            </a:r>
-            <a:r>
-              <a:rPr lang="zh-CN" altLang="en-US" sz="2000" b="1" dirty="0" smtClean="0">
+              <a:t>在项目实训过程中，要训练的技能点包含</a:t>
+            </a:r>
+            <a:r>
+              <a:rPr lang="zh-CN" altLang="en-US" sz="2000" dirty="0">
                 <a:latin typeface="微软雅黑"/>
                 <a:ea typeface="微软雅黑"/>
                 <a:sym typeface="Gill Sans" charset="0"/>
               </a:rPr>
-              <a:t>功能模块</a:t>
-            </a:r>
-            <a:r>
-              <a:rPr lang="en-US" altLang="zh-CN" sz="2000" b="1" dirty="0" smtClean="0">
-                <a:latin typeface="微软雅黑"/>
-                <a:ea typeface="微软雅黑"/>
-                <a:sym typeface="Gill Sans" charset="0"/>
-              </a:rPr>
-              <a:t>;</a:t>
-            </a:r>
-            <a:endParaRPr lang="en-US" altLang="zh-CN" sz="2000" b="1" dirty="0">
-              <a:latin typeface="微软雅黑"/>
-              <a:ea typeface="微软雅黑"/>
-              <a:sym typeface="Gill Sans" charset="0"/>
-            </a:endParaRPr>
-          </a:p>
-          <a:p>
-            <a:pPr algn="just" fontAlgn="base">
-              <a:lnSpc>
-                <a:spcPct val="150000"/>
-              </a:lnSpc>
-              <a:spcBef>
-                <a:spcPct val="0"/>
-              </a:spcBef>
-              <a:spcAft>
-                <a:spcPct val="0"/>
-              </a:spcAft>
-            </a:pPr>
-            <a:r>
-              <a:rPr lang="en-US" altLang="zh-CN" sz="2000" dirty="0">
-                <a:latin typeface="微软雅黑"/>
-                <a:ea typeface="微软雅黑"/>
-                <a:sym typeface="Gill Sans" charset="0"/>
-              </a:rPr>
-              <a:t>	</a:t>
-            </a:r>
-            <a:r>
-              <a:rPr lang="zh-CN" altLang="en-US" sz="2000" dirty="0" smtClean="0">
-                <a:latin typeface="微软雅黑"/>
-                <a:ea typeface="微软雅黑"/>
-                <a:sym typeface="Gill Sans" charset="0"/>
-              </a:rPr>
-              <a:t>下拉菜单模块</a:t>
-            </a:r>
-            <a:endParaRPr lang="en-US" altLang="zh-CN" sz="2000" dirty="0">
-              <a:latin typeface="微软雅黑"/>
-              <a:ea typeface="微软雅黑"/>
-            </a:endParaRPr>
-          </a:p>
-          <a:p>
-            <a:pPr algn="just" fontAlgn="base">
-              <a:lnSpc>
-                <a:spcPct val="150000"/>
-              </a:lnSpc>
-              <a:spcBef>
-                <a:spcPct val="0"/>
-              </a:spcBef>
-              <a:spcAft>
-                <a:spcPct val="0"/>
-              </a:spcAft>
-            </a:pPr>
-            <a:r>
-              <a:rPr lang="en-US" altLang="zh-CN" sz="2000" dirty="0">
-                <a:latin typeface="微软雅黑"/>
-                <a:ea typeface="微软雅黑"/>
-                <a:sym typeface="Gill Sans" charset="0"/>
-              </a:rPr>
-              <a:t>	</a:t>
-            </a:r>
-            <a:r>
-              <a:rPr lang="zh-CN" altLang="en-US" sz="2000" dirty="0" smtClean="0">
-                <a:latin typeface="微软雅黑"/>
-                <a:ea typeface="微软雅黑"/>
-                <a:sym typeface="Gill Sans" charset="0"/>
-              </a:rPr>
-              <a:t>用户登录模块</a:t>
-            </a:r>
-            <a:endParaRPr lang="en-US" altLang="zh-CN" sz="2000" dirty="0">
-              <a:latin typeface="微软雅黑"/>
-              <a:ea typeface="微软雅黑"/>
-            </a:endParaRPr>
-          </a:p>
-          <a:p>
-            <a:pPr marL="0" lvl="2" algn="just" fontAlgn="base">
-              <a:lnSpc>
-                <a:spcPct val="150000"/>
-              </a:lnSpc>
-              <a:spcBef>
-                <a:spcPct val="0"/>
-              </a:spcBef>
-              <a:spcAft>
-                <a:spcPct val="0"/>
-              </a:spcAft>
-            </a:pPr>
-            <a:r>
-              <a:rPr lang="en-US" altLang="zh-CN" sz="2000" dirty="0" smtClean="0">
-                <a:latin typeface="微软雅黑"/>
-                <a:ea typeface="微软雅黑"/>
-              </a:rPr>
-              <a:t>	</a:t>
-            </a:r>
-            <a:r>
-              <a:rPr lang="zh-CN" altLang="en-US" sz="2000" dirty="0" smtClean="0">
-                <a:latin typeface="微软雅黑"/>
-                <a:ea typeface="微软雅黑"/>
-              </a:rPr>
-              <a:t>锁屏遮罩模块</a:t>
-            </a:r>
-            <a:r>
-              <a:rPr lang="en-US" altLang="zh-CN" sz="2000" dirty="0">
-                <a:latin typeface="微软雅黑"/>
-                <a:ea typeface="微软雅黑"/>
-              </a:rPr>
-              <a:t>	</a:t>
-            </a:r>
-            <a:endParaRPr lang="en-US" altLang="zh-CN" sz="2000" dirty="0" smtClean="0">
-              <a:latin typeface="微软雅黑"/>
-              <a:ea typeface="微软雅黑"/>
-            </a:endParaRPr>
-          </a:p>
-          <a:p>
-            <a:pPr marL="0" lvl="2" algn="just" fontAlgn="base">
-              <a:lnSpc>
-                <a:spcPct val="150000"/>
-              </a:lnSpc>
-              <a:spcBef>
-                <a:spcPct val="0"/>
-              </a:spcBef>
-              <a:spcAft>
-                <a:spcPct val="0"/>
-              </a:spcAft>
-            </a:pPr>
-            <a:r>
-              <a:rPr lang="en-US" altLang="zh-CN" sz="2000" dirty="0">
-                <a:latin typeface="微软雅黑"/>
-                <a:ea typeface="微软雅黑"/>
-                <a:sym typeface="Gill Sans" charset="0"/>
-              </a:rPr>
-              <a:t>	</a:t>
-            </a:r>
-            <a:r>
-              <a:rPr lang="zh-CN" altLang="en-US" sz="2000" dirty="0">
-                <a:latin typeface="微软雅黑"/>
-                <a:ea typeface="微软雅黑"/>
-              </a:rPr>
-              <a:t>拖</a:t>
-            </a:r>
-            <a:r>
-              <a:rPr lang="zh-CN" altLang="en-US" sz="2000" dirty="0" smtClean="0">
-                <a:latin typeface="微软雅黑"/>
-                <a:ea typeface="微软雅黑"/>
-              </a:rPr>
-              <a:t>拽模块</a:t>
-            </a:r>
-            <a:endParaRPr lang="en-US" altLang="zh-CN" sz="2000" dirty="0" smtClean="0">
-              <a:latin typeface="微软雅黑"/>
-              <a:ea typeface="微软雅黑"/>
-            </a:endParaRPr>
-          </a:p>
-          <a:p>
-            <a:pPr marL="0" lvl="2" algn="just" fontAlgn="base">
-              <a:lnSpc>
-                <a:spcPct val="150000"/>
-              </a:lnSpc>
-              <a:spcBef>
-                <a:spcPct val="0"/>
-              </a:spcBef>
-              <a:spcAft>
-                <a:spcPct val="0"/>
-              </a:spcAft>
-            </a:pPr>
-            <a:r>
-              <a:rPr lang="en-US" altLang="zh-CN" sz="2000" dirty="0">
-                <a:latin typeface="微软雅黑"/>
-                <a:ea typeface="微软雅黑"/>
-                <a:sym typeface="Gill Sans" charset="0"/>
-              </a:rPr>
-              <a:t>	</a:t>
-            </a:r>
-            <a:r>
-              <a:rPr lang="zh-CN" altLang="en-US" sz="2000" dirty="0">
-                <a:latin typeface="微软雅黑"/>
-                <a:ea typeface="微软雅黑"/>
-              </a:rPr>
-              <a:t>百度分享侧边栏效果制作</a:t>
-            </a:r>
-            <a:endParaRPr lang="en-US" altLang="zh-CN" sz="2000" dirty="0">
-              <a:latin typeface="微软雅黑"/>
-              <a:ea typeface="微软雅黑"/>
-            </a:endParaRPr>
-          </a:p>
-          <a:p>
-            <a:pPr algn="just" fontAlgn="base">
-              <a:lnSpc>
-                <a:spcPct val="150000"/>
-              </a:lnSpc>
-              <a:spcBef>
-                <a:spcPct val="0"/>
-              </a:spcBef>
-              <a:spcAft>
-                <a:spcPct val="0"/>
-              </a:spcAft>
-            </a:pPr>
-            <a:r>
-              <a:rPr lang="en-US" altLang="zh-CN" sz="2000" dirty="0">
-                <a:latin typeface="微软雅黑"/>
-                <a:ea typeface="微软雅黑"/>
-                <a:sym typeface="Gill Sans" charset="0"/>
-              </a:rPr>
-              <a:t>	</a:t>
-            </a:r>
-            <a:r>
-              <a:rPr lang="zh-CN" altLang="en-US" sz="2000" dirty="0">
-                <a:latin typeface="微软雅黑"/>
-                <a:ea typeface="微软雅黑"/>
-              </a:rPr>
-              <a:t>增强遮罩效果和下拉菜单效果</a:t>
+              <a:t>：</a:t>
             </a:r>
             <a:endParaRPr lang="en-US" altLang="zh-CN" sz="2000" dirty="0">
               <a:latin typeface="微软雅黑"/>
               <a:ea typeface="微软雅黑"/>
               <a:sym typeface="Gill Sans" charset="0"/>
-            </a:endParaRPr>
-          </a:p>
-          <a:p>
-            <a:pPr algn="just" fontAlgn="base">
-              <a:lnSpc>
-                <a:spcPct val="150000"/>
-              </a:lnSpc>
-              <a:spcBef>
-                <a:spcPct val="0"/>
-              </a:spcBef>
-              <a:spcAft>
-                <a:spcPct val="0"/>
-              </a:spcAft>
-            </a:pPr>
-            <a:r>
-              <a:rPr lang="en-US" altLang="zh-CN" sz="2000" dirty="0">
-                <a:latin typeface="微软雅黑"/>
-                <a:ea typeface="微软雅黑"/>
-                <a:sym typeface="Gill Sans" charset="0"/>
-              </a:rPr>
-              <a:t>	</a:t>
-            </a:r>
-            <a:r>
-              <a:rPr lang="zh-CN" altLang="en-US" sz="2000" dirty="0" smtClean="0">
-                <a:latin typeface="微软雅黑"/>
-                <a:ea typeface="微软雅黑"/>
-              </a:rPr>
-              <a:t>滑动导航模块</a:t>
-            </a:r>
-            <a:endParaRPr lang="en-US" altLang="zh-CN" sz="2000" dirty="0" smtClean="0">
-              <a:latin typeface="微软雅黑"/>
-              <a:ea typeface="微软雅黑"/>
-            </a:endParaRPr>
-          </a:p>
-          <a:p>
-            <a:pPr algn="just" fontAlgn="base">
-              <a:lnSpc>
-                <a:spcPct val="150000"/>
-              </a:lnSpc>
-              <a:spcBef>
-                <a:spcPct val="0"/>
-              </a:spcBef>
-              <a:spcAft>
-                <a:spcPct val="0"/>
-              </a:spcAft>
-            </a:pPr>
-            <a:r>
-              <a:rPr lang="en-US" altLang="zh-CN" sz="2000" dirty="0">
-                <a:latin typeface="微软雅黑"/>
-                <a:ea typeface="微软雅黑"/>
-                <a:sym typeface="Gill Sans" charset="0"/>
-              </a:rPr>
-              <a:t>	</a:t>
-            </a:r>
-            <a:r>
-              <a:rPr lang="zh-CN" altLang="en-US" sz="2000" dirty="0" smtClean="0">
-                <a:latin typeface="微软雅黑"/>
-                <a:ea typeface="微软雅黑"/>
-              </a:rPr>
-              <a:t>菜单切换</a:t>
-            </a:r>
-            <a:r>
-              <a:rPr lang="zh-CN" altLang="en-US" sz="2000" dirty="0">
-                <a:latin typeface="微软雅黑"/>
-                <a:ea typeface="微软雅黑"/>
-              </a:rPr>
-              <a:t>模块</a:t>
-            </a:r>
-            <a:endParaRPr lang="en-US" altLang="zh-CN" sz="2000" dirty="0">
-              <a:latin typeface="微软雅黑"/>
-              <a:ea typeface="微软雅黑"/>
-            </a:endParaRPr>
-          </a:p>
-          <a:p>
-            <a:pPr algn="just" fontAlgn="base">
-              <a:lnSpc>
-                <a:spcPct val="150000"/>
-              </a:lnSpc>
-              <a:spcBef>
-                <a:spcPct val="0"/>
-              </a:spcBef>
-              <a:spcAft>
-                <a:spcPct val="0"/>
-              </a:spcAft>
-            </a:pPr>
-            <a:r>
-              <a:rPr lang="en-US" altLang="zh-CN" sz="2000" dirty="0">
-                <a:latin typeface="微软雅黑"/>
-                <a:ea typeface="微软雅黑"/>
-                <a:sym typeface="Gill Sans" charset="0"/>
-              </a:rPr>
-              <a:t>	</a:t>
-            </a:r>
-            <a:r>
-              <a:rPr lang="zh-CN" altLang="en-US" sz="2000" dirty="0">
-                <a:latin typeface="微软雅黑"/>
-                <a:ea typeface="微软雅黑"/>
-              </a:rPr>
-              <a:t>轮播</a:t>
-            </a:r>
-            <a:r>
-              <a:rPr lang="zh-CN" altLang="en-US" sz="2000" dirty="0" smtClean="0">
-                <a:latin typeface="微软雅黑"/>
-                <a:ea typeface="微软雅黑"/>
-              </a:rPr>
-              <a:t>器模块</a:t>
-            </a:r>
-            <a:endParaRPr lang="en-US" altLang="zh-CN" sz="2000" dirty="0" smtClean="0">
-              <a:latin typeface="微软雅黑"/>
-              <a:ea typeface="微软雅黑"/>
-            </a:endParaRPr>
-          </a:p>
-          <a:p>
-            <a:pPr algn="just" fontAlgn="base">
-              <a:lnSpc>
-                <a:spcPct val="150000"/>
-              </a:lnSpc>
-              <a:spcBef>
-                <a:spcPct val="0"/>
-              </a:spcBef>
-              <a:spcAft>
-                <a:spcPct val="0"/>
-              </a:spcAft>
-            </a:pPr>
-            <a:r>
-              <a:rPr lang="en-US" altLang="zh-CN" sz="2000" dirty="0">
-                <a:latin typeface="微软雅黑"/>
-                <a:ea typeface="微软雅黑"/>
-              </a:rPr>
-              <a:t>	</a:t>
-            </a:r>
-            <a:r>
-              <a:rPr lang="zh-CN" altLang="en-US" sz="2000" dirty="0">
-                <a:latin typeface="微软雅黑"/>
-                <a:ea typeface="微软雅黑"/>
-              </a:rPr>
-              <a:t>延迟</a:t>
-            </a:r>
-            <a:r>
-              <a:rPr lang="zh-CN" altLang="en-US" sz="2000" dirty="0" smtClean="0">
-                <a:latin typeface="微软雅黑"/>
-                <a:ea typeface="微软雅黑"/>
-              </a:rPr>
-              <a:t>加载模块</a:t>
-            </a:r>
-            <a:endParaRPr lang="en-US" altLang="zh-CN" sz="2000" dirty="0" smtClean="0">
-              <a:latin typeface="微软雅黑"/>
-              <a:ea typeface="微软雅黑"/>
-            </a:endParaRPr>
-          </a:p>
-          <a:p>
-            <a:pPr algn="just" fontAlgn="base">
-              <a:lnSpc>
-                <a:spcPct val="150000"/>
-              </a:lnSpc>
-              <a:spcBef>
-                <a:spcPct val="0"/>
-              </a:spcBef>
-              <a:spcAft>
-                <a:spcPct val="0"/>
-              </a:spcAft>
-            </a:pPr>
-            <a:r>
-              <a:rPr lang="en-US" altLang="zh-CN" sz="2000" dirty="0">
-                <a:latin typeface="微软雅黑"/>
-                <a:ea typeface="微软雅黑"/>
-              </a:rPr>
-              <a:t>	</a:t>
-            </a:r>
-            <a:r>
-              <a:rPr lang="zh-CN" altLang="en-US" sz="2000" dirty="0">
-                <a:latin typeface="微软雅黑"/>
-                <a:ea typeface="微软雅黑"/>
-              </a:rPr>
-              <a:t>发表</a:t>
-            </a:r>
-            <a:r>
-              <a:rPr lang="zh-CN" altLang="en-US" sz="2000" dirty="0" smtClean="0">
-                <a:latin typeface="微软雅黑"/>
-                <a:ea typeface="微软雅黑"/>
-              </a:rPr>
-              <a:t>博文模块</a:t>
-            </a:r>
-            <a:endParaRPr lang="en-US" altLang="zh-CN" sz="2000" dirty="0">
-              <a:latin typeface="微软雅黑"/>
-              <a:ea typeface="微软雅黑"/>
             </a:endParaRPr>
           </a:p>
           <a:p>
@@ -15098,6 +14689,430 @@
                 <a:spcPct val="0"/>
               </a:spcAft>
             </a:pPr>
+            <a:r>
+              <a:rPr lang="en-US" altLang="zh-CN" sz="2000" dirty="0">
+                <a:latin typeface="微软雅黑"/>
+                <a:ea typeface="微软雅黑"/>
+                <a:sym typeface="Gill Sans" charset="0"/>
+              </a:rPr>
+              <a:t>	</a:t>
+            </a:r>
+            <a:r>
+              <a:rPr lang="zh-CN" altLang="en-US" sz="2000" dirty="0" smtClean="0">
+                <a:latin typeface="微软雅黑"/>
+                <a:ea typeface="微软雅黑"/>
+                <a:sym typeface="Gill Sans" charset="0"/>
+              </a:rPr>
+              <a:t>通过</a:t>
+            </a:r>
+            <a:r>
+              <a:rPr lang="en-US" altLang="zh-CN" sz="2000" dirty="0" smtClean="0">
+                <a:latin typeface="微软雅黑"/>
+                <a:ea typeface="微软雅黑"/>
+                <a:sym typeface="Gill Sans" charset="0"/>
+              </a:rPr>
+              <a:t>HTML</a:t>
+            </a:r>
+            <a:r>
+              <a:rPr lang="zh-CN" altLang="en-US" sz="2000" dirty="0" smtClean="0">
+                <a:latin typeface="微软雅黑"/>
+                <a:ea typeface="微软雅黑"/>
+                <a:sym typeface="Gill Sans" charset="0"/>
+              </a:rPr>
+              <a:t>实现页面布局结构的搭建；</a:t>
+            </a:r>
+            <a:endParaRPr lang="en-US" altLang="zh-CN" sz="2000" dirty="0">
+              <a:latin typeface="微软雅黑"/>
+              <a:ea typeface="微软雅黑"/>
+              <a:sym typeface="Gill Sans" charset="0"/>
+            </a:endParaRPr>
+          </a:p>
+          <a:p>
+            <a:pPr algn="just" fontAlgn="base">
+              <a:lnSpc>
+                <a:spcPct val="175000"/>
+              </a:lnSpc>
+              <a:spcBef>
+                <a:spcPct val="0"/>
+              </a:spcBef>
+              <a:spcAft>
+                <a:spcPct val="0"/>
+              </a:spcAft>
+            </a:pPr>
+            <a:r>
+              <a:rPr lang="en-US" altLang="zh-CN" sz="2000" dirty="0">
+                <a:latin typeface="微软雅黑"/>
+                <a:ea typeface="微软雅黑"/>
+                <a:sym typeface="Gill Sans" charset="0"/>
+              </a:rPr>
+              <a:t>	</a:t>
+            </a:r>
+            <a:r>
+              <a:rPr lang="zh-CN" altLang="en-US" sz="2000" dirty="0" smtClean="0">
+                <a:latin typeface="微软雅黑"/>
+                <a:ea typeface="微软雅黑"/>
+                <a:sym typeface="Gill Sans" charset="0"/>
+              </a:rPr>
+              <a:t>通过</a:t>
+            </a:r>
+            <a:r>
+              <a:rPr lang="en-US" altLang="zh-CN" sz="2000" dirty="0" smtClean="0">
+                <a:latin typeface="微软雅黑"/>
+                <a:ea typeface="微软雅黑"/>
+                <a:sym typeface="Gill Sans" charset="0"/>
+              </a:rPr>
+              <a:t>CSS</a:t>
+            </a:r>
+            <a:r>
+              <a:rPr lang="zh-CN" altLang="en-US" sz="2000" dirty="0" smtClean="0">
+                <a:latin typeface="微软雅黑"/>
+                <a:ea typeface="微软雅黑"/>
+                <a:sym typeface="Gill Sans" charset="0"/>
+              </a:rPr>
+              <a:t>实现页面的美化和浏览器兼容处理；</a:t>
+            </a:r>
+            <a:endParaRPr lang="en-US" altLang="zh-CN" sz="2000" dirty="0">
+              <a:latin typeface="微软雅黑"/>
+              <a:ea typeface="微软雅黑"/>
+              <a:sym typeface="Gill Sans" charset="0"/>
+            </a:endParaRPr>
+          </a:p>
+          <a:p>
+            <a:pPr algn="just" fontAlgn="base">
+              <a:lnSpc>
+                <a:spcPct val="175000"/>
+              </a:lnSpc>
+              <a:spcBef>
+                <a:spcPct val="0"/>
+              </a:spcBef>
+              <a:spcAft>
+                <a:spcPct val="0"/>
+              </a:spcAft>
+            </a:pPr>
+            <a:r>
+              <a:rPr lang="en-US" altLang="zh-CN" sz="2000" dirty="0">
+                <a:latin typeface="微软雅黑"/>
+                <a:ea typeface="微软雅黑"/>
+                <a:sym typeface="Gill Sans" charset="0"/>
+              </a:rPr>
+              <a:t>	</a:t>
+            </a:r>
+            <a:r>
+              <a:rPr lang="zh-CN" altLang="en-US" sz="2000" dirty="0" smtClean="0">
+                <a:latin typeface="微软雅黑"/>
+                <a:ea typeface="微软雅黑"/>
+                <a:sym typeface="Gill Sans" charset="0"/>
+              </a:rPr>
+              <a:t>通过</a:t>
+            </a:r>
+            <a:r>
+              <a:rPr lang="en-US" altLang="zh-CN" sz="2000" dirty="0" smtClean="0">
+                <a:latin typeface="微软雅黑"/>
+                <a:ea typeface="微软雅黑"/>
+                <a:sym typeface="Gill Sans" charset="0"/>
+              </a:rPr>
+              <a:t>JavaScript</a:t>
+            </a:r>
+            <a:r>
+              <a:rPr lang="zh-CN" altLang="en-US" sz="2000" dirty="0" smtClean="0">
+                <a:latin typeface="微软雅黑"/>
+                <a:ea typeface="微软雅黑"/>
+                <a:sym typeface="Gill Sans" charset="0"/>
+              </a:rPr>
+              <a:t>的使用能够对变量</a:t>
+            </a:r>
+            <a:r>
+              <a:rPr lang="zh-CN" altLang="en-US" sz="2000" dirty="0">
+                <a:latin typeface="微软雅黑"/>
+                <a:ea typeface="微软雅黑"/>
+                <a:sym typeface="Gill Sans" charset="0"/>
+              </a:rPr>
+              <a:t>、 </a:t>
+            </a:r>
+            <a:r>
+              <a:rPr lang="zh-CN" altLang="en-US" sz="2000" dirty="0" smtClean="0">
+                <a:latin typeface="微软雅黑"/>
+                <a:ea typeface="微软雅黑"/>
+                <a:sym typeface="Gill Sans" charset="0"/>
+              </a:rPr>
+              <a:t>流程控制语句</a:t>
+            </a:r>
+            <a:r>
+              <a:rPr lang="zh-CN" altLang="en-US" sz="2000" dirty="0">
+                <a:latin typeface="微软雅黑"/>
+                <a:ea typeface="微软雅黑"/>
+                <a:sym typeface="Gill Sans" charset="0"/>
+              </a:rPr>
+              <a:t>、</a:t>
+            </a:r>
+            <a:r>
+              <a:rPr lang="zh-CN" altLang="en-US" sz="2000" dirty="0" smtClean="0">
+                <a:latin typeface="微软雅黑"/>
+                <a:ea typeface="微软雅黑"/>
+                <a:sym typeface="Gill Sans" charset="0"/>
+              </a:rPr>
+              <a:t>数组</a:t>
+            </a:r>
+            <a:r>
+              <a:rPr lang="zh-CN" altLang="en-US" sz="2000" dirty="0">
+                <a:latin typeface="微软雅黑"/>
+                <a:ea typeface="微软雅黑"/>
+                <a:sym typeface="Gill Sans" charset="0"/>
+              </a:rPr>
+              <a:t>、</a:t>
+            </a:r>
+            <a:r>
+              <a:rPr lang="zh-CN" altLang="en-US" sz="2000" dirty="0" smtClean="0">
+                <a:latin typeface="微软雅黑"/>
+                <a:ea typeface="微软雅黑"/>
+                <a:sym typeface="Gill Sans" charset="0"/>
+              </a:rPr>
+              <a:t>对象</a:t>
+            </a:r>
+            <a:r>
+              <a:rPr lang="zh-CN" altLang="en-US" sz="2000" dirty="0">
+                <a:latin typeface="微软雅黑"/>
+                <a:ea typeface="微软雅黑"/>
+                <a:sym typeface="Gill Sans" charset="0"/>
+              </a:rPr>
+              <a:t>、 </a:t>
+            </a:r>
+            <a:r>
+              <a:rPr lang="zh-CN" altLang="en-US" sz="2000" dirty="0" smtClean="0">
+                <a:latin typeface="微软雅黑"/>
+                <a:ea typeface="微软雅黑"/>
+                <a:sym typeface="Gill Sans" charset="0"/>
+              </a:rPr>
+              <a:t>运算符</a:t>
+            </a:r>
+            <a:r>
+              <a:rPr lang="zh-CN" altLang="en-US" sz="2000" dirty="0">
+                <a:latin typeface="微软雅黑"/>
+                <a:ea typeface="微软雅黑"/>
+                <a:sym typeface="Gill Sans" charset="0"/>
+              </a:rPr>
+              <a:t>、 </a:t>
+            </a:r>
+            <a:r>
+              <a:rPr lang="en-US" altLang="zh-CN" sz="2000" dirty="0" smtClean="0">
+                <a:latin typeface="微软雅黑"/>
+                <a:ea typeface="微软雅黑"/>
+                <a:sym typeface="Gill Sans" charset="0"/>
+              </a:rPr>
+              <a:t>DOM</a:t>
+            </a:r>
+            <a:r>
+              <a:rPr lang="zh-CN" altLang="en-US" sz="2000" dirty="0" smtClean="0">
+                <a:latin typeface="微软雅黑"/>
+                <a:ea typeface="微软雅黑"/>
+                <a:sym typeface="Gill Sans" charset="0"/>
+              </a:rPr>
+              <a:t>等使用更加熟练</a:t>
+            </a:r>
+            <a:r>
+              <a:rPr lang="en-US" altLang="zh-CN" sz="2000" dirty="0" smtClean="0">
+                <a:latin typeface="微软雅黑"/>
+                <a:ea typeface="微软雅黑"/>
+                <a:sym typeface="Gill Sans" charset="0"/>
+              </a:rPr>
+              <a:t>,</a:t>
+            </a:r>
+            <a:r>
+              <a:rPr lang="zh-CN" altLang="en-US" sz="2000" dirty="0" smtClean="0">
+                <a:latin typeface="微软雅黑"/>
+                <a:ea typeface="微软雅黑"/>
+                <a:sym typeface="Gill Sans" charset="0"/>
+              </a:rPr>
+              <a:t>理解更加深刻；</a:t>
+            </a:r>
+          </a:p>
+          <a:p>
+            <a:pPr algn="just" fontAlgn="base">
+              <a:lnSpc>
+                <a:spcPct val="175000"/>
+              </a:lnSpc>
+              <a:spcBef>
+                <a:spcPct val="0"/>
+              </a:spcBef>
+              <a:spcAft>
+                <a:spcPct val="0"/>
+              </a:spcAft>
+            </a:pPr>
+            <a:r>
+              <a:rPr lang="en-US" altLang="zh-CN" sz="2000" dirty="0" smtClean="0">
+                <a:latin typeface="微软雅黑"/>
+                <a:ea typeface="微软雅黑"/>
+                <a:sym typeface="Gill Sans" charset="0"/>
+              </a:rPr>
+              <a:t>	</a:t>
+            </a:r>
+            <a:r>
+              <a:rPr lang="zh-CN" altLang="en-US" sz="2000" dirty="0" smtClean="0">
+                <a:latin typeface="微软雅黑"/>
+                <a:ea typeface="微软雅黑"/>
+                <a:sym typeface="Gill Sans" charset="0"/>
+              </a:rPr>
+              <a:t>通过对</a:t>
+            </a:r>
+            <a:r>
+              <a:rPr lang="en-US" altLang="zh-CN" sz="2000" dirty="0" err="1" smtClean="0">
+                <a:latin typeface="微软雅黑"/>
+                <a:ea typeface="微软雅黑"/>
+                <a:sym typeface="Gill Sans" charset="0"/>
+              </a:rPr>
+              <a:t>Jquery</a:t>
+            </a:r>
+            <a:r>
+              <a:rPr lang="zh-CN" altLang="en-US" sz="2000" dirty="0">
+                <a:latin typeface="微软雅黑"/>
+                <a:ea typeface="微软雅黑"/>
+                <a:sym typeface="Gill Sans" charset="0"/>
+              </a:rPr>
+              <a:t>的使用能够</a:t>
+            </a:r>
+            <a:r>
+              <a:rPr lang="zh-CN" altLang="en-US" sz="2000" dirty="0" smtClean="0">
+                <a:latin typeface="微软雅黑"/>
+                <a:ea typeface="微软雅黑"/>
+                <a:sym typeface="Gill Sans" charset="0"/>
+              </a:rPr>
+              <a:t>对</a:t>
+            </a:r>
+            <a:r>
+              <a:rPr lang="en-US" altLang="zh-CN" sz="2000" dirty="0" smtClean="0">
+                <a:latin typeface="微软雅黑"/>
+                <a:ea typeface="微软雅黑"/>
+                <a:sym typeface="Gill Sans" charset="0"/>
+              </a:rPr>
+              <a:t>jQuery</a:t>
+            </a:r>
+            <a:r>
+              <a:rPr lang="zh-CN" altLang="en-US" sz="2000" dirty="0" smtClean="0">
+                <a:latin typeface="微软雅黑"/>
+                <a:ea typeface="微软雅黑"/>
+                <a:sym typeface="Gill Sans" charset="0"/>
+              </a:rPr>
+              <a:t>的选择</a:t>
+            </a:r>
+            <a:r>
+              <a:rPr lang="zh-CN" altLang="en-US" sz="2000" dirty="0">
+                <a:latin typeface="微软雅黑"/>
+                <a:ea typeface="微软雅黑"/>
+                <a:sym typeface="Gill Sans" charset="0"/>
+              </a:rPr>
+              <a:t>器</a:t>
+            </a:r>
+            <a:r>
+              <a:rPr lang="zh-CN" altLang="en-US" sz="2000" dirty="0" smtClean="0">
+                <a:latin typeface="微软雅黑"/>
+                <a:ea typeface="微软雅黑"/>
+                <a:sym typeface="Gill Sans" charset="0"/>
+              </a:rPr>
+              <a:t>、过滤器 、</a:t>
+            </a:r>
+            <a:r>
+              <a:rPr lang="en-US" altLang="zh-CN" sz="2000" dirty="0" smtClean="0">
+                <a:latin typeface="微软雅黑"/>
+                <a:ea typeface="微软雅黑"/>
+                <a:sym typeface="Gill Sans" charset="0"/>
+              </a:rPr>
+              <a:t>DOM</a:t>
+            </a:r>
+            <a:r>
+              <a:rPr lang="zh-CN" altLang="en-US" sz="2000" dirty="0" smtClean="0">
+                <a:latin typeface="微软雅黑"/>
+                <a:ea typeface="微软雅黑"/>
+                <a:sym typeface="Gill Sans" charset="0"/>
+              </a:rPr>
+              <a:t> </a:t>
+            </a:r>
+            <a:r>
+              <a:rPr lang="zh-CN" altLang="en-US" sz="2000" dirty="0">
+                <a:latin typeface="微软雅黑"/>
+                <a:ea typeface="微软雅黑"/>
+                <a:sym typeface="Gill Sans" charset="0"/>
+              </a:rPr>
+              <a:t>、</a:t>
+            </a:r>
+            <a:r>
+              <a:rPr lang="zh-CN" altLang="en-US" sz="2000" dirty="0" smtClean="0">
+                <a:latin typeface="微软雅黑"/>
+                <a:ea typeface="微软雅黑"/>
+                <a:sym typeface="Gill Sans" charset="0"/>
+              </a:rPr>
+              <a:t> 动画使用的更加熟练</a:t>
+            </a:r>
+            <a:r>
+              <a:rPr lang="en-US" altLang="zh-CN" sz="2000" dirty="0" smtClean="0">
+                <a:latin typeface="微软雅黑"/>
+                <a:ea typeface="微软雅黑"/>
+                <a:sym typeface="Gill Sans" charset="0"/>
+              </a:rPr>
+              <a:t>,</a:t>
+            </a:r>
+            <a:r>
+              <a:rPr lang="zh-CN" altLang="en-US" sz="2000" dirty="0" smtClean="0">
+                <a:latin typeface="微软雅黑"/>
+                <a:ea typeface="微软雅黑"/>
+                <a:sym typeface="Gill Sans" charset="0"/>
+              </a:rPr>
+              <a:t>掌握更加深刻；</a:t>
+            </a:r>
+          </a:p>
+          <a:p>
+            <a:pPr algn="just" fontAlgn="base">
+              <a:lnSpc>
+                <a:spcPct val="175000"/>
+              </a:lnSpc>
+              <a:spcBef>
+                <a:spcPct val="0"/>
+              </a:spcBef>
+              <a:spcAft>
+                <a:spcPct val="0"/>
+              </a:spcAft>
+            </a:pPr>
+            <a:r>
+              <a:rPr lang="en-US" altLang="zh-CN" sz="2000" dirty="0">
+                <a:latin typeface="微软雅黑"/>
+                <a:ea typeface="微软雅黑"/>
+                <a:sym typeface="Gill Sans" charset="0"/>
+              </a:rPr>
+              <a:t>	</a:t>
+            </a:r>
+            <a:r>
+              <a:rPr lang="zh-CN" altLang="en-US" sz="2000" dirty="0" smtClean="0">
+                <a:latin typeface="微软雅黑"/>
+                <a:ea typeface="微软雅黑"/>
+                <a:sym typeface="Gill Sans" charset="0"/>
+              </a:rPr>
+              <a:t>掌握代码的调试。</a:t>
+            </a:r>
+            <a:endParaRPr lang="zh-CN" altLang="en-US" sz="2000" dirty="0">
+              <a:latin typeface="微软雅黑"/>
+              <a:ea typeface="微软雅黑"/>
+              <a:sym typeface="Gill Sans" charset="0"/>
+            </a:endParaRPr>
+          </a:p>
+          <a:p>
+            <a:pPr algn="just" fontAlgn="base">
+              <a:lnSpc>
+                <a:spcPct val="175000"/>
+              </a:lnSpc>
+              <a:spcBef>
+                <a:spcPct val="0"/>
+              </a:spcBef>
+              <a:spcAft>
+                <a:spcPct val="0"/>
+              </a:spcAft>
+            </a:pPr>
+            <a:r>
+              <a:rPr lang="en-US" altLang="zh-CN" sz="2000" dirty="0">
+                <a:latin typeface="微软雅黑"/>
+                <a:ea typeface="微软雅黑"/>
+                <a:sym typeface="Gill Sans" charset="0"/>
+              </a:rPr>
+              <a:t>	</a:t>
+            </a:r>
             <a:endParaRPr lang="zh-CN" altLang="en-US" sz="2000" dirty="0">
               <a:latin typeface="微软雅黑"/>
               <a:ea typeface="微软雅黑"/>
@@ -15136,40 +15151,10 @@
           </a:prstGeom>
         </p:spPr>
       </p:pic>
-      <p:pic>
-        <p:nvPicPr>
-          <p:cNvPr id="7" name="图片 6"/>
-          <p:cNvPicPr>
-            <a:picLocks noChangeAspect="1"/>
-          </p:cNvPicPr>
-          <p:nvPr/>
-        </p:nvPicPr>
-        <p:blipFill>
-          <a:blip r:embed="rId4">
-            <a:extLst>
-              <a:ext uri="{28A0092B-C50C-407E-A947-70E740481C1C}">
-                <a14:useLocalDpi xmlns:a14="http://schemas.microsoft.com/office/drawing/2010/main" val="0"/>
-              </a:ext>
-            </a:extLst>
-          </a:blip>
-          <a:stretch>
-            <a:fillRect/>
-          </a:stretch>
-        </p:blipFill>
-        <p:spPr>
-          <a:xfrm>
-            <a:off x="7058880" y="2767032"/>
-            <a:ext cx="3178634" cy="3393228"/>
-          </a:xfrm>
-          <a:prstGeom prst="rect">
-            <a:avLst/>
-          </a:prstGeom>
-        </p:spPr>
-      </p:pic>
     </p:spTree>
     <p:extLst>
       <p:ext uri="{BB962C8B-B14F-4D97-AF65-F5344CB8AC3E}">
-        <p14:creationId xmlns:p14="http://schemas.microsoft.com/office/powerpoint/2010/main" val="2580490048"/>
+        <p14:creationId xmlns:p14="http://schemas.microsoft.com/office/powerpoint/2010/main" val="4010279021"/>
       </p:ext>
     </p:extLst>
   </p:cSld>
@@ -15269,8 +15254,8 @@
         </p:nvSpPr>
         <p:spPr>
           <a:xfrm>
-            <a:off x="171451" y="342900"/>
-            <a:ext cx="2119086" cy="584775"/>
+            <a:off x="171450" y="342900"/>
+            <a:ext cx="2181785" cy="584775"/>
           </a:xfrm>
           <a:prstGeom prst="rect">
             <a:avLst/>
@@ -15292,7 +15277,7 @@
                 <a:latin typeface="微软雅黑" panose="020B0503020204020204" pitchFamily="34" charset="-122"/>
                 <a:ea typeface="微软雅黑" panose="020B0503020204020204" pitchFamily="34" charset="-122"/>
               </a:rPr>
-              <a:t>任务计划</a:t>
+              <a:t>项目分解</a:t>
             </a:r>
           </a:p>
         </p:txBody>
@@ -15379,8 +15364,8 @@
         </p:nvSpPr>
         <p:spPr>
           <a:xfrm>
-            <a:off x="682074" y="845269"/>
-            <a:ext cx="10703858" cy="6170920"/>
+            <a:off x="589328" y="899755"/>
+            <a:ext cx="10703858" cy="6247864"/>
           </a:xfrm>
           <a:prstGeom prst="rect">
             <a:avLst/>
@@ -15410,7 +15395,23 @@
                 <a:ea typeface="微软雅黑"/>
                 <a:sym typeface="Gill Sans" charset="0"/>
               </a:rPr>
-              <a:t>我们将整个项目分为以下任务：</a:t>
+              <a:t>此项目中，一共包含有如下</a:t>
+            </a:r>
+            <a:r>
+              <a:rPr lang="zh-CN" altLang="en-US" sz="2000" b="1" dirty="0" smtClean="0">
+                <a:latin typeface="微软雅黑"/>
+                <a:ea typeface="微软雅黑"/>
+                <a:sym typeface="Gill Sans" charset="0"/>
+              </a:rPr>
+              <a:t>功能模块</a:t>
+            </a:r>
+            <a:r>
+              <a:rPr lang="en-US" altLang="zh-CN" sz="2000" b="1" dirty="0" smtClean="0">
+                <a:latin typeface="微软雅黑"/>
+                <a:ea typeface="微软雅黑"/>
+                <a:sym typeface="Gill Sans" charset="0"/>
+              </a:rPr>
+              <a:t>;</a:t>
             </a:r>
             <a:endParaRPr lang="en-US" altLang="zh-CN" sz="2000" b="1" dirty="0">
               <a:latin typeface="微软雅黑"/>
@@ -15436,58 +15437,19 @@
                 <a:ea typeface="微软雅黑"/>
                 <a:sym typeface="Gill Sans" charset="0"/>
               </a:rPr>
-              <a:t>	01	</a:t>
-            </a:r>
-            <a:r>
-              <a:rPr lang="en-US" altLang="zh-CN" sz="2000" dirty="0" smtClean="0">
+              <a:t>	</a:t>
+            </a:r>
+            <a:r>
+              <a:rPr lang="zh-CN" altLang="en-US" sz="2000" dirty="0" smtClean="0">
                 <a:latin typeface="微软雅黑"/>
                 <a:ea typeface="微软雅黑"/>
-              </a:rPr>
-              <a:t>header</a:t>
-            </a:r>
-            <a:r>
-              <a:rPr lang="zh-CN" altLang="en-US" sz="2000" dirty="0">
-                <a:latin typeface="微软雅黑"/>
-                <a:ea typeface="微软雅黑"/>
-              </a:rPr>
-              <a:t>区域和下拉菜单的制作</a:t>
-            </a:r>
-            <a:r>
-              <a:rPr lang="zh-CN" altLang="en-US" sz="2000" dirty="0" smtClean="0">
-                <a:latin typeface="微软雅黑"/>
-                <a:ea typeface="微软雅黑"/>
-                <a:sym typeface="Gill Sans" charset="0"/>
-              </a:rPr>
-              <a:t>（</a:t>
-            </a:r>
-            <a:r>
-              <a:rPr lang="en-US" altLang="zh-CN" sz="2000" dirty="0">
-                <a:latin typeface="微软雅黑"/>
-                <a:ea typeface="微软雅黑"/>
-                <a:sym typeface="Gill Sans" charset="0"/>
-              </a:rPr>
-              <a:t>2</a:t>
-            </a:r>
-            <a:r>
-              <a:rPr lang="zh-CN" altLang="en-US" sz="2000" dirty="0" smtClean="0">
-                <a:latin typeface="微软雅黑"/>
-                <a:ea typeface="微软雅黑"/>
-                <a:sym typeface="Gill Sans" charset="0"/>
-              </a:rPr>
-              <a:t>课时</a:t>
-            </a:r>
-            <a:r>
-              <a:rPr lang="zh-CN" altLang="en-US" sz="2000" dirty="0">
-                <a:latin typeface="微软雅黑"/>
-                <a:ea typeface="微软雅黑"/>
-                <a:sym typeface="Gill Sans" charset="0"/>
-              </a:rPr>
-              <a:t>）</a:t>
+                <a:sym typeface="Gill Sans" charset="0"/>
+              </a:rPr>
+              <a:t>下拉菜单模块</a:t>
             </a:r>
             <a:endParaRPr lang="en-US" altLang="zh-CN" sz="2000" dirty="0">
               <a:latin typeface="微软雅黑"/>
               <a:ea typeface="微软雅黑"/>
-              <a:sym typeface="Gill Sans" charset="0"/>
             </a:endParaRPr>
           </a:p>
           <a:p>
@@ -15508,51 +15470,128 @@
                 <a:ea typeface="微软雅黑"/>
                 <a:sym typeface="Gill Sans" charset="0"/>
               </a:rPr>
-              <a:t>	02	</a:t>
-            </a:r>
-            <a:r>
-              <a:rPr lang="zh-CN" altLang="en-US" sz="2000" dirty="0">
+              <a:t>	</a:t>
+            </a:r>
+            <a:r>
+              <a:rPr lang="zh-CN" altLang="en-US" sz="2000" dirty="0" smtClean="0">
                 <a:latin typeface="微软雅黑"/>
                 <a:ea typeface="微软雅黑"/>
-              </a:rPr>
-              <a:t>登录框和弹出登陆框与关闭登陆框的制作</a:t>
-            </a:r>
-            <a:r>
-              <a:rPr lang="zh-CN" altLang="en-US" sz="2000" dirty="0" smtClean="0">
-                <a:latin typeface="微软雅黑"/>
-                <a:ea typeface="微软雅黑"/>
-                <a:sym typeface="Gill Sans" charset="0"/>
-              </a:rPr>
-              <a:t>（</a:t>
-            </a:r>
-            <a:r>
-              <a:rPr lang="en-US" altLang="zh-CN" sz="2000" dirty="0">
-                <a:latin typeface="微软雅黑"/>
-                <a:ea typeface="微软雅黑"/>
-                <a:sym typeface="Gill Sans" charset="0"/>
-              </a:rPr>
-              <a:t>3</a:t>
-            </a:r>
-            <a:r>
-              <a:rPr lang="zh-CN" altLang="en-US" sz="2000" dirty="0" smtClean="0">
-                <a:latin typeface="微软雅黑"/>
-                <a:ea typeface="微软雅黑"/>
-                <a:sym typeface="Gill Sans" charset="0"/>
-              </a:rPr>
-              <a:t>课时</a:t>
-            </a:r>
-            <a:r>
-              <a:rPr lang="zh-CN" altLang="en-US" sz="2000" dirty="0">
-                <a:latin typeface="微软雅黑"/>
-                <a:ea typeface="微软雅黑"/>
-                <a:sym typeface="Gill Sans" charset="0"/>
-              </a:rPr>
-              <a:t>）</a:t>
+                <a:sym typeface="Gill Sans" charset="0"/>
+              </a:rPr>
+              <a:t>用户登录模块</a:t>
             </a:r>
             <a:endParaRPr lang="en-US" altLang="zh-CN" sz="2000" dirty="0">
               <a:latin typeface="微软雅黑"/>
               <a:ea typeface="微软雅黑"/>
-              <a:sym typeface="Gill Sans" charset="0"/>
+            </a:endParaRPr>
+          </a:p>
+          <a:p>
+            <a:pPr marL="0" lvl="2" algn="just" fontAlgn="base">
+              <a:lnSpc>
+                <a:spcPct val="150000"/>
+              </a:lnSpc>
+              <a:spcBef>
+                <a:spcPct val="0"/>
+              </a:spcBef>
+              <a:spcAft>
+                <a:spcPct val="0"/>
+              </a:spcAft>
+            </a:pPr>
+            <a:r>
+              <a:rPr lang="en-US" altLang="zh-CN" sz="2000" dirty="0" smtClean="0">
+                <a:latin typeface="微软雅黑"/>
+                <a:ea typeface="微软雅黑"/>
+              </a:rPr>
+              <a:t>	</a:t>
+            </a:r>
+            <a:r>
+              <a:rPr lang="zh-CN" altLang="en-US" sz="2000" dirty="0" smtClean="0">
+                <a:latin typeface="微软雅黑"/>
+                <a:ea typeface="微软雅黑"/>
+              </a:rPr>
+              <a:t>锁屏遮罩模块</a:t>
+            </a:r>
+            <a:r>
+              <a:rPr lang="en-US" altLang="zh-CN" sz="2000" dirty="0">
+                <a:latin typeface="微软雅黑"/>
+                <a:ea typeface="微软雅黑"/>
+              </a:rPr>
+              <a:t>	</a:t>
+            </a:r>
+            <a:endParaRPr lang="en-US" altLang="zh-CN" sz="2000" dirty="0" smtClean="0">
+              <a:latin typeface="微软雅黑"/>
+              <a:ea typeface="微软雅黑"/>
+            </a:endParaRPr>
+          </a:p>
+          <a:p>
+            <a:pPr marL="0" lvl="2" algn="just" fontAlgn="base">
+              <a:lnSpc>
+                <a:spcPct val="150000"/>
+              </a:lnSpc>
+              <a:spcBef>
+                <a:spcPct val="0"/>
+              </a:spcBef>
+              <a:spcAft>
+                <a:spcPct val="0"/>
+              </a:spcAft>
+            </a:pPr>
+            <a:r>
+              <a:rPr lang="en-US" altLang="zh-CN" sz="2000" dirty="0">
+                <a:latin typeface="微软雅黑"/>
+                <a:ea typeface="微软雅黑"/>
+                <a:sym typeface="Gill Sans" charset="0"/>
+              </a:rPr>
+              <a:t>	</a:t>
+            </a:r>
+            <a:r>
+              <a:rPr lang="zh-CN" altLang="en-US" sz="2000" dirty="0">
+                <a:latin typeface="微软雅黑"/>
+                <a:ea typeface="微软雅黑"/>
+              </a:rPr>
+              <a:t>拖</a:t>
+            </a:r>
+            <a:r>
+              <a:rPr lang="zh-CN" altLang="en-US" sz="2000" dirty="0" smtClean="0">
+                <a:latin typeface="微软雅黑"/>
+                <a:ea typeface="微软雅黑"/>
+              </a:rPr>
+              <a:t>拽模块</a:t>
+            </a:r>
+            <a:endParaRPr lang="en-US" altLang="zh-CN" sz="2000" dirty="0" smtClean="0">
+              <a:latin typeface="微软雅黑"/>
+              <a:ea typeface="微软雅黑"/>
+            </a:endParaRPr>
+          </a:p>
+          <a:p>
+            <a:pPr marL="0" lvl="2" algn="just" fontAlgn="base">
+              <a:lnSpc>
+                <a:spcPct val="150000"/>
+              </a:lnSpc>
+              <a:spcBef>
+                <a:spcPct val="0"/>
+              </a:spcBef>
+              <a:spcAft>
+                <a:spcPct val="0"/>
+              </a:spcAft>
+            </a:pPr>
+            <a:r>
+              <a:rPr lang="en-US" altLang="zh-CN" sz="2000" dirty="0">
+                <a:latin typeface="微软雅黑"/>
+                <a:ea typeface="微软雅黑"/>
+                <a:sym typeface="Gill Sans" charset="0"/>
+              </a:rPr>
+              <a:t>	</a:t>
+            </a:r>
+            <a:r>
+              <a:rPr lang="zh-CN" altLang="en-US" sz="2000" dirty="0">
+                <a:latin typeface="微软雅黑"/>
+                <a:ea typeface="微软雅黑"/>
+              </a:rPr>
+              <a:t>百度分享侧边栏效果制作</a:t>
+            </a:r>
+            <a:endParaRPr lang="en-US" altLang="zh-CN" sz="2000" dirty="0">
+              <a:latin typeface="微软雅黑"/>
+              <a:ea typeface="微软雅黑"/>
             </a:endParaRPr>
           </a:p>
           <a:p>
@@ -15573,53 +15612,14 @@
                 <a:ea typeface="微软雅黑"/>
                 <a:sym typeface="Gill Sans" charset="0"/>
               </a:rPr>
-              <a:t>	03	</a:t>
+              <a:t>	</a:t>
             </a:r>
             <a:r>
               <a:rPr lang="zh-CN" altLang="en-US" sz="2000" dirty="0">
                 <a:latin typeface="微软雅黑"/>
                 <a:ea typeface="微软雅黑"/>
               </a:rPr>
-              <a:t>遮罩和遮罩显示与隐藏</a:t>
-            </a:r>
-            <a:r>
-              <a:rPr lang="zh-CN" altLang="en-US" sz="2000" dirty="0" smtClean="0">
-                <a:latin typeface="微软雅黑"/>
-                <a:ea typeface="微软雅黑"/>
-              </a:rPr>
-              <a:t>制作</a:t>
-            </a:r>
-            <a:r>
-              <a:rPr lang="zh-CN" altLang="en-US" sz="2000" dirty="0" smtClean="0">
-                <a:latin typeface="微软雅黑"/>
-                <a:ea typeface="微软雅黑"/>
-                <a:sym typeface="Gill Sans" charset="0"/>
-              </a:rPr>
-              <a:t>（</a:t>
-            </a:r>
-            <a:r>
-              <a:rPr lang="en-US" altLang="zh-CN" sz="2000" dirty="0">
-                <a:latin typeface="微软雅黑"/>
-                <a:ea typeface="微软雅黑"/>
-                <a:sym typeface="Gill Sans" charset="0"/>
-              </a:rPr>
-              <a:t>2</a:t>
-            </a:r>
-            <a:r>
-              <a:rPr lang="zh-CN" altLang="en-US" sz="2000" dirty="0" smtClean="0">
-                <a:latin typeface="微软雅黑"/>
-                <a:ea typeface="微软雅黑"/>
-                <a:sym typeface="Gill Sans" charset="0"/>
-              </a:rPr>
-              <a:t>课时</a:t>
-            </a:r>
-            <a:r>
-              <a:rPr lang="zh-CN" altLang="en-US" sz="2000" dirty="0">
-                <a:latin typeface="微软雅黑"/>
-                <a:ea typeface="微软雅黑"/>
-                <a:sym typeface="Gill Sans" charset="0"/>
-              </a:rPr>
-              <a:t>）</a:t>
+              <a:t>增强遮罩效果和下拉菜单效果</a:t>
             </a:r>
             <a:endParaRPr lang="en-US" altLang="zh-CN" sz="2000" dirty="0">
               <a:latin typeface="微软雅黑"/>
@@ -15645,51 +15645,18 @@
                 <a:ea typeface="微软雅黑"/>
                 <a:sym typeface="Gill Sans" charset="0"/>
               </a:rPr>
-              <a:t>	04	</a:t>
-            </a:r>
-            <a:r>
-              <a:rPr lang="zh-CN" altLang="en-US" sz="2000" dirty="0">
+              <a:t>	</a:t>
+            </a:r>
+            <a:r>
+              <a:rPr lang="zh-CN" altLang="en-US" sz="2000" dirty="0" smtClean="0">
                 <a:latin typeface="微软雅黑"/>
                 <a:ea typeface="微软雅黑"/>
               </a:rPr>
-              <a:t>拖拽效果插件制作</a:t>
-            </a:r>
-            <a:r>
-              <a:rPr lang="zh-CN" altLang="en-US" sz="2000" dirty="0" smtClean="0">
-                <a:latin typeface="微软雅黑"/>
-                <a:ea typeface="微软雅黑"/>
-                <a:sym typeface="Gill Sans" charset="0"/>
-              </a:rPr>
-              <a:t>（</a:t>
-            </a:r>
-            <a:r>
-              <a:rPr lang="en-US" altLang="zh-CN" sz="2000" dirty="0">
-                <a:latin typeface="微软雅黑"/>
-                <a:ea typeface="微软雅黑"/>
-                <a:sym typeface="Gill Sans" charset="0"/>
-              </a:rPr>
-              <a:t>5</a:t>
-            </a:r>
-            <a:r>
-              <a:rPr lang="zh-CN" altLang="en-US" sz="2000" dirty="0" smtClean="0">
-                <a:latin typeface="微软雅黑"/>
-                <a:ea typeface="微软雅黑"/>
-                <a:sym typeface="Gill Sans" charset="0"/>
-              </a:rPr>
-              <a:t>课时</a:t>
-            </a:r>
-            <a:r>
-              <a:rPr lang="zh-CN" altLang="en-US" sz="2000" dirty="0">
-                <a:latin typeface="微软雅黑"/>
-                <a:ea typeface="微软雅黑"/>
-                <a:sym typeface="Gill Sans" charset="0"/>
-              </a:rPr>
-              <a:t>）</a:t>
-            </a:r>
-            <a:endParaRPr lang="en-US" altLang="zh-CN" sz="2000" dirty="0">
+              <a:t>滑动导航模块</a:t>
+            </a:r>
+            <a:endParaRPr lang="en-US" altLang="zh-CN" sz="2000" dirty="0" smtClean="0">
               <a:latin typeface="微软雅黑"/>
               <a:ea typeface="微软雅黑"/>
-              <a:sym typeface="Gill Sans" charset="0"/>
             </a:endParaRPr>
           </a:p>
           <a:p>
@@ -15710,51 +15677,25 @@
                 <a:ea typeface="微软雅黑"/>
                 <a:sym typeface="Gill Sans" charset="0"/>
               </a:rPr>
-              <a:t>	05	</a:t>
+              <a:t>	</a:t>
+            </a:r>
+            <a:r>
+              <a:rPr lang="zh-CN" altLang="en-US" sz="2000" dirty="0" smtClean="0">
+                <a:latin typeface="微软雅黑"/>
+                <a:ea typeface="微软雅黑"/>
+              </a:rPr>
+              <a:t>菜单切换</a:t>
             </a:r>
             <a:r>
               <a:rPr lang="zh-CN" altLang="en-US" sz="2000" dirty="0">
                 <a:latin typeface="微软雅黑"/>
                 <a:ea typeface="微软雅黑"/>
               </a:rPr>
-              <a:t>百度分享侧边栏效果制作</a:t>
-            </a:r>
-            <a:r>
-              <a:rPr lang="zh-CN" altLang="en-US" sz="2000" dirty="0" smtClean="0">
-                <a:latin typeface="微软雅黑"/>
-                <a:ea typeface="微软雅黑"/>
-                <a:sym typeface="Gill Sans" charset="0"/>
-              </a:rPr>
-              <a:t>（</a:t>
-            </a:r>
-            <a:r>
-              <a:rPr lang="en-US" altLang="zh-CN" sz="2000" dirty="0" smtClean="0">
-                <a:latin typeface="微软雅黑"/>
-                <a:ea typeface="微软雅黑"/>
-                <a:sym typeface="Gill Sans" charset="0"/>
-              </a:rPr>
-              <a:t>3</a:t>
-            </a:r>
-            <a:r>
-              <a:rPr lang="zh-CN" altLang="en-US" sz="2000" dirty="0" smtClean="0">
-                <a:latin typeface="微软雅黑"/>
-                <a:ea typeface="微软雅黑"/>
-                <a:sym typeface="Gill Sans" charset="0"/>
-              </a:rPr>
-              <a:t>课时</a:t>
-            </a:r>
-            <a:r>
-              <a:rPr lang="zh-CN" altLang="en-US" sz="2000" dirty="0">
-                <a:latin typeface="微软雅黑"/>
-                <a:ea typeface="微软雅黑"/>
-                <a:sym typeface="Gill Sans" charset="0"/>
-              </a:rPr>
-              <a:t>）</a:t>
+              <a:t>模块</a:t>
             </a:r>
             <a:endParaRPr lang="en-US" altLang="zh-CN" sz="2000" dirty="0">
               <a:latin typeface="微软雅黑"/>
               <a:ea typeface="微软雅黑"/>
-              <a:sym typeface="Gill Sans" charset="0"/>
             </a:endParaRPr>
           </a:p>
           <a:p>
@@ -15775,43 +15716,25 @@
                 <a:ea typeface="微软雅黑"/>
                 <a:sym typeface="Gill Sans" charset="0"/>
               </a:rPr>
-              <a:t>	06	</a:t>
+              <a:t>	</a:t>
             </a:r>
             <a:r>
               <a:rPr lang="zh-CN" altLang="en-US" sz="2000" dirty="0">
                 <a:latin typeface="微软雅黑"/>
                 <a:ea typeface="微软雅黑"/>
               </a:rPr>
-              <a:t>增强遮罩效果和下拉菜单效果</a:t>
-            </a:r>
-            <a:r>
-              <a:rPr lang="zh-CN" altLang="en-US" sz="2000" dirty="0">
+              <a:t>轮播</a:t>
+            </a:r>
+            <a:r>
+              <a:rPr lang="zh-CN" altLang="en-US" sz="2000" dirty="0" smtClean="0">
                 <a:latin typeface="微软雅黑"/>
                 <a:ea typeface="微软雅黑"/>
-                <a:sym typeface="Gill Sans" charset="0"/>
-              </a:rPr>
-              <a:t>（</a:t>
-            </a:r>
-            <a:r>
-              <a:rPr lang="en-US" altLang="zh-CN" sz="2000" dirty="0">
-                <a:latin typeface="微软雅黑"/>
-                <a:ea typeface="微软雅黑"/>
-                <a:sym typeface="Gill Sans" charset="0"/>
-              </a:rPr>
-              <a:t>2</a:t>
-            </a:r>
-            <a:r>
-              <a:rPr lang="zh-CN" altLang="en-US" sz="2000" dirty="0">
-                <a:latin typeface="微软雅黑"/>
-                <a:ea typeface="微软雅黑"/>
-                <a:sym typeface="Gill Sans" charset="0"/>
-              </a:rPr>
-              <a:t>课时）</a:t>
-            </a:r>
-            <a:endParaRPr lang="en-US" altLang="zh-CN" sz="2000" dirty="0">
+              </a:rPr>
+              <a:t>器模块</a:t>
+            </a:r>
+            <a:endParaRPr lang="en-US" altLang="zh-CN" sz="2000" dirty="0" smtClean="0">
               <a:latin typeface="微软雅黑"/>
               <a:ea typeface="微软雅黑"/>
-              <a:sym typeface="Gill Sans" charset="0"/>
             </a:endParaRPr>
           </a:p>
           <a:p>
@@ -15830,53 +15753,26 @@
               <a:rPr lang="en-US" altLang="zh-CN" sz="2000" dirty="0">
                 <a:latin typeface="微软雅黑"/>
                 <a:ea typeface="微软雅黑"/>
-                <a:sym typeface="Gill Sans" charset="0"/>
-              </a:rPr>
-              <a:t>	07	</a:t>
+              </a:rPr>
+              <a:t>	</a:t>
             </a:r>
             <a:r>
               <a:rPr lang="zh-CN" altLang="en-US" sz="2000" dirty="0">
                 <a:latin typeface="微软雅黑"/>
                 <a:ea typeface="微软雅黑"/>
               </a:rPr>
-              <a:t>导航与滑动导航效果制作</a:t>
+              <a:t>延迟</a:t>
             </a:r>
             <a:r>
               <a:rPr lang="zh-CN" altLang="en-US" sz="2000" dirty="0" smtClean="0">
                 <a:latin typeface="微软雅黑"/>
                 <a:ea typeface="微软雅黑"/>
-                <a:sym typeface="Gill Sans" charset="0"/>
-              </a:rPr>
-              <a:t>（</a:t>
-            </a:r>
-            <a:r>
-              <a:rPr lang="en-US" altLang="zh-CN" sz="2000" smtClean="0">
-                <a:latin typeface="微软雅黑"/>
-                <a:ea typeface="微软雅黑"/>
-                <a:sym typeface="Gill Sans" charset="0"/>
-              </a:rPr>
-              <a:t>5</a:t>
-            </a:r>
-            <a:r>
-              <a:rPr lang="zh-CN" altLang="en-US" sz="2000" smtClean="0">
-                <a:latin typeface="微软雅黑"/>
-                <a:ea typeface="微软雅黑"/>
-                <a:sym typeface="Gill Sans" charset="0"/>
-              </a:rPr>
-              <a:t>课时</a:t>
-            </a:r>
-            <a:r>
-              <a:rPr lang="zh-CN" altLang="en-US" sz="2000" dirty="0">
-                <a:latin typeface="微软雅黑"/>
-                <a:ea typeface="微软雅黑"/>
-                <a:sym typeface="Gill Sans" charset="0"/>
-              </a:rPr>
-              <a:t>）</a:t>
-            </a:r>
-            <a:endParaRPr lang="en-US" altLang="zh-CN" sz="2000" dirty="0">
+              </a:rPr>
+              <a:t>加载模块</a:t>
+            </a:r>
+            <a:endParaRPr lang="en-US" altLang="zh-CN" sz="2000" dirty="0" smtClean="0">
               <a:latin typeface="微软雅黑"/>
               <a:ea typeface="微软雅黑"/>
-              <a:sym typeface="Gill Sans" charset="0"/>
             </a:endParaRPr>
           </a:p>
           <a:p>
@@ -15895,51 +15791,32 @@
               <a:rPr lang="en-US" altLang="zh-CN" sz="2000" dirty="0">
                 <a:latin typeface="微软雅黑"/>
                 <a:ea typeface="微软雅黑"/>
-                <a:sym typeface="Gill Sans" charset="0"/>
-              </a:rPr>
-              <a:t>	08	</a:t>
+              </a:rPr>
+              <a:t>	</a:t>
             </a:r>
             <a:r>
               <a:rPr lang="zh-CN" altLang="en-US" sz="2000" dirty="0">
                 <a:latin typeface="微软雅黑"/>
                 <a:ea typeface="微软雅黑"/>
               </a:rPr>
-              <a:t>菜单与菜单切换效果的制作</a:t>
-            </a:r>
-            <a:r>
-              <a:rPr lang="zh-CN" altLang="en-US" sz="2000" dirty="0">
+              <a:t>发表</a:t>
+            </a:r>
+            <a:r>
+              <a:rPr lang="zh-CN" altLang="en-US" sz="2000" dirty="0" smtClean="0">
                 <a:latin typeface="微软雅黑"/>
                 <a:ea typeface="微软雅黑"/>
-                <a:sym typeface="Gill Sans" charset="0"/>
-              </a:rPr>
-              <a:t>（</a:t>
-            </a:r>
-            <a:r>
-              <a:rPr lang="en-US" altLang="zh-CN" sz="2000" dirty="0">
-                <a:latin typeface="微软雅黑"/>
-                <a:ea typeface="微软雅黑"/>
-                <a:sym typeface="Gill Sans" charset="0"/>
-              </a:rPr>
-              <a:t>2</a:t>
-            </a:r>
-            <a:r>
-              <a:rPr lang="zh-CN" altLang="en-US" sz="2000" dirty="0">
-                <a:latin typeface="微软雅黑"/>
-                <a:ea typeface="微软雅黑"/>
-                <a:sym typeface="Gill Sans" charset="0"/>
-              </a:rPr>
-              <a:t>课时）</a:t>
+              </a:rPr>
+              <a:t>博文模块</a:t>
             </a:r>
             <a:endParaRPr lang="en-US" altLang="zh-CN" sz="2000" dirty="0">
               <a:latin typeface="微软雅黑"/>
               <a:ea typeface="微软雅黑"/>
-              <a:sym typeface="Gill Sans" charset="0"/>
             </a:endParaRPr>
           </a:p>
           <a:p>
             <a:pPr algn="just" fontAlgn="base">
               <a:lnSpc>
-                <a:spcPct val="150000"/>
+                <a:spcPct val="175000"/>
               </a:lnSpc>
               <a:spcBef>
                 <a:spcPct val="0"/>
@@ -15948,228 +15825,6 @@
                 <a:spcPct val="0"/>
               </a:spcAft>
             </a:pPr>
-            <a:r>
-              <a:rPr lang="en-US" altLang="zh-CN" sz="2000" dirty="0">
-                <a:latin typeface="微软雅黑"/>
-                <a:ea typeface="微软雅黑"/>
-                <a:sym typeface="Gill Sans" charset="0"/>
-              </a:rPr>
-              <a:t>	09	</a:t>
-            </a:r>
-            <a:r>
-              <a:rPr lang="zh-CN" altLang="en-US" sz="2000" dirty="0">
-                <a:latin typeface="微软雅黑"/>
-                <a:ea typeface="微软雅黑"/>
-              </a:rPr>
-              <a:t>轮播器效果制作</a:t>
-            </a:r>
-            <a:r>
-              <a:rPr lang="zh-CN" altLang="en-US" sz="2000" dirty="0" smtClean="0">
-                <a:latin typeface="微软雅黑"/>
-                <a:ea typeface="微软雅黑"/>
-                <a:sym typeface="Gill Sans" charset="0"/>
-              </a:rPr>
-              <a:t>（</a:t>
-            </a:r>
-            <a:r>
-              <a:rPr lang="en-US" altLang="zh-CN" sz="2000" dirty="0">
-                <a:latin typeface="微软雅黑"/>
-                <a:ea typeface="微软雅黑"/>
-                <a:sym typeface="Gill Sans" charset="0"/>
-              </a:rPr>
-              <a:t>4</a:t>
-            </a:r>
-            <a:r>
-              <a:rPr lang="zh-CN" altLang="en-US" sz="2000" dirty="0" smtClean="0">
-                <a:latin typeface="微软雅黑"/>
-                <a:ea typeface="微软雅黑"/>
-                <a:sym typeface="Gill Sans" charset="0"/>
-              </a:rPr>
-              <a:t>课时</a:t>
-            </a:r>
-            <a:r>
-              <a:rPr lang="zh-CN" altLang="en-US" sz="2000" dirty="0">
-                <a:latin typeface="微软雅黑"/>
-                <a:ea typeface="微软雅黑"/>
-                <a:sym typeface="Gill Sans" charset="0"/>
-              </a:rPr>
-              <a:t>）</a:t>
-            </a:r>
-            <a:endParaRPr lang="en-US" altLang="zh-CN" sz="2000" dirty="0">
-              <a:latin typeface="微软雅黑"/>
-              <a:ea typeface="微软雅黑"/>
-              <a:sym typeface="Gill Sans" charset="0"/>
-            </a:endParaRPr>
-          </a:p>
-          <a:p>
-            <a:pPr algn="just" fontAlgn="base">
-              <a:lnSpc>
-                <a:spcPct val="150000"/>
-              </a:lnSpc>
-              <a:spcBef>
-                <a:spcPct val="0"/>
-              </a:spcBef>
-              <a:spcAft>
-                <a:spcPct val="0"/>
-              </a:spcAft>
-            </a:pPr>
-            <a:r>
-              <a:rPr lang="en-US" altLang="zh-CN" sz="2000" dirty="0">
-                <a:latin typeface="微软雅黑"/>
-                <a:ea typeface="微软雅黑"/>
-                <a:sym typeface="Gill Sans" charset="0"/>
-              </a:rPr>
-              <a:t>	10	</a:t>
-            </a:r>
-            <a:r>
-              <a:rPr lang="zh-CN" altLang="en-US" sz="2000" dirty="0">
-                <a:latin typeface="微软雅黑"/>
-                <a:ea typeface="微软雅黑"/>
-              </a:rPr>
-              <a:t>延迟加载效果制作</a:t>
-            </a:r>
-            <a:r>
-              <a:rPr lang="zh-CN" altLang="en-US" sz="2000" dirty="0" smtClean="0">
-                <a:latin typeface="微软雅黑"/>
-                <a:ea typeface="微软雅黑"/>
-                <a:sym typeface="Gill Sans" charset="0"/>
-              </a:rPr>
-              <a:t>（</a:t>
-            </a:r>
-            <a:r>
-              <a:rPr lang="en-US" altLang="zh-CN" sz="2000" dirty="0">
-                <a:latin typeface="微软雅黑"/>
-                <a:ea typeface="微软雅黑"/>
-                <a:sym typeface="Gill Sans" charset="0"/>
-              </a:rPr>
-              <a:t>4</a:t>
-            </a:r>
-            <a:r>
-              <a:rPr lang="zh-CN" altLang="en-US" sz="2000" dirty="0" smtClean="0">
-                <a:latin typeface="微软雅黑"/>
-                <a:ea typeface="微软雅黑"/>
-                <a:sym typeface="Gill Sans" charset="0"/>
-              </a:rPr>
-              <a:t>课时</a:t>
-            </a:r>
-            <a:r>
-              <a:rPr lang="zh-CN" altLang="en-US" sz="2000" dirty="0">
-                <a:latin typeface="微软雅黑"/>
-                <a:ea typeface="微软雅黑"/>
-                <a:sym typeface="Gill Sans" charset="0"/>
-              </a:rPr>
-              <a:t>）</a:t>
-            </a:r>
-            <a:endParaRPr lang="en-US" altLang="zh-CN" sz="2000" dirty="0">
-              <a:latin typeface="微软雅黑"/>
-              <a:ea typeface="微软雅黑"/>
-              <a:sym typeface="Gill Sans" charset="0"/>
-            </a:endParaRPr>
-          </a:p>
-          <a:p>
-            <a:pPr algn="just" fontAlgn="base">
-              <a:lnSpc>
-                <a:spcPct val="150000"/>
-              </a:lnSpc>
-              <a:spcBef>
-                <a:spcPct val="0"/>
-              </a:spcBef>
-              <a:spcAft>
-                <a:spcPct val="0"/>
-              </a:spcAft>
-            </a:pPr>
-            <a:r>
-              <a:rPr lang="en-US" altLang="zh-CN" sz="2000" dirty="0">
-                <a:latin typeface="微软雅黑"/>
-                <a:ea typeface="微软雅黑"/>
-                <a:sym typeface="Gill Sans" charset="0"/>
-              </a:rPr>
-              <a:t>	11	</a:t>
-            </a:r>
-            <a:r>
-              <a:rPr lang="zh-CN" altLang="en-US" sz="2000" dirty="0">
-                <a:latin typeface="微软雅黑"/>
-                <a:ea typeface="微软雅黑"/>
-              </a:rPr>
-              <a:t>底部区域与文章列表区域制作 </a:t>
-            </a:r>
-            <a:r>
-              <a:rPr lang="en-US" altLang="zh-CN" sz="2000" dirty="0" smtClean="0">
-                <a:latin typeface="微软雅黑"/>
-                <a:ea typeface="微软雅黑"/>
-              </a:rPr>
-              <a:t>(2</a:t>
-            </a:r>
-            <a:r>
-              <a:rPr lang="zh-CN" altLang="en-US" sz="2000" dirty="0" smtClean="0">
-                <a:latin typeface="微软雅黑"/>
-                <a:ea typeface="微软雅黑"/>
-              </a:rPr>
-              <a:t>课时</a:t>
-            </a:r>
-            <a:r>
-              <a:rPr lang="en-US" altLang="zh-CN" sz="2000" dirty="0">
-                <a:latin typeface="微软雅黑"/>
-                <a:ea typeface="微软雅黑"/>
-              </a:rPr>
-              <a:t>)</a:t>
-            </a:r>
-          </a:p>
-          <a:p>
-            <a:pPr algn="just" fontAlgn="base">
-              <a:lnSpc>
-                <a:spcPct val="150000"/>
-              </a:lnSpc>
-              <a:spcBef>
-                <a:spcPct val="0"/>
-              </a:spcBef>
-              <a:spcAft>
-                <a:spcPct val="0"/>
-              </a:spcAft>
-            </a:pPr>
-            <a:r>
-              <a:rPr lang="en-US" altLang="zh-CN" sz="2000" dirty="0">
-                <a:latin typeface="微软雅黑"/>
-                <a:ea typeface="微软雅黑"/>
-                <a:sym typeface="Gill Sans" charset="0"/>
-              </a:rPr>
-              <a:t>	12	</a:t>
-            </a:r>
-            <a:r>
-              <a:rPr lang="zh-CN" altLang="en-US" sz="2000" dirty="0">
-                <a:latin typeface="微软雅黑"/>
-                <a:ea typeface="微软雅黑"/>
-              </a:rPr>
-              <a:t>发表博文区域</a:t>
-            </a:r>
-            <a:r>
-              <a:rPr lang="zh-CN" altLang="en-US" sz="2000" dirty="0" smtClean="0">
-                <a:latin typeface="微软雅黑"/>
-                <a:ea typeface="微软雅黑"/>
-              </a:rPr>
-              <a:t>制作 </a:t>
-            </a:r>
-            <a:r>
-              <a:rPr lang="en-US" altLang="zh-CN" sz="2000" dirty="0" smtClean="0">
-                <a:latin typeface="微软雅黑"/>
-                <a:ea typeface="微软雅黑"/>
-              </a:rPr>
-              <a:t>(2</a:t>
-            </a:r>
-            <a:r>
-              <a:rPr lang="zh-CN" altLang="en-US" sz="2000" dirty="0" smtClean="0">
-                <a:latin typeface="微软雅黑"/>
-                <a:ea typeface="微软雅黑"/>
-              </a:rPr>
-              <a:t>课时</a:t>
-            </a:r>
-            <a:r>
-              <a:rPr lang="en-US" altLang="zh-CN" sz="2000" dirty="0" smtClean="0">
-                <a:latin typeface="微软雅黑"/>
-                <a:ea typeface="微软雅黑"/>
-              </a:rPr>
-              <a:t>)</a:t>
-            </a:r>
             <a:endParaRPr lang="zh-CN" altLang="en-US" sz="2000" dirty="0">
               <a:latin typeface="微软雅黑"/>
               <a:ea typeface="微软雅黑"/>
@@ -16208,10 +15863,40 @@
           </a:prstGeom>
         </p:spPr>
       </p:pic>
+      <p:pic>
+        <p:nvPicPr>
+          <p:cNvPr id="7" name="图片 6"/>
+          <p:cNvPicPr>
+            <a:picLocks noChangeAspect="1"/>
+          </p:cNvPicPr>
+          <p:nvPr/>
+        </p:nvPicPr>
+        <p:blipFill>
+          <a:blip r:embed="rId4">
+            <a:extLst>
+              <a:ext uri="{28A0092B-C50C-407E-A947-70E740481C1C}">
+                <a14:useLocalDpi xmlns:a14="http://schemas.microsoft.com/office/drawing/2010/main" val="0"/>
+              </a:ext>
+            </a:extLst>
+          </a:blip>
+          <a:stretch>
+            <a:fillRect/>
+          </a:stretch>
+        </p:blipFill>
+        <p:spPr>
+          <a:xfrm>
+            <a:off x="7058880" y="2767032"/>
+            <a:ext cx="3178634" cy="3393228"/>
+          </a:xfrm>
+          <a:prstGeom prst="rect">
+            <a:avLst/>
+          </a:prstGeom>
+        </p:spPr>
+      </p:pic>
     </p:spTree>
     <p:extLst>
       <p:ext uri="{BB962C8B-B14F-4D97-AF65-F5344CB8AC3E}">
-        <p14:creationId xmlns:p14="http://schemas.microsoft.com/office/powerpoint/2010/main" val="2766451600"/>
+        <p14:creationId xmlns:p14="http://schemas.microsoft.com/office/powerpoint/2010/main" val="2580490048"/>
       </p:ext>
     </p:extLst>
   </p:cSld>
@@ -16311,8 +15996,8 @@
         </p:nvSpPr>
         <p:spPr>
           <a:xfrm>
-            <a:off x="171449" y="342900"/>
-            <a:ext cx="5026851" cy="584775"/>
+            <a:off x="171451" y="342900"/>
+            <a:ext cx="2119086" cy="584775"/>
           </a:xfrm>
           <a:prstGeom prst="rect">
             <a:avLst/>
@@ -16334,45 +16019,8 @@
                 <a:latin typeface="微软雅黑" panose="020B0503020204020204" pitchFamily="34" charset="-122"/>
                 <a:ea typeface="微软雅黑" panose="020B0503020204020204" pitchFamily="34" charset="-122"/>
               </a:rPr>
-              <a:t>各模块介绍</a:t>
-            </a:r>
-            <a:r>
-              <a:rPr lang="en-US" altLang="zh-CN" sz="3200" b="1" dirty="0" smtClean="0">
-                <a:solidFill>
-                  <a:srgbClr val="0070C0"/>
-                </a:solidFill>
-                <a:latin typeface="微软雅黑" panose="020B0503020204020204" pitchFamily="34" charset="-122"/>
-                <a:ea typeface="微软雅黑" panose="020B0503020204020204" pitchFamily="34" charset="-122"/>
-              </a:rPr>
-              <a:t>-</a:t>
-            </a:r>
-            <a:r>
-              <a:rPr lang="zh-CN" altLang="en-US" sz="3200" b="1" dirty="0">
-                <a:solidFill>
-                  <a:srgbClr val="0070C0"/>
-                </a:solidFill>
-                <a:latin typeface="微软雅黑" panose="020B0503020204020204" pitchFamily="34" charset="-122"/>
-                <a:ea typeface="微软雅黑" panose="020B0503020204020204" pitchFamily="34" charset="-122"/>
-              </a:rPr>
-              <a:t>下</a:t>
-            </a:r>
-            <a:r>
-              <a:rPr lang="zh-CN" altLang="en-US" sz="3200" b="1" dirty="0" smtClean="0">
-                <a:solidFill>
-                  <a:srgbClr val="0070C0"/>
-                </a:solidFill>
-                <a:latin typeface="微软雅黑" panose="020B0503020204020204" pitchFamily="34" charset="-122"/>
-                <a:ea typeface="微软雅黑" panose="020B0503020204020204" pitchFamily="34" charset="-122"/>
-              </a:rPr>
-              <a:t>拉菜单模块</a:t>
-            </a:r>
-            <a:endParaRPr lang="zh-CN" altLang="en-US" sz="3200" b="1" dirty="0">
-              <a:solidFill>
-                <a:srgbClr val="0070C0"/>
-              </a:solidFill>
-              <a:latin typeface="微软雅黑" panose="020B0503020204020204" pitchFamily="34" charset="-122"/>
-              <a:ea typeface="微软雅黑" panose="020B0503020204020204" pitchFamily="34" charset="-122"/>
-            </a:endParaRPr>
+              <a:t>任务计划</a:t>
+            </a:r>
           </a:p>
         </p:txBody>
       </p:sp>
@@ -16458,8 +16106,8 @@
         </p:nvSpPr>
         <p:spPr>
           <a:xfrm>
-            <a:off x="575808" y="2623362"/>
-            <a:ext cx="5624597" cy="2246769"/>
+            <a:off x="682074" y="845269"/>
+            <a:ext cx="10703858" cy="6170920"/>
           </a:xfrm>
           <a:prstGeom prst="rect">
             <a:avLst/>
@@ -16484,23 +16132,23 @@
               </a:spcAft>
             </a:pPr>
             <a:r>
-              <a:rPr lang="zh-CN" altLang="en-US" sz="2000" b="1" dirty="0" smtClean="0">
-                <a:latin typeface="Lantinghei SC Demibold" charset="-122"/>
-                <a:ea typeface="Lantinghei SC Demibold" charset="-122"/>
-                <a:cs typeface="Lantinghei SC Demibold" charset="-122"/>
-              </a:rPr>
-              <a:t>下拉菜单</a:t>
+              <a:rPr lang="zh-CN" altLang="en-US" sz="2000" b="1" dirty="0">
+                <a:latin typeface="微软雅黑"/>
+                <a:ea typeface="微软雅黑"/>
+                <a:sym typeface="Gill Sans" charset="0"/>
+              </a:rPr>
+              <a:t>我们将整个项目分为以下任务：</a:t>
             </a:r>
             <a:endParaRPr lang="en-US" altLang="zh-CN" sz="2000" b="1" dirty="0">
-              <a:latin typeface="Lantinghei SC Demibold" charset="-122"/>
-              <a:ea typeface="Lantinghei SC Demibold" charset="-122"/>
-              <a:cs typeface="Lantinghei SC Demibold" charset="-122"/>
+              <a:latin typeface="微软雅黑"/>
+              <a:ea typeface="微软雅黑"/>
+              <a:sym typeface="Gill Sans" charset="0"/>
             </a:endParaRPr>
           </a:p>
           <a:p>
             <a:pPr algn="just" fontAlgn="base">
               <a:lnSpc>
-                <a:spcPct val="175000"/>
+                <a:spcPct val="150000"/>
               </a:lnSpc>
               <a:spcBef>
                 <a:spcPct val="0"/>
@@ -16510,71 +16158,69 @@
               </a:spcAft>
             </a:pPr>
             <a:r>
+              <a:rPr lang="en-US" altLang="zh-CN" sz="2000" dirty="0">
+                <a:latin typeface="微软雅黑"/>
+                <a:ea typeface="微软雅黑"/>
+                <a:sym typeface="Gill Sans" charset="0"/>
+              </a:rPr>
+              <a:t>	01	</a:t>
+            </a:r>
+            <a:r>
+              <a:rPr lang="en-US" altLang="zh-CN" sz="2000" dirty="0" smtClean="0">
+                <a:latin typeface="微软雅黑"/>
+                <a:ea typeface="微软雅黑"/>
+              </a:rPr>
+              <a:t>header</a:t>
+            </a:r>
+            <a:r>
+              <a:rPr lang="zh-CN" altLang="en-US" sz="2000" dirty="0">
+                <a:latin typeface="微软雅黑"/>
+                <a:ea typeface="微软雅黑"/>
+              </a:rPr>
+              <a:t>区域和下拉菜单的制作</a:t>
+            </a:r>
+            <a:r>
               <a:rPr lang="zh-CN" altLang="en-US" sz="2000" dirty="0" smtClean="0">
-                <a:latin typeface="Lantinghei SC Demibold" charset="-122"/>
-                <a:ea typeface="Lantinghei SC Demibold" charset="-122"/>
-                <a:cs typeface="Lantinghei SC Demibold" charset="-122"/>
-              </a:rPr>
-              <a:t>通过下拉菜单我们可以给网站设置发表文章</a:t>
-            </a:r>
-            <a:r>
-              <a:rPr lang="en-US" altLang="zh-CN" sz="2000" dirty="0" smtClean="0">
-                <a:latin typeface="Lantinghei SC Demibold" charset="-122"/>
-                <a:ea typeface="Lantinghei SC Demibold" charset="-122"/>
-                <a:cs typeface="Lantinghei SC Demibold" charset="-122"/>
-              </a:rPr>
-              <a:t>,</a:t>
+                <a:latin typeface="微软雅黑"/>
+                <a:ea typeface="微软雅黑"/>
+                <a:sym typeface="Gill Sans" charset="0"/>
+              </a:rPr>
+              <a:t>（</a:t>
+            </a:r>
+            <a:r>
+              <a:rPr lang="en-US" altLang="zh-CN" sz="2000" dirty="0">
+                <a:latin typeface="微软雅黑"/>
+                <a:ea typeface="微软雅黑"/>
+                <a:sym typeface="Gill Sans" charset="0"/>
+              </a:rPr>
+              <a:t>2</a:t>
             </a:r>
             <a:r>
               <a:rPr lang="zh-CN" altLang="en-US" sz="2000" dirty="0" smtClean="0">
-                <a:latin typeface="Lantinghei SC Demibold" charset="-122"/>
-                <a:ea typeface="Lantinghei SC Demibold" charset="-122"/>
-                <a:cs typeface="Lantinghei SC Demibold" charset="-122"/>
-              </a:rPr>
-              <a:t>网站换肤</a:t>
-            </a:r>
-            <a:r>
-              <a:rPr lang="en-US" altLang="zh-CN" sz="2000" dirty="0" smtClean="0">
-                <a:latin typeface="Lantinghei SC Demibold" charset="-122"/>
-                <a:ea typeface="Lantinghei SC Demibold" charset="-122"/>
-                <a:cs typeface="Lantinghei SC Demibold" charset="-122"/>
-              </a:rPr>
-              <a:t>,</a:t>
-            </a:r>
-            <a:r>
-              <a:rPr lang="zh-CN" altLang="en-US" sz="2000" dirty="0" smtClean="0">
-                <a:latin typeface="Lantinghei SC Demibold" charset="-122"/>
-                <a:ea typeface="Lantinghei SC Demibold" charset="-122"/>
-                <a:cs typeface="Lantinghei SC Demibold" charset="-122"/>
-              </a:rPr>
-              <a:t>网站帮助</a:t>
-            </a:r>
-            <a:r>
-              <a:rPr lang="en-US" altLang="zh-CN" sz="2000" dirty="0" smtClean="0">
-                <a:latin typeface="Lantinghei SC Demibold" charset="-122"/>
-                <a:ea typeface="Lantinghei SC Demibold" charset="-122"/>
-                <a:cs typeface="Lantinghei SC Demibold" charset="-122"/>
-              </a:rPr>
-              <a:t>,</a:t>
-            </a:r>
-            <a:r>
-              <a:rPr lang="zh-CN" altLang="en-US" sz="2000" dirty="0" smtClean="0">
-                <a:latin typeface="Lantinghei SC Demibold" charset="-122"/>
-                <a:ea typeface="Lantinghei SC Demibold" charset="-122"/>
-                <a:cs typeface="Lantinghei SC Demibold" charset="-122"/>
-              </a:rPr>
-              <a:t>退出登录等功能。</a:t>
-            </a:r>
-            <a:endParaRPr kumimoji="1" lang="zh-CN" altLang="en-US" sz="2000" dirty="0">
-              <a:latin typeface="Lantinghei SC Demibold" charset="-122"/>
-              <a:ea typeface="Lantinghei SC Demibold" charset="-122"/>
-              <a:cs typeface="Lantinghei SC Demibold" charset="-122"/>
+                <a:latin typeface="微软雅黑"/>
+                <a:ea typeface="微软雅黑"/>
+                <a:sym typeface="Gill Sans" charset="0"/>
+              </a:rPr>
+              <a:t>课时</a:t>
+            </a:r>
+            <a:r>
+              <a:rPr lang="zh-CN" altLang="en-US" sz="2000" dirty="0">
+                <a:latin typeface="微软雅黑"/>
+                <a:ea typeface="微软雅黑"/>
+                <a:sym typeface="Gill Sans" charset="0"/>
+              </a:rPr>
+              <a:t>）</a:t>
+            </a:r>
+            <a:endParaRPr lang="en-US" altLang="zh-CN" sz="2000" dirty="0">
+              <a:latin typeface="微软雅黑"/>
+              <a:ea typeface="微软雅黑"/>
+              <a:sym typeface="Gill Sans" charset="0"/>
             </a:endParaRPr>
           </a:p>
           <a:p>
             <a:pPr algn="just" fontAlgn="base">
               <a:lnSpc>
-                <a:spcPct val="175000"/>
+                <a:spcPct val="150000"/>
               </a:lnSpc>
               <a:spcBef>
                 <a:spcPct val="0"/>
@@ -16583,6 +16229,674 @@
                 <a:spcPct val="0"/>
               </a:spcAft>
             </a:pPr>
+            <a:r>
+              <a:rPr lang="en-US" altLang="zh-CN" sz="2000" dirty="0">
+                <a:latin typeface="微软雅黑"/>
+                <a:ea typeface="微软雅黑"/>
+                <a:sym typeface="Gill Sans" charset="0"/>
+              </a:rPr>
+              <a:t>	02	</a:t>
+            </a:r>
+            <a:r>
+              <a:rPr lang="zh-CN" altLang="en-US" sz="2000" dirty="0">
+                <a:latin typeface="微软雅黑"/>
+                <a:ea typeface="微软雅黑"/>
+              </a:rPr>
+              <a:t>登录框和弹出登陆框与关闭登陆框的制作</a:t>
+            </a:r>
+            <a:r>
+              <a:rPr lang="zh-CN" altLang="en-US" sz="2000" dirty="0" smtClean="0">
+                <a:latin typeface="微软雅黑"/>
+                <a:ea typeface="微软雅黑"/>
+                <a:sym typeface="Gill Sans" charset="0"/>
+              </a:rPr>
+              <a:t>（</a:t>
+            </a:r>
+            <a:r>
+              <a:rPr lang="en-US" altLang="zh-CN" sz="2000" dirty="0">
+                <a:latin typeface="微软雅黑"/>
+                <a:ea typeface="微软雅黑"/>
+                <a:sym typeface="Gill Sans" charset="0"/>
+              </a:rPr>
+              <a:t>3</a:t>
+            </a:r>
+            <a:r>
+              <a:rPr lang="zh-CN" altLang="en-US" sz="2000" dirty="0" smtClean="0">
+                <a:latin typeface="微软雅黑"/>
+                <a:ea typeface="微软雅黑"/>
+                <a:sym typeface="Gill Sans" charset="0"/>
+              </a:rPr>
+              <a:t>课时</a:t>
+            </a:r>
+            <a:r>
+              <a:rPr lang="zh-CN" altLang="en-US" sz="2000" dirty="0">
+                <a:latin typeface="微软雅黑"/>
+                <a:ea typeface="微软雅黑"/>
+                <a:sym typeface="Gill Sans" charset="0"/>
+              </a:rPr>
+              <a:t>）</a:t>
+            </a:r>
+            <a:endParaRPr lang="en-US" altLang="zh-CN" sz="2000" dirty="0">
+              <a:latin typeface="微软雅黑"/>
+              <a:ea typeface="微软雅黑"/>
+              <a:sym typeface="Gill Sans" charset="0"/>
+            </a:endParaRPr>
+          </a:p>
+          <a:p>
+            <a:pPr algn="just" fontAlgn="base">
+              <a:lnSpc>
+                <a:spcPct val="150000"/>
+              </a:lnSpc>
+              <a:spcBef>
+                <a:spcPct val="0"/>
+              </a:spcBef>
+              <a:spcAft>
+                <a:spcPct val="0"/>
+              </a:spcAft>
+            </a:pPr>
+            <a:r>
+              <a:rPr lang="en-US" altLang="zh-CN" sz="2000" dirty="0">
+                <a:latin typeface="微软雅黑"/>
+                <a:ea typeface="微软雅黑"/>
+                <a:sym typeface="Gill Sans" charset="0"/>
+              </a:rPr>
+              <a:t>	03	</a:t>
+            </a:r>
+            <a:r>
+              <a:rPr lang="zh-CN" altLang="en-US" sz="2000" dirty="0">
+                <a:latin typeface="微软雅黑"/>
+                <a:ea typeface="微软雅黑"/>
+              </a:rPr>
+              <a:t>遮罩和遮罩显示与隐藏</a:t>
+            </a:r>
+            <a:r>
+              <a:rPr lang="zh-CN" altLang="en-US" sz="2000" dirty="0" smtClean="0">
+                <a:latin typeface="微软雅黑"/>
+                <a:ea typeface="微软雅黑"/>
+              </a:rPr>
+              <a:t>制作</a:t>
+            </a:r>
+            <a:r>
+              <a:rPr lang="zh-CN" altLang="en-US" sz="2000" dirty="0" smtClean="0">
+                <a:latin typeface="微软雅黑"/>
+                <a:ea typeface="微软雅黑"/>
+                <a:sym typeface="Gill Sans" charset="0"/>
+              </a:rPr>
+              <a:t>（</a:t>
+            </a:r>
+            <a:r>
+              <a:rPr lang="en-US" altLang="zh-CN" sz="2000" dirty="0">
+                <a:latin typeface="微软雅黑"/>
+                <a:ea typeface="微软雅黑"/>
+                <a:sym typeface="Gill Sans" charset="0"/>
+              </a:rPr>
+              <a:t>2</a:t>
+            </a:r>
+            <a:r>
+              <a:rPr lang="zh-CN" altLang="en-US" sz="2000" dirty="0" smtClean="0">
+                <a:latin typeface="微软雅黑"/>
+                <a:ea typeface="微软雅黑"/>
+                <a:sym typeface="Gill Sans" charset="0"/>
+              </a:rPr>
+              <a:t>课时</a:t>
+            </a:r>
+            <a:r>
+              <a:rPr lang="zh-CN" altLang="en-US" sz="2000" dirty="0">
+                <a:latin typeface="微软雅黑"/>
+                <a:ea typeface="微软雅黑"/>
+                <a:sym typeface="Gill Sans" charset="0"/>
+              </a:rPr>
+              <a:t>）</a:t>
+            </a:r>
+            <a:endParaRPr lang="en-US" altLang="zh-CN" sz="2000" dirty="0">
+              <a:latin typeface="微软雅黑"/>
+              <a:ea typeface="微软雅黑"/>
+              <a:sym typeface="Gill Sans" charset="0"/>
+            </a:endParaRPr>
+          </a:p>
+          <a:p>
+            <a:pPr algn="just" fontAlgn="base">
+              <a:lnSpc>
+                <a:spcPct val="150000"/>
+              </a:lnSpc>
+              <a:spcBef>
+                <a:spcPct val="0"/>
+              </a:spcBef>
+              <a:spcAft>
+                <a:spcPct val="0"/>
+              </a:spcAft>
+            </a:pPr>
+            <a:r>
+              <a:rPr lang="en-US" altLang="zh-CN" sz="2000" dirty="0">
+                <a:latin typeface="微软雅黑"/>
+                <a:ea typeface="微软雅黑"/>
+                <a:sym typeface="Gill Sans" charset="0"/>
+              </a:rPr>
+              <a:t>	04	</a:t>
+            </a:r>
+            <a:r>
+              <a:rPr lang="zh-CN" altLang="en-US" sz="2000" dirty="0">
+                <a:latin typeface="微软雅黑"/>
+                <a:ea typeface="微软雅黑"/>
+              </a:rPr>
+              <a:t>拖拽效果插件制作</a:t>
+            </a:r>
+            <a:r>
+              <a:rPr lang="zh-CN" altLang="en-US" sz="2000" dirty="0" smtClean="0">
+                <a:latin typeface="微软雅黑"/>
+                <a:ea typeface="微软雅黑"/>
+                <a:sym typeface="Gill Sans" charset="0"/>
+              </a:rPr>
+              <a:t>（</a:t>
+            </a:r>
+            <a:r>
+              <a:rPr lang="en-US" altLang="zh-CN" sz="2000" dirty="0">
+                <a:latin typeface="微软雅黑"/>
+                <a:ea typeface="微软雅黑"/>
+                <a:sym typeface="Gill Sans" charset="0"/>
+              </a:rPr>
+              <a:t>5</a:t>
+            </a:r>
+            <a:r>
+              <a:rPr lang="zh-CN" altLang="en-US" sz="2000" dirty="0" smtClean="0">
+                <a:latin typeface="微软雅黑"/>
+                <a:ea typeface="微软雅黑"/>
+                <a:sym typeface="Gill Sans" charset="0"/>
+              </a:rPr>
+              <a:t>课时</a:t>
+            </a:r>
+            <a:r>
+              <a:rPr lang="zh-CN" altLang="en-US" sz="2000" dirty="0">
+                <a:latin typeface="微软雅黑"/>
+                <a:ea typeface="微软雅黑"/>
+                <a:sym typeface="Gill Sans" charset="0"/>
+              </a:rPr>
+              <a:t>）</a:t>
+            </a:r>
+            <a:endParaRPr lang="en-US" altLang="zh-CN" sz="2000" dirty="0">
+              <a:latin typeface="微软雅黑"/>
+              <a:ea typeface="微软雅黑"/>
+              <a:sym typeface="Gill Sans" charset="0"/>
+            </a:endParaRPr>
+          </a:p>
+          <a:p>
+            <a:pPr algn="just" fontAlgn="base">
+              <a:lnSpc>
+                <a:spcPct val="150000"/>
+              </a:lnSpc>
+              <a:spcBef>
+                <a:spcPct val="0"/>
+              </a:spcBef>
+              <a:spcAft>
+                <a:spcPct val="0"/>
+              </a:spcAft>
+            </a:pPr>
+            <a:r>
+              <a:rPr lang="en-US" altLang="zh-CN" sz="2000" dirty="0">
+                <a:latin typeface="微软雅黑"/>
+                <a:ea typeface="微软雅黑"/>
+                <a:sym typeface="Gill Sans" charset="0"/>
+              </a:rPr>
+              <a:t>	05	</a:t>
+            </a:r>
+            <a:r>
+              <a:rPr lang="zh-CN" altLang="en-US" sz="2000" dirty="0">
+                <a:latin typeface="微软雅黑"/>
+                <a:ea typeface="微软雅黑"/>
+              </a:rPr>
+              <a:t>百度分享侧边栏效果制作</a:t>
+            </a:r>
+            <a:r>
+              <a:rPr lang="zh-CN" altLang="en-US" sz="2000" dirty="0" smtClean="0">
+                <a:latin typeface="微软雅黑"/>
+                <a:ea typeface="微软雅黑"/>
+                <a:sym typeface="Gill Sans" charset="0"/>
+              </a:rPr>
+              <a:t>（</a:t>
+            </a:r>
+            <a:r>
+              <a:rPr lang="en-US" altLang="zh-CN" sz="2000" dirty="0" smtClean="0">
+                <a:latin typeface="微软雅黑"/>
+                <a:ea typeface="微软雅黑"/>
+                <a:sym typeface="Gill Sans" charset="0"/>
+              </a:rPr>
+              <a:t>3</a:t>
+            </a:r>
+            <a:r>
+              <a:rPr lang="zh-CN" altLang="en-US" sz="2000" dirty="0" smtClean="0">
+                <a:latin typeface="微软雅黑"/>
+                <a:ea typeface="微软雅黑"/>
+                <a:sym typeface="Gill Sans" charset="0"/>
+              </a:rPr>
+              <a:t>课时</a:t>
+            </a:r>
+            <a:r>
+              <a:rPr lang="zh-CN" altLang="en-US" sz="2000" dirty="0">
+                <a:latin typeface="微软雅黑"/>
+                <a:ea typeface="微软雅黑"/>
+                <a:sym typeface="Gill Sans" charset="0"/>
+              </a:rPr>
+              <a:t>）</a:t>
+            </a:r>
+            <a:endParaRPr lang="en-US" altLang="zh-CN" sz="2000" dirty="0">
+              <a:latin typeface="微软雅黑"/>
+              <a:ea typeface="微软雅黑"/>
+              <a:sym typeface="Gill Sans" charset="0"/>
+            </a:endParaRPr>
+          </a:p>
+          <a:p>
+            <a:pPr algn="just" fontAlgn="base">
+              <a:lnSpc>
+                <a:spcPct val="150000"/>
+              </a:lnSpc>
+              <a:spcBef>
+                <a:spcPct val="0"/>
+              </a:spcBef>
+              <a:spcAft>
+                <a:spcPct val="0"/>
+              </a:spcAft>
+            </a:pPr>
+            <a:r>
+              <a:rPr lang="en-US" altLang="zh-CN" sz="2000" dirty="0">
+                <a:latin typeface="微软雅黑"/>
+                <a:ea typeface="微软雅黑"/>
+                <a:sym typeface="Gill Sans" charset="0"/>
+              </a:rPr>
+              <a:t>	06	</a:t>
+            </a:r>
+            <a:r>
+              <a:rPr lang="zh-CN" altLang="en-US" sz="2000" dirty="0">
+                <a:latin typeface="微软雅黑"/>
+                <a:ea typeface="微软雅黑"/>
+              </a:rPr>
+              <a:t>增强遮罩效果和下拉菜单效果</a:t>
+            </a:r>
+            <a:r>
+              <a:rPr lang="zh-CN" altLang="en-US" sz="2000" dirty="0">
+                <a:latin typeface="微软雅黑"/>
+                <a:ea typeface="微软雅黑"/>
+                <a:sym typeface="Gill Sans" charset="0"/>
+              </a:rPr>
+              <a:t>（</a:t>
+            </a:r>
+            <a:r>
+              <a:rPr lang="en-US" altLang="zh-CN" sz="2000" dirty="0">
+                <a:latin typeface="微软雅黑"/>
+                <a:ea typeface="微软雅黑"/>
+                <a:sym typeface="Gill Sans" charset="0"/>
+              </a:rPr>
+              <a:t>2</a:t>
+            </a:r>
+            <a:r>
+              <a:rPr lang="zh-CN" altLang="en-US" sz="2000" dirty="0">
+                <a:latin typeface="微软雅黑"/>
+                <a:ea typeface="微软雅黑"/>
+                <a:sym typeface="Gill Sans" charset="0"/>
+              </a:rPr>
+              <a:t>课时）</a:t>
+            </a:r>
+            <a:endParaRPr lang="en-US" altLang="zh-CN" sz="2000" dirty="0">
+              <a:latin typeface="微软雅黑"/>
+              <a:ea typeface="微软雅黑"/>
+              <a:sym typeface="Gill Sans" charset="0"/>
+            </a:endParaRPr>
+          </a:p>
+          <a:p>
+            <a:pPr algn="just" fontAlgn="base">
+              <a:lnSpc>
+                <a:spcPct val="150000"/>
+              </a:lnSpc>
+              <a:spcBef>
+                <a:spcPct val="0"/>
+              </a:spcBef>
+              <a:spcAft>
+                <a:spcPct val="0"/>
+              </a:spcAft>
+            </a:pPr>
+            <a:r>
+              <a:rPr lang="en-US" altLang="zh-CN" sz="2000" dirty="0">
+                <a:latin typeface="微软雅黑"/>
+                <a:ea typeface="微软雅黑"/>
+                <a:sym typeface="Gill Sans" charset="0"/>
+              </a:rPr>
+              <a:t>	07	</a:t>
+            </a:r>
+            <a:r>
+              <a:rPr lang="zh-CN" altLang="en-US" sz="2000" dirty="0">
+                <a:latin typeface="微软雅黑"/>
+                <a:ea typeface="微软雅黑"/>
+              </a:rPr>
+              <a:t>导航与滑动导航效果制作</a:t>
+            </a:r>
+            <a:r>
+              <a:rPr lang="zh-CN" altLang="en-US" sz="2000" dirty="0" smtClean="0">
+                <a:latin typeface="微软雅黑"/>
+                <a:ea typeface="微软雅黑"/>
+                <a:sym typeface="Gill Sans" charset="0"/>
+              </a:rPr>
+              <a:t>（</a:t>
+            </a:r>
+            <a:r>
+              <a:rPr lang="en-US" altLang="zh-CN" sz="2000" smtClean="0">
+                <a:latin typeface="微软雅黑"/>
+                <a:ea typeface="微软雅黑"/>
+                <a:sym typeface="Gill Sans" charset="0"/>
+              </a:rPr>
+              <a:t>5</a:t>
+            </a:r>
+            <a:r>
+              <a:rPr lang="zh-CN" altLang="en-US" sz="2000" smtClean="0">
+                <a:latin typeface="微软雅黑"/>
+                <a:ea typeface="微软雅黑"/>
+                <a:sym typeface="Gill Sans" charset="0"/>
+              </a:rPr>
+              <a:t>课时</a:t>
+            </a:r>
+            <a:r>
+              <a:rPr lang="zh-CN" altLang="en-US" sz="2000" dirty="0">
+                <a:latin typeface="微软雅黑"/>
+                <a:ea typeface="微软雅黑"/>
+                <a:sym typeface="Gill Sans" charset="0"/>
+              </a:rPr>
+              <a:t>）</a:t>
+            </a:r>
+            <a:endParaRPr lang="en-US" altLang="zh-CN" sz="2000" dirty="0">
+              <a:latin typeface="微软雅黑"/>
+              <a:ea typeface="微软雅黑"/>
+              <a:sym typeface="Gill Sans" charset="0"/>
+            </a:endParaRPr>
+          </a:p>
+          <a:p>
+            <a:pPr algn="just" fontAlgn="base">
+              <a:lnSpc>
+                <a:spcPct val="150000"/>
+              </a:lnSpc>
+              <a:spcBef>
+                <a:spcPct val="0"/>
+              </a:spcBef>
+              <a:spcAft>
+                <a:spcPct val="0"/>
+              </a:spcAft>
+            </a:pPr>
+            <a:r>
+              <a:rPr lang="en-US" altLang="zh-CN" sz="2000" dirty="0">
+                <a:latin typeface="微软雅黑"/>
+                <a:ea typeface="微软雅黑"/>
+                <a:sym typeface="Gill Sans" charset="0"/>
+              </a:rPr>
+              <a:t>	08	</a:t>
+            </a:r>
+            <a:r>
+              <a:rPr lang="zh-CN" altLang="en-US" sz="2000" dirty="0">
+                <a:latin typeface="微软雅黑"/>
+                <a:ea typeface="微软雅黑"/>
+              </a:rPr>
+              <a:t>菜单与菜单切换效果的制作</a:t>
+            </a:r>
+            <a:r>
+              <a:rPr lang="zh-CN" altLang="en-US" sz="2000" dirty="0">
+                <a:latin typeface="微软雅黑"/>
+                <a:ea typeface="微软雅黑"/>
+                <a:sym typeface="Gill Sans" charset="0"/>
+              </a:rPr>
+              <a:t>（</a:t>
+            </a:r>
+            <a:r>
+              <a:rPr lang="en-US" altLang="zh-CN" sz="2000" dirty="0">
+                <a:latin typeface="微软雅黑"/>
+                <a:ea typeface="微软雅黑"/>
+                <a:sym typeface="Gill Sans" charset="0"/>
+              </a:rPr>
+              <a:t>2</a:t>
+            </a:r>
+            <a:r>
+              <a:rPr lang="zh-CN" altLang="en-US" sz="2000" dirty="0">
+                <a:latin typeface="微软雅黑"/>
+                <a:ea typeface="微软雅黑"/>
+                <a:sym typeface="Gill Sans" charset="0"/>
+              </a:rPr>
+              <a:t>课时）</a:t>
+            </a:r>
+            <a:endParaRPr lang="en-US" altLang="zh-CN" sz="2000" dirty="0">
+              <a:latin typeface="微软雅黑"/>
+              <a:ea typeface="微软雅黑"/>
+              <a:sym typeface="Gill Sans" charset="0"/>
+            </a:endParaRPr>
+          </a:p>
+          <a:p>
+            <a:pPr algn="just" fontAlgn="base">
+              <a:lnSpc>
+                <a:spcPct val="150000"/>
+              </a:lnSpc>
+              <a:spcBef>
+                <a:spcPct val="0"/>
+              </a:spcBef>
+              <a:spcAft>
+                <a:spcPct val="0"/>
+              </a:spcAft>
+            </a:pPr>
+            <a:r>
+              <a:rPr lang="en-US" altLang="zh-CN" sz="2000" dirty="0">
+                <a:latin typeface="微软雅黑"/>
+                <a:ea typeface="微软雅黑"/>
+                <a:sym typeface="Gill Sans" charset="0"/>
+              </a:rPr>
+              <a:t>	09	</a:t>
+            </a:r>
+            <a:r>
+              <a:rPr lang="zh-CN" altLang="en-US" sz="2000" dirty="0">
+                <a:latin typeface="微软雅黑"/>
+                <a:ea typeface="微软雅黑"/>
+              </a:rPr>
+              <a:t>轮播器效果制作</a:t>
+            </a:r>
+            <a:r>
+              <a:rPr lang="zh-CN" altLang="en-US" sz="2000" dirty="0" smtClean="0">
+                <a:latin typeface="微软雅黑"/>
+                <a:ea typeface="微软雅黑"/>
+                <a:sym typeface="Gill Sans" charset="0"/>
+              </a:rPr>
+              <a:t>（</a:t>
+            </a:r>
+            <a:r>
+              <a:rPr lang="en-US" altLang="zh-CN" sz="2000" dirty="0">
+                <a:latin typeface="微软雅黑"/>
+                <a:ea typeface="微软雅黑"/>
+                <a:sym typeface="Gill Sans" charset="0"/>
+              </a:rPr>
+              <a:t>4</a:t>
+            </a:r>
+            <a:r>
+              <a:rPr lang="zh-CN" altLang="en-US" sz="2000" dirty="0" smtClean="0">
+                <a:latin typeface="微软雅黑"/>
+                <a:ea typeface="微软雅黑"/>
+                <a:sym typeface="Gill Sans" charset="0"/>
+              </a:rPr>
+              <a:t>课时</a:t>
+            </a:r>
+            <a:r>
+              <a:rPr lang="zh-CN" altLang="en-US" sz="2000" dirty="0">
+                <a:latin typeface="微软雅黑"/>
+                <a:ea typeface="微软雅黑"/>
+                <a:sym typeface="Gill Sans" charset="0"/>
+              </a:rPr>
+              <a:t>）</a:t>
+            </a:r>
+            <a:endParaRPr lang="en-US" altLang="zh-CN" sz="2000" dirty="0">
+              <a:latin typeface="微软雅黑"/>
+              <a:ea typeface="微软雅黑"/>
+              <a:sym typeface="Gill Sans" charset="0"/>
+            </a:endParaRPr>
+          </a:p>
+          <a:p>
+            <a:pPr algn="just" fontAlgn="base">
+              <a:lnSpc>
+                <a:spcPct val="150000"/>
+              </a:lnSpc>
+              <a:spcBef>
+                <a:spcPct val="0"/>
+              </a:spcBef>
+              <a:spcAft>
+                <a:spcPct val="0"/>
+              </a:spcAft>
+            </a:pPr>
+            <a:r>
+              <a:rPr lang="en-US" altLang="zh-CN" sz="2000" dirty="0">
+                <a:latin typeface="微软雅黑"/>
+                <a:ea typeface="微软雅黑"/>
+                <a:sym typeface="Gill Sans" charset="0"/>
+              </a:rPr>
+              <a:t>	10	</a:t>
+            </a:r>
+            <a:r>
+              <a:rPr lang="zh-CN" altLang="en-US" sz="2000" dirty="0">
+                <a:latin typeface="微软雅黑"/>
+                <a:ea typeface="微软雅黑"/>
+              </a:rPr>
+              <a:t>延迟加载效果制作</a:t>
+            </a:r>
+            <a:r>
+              <a:rPr lang="zh-CN" altLang="en-US" sz="2000" dirty="0" smtClean="0">
+                <a:latin typeface="微软雅黑"/>
+                <a:ea typeface="微软雅黑"/>
+                <a:sym typeface="Gill Sans" charset="0"/>
+              </a:rPr>
+              <a:t>（</a:t>
+            </a:r>
+            <a:r>
+              <a:rPr lang="en-US" altLang="zh-CN" sz="2000" dirty="0">
+                <a:latin typeface="微软雅黑"/>
+                <a:ea typeface="微软雅黑"/>
+                <a:sym typeface="Gill Sans" charset="0"/>
+              </a:rPr>
+              <a:t>4</a:t>
+            </a:r>
+            <a:r>
+              <a:rPr lang="zh-CN" altLang="en-US" sz="2000" dirty="0" smtClean="0">
+                <a:latin typeface="微软雅黑"/>
+                <a:ea typeface="微软雅黑"/>
+                <a:sym typeface="Gill Sans" charset="0"/>
+              </a:rPr>
+              <a:t>课时</a:t>
+            </a:r>
+            <a:r>
+              <a:rPr lang="zh-CN" altLang="en-US" sz="2000" dirty="0">
+                <a:latin typeface="微软雅黑"/>
+                <a:ea typeface="微软雅黑"/>
+                <a:sym typeface="Gill Sans" charset="0"/>
+              </a:rPr>
+              <a:t>）</a:t>
+            </a:r>
+            <a:endParaRPr lang="en-US" altLang="zh-CN" sz="2000" dirty="0">
+              <a:latin typeface="微软雅黑"/>
+              <a:ea typeface="微软雅黑"/>
+              <a:sym typeface="Gill Sans" charset="0"/>
+            </a:endParaRPr>
+          </a:p>
+          <a:p>
+            <a:pPr algn="just" fontAlgn="base">
+              <a:lnSpc>
+                <a:spcPct val="150000"/>
+              </a:lnSpc>
+              <a:spcBef>
+                <a:spcPct val="0"/>
+              </a:spcBef>
+              <a:spcAft>
+                <a:spcPct val="0"/>
+              </a:spcAft>
+            </a:pPr>
+            <a:r>
+              <a:rPr lang="en-US" altLang="zh-CN" sz="2000" dirty="0">
+                <a:latin typeface="微软雅黑"/>
+                <a:ea typeface="微软雅黑"/>
+                <a:sym typeface="Gill Sans" charset="0"/>
+              </a:rPr>
+              <a:t>	11	</a:t>
+            </a:r>
+            <a:r>
+              <a:rPr lang="zh-CN" altLang="en-US" sz="2000" dirty="0">
+                <a:latin typeface="微软雅黑"/>
+                <a:ea typeface="微软雅黑"/>
+              </a:rPr>
+              <a:t>底部区域与文章列表区域制作 </a:t>
+            </a:r>
+            <a:r>
+              <a:rPr lang="en-US" altLang="zh-CN" sz="2000" dirty="0" smtClean="0">
+                <a:latin typeface="微软雅黑"/>
+                <a:ea typeface="微软雅黑"/>
+              </a:rPr>
+              <a:t>(2</a:t>
+            </a:r>
+            <a:r>
+              <a:rPr lang="zh-CN" altLang="en-US" sz="2000" dirty="0" smtClean="0">
+                <a:latin typeface="微软雅黑"/>
+                <a:ea typeface="微软雅黑"/>
+              </a:rPr>
+              <a:t>课时</a:t>
+            </a:r>
+            <a:r>
+              <a:rPr lang="en-US" altLang="zh-CN" sz="2000" dirty="0">
+                <a:latin typeface="微软雅黑"/>
+                <a:ea typeface="微软雅黑"/>
+              </a:rPr>
+              <a:t>)</a:t>
+            </a:r>
+          </a:p>
+          <a:p>
+            <a:pPr algn="just" fontAlgn="base">
+              <a:lnSpc>
+                <a:spcPct val="150000"/>
+              </a:lnSpc>
+              <a:spcBef>
+                <a:spcPct val="0"/>
+              </a:spcBef>
+              <a:spcAft>
+                <a:spcPct val="0"/>
+              </a:spcAft>
+            </a:pPr>
+            <a:r>
+              <a:rPr lang="en-US" altLang="zh-CN" sz="2000" dirty="0">
+                <a:latin typeface="微软雅黑"/>
+                <a:ea typeface="微软雅黑"/>
+                <a:sym typeface="Gill Sans" charset="0"/>
+              </a:rPr>
+              <a:t>	12	</a:t>
+            </a:r>
+            <a:r>
+              <a:rPr lang="zh-CN" altLang="en-US" sz="2000" dirty="0">
+                <a:latin typeface="微软雅黑"/>
+                <a:ea typeface="微软雅黑"/>
+              </a:rPr>
+              <a:t>发表博文区域</a:t>
+            </a:r>
+            <a:r>
+              <a:rPr lang="zh-CN" altLang="en-US" sz="2000" dirty="0" smtClean="0">
+                <a:latin typeface="微软雅黑"/>
+                <a:ea typeface="微软雅黑"/>
+              </a:rPr>
+              <a:t>制作 </a:t>
+            </a:r>
+            <a:r>
+              <a:rPr lang="en-US" altLang="zh-CN" sz="2000" dirty="0" smtClean="0">
+                <a:latin typeface="微软雅黑"/>
+                <a:ea typeface="微软雅黑"/>
+              </a:rPr>
+              <a:t>(2</a:t>
+            </a:r>
+            <a:r>
+              <a:rPr lang="zh-CN" altLang="en-US" sz="2000" dirty="0" smtClean="0">
+                <a:latin typeface="微软雅黑"/>
+                <a:ea typeface="微软雅黑"/>
+              </a:rPr>
+              <a:t>课时</a:t>
+            </a:r>
+            <a:r>
+              <a:rPr lang="en-US" altLang="zh-CN" sz="2000" dirty="0" smtClean="0">
+                <a:latin typeface="微软雅黑"/>
+                <a:ea typeface="微软雅黑"/>
+              </a:rPr>
+              <a:t>)</a:t>
+            </a:r>
             <a:endParaRPr lang="zh-CN" altLang="en-US" sz="2000" dirty="0">
               <a:latin typeface="微软雅黑"/>
               <a:ea typeface="微软雅黑"/>
@@ -16621,40 +16935,10 @@
           </a:prstGeom>
         </p:spPr>
       </p:pic>
-      <p:pic>
-        <p:nvPicPr>
-          <p:cNvPr id="2" name="图片 1"/>
-          <p:cNvPicPr>
-            <a:picLocks noChangeAspect="1"/>
-          </p:cNvPicPr>
-          <p:nvPr/>
-        </p:nvPicPr>
-        <p:blipFill>
-          <a:blip r:embed="rId4">
-            <a:extLst>
-              <a:ext uri="{28A0092B-C50C-407E-A947-70E740481C1C}">
-                <a14:useLocalDpi xmlns:a14="http://schemas.microsoft.com/office/drawing/2010/main" val="0"/>
-              </a:ext>
-            </a:extLst>
-          </a:blip>
-          <a:stretch>
-            <a:fillRect/>
-          </a:stretch>
-        </p:blipFill>
-        <p:spPr>
-          <a:xfrm>
-            <a:off x="5736531" y="2595442"/>
-            <a:ext cx="5724784" cy="2803276"/>
-          </a:xfrm>
-          <a:prstGeom prst="rect">
-            <a:avLst/>
-          </a:prstGeom>
-        </p:spPr>
-      </p:pic>
     </p:spTree>
     <p:extLst>
       <p:ext uri="{BB962C8B-B14F-4D97-AF65-F5344CB8AC3E}">
-        <p14:creationId xmlns:p14="http://schemas.microsoft.com/office/powerpoint/2010/main" val="1841440726"/>
+        <p14:creationId xmlns:p14="http://schemas.microsoft.com/office/powerpoint/2010/main" val="2766451600"/>
       </p:ext>
     </p:extLst>
   </p:cSld>
@@ -16754,8 +17038,8 @@
         </p:nvSpPr>
         <p:spPr>
           <a:xfrm>
-            <a:off x="338383" y="352445"/>
-            <a:ext cx="4043266" cy="584775"/>
+            <a:off x="171449" y="342900"/>
+            <a:ext cx="5026851" cy="584775"/>
           </a:xfrm>
           <a:prstGeom prst="rect">
             <a:avLst/>
@@ -16768,6 +17052,7 @@
           </a:bodyPr>
           <a:lstStyle/>
           <a:p>
+            <a:pPr algn="ctr"/>
             <a:r>
               <a:rPr lang="zh-CN" altLang="en-US" sz="3200" b="1" dirty="0">
                 <a:solidFill>
@@ -16779,7 +17064,7 @@
               <a:t>各模块介绍</a:t>
             </a:r>
             <a:r>
-              <a:rPr lang="en-US" altLang="zh-CN" sz="3200" b="1" dirty="0">
+              <a:rPr lang="en-US" altLang="zh-CN" sz="3200" b="1" dirty="0" smtClean="0">
                 <a:solidFill>
                   <a:srgbClr val="0070C0"/>
                 </a:solidFill>
@@ -16787,6 +17072,16 @@
                 <a:ea typeface="微软雅黑" panose="020B0503020204020204" pitchFamily="34" charset="-122"/>
               </a:rPr>
               <a:t>-</a:t>
+            </a:r>
+            <a:r>
+              <a:rPr lang="zh-CN" altLang="en-US" sz="3200" b="1" dirty="0">
+                <a:solidFill>
+                  <a:srgbClr val="0070C0"/>
+                </a:solidFill>
+                <a:latin typeface="微软雅黑" panose="020B0503020204020204" pitchFamily="34" charset="-122"/>
+                <a:ea typeface="微软雅黑" panose="020B0503020204020204" pitchFamily="34" charset="-122"/>
+              </a:rPr>
+              <a:t>下</a:t>
             </a:r>
             <a:r>
               <a:rPr lang="zh-CN" altLang="en-US" sz="3200" b="1" dirty="0" smtClean="0">
@@ -16796,7 +17091,7 @@
                 <a:latin typeface="微软雅黑" panose="020B0503020204020204" pitchFamily="34" charset="-122"/>
                 <a:ea typeface="微软雅黑" panose="020B0503020204020204" pitchFamily="34" charset="-122"/>
               </a:rPr>
-              <a:t>登录模块</a:t>
+              <a:t>拉菜单模块</a:t>
             </a:r>
             <a:endParaRPr lang="zh-CN" altLang="en-US" sz="3200" b="1" dirty="0">
               <a:solidFill>
@@ -16890,8 +17185,8 @@
         </p:nvSpPr>
         <p:spPr>
           <a:xfrm>
-            <a:off x="751172" y="2588059"/>
-            <a:ext cx="5624597" cy="1708160"/>
+            <a:off x="575808" y="2623362"/>
+            <a:ext cx="5624597" cy="2246769"/>
           </a:xfrm>
           <a:prstGeom prst="rect">
             <a:avLst/>
@@ -16921,15 +17216,7 @@
                 <a:ea typeface="Lantinghei SC Demibold" charset="-122"/>
                 <a:cs typeface="Lantinghei SC Demibold" charset="-122"/>
               </a:rPr>
-              <a:t>登录</a:t>
-            </a:r>
-            <a:r>
-              <a:rPr lang="zh-CN" altLang="en-US" sz="2000" b="1" dirty="0">
-                <a:latin typeface="Lantinghei SC Demibold" charset="-122"/>
-                <a:ea typeface="Lantinghei SC Demibold" charset="-122"/>
-                <a:cs typeface="Lantinghei SC Demibold" charset="-122"/>
-              </a:rPr>
-              <a:t>模块</a:t>
+              <a:t>下拉菜单</a:t>
             </a:r>
             <a:endParaRPr lang="en-US" altLang="zh-CN" sz="2000" b="1" dirty="0">
               <a:latin typeface="Lantinghei SC Demibold" charset="-122"/>
@@ -16950,21 +17237,79 @@
               </a:spcAft>
             </a:pPr>
             <a:r>
-              <a:rPr lang="zh-CN" altLang="en-US" sz="2000" dirty="0">
-                <a:latin typeface="Lantinghei SC Demibold" charset="-122"/>
-                <a:ea typeface="Lantinghei SC Demibold" charset="-122"/>
-                <a:cs typeface="Lantinghei SC Demibold" charset="-122"/>
-              </a:rPr>
-              <a:t>用于用户的登录，在此页面中</a:t>
-            </a:r>
-            <a:r>
               <a:rPr lang="zh-CN" altLang="en-US" sz="2000" dirty="0" smtClean="0">
                 <a:latin typeface="Lantinghei SC Demibold" charset="-122"/>
                 <a:ea typeface="Lantinghei SC Demibold" charset="-122"/>
                 <a:cs typeface="Lantinghei SC Demibold" charset="-122"/>
               </a:rPr>
-              <a:t>包含登录框的显示与隐藏以及表单的验证</a:t>
-            </a:r>
+              <a:t>通过下拉菜单我们可以给网站设置发表文章</a:t>
+            </a:r>
+            <a:r>
+              <a:rPr lang="en-US" altLang="zh-CN" sz="2000" dirty="0" smtClean="0">
+                <a:latin typeface="Lantinghei SC Demibold" charset="-122"/>
+                <a:ea typeface="Lantinghei SC Demibold" charset="-122"/>
+                <a:cs typeface="Lantinghei SC Demibold" charset="-122"/>
+              </a:rPr>
+              <a:t>,</a:t>
+            </a:r>
+            <a:r>
+              <a:rPr lang="zh-CN" altLang="en-US" sz="2000" dirty="0" smtClean="0">
+                <a:latin typeface="Lantinghei SC Demibold" charset="-122"/>
+                <a:ea typeface="Lantinghei SC Demibold" charset="-122"/>
+                <a:cs typeface="Lantinghei SC Demibold" charset="-122"/>
+              </a:rPr>
+              <a:t>网站换肤</a:t>
+            </a:r>
+            <a:r>
+              <a:rPr lang="en-US" altLang="zh-CN" sz="2000" dirty="0" smtClean="0">
+                <a:latin typeface="Lantinghei SC Demibold" charset="-122"/>
+                <a:ea typeface="Lantinghei SC Demibold" charset="-122"/>
+                <a:cs typeface="Lantinghei SC Demibold" charset="-122"/>
+              </a:rPr>
+              <a:t>,</a:t>
+            </a:r>
+            <a:r>
+              <a:rPr lang="zh-CN" altLang="en-US" sz="2000" dirty="0" smtClean="0">
+                <a:latin typeface="Lantinghei SC Demibold" charset="-122"/>
+                <a:ea typeface="Lantinghei SC Demibold" charset="-122"/>
+                <a:cs typeface="Lantinghei SC Demibold" charset="-122"/>
+              </a:rPr>
+              <a:t>网站帮助</a:t>
+            </a:r>
+            <a:r>
+              <a:rPr lang="en-US" altLang="zh-CN" sz="2000" dirty="0" smtClean="0">
+                <a:latin typeface="Lantinghei SC Demibold" charset="-122"/>
+                <a:ea typeface="Lantinghei SC Demibold" charset="-122"/>
+                <a:cs typeface="Lantinghei SC Demibold" charset="-122"/>
+              </a:rPr>
+              <a:t>,</a:t>
+            </a:r>
+            <a:r>
+              <a:rPr lang="zh-CN" altLang="en-US" sz="2000" dirty="0" smtClean="0">
+                <a:latin typeface="Lantinghei SC Demibold" charset="-122"/>
+                <a:ea typeface="Lantinghei SC Demibold" charset="-122"/>
+                <a:cs typeface="Lantinghei SC Demibold" charset="-122"/>
+              </a:rPr>
+              <a:t>退出登录等功能。</a:t>
+            </a:r>
+            <a:endParaRPr kumimoji="1" lang="zh-CN" altLang="en-US" sz="2000" dirty="0">
+              <a:latin typeface="Lantinghei SC Demibold" charset="-122"/>
+              <a:ea typeface="Lantinghei SC Demibold" charset="-122"/>
+              <a:cs typeface="Lantinghei SC Demibold" charset="-122"/>
+            </a:endParaRPr>
+          </a:p>
+          <a:p>
+            <a:pPr algn="just" fontAlgn="base">
+              <a:lnSpc>
+                <a:spcPct val="175000"/>
+              </a:lnSpc>
+              <a:spcBef>
+                <a:spcPct val="0"/>
+              </a:spcBef>
+              <a:spcAft>
+                <a:spcPct val="0"/>
+              </a:spcAft>
+            </a:pPr>
             <a:endParaRPr lang="zh-CN" altLang="en-US" sz="2000" dirty="0">
               <a:latin typeface="微软雅黑"/>
               <a:ea typeface="微软雅黑"/>
@@ -17005,22 +17350,28 @@
       </p:pic>
       <p:pic>
         <p:nvPicPr>
-          <p:cNvPr id="4" name="图片 3"/>
+          <p:cNvPr id="2" name="图片 1"/>
           <p:cNvPicPr>
             <a:picLocks noChangeAspect="1"/>
           </p:cNvPicPr>
           <p:nvPr/>
         </p:nvPicPr>
         <p:blipFill>
-          <a:blip r:embed="rId4"/>
+          <a:blip r:embed="rId4">
+            <a:extLst>
+              <a:ext uri="{28A0092B-C50C-407E-A947-70E740481C1C}">
+                <a14:useLocalDpi xmlns:a14="http://schemas.microsoft.com/office/drawing/2010/main" val="0"/>
+              </a:ext>
+            </a:extLst>
+          </a:blip>
           <a:stretch>
             <a:fillRect/>
           </a:stretch>
         </p:blipFill>
         <p:spPr>
           <a:xfrm>
-            <a:off x="6510664" y="1814897"/>
-            <a:ext cx="5483449" cy="3785803"/>
+            <a:off x="5736531" y="2595442"/>
+            <a:ext cx="5724784" cy="2803276"/>
           </a:xfrm>
           <a:prstGeom prst="rect">
             <a:avLst/>
@@ -17030,7 +17381,7 @@
     </p:spTree>
     <p:extLst>
       <p:ext uri="{BB962C8B-B14F-4D97-AF65-F5344CB8AC3E}">
-        <p14:creationId xmlns:p14="http://schemas.microsoft.com/office/powerpoint/2010/main" val="1368684779"/>
+        <p14:creationId xmlns:p14="http://schemas.microsoft.com/office/powerpoint/2010/main" val="1841440726"/>
       </p:ext>
     </p:extLst>
   </p:cSld>
@@ -17155,7 +17506,7 @@
               <a:t>各模块介绍</a:t>
             </a:r>
             <a:r>
-              <a:rPr lang="en-US" altLang="zh-CN" sz="3200" b="1" dirty="0" smtClean="0">
+              <a:rPr lang="en-US" altLang="zh-CN" sz="3200" b="1" dirty="0">
                 <a:solidFill>
                   <a:srgbClr val="0070C0"/>
                 </a:solidFill>
@@ -17165,15 +17516,22 @@
               <a:t>-</a:t>
             </a:r>
             <a:r>
-              <a:rPr lang="zh-CN" altLang="en-US" sz="3200" b="1" dirty="0">
+              <a:rPr lang="zh-CN" altLang="en-US" sz="3200" b="1" dirty="0" smtClean="0">
                 <a:solidFill>
                   <a:srgbClr val="0070C0"/>
                 </a:solidFill>
                 <a:latin typeface="微软雅黑" panose="020B0503020204020204" pitchFamily="34" charset="-122"/>
                 <a:ea typeface="微软雅黑" panose="020B0503020204020204" pitchFamily="34" charset="-122"/>
               </a:rPr>
-              <a:t>遮罩模块</a:t>
-            </a:r>
+              <a:t>登录模块</a:t>
+            </a:r>
+            <a:endParaRPr lang="zh-CN" altLang="en-US" sz="3200" b="1" dirty="0">
+              <a:solidFill>
+                <a:srgbClr val="0070C0"/>
+              </a:solidFill>
+              <a:latin typeface="微软雅黑" panose="020B0503020204020204" pitchFamily="34" charset="-122"/>
+              <a:ea typeface="微软雅黑" panose="020B0503020204020204" pitchFamily="34" charset="-122"/>
+            </a:endParaRPr>
           </a:p>
         </p:txBody>
       </p:sp>
@@ -17259,7 +17617,7 @@
         </p:nvSpPr>
         <p:spPr>
           <a:xfrm>
-            <a:off x="463073" y="2638163"/>
+            <a:off x="751172" y="2588059"/>
             <a:ext cx="5624597" cy="1708160"/>
           </a:xfrm>
           <a:prstGeom prst="rect">
@@ -17290,9 +17648,17 @@
                 <a:ea typeface="Lantinghei SC Demibold" charset="-122"/>
                 <a:cs typeface="Lantinghei SC Demibold" charset="-122"/>
               </a:rPr>
-              <a:t>锁屏遮罩</a:t>
-            </a:r>
-            <a:endParaRPr lang="en-US" altLang="zh-CN" sz="2000" b="1" dirty="0" smtClean="0">
+              <a:t>登录</a:t>
+            </a:r>
+            <a:r>
+              <a:rPr lang="zh-CN" altLang="en-US" sz="2000" b="1" dirty="0">
+                <a:latin typeface="Lantinghei SC Demibold" charset="-122"/>
+                <a:ea typeface="Lantinghei SC Demibold" charset="-122"/>
+                <a:cs typeface="Lantinghei SC Demibold" charset="-122"/>
+              </a:rPr>
+              <a:t>模块</a:t>
+            </a:r>
+            <a:endParaRPr lang="en-US" altLang="zh-CN" sz="2000" b="1" dirty="0">
               <a:latin typeface="Lantinghei SC Demibold" charset="-122"/>
               <a:ea typeface="Lantinghei SC Demibold" charset="-122"/>
               <a:cs typeface="Lantinghei SC Demibold" charset="-122"/>
@@ -17311,28 +17677,20 @@
               </a:spcAft>
             </a:pPr>
             <a:r>
+              <a:rPr lang="zh-CN" altLang="en-US" sz="2000" dirty="0">
+                <a:latin typeface="Lantinghei SC Demibold" charset="-122"/>
+                <a:ea typeface="Lantinghei SC Demibold" charset="-122"/>
+                <a:cs typeface="Lantinghei SC Demibold" charset="-122"/>
+              </a:rPr>
+              <a:t>用于用户的登录，在此页面中</a:t>
+            </a:r>
+            <a:r>
               <a:rPr lang="zh-CN" altLang="en-US" sz="2000" dirty="0" smtClean="0">
                 <a:latin typeface="Lantinghei SC Demibold" charset="-122"/>
                 <a:ea typeface="Lantinghei SC Demibold" charset="-122"/>
                 <a:cs typeface="Lantinghei SC Demibold" charset="-122"/>
               </a:rPr>
-              <a:t>当有弹出框显示时给页面增加一层遮罩效果</a:t>
-            </a:r>
-            <a:r>
-              <a:rPr lang="en-US" altLang="zh-CN" sz="2000" dirty="0" smtClean="0">
-                <a:latin typeface="Lantinghei SC Demibold" charset="-122"/>
-                <a:ea typeface="Lantinghei SC Demibold" charset="-122"/>
-                <a:cs typeface="Lantinghei SC Demibold" charset="-122"/>
-              </a:rPr>
-              <a:t>,</a:t>
-            </a:r>
-            <a:r>
-              <a:rPr lang="zh-CN" altLang="en-US" sz="2000" dirty="0" smtClean="0">
-                <a:latin typeface="Lantinghei SC Demibold" charset="-122"/>
-                <a:ea typeface="Lantinghei SC Demibold" charset="-122"/>
-                <a:cs typeface="Lantinghei SC Demibold" charset="-122"/>
-              </a:rPr>
-              <a:t>有利于用户的体验以及减少对其他功能的触发。</a:t>
+              <a:t>包含登录框的显示与隐藏以及表单的验证</a:t>
             </a:r>
             <a:endParaRPr lang="zh-CN" altLang="en-US" sz="2000" dirty="0">
               <a:latin typeface="微软雅黑"/>
@@ -17374,7 +17732,7 @@
       </p:pic>
       <p:pic>
         <p:nvPicPr>
-          <p:cNvPr id="2" name="图片 1"/>
+          <p:cNvPr id="4" name="图片 3"/>
           <p:cNvPicPr>
             <a:picLocks noChangeAspect="1"/>
           </p:cNvPicPr>
@@ -17388,8 +17746,8 @@
         </p:blipFill>
         <p:spPr>
           <a:xfrm>
-            <a:off x="6227964" y="2137201"/>
-            <a:ext cx="5616613" cy="3463499"/>
+            <a:off x="6510664" y="1814897"/>
+            <a:ext cx="5483449" cy="3785803"/>
           </a:xfrm>
           <a:prstGeom prst="rect">
             <a:avLst/>
@@ -17399,7 +17757,7 @@
     </p:spTree>
     <p:extLst>
       <p:ext uri="{BB962C8B-B14F-4D97-AF65-F5344CB8AC3E}">
-        <p14:creationId xmlns:p14="http://schemas.microsoft.com/office/powerpoint/2010/main" val="69611731"/>
+        <p14:creationId xmlns:p14="http://schemas.microsoft.com/office/powerpoint/2010/main" val="1368684779"/>
       </p:ext>
     </p:extLst>
   </p:cSld>
